--- a/2020/FC_sept_Graphs_LS/FeatureCloud_PPT_WP4_update.pptx
+++ b/2020/FC_sept_Graphs_LS/FeatureCloud_PPT_WP4_update.pptx
@@ -5,27 +5,22 @@
     <p:sldMasterId id="2147483712" r:id="rId1"/>
   </p:sldMasterIdLst>
   <p:notesMasterIdLst>
-    <p:notesMasterId r:id="rId17"/>
+    <p:notesMasterId r:id="rId12"/>
   </p:notesMasterIdLst>
   <p:handoutMasterIdLst>
-    <p:handoutMasterId r:id="rId18"/>
+    <p:handoutMasterId r:id="rId13"/>
   </p:handoutMasterIdLst>
   <p:sldIdLst>
     <p:sldId id="283" r:id="rId2"/>
     <p:sldId id="289" r:id="rId3"/>
     <p:sldId id="297" r:id="rId4"/>
-    <p:sldId id="298" r:id="rId5"/>
-    <p:sldId id="291" r:id="rId6"/>
-    <p:sldId id="299" r:id="rId7"/>
-    <p:sldId id="292" r:id="rId8"/>
-    <p:sldId id="300" r:id="rId9"/>
-    <p:sldId id="293" r:id="rId10"/>
-    <p:sldId id="294" r:id="rId11"/>
-    <p:sldId id="296" r:id="rId12"/>
-    <p:sldId id="290" r:id="rId13"/>
-    <p:sldId id="286" r:id="rId14"/>
-    <p:sldId id="295" r:id="rId15"/>
-    <p:sldId id="287" r:id="rId16"/>
+    <p:sldId id="291" r:id="rId5"/>
+    <p:sldId id="298" r:id="rId6"/>
+    <p:sldId id="292" r:id="rId7"/>
+    <p:sldId id="300" r:id="rId8"/>
+    <p:sldId id="293" r:id="rId9"/>
+    <p:sldId id="294" r:id="rId10"/>
+    <p:sldId id="299" r:id="rId11"/>
   </p:sldIdLst>
   <p:sldSz cx="9144000" cy="6858000" type="screen4x3"/>
   <p:notesSz cx="6858000" cy="9144000"/>
@@ -2376,7 +2371,7 @@
               </a14:hiddenLine>
             </a:ext>
             <a:ext uri="{FAA26D3D-D897-4be2-8F04-BA451C77F1D7}">
-              <ma14:placeholderFlag xmlns:ma14="http://schemas.microsoft.com/office/mac/drawingml/2011/main" xmlns="" val="1"/>
+              <ma14:placeholderFlag xmlns="" xmlns:ma14="http://schemas.microsoft.com/office/mac/drawingml/2011/main" val="1"/>
             </a:ext>
           </a:extLst>
         </p:spPr>
@@ -2438,7 +2433,7 @@
               </a14:hiddenLine>
             </a:ext>
             <a:ext uri="{FAA26D3D-D897-4be2-8F04-BA451C77F1D7}">
-              <ma14:placeholderFlag xmlns:ma14="http://schemas.microsoft.com/office/mac/drawingml/2011/main" xmlns="" val="1"/>
+              <ma14:placeholderFlag xmlns="" xmlns:ma14="http://schemas.microsoft.com/office/mac/drawingml/2011/main" val="1"/>
             </a:ext>
           </a:extLst>
         </p:spPr>
@@ -3393,7 +3388,7 @@
               </a14:hiddenLine>
             </a:ext>
             <a:ext uri="{FAA26D3D-D897-4be2-8F04-BA451C77F1D7}">
-              <ma14:placeholderFlag xmlns:ma14="http://schemas.microsoft.com/office/mac/drawingml/2011/main" xmlns="" val="1"/>
+              <ma14:placeholderFlag xmlns="" xmlns:ma14="http://schemas.microsoft.com/office/mac/drawingml/2011/main" val="1"/>
             </a:ext>
           </a:extLst>
         </p:spPr>
@@ -3595,7 +3590,41 @@
       </p:grpSpPr>
       <p:sp>
         <p:nvSpPr>
-          <p:cNvPr id="4" name="Fußzeilenplatzhalter 3"/>
+          <p:cNvPr id="2" name="Title 1">
+            <a:extLst>
+              <a:ext uri="{FF2B5EF4-FFF2-40B4-BE49-F238E27FC236}">
+                <a16:creationId xmlns:a16="http://schemas.microsoft.com/office/drawing/2014/main" id="{C1FDB87A-3338-40AF-B490-6445F74B78FC}"/>
+              </a:ext>
+            </a:extLst>
+          </p:cNvPr>
+          <p:cNvSpPr>
+            <a:spLocks noGrp="1"/>
+          </p:cNvSpPr>
+          <p:nvPr>
+            <p:ph type="title"/>
+          </p:nvPr>
+        </p:nvSpPr>
+        <p:spPr/>
+        <p:txBody>
+          <a:bodyPr/>
+          <a:lstStyle/>
+          <a:p>
+            <a:r>
+              <a:rPr lang="en-US" dirty="0"/>
+              <a:t>Federated learning – overview &amp; issues</a:t>
+            </a:r>
+          </a:p>
+        </p:txBody>
+      </p:sp>
+      <p:sp>
+        <p:nvSpPr>
+          <p:cNvPr id="4" name="Footer Placeholder 3">
+            <a:extLst>
+              <a:ext uri="{FF2B5EF4-FFF2-40B4-BE49-F238E27FC236}">
+                <a16:creationId xmlns:a16="http://schemas.microsoft.com/office/drawing/2014/main" id="{C3694155-B703-491F-B4DE-366560C066CF}"/>
+              </a:ext>
+            </a:extLst>
+          </p:cNvPr>
           <p:cNvSpPr>
             <a:spLocks noGrp="1"/>
           </p:cNvSpPr>
@@ -3612,1501 +3641,110 @@
               <a:defRPr/>
             </a:pPr>
             <a:r>
-              <a:rPr lang="en-GB" dirty="0"/>
-              <a:t>This project has received funding from the European Union’s Horizon 2020 research and innovation programme under grant agreement No 826078</a:t>
-            </a:r>
+              <a:rPr lang="de-DE"/>
+              <a:t>This project hast received funding from the European Union’s Horizon 2020 research and innovation programme under grant agreement No </a:t>
+            </a:r>
+            <a:r>
+              <a:rPr lang="is-IS"/>
+              <a:t>826078</a:t>
+            </a:r>
+            <a:endParaRPr lang="de-DE" dirty="0"/>
           </a:p>
         </p:txBody>
       </p:sp>
+      <p:pic>
+        <p:nvPicPr>
+          <p:cNvPr id="5" name="Content Placeholder 5" descr="A close up of a map&#10;&#10;Description automatically generated">
+            <a:extLst>
+              <a:ext uri="{FF2B5EF4-FFF2-40B4-BE49-F238E27FC236}">
+                <a16:creationId xmlns:a16="http://schemas.microsoft.com/office/drawing/2014/main" id="{013E739F-9F30-4F05-8BF4-A1B20223C535}"/>
+              </a:ext>
+            </a:extLst>
+          </p:cNvPr>
+          <p:cNvPicPr>
+            <a:picLocks noGrp="1" noChangeAspect="1"/>
+          </p:cNvPicPr>
+          <p:nvPr>
+            <p:ph sz="quarter" idx="1"/>
+          </p:nvPr>
+        </p:nvPicPr>
+        <p:blipFill>
+          <a:blip r:embed="rId2"/>
+          <a:stretch>
+            <a:fillRect/>
+          </a:stretch>
+        </p:blipFill>
+        <p:spPr>
+          <a:xfrm>
+            <a:off x="481426" y="1564406"/>
+            <a:ext cx="3844032" cy="1638725"/>
+          </a:xfrm>
+        </p:spPr>
+      </p:pic>
       <p:sp>
         <p:nvSpPr>
-          <p:cNvPr id="7" name="Text Box 4"/>
-          <p:cNvSpPr txBox="1">
-            <a:spLocks noChangeArrowheads="1"/>
-          </p:cNvSpPr>
+          <p:cNvPr id="6" name="TextBox 5">
+            <a:extLst>
+              <a:ext uri="{FF2B5EF4-FFF2-40B4-BE49-F238E27FC236}">
+                <a16:creationId xmlns:a16="http://schemas.microsoft.com/office/drawing/2014/main" id="{FD300EB5-CFC7-4E4C-8111-085178D5318B}"/>
+              </a:ext>
+            </a:extLst>
+          </p:cNvPr>
+          <p:cNvSpPr txBox="1"/>
           <p:nvPr/>
         </p:nvSpPr>
-        <p:spPr bwMode="auto">
-          <a:xfrm rot="956087">
-            <a:off x="2468148" y="2548992"/>
-            <a:ext cx="4032250" cy="923330"/>
+        <p:spPr>
+          <a:xfrm>
+            <a:off x="416642" y="3187326"/>
+            <a:ext cx="3908816" cy="553998"/>
           </a:xfrm>
           <a:prstGeom prst="rect">
             <a:avLst/>
           </a:prstGeom>
-          <a:solidFill>
-            <a:srgbClr val="C8D200"/>
-          </a:solidFill>
-          <a:ln w="28575">
-            <a:solidFill>
-              <a:srgbClr val="153A8C"/>
-            </a:solidFill>
-            <a:miter lim="800000"/>
-            <a:headEnd/>
-            <a:tailEnd/>
-          </a:ln>
+          <a:noFill/>
         </p:spPr>
         <p:txBody>
-          <a:bodyPr>
+          <a:bodyPr wrap="square">
             <a:spAutoFit/>
           </a:bodyPr>
           <a:lstStyle/>
           <a:p>
-            <a:pPr algn="ctr"/>
-            <a:r>
-              <a:rPr lang="en-US" sz="1800" b="1" dirty="0"/>
-              <a:t>Please mind the time for your presentation - see agenda. </a:t>
-            </a:r>
-          </a:p>
-          <a:p>
-            <a:pPr algn="ctr"/>
-            <a:r>
-              <a:rPr lang="en-US" sz="1800" b="1" dirty="0"/>
-              <a:t>Thank you.</a:t>
-            </a:r>
+            <a:r>
+              <a:rPr lang="en-GB" sz="1000" dirty="0"/>
+              <a:t>Tian Li, </a:t>
+            </a:r>
+            <a:r>
+              <a:rPr lang="en-GB" sz="1000" dirty="0" err="1"/>
+              <a:t>Anit</a:t>
+            </a:r>
+            <a:r>
+              <a:rPr lang="en-GB" sz="1000" dirty="0"/>
+              <a:t> Kumar </a:t>
+            </a:r>
+            <a:r>
+              <a:rPr lang="en-GB" sz="1000" dirty="0" err="1"/>
+              <a:t>Sahu</a:t>
+            </a:r>
+            <a:r>
+              <a:rPr lang="en-GB" sz="1000" dirty="0"/>
+              <a:t>, </a:t>
+            </a:r>
+            <a:r>
+              <a:rPr lang="en-GB" sz="1000" dirty="0" err="1"/>
+              <a:t>Ameet</a:t>
+            </a:r>
+            <a:r>
+              <a:rPr lang="en-GB" sz="1000" dirty="0"/>
+              <a:t> Talwalkar, and Virginia Smith. Federated Learning: Challenges, Methods, and Future Directions. pages 1–21, 2019. URL http://arxiv.org/abs/1908.07873. </a:t>
+            </a:r>
+            <a:endParaRPr lang="en-US" sz="1000" dirty="0"/>
           </a:p>
         </p:txBody>
       </p:sp>
     </p:spTree>
     <p:extLst>
       <p:ext uri="{BB962C8B-B14F-4D97-AF65-F5344CB8AC3E}">
-        <p14:creationId xmlns:p14="http://schemas.microsoft.com/office/powerpoint/2010/main" val="3062425111"/>
-      </p:ext>
-    </p:extLst>
-  </p:cSld>
-  <p:clrMapOvr>
-    <a:masterClrMapping/>
-  </p:clrMapOvr>
-</p:sld>
-</file>
-
-<file path=ppt/slides/slide11.xml><?xml version="1.0" encoding="utf-8"?>
-<p:sld xmlns:a="http://schemas.openxmlformats.org/drawingml/2006/main" xmlns:r="http://schemas.openxmlformats.org/officeDocument/2006/relationships" xmlns:p="http://schemas.openxmlformats.org/presentationml/2006/main">
-  <p:cSld>
-    <p:spTree>
-      <p:nvGrpSpPr>
-        <p:cNvPr id="1" name=""/>
-        <p:cNvGrpSpPr/>
-        <p:nvPr/>
-      </p:nvGrpSpPr>
-      <p:grpSpPr>
-        <a:xfrm>
-          <a:off x="0" y="0"/>
-          <a:ext cx="0" cy="0"/>
-          <a:chOff x="0" y="0"/>
-          <a:chExt cx="0" cy="0"/>
-        </a:xfrm>
-      </p:grpSpPr>
-      <p:sp>
-        <p:nvSpPr>
-          <p:cNvPr id="2" name="Fußzeilenplatzhalter 1"/>
-          <p:cNvSpPr>
-            <a:spLocks noGrp="1"/>
-          </p:cNvSpPr>
-          <p:nvPr>
-            <p:ph type="ftr" sz="quarter" idx="3"/>
-          </p:nvPr>
-        </p:nvSpPr>
-        <p:spPr/>
-        <p:txBody>
-          <a:bodyPr/>
-          <a:lstStyle/>
-          <a:p>
-            <a:pPr>
-              <a:defRPr/>
-            </a:pPr>
-            <a:r>
-              <a:rPr lang="en-GB" dirty="0"/>
-              <a:t>This project has received funding from the European Union’s Horizon 2020 research and innovation programme under grant agreement No 826078</a:t>
-            </a:r>
-          </a:p>
-        </p:txBody>
-      </p:sp>
-      <p:sp>
-        <p:nvSpPr>
-          <p:cNvPr id="3" name="Inhaltsplatzhalter 2"/>
-          <p:cNvSpPr txBox="1">
-            <a:spLocks/>
-          </p:cNvSpPr>
-          <p:nvPr/>
-        </p:nvSpPr>
-        <p:spPr>
-          <a:xfrm>
-            <a:off x="481426" y="2182940"/>
-            <a:ext cx="8101255" cy="4140000"/>
-          </a:xfrm>
-          <a:prstGeom prst="rect">
-            <a:avLst/>
-          </a:prstGeom>
-        </p:spPr>
-        <p:txBody>
-          <a:bodyPr/>
-          <a:lstStyle>
-            <a:lvl1pPr marL="179388" indent="-179388" algn="l" rtl="0" eaLnBrk="1" fontAlgn="base" hangingPunct="1">
-              <a:lnSpc>
-                <a:spcPts val="2200"/>
-              </a:lnSpc>
-              <a:spcBef>
-                <a:spcPts val="0"/>
-              </a:spcBef>
-              <a:spcAft>
-                <a:spcPts val="1000"/>
-              </a:spcAft>
-              <a:buClr>
-                <a:schemeClr val="accent4"/>
-              </a:buClr>
-              <a:buSzPct val="120000"/>
-              <a:buFont typeface="Arial" charset="0"/>
-              <a:buChar char="•"/>
-              <a:defRPr sz="1800" kern="1200">
-                <a:solidFill>
-                  <a:schemeClr val="accent3"/>
-                </a:solidFill>
-                <a:latin typeface="Arial"/>
-                <a:ea typeface="ＭＳ Ｐゴシック" charset="-128"/>
-                <a:cs typeface="Arial"/>
-              </a:defRPr>
-            </a:lvl1pPr>
-            <a:lvl2pPr marL="536400" indent="-285750" algn="l" rtl="0" eaLnBrk="1" fontAlgn="base" hangingPunct="1">
-              <a:lnSpc>
-                <a:spcPct val="100000"/>
-              </a:lnSpc>
-              <a:spcBef>
-                <a:spcPts val="0"/>
-              </a:spcBef>
-              <a:spcAft>
-                <a:spcPts val="1000"/>
-              </a:spcAft>
-              <a:buClr>
-                <a:schemeClr val="accent4"/>
-              </a:buClr>
-              <a:buSzPct val="120000"/>
-              <a:buFont typeface="Lucida Grande"/>
-              <a:buChar char="–"/>
-              <a:defRPr kern="1200">
-                <a:solidFill>
-                  <a:schemeClr val="accent3"/>
-                </a:solidFill>
-                <a:latin typeface="Arial"/>
-                <a:ea typeface="ＭＳ Ｐゴシック" charset="-128"/>
-                <a:cs typeface="Arial"/>
-              </a:defRPr>
-            </a:lvl2pPr>
-            <a:lvl3pPr marL="684000" indent="-179388" algn="l" rtl="0" eaLnBrk="1" fontAlgn="base" hangingPunct="1">
-              <a:lnSpc>
-                <a:spcPct val="100000"/>
-              </a:lnSpc>
-              <a:spcBef>
-                <a:spcPts val="0"/>
-              </a:spcBef>
-              <a:spcAft>
-                <a:spcPts val="1000"/>
-              </a:spcAft>
-              <a:buClr>
-                <a:schemeClr val="accent4"/>
-              </a:buClr>
-              <a:buSzPct val="120000"/>
-              <a:buFont typeface="Arial" charset="0"/>
-              <a:buChar char="•"/>
-              <a:defRPr sz="1600" kern="1200">
-                <a:solidFill>
-                  <a:schemeClr val="accent3"/>
-                </a:solidFill>
-                <a:latin typeface="Arial"/>
-                <a:ea typeface="ＭＳ Ｐゴシック" charset="-128"/>
-                <a:cs typeface="Arial"/>
-              </a:defRPr>
-            </a:lvl3pPr>
-            <a:lvl4pPr marL="864000" indent="-179388" algn="l" rtl="0" eaLnBrk="1" fontAlgn="base" hangingPunct="1">
-              <a:lnSpc>
-                <a:spcPct val="100000"/>
-              </a:lnSpc>
-              <a:spcBef>
-                <a:spcPts val="0"/>
-              </a:spcBef>
-              <a:spcAft>
-                <a:spcPts val="1000"/>
-              </a:spcAft>
-              <a:buClr>
-                <a:schemeClr val="accent4"/>
-              </a:buClr>
-              <a:buSzPct val="120000"/>
-              <a:buFont typeface="Lucida Grande"/>
-              <a:buChar char="–"/>
-              <a:defRPr sz="1400" kern="1200">
-                <a:solidFill>
-                  <a:schemeClr val="accent3"/>
-                </a:solidFill>
-                <a:latin typeface="Arial"/>
-                <a:ea typeface="ＭＳ Ｐゴシック" charset="-128"/>
-                <a:cs typeface="Arial"/>
-              </a:defRPr>
-            </a:lvl4pPr>
-            <a:lvl5pPr marL="1044000" indent="-179388" algn="l" rtl="0" eaLnBrk="1" fontAlgn="base" hangingPunct="1">
-              <a:lnSpc>
-                <a:spcPct val="100000"/>
-              </a:lnSpc>
-              <a:spcBef>
-                <a:spcPts val="0"/>
-              </a:spcBef>
-              <a:spcAft>
-                <a:spcPts val="1000"/>
-              </a:spcAft>
-              <a:buClr>
-                <a:schemeClr val="accent4"/>
-              </a:buClr>
-              <a:buSzPct val="120000"/>
-              <a:buFont typeface="Arial" charset="0"/>
-              <a:buChar char="•"/>
-              <a:defRPr sz="1400" kern="1200">
-                <a:solidFill>
-                  <a:schemeClr val="accent3"/>
-                </a:solidFill>
-                <a:latin typeface="Arial"/>
-                <a:ea typeface="ＭＳ Ｐゴシック" charset="-128"/>
-                <a:cs typeface="Arial"/>
-              </a:defRPr>
-            </a:lvl5pPr>
-            <a:lvl6pPr marL="2103120" indent="-228600" algn="l" rtl="0" eaLnBrk="1" latinLnBrk="0" hangingPunct="1">
-              <a:spcBef>
-                <a:spcPct val="20000"/>
-              </a:spcBef>
-              <a:buClr>
-                <a:schemeClr val="accent1"/>
-              </a:buClr>
-              <a:buFont typeface="Wingdings"/>
-              <a:buChar char="§"/>
-              <a:defRPr kumimoji="0" sz="1800" kern="1200" baseline="0">
-                <a:solidFill>
-                  <a:schemeClr val="tx1"/>
-                </a:solidFill>
-                <a:latin typeface="+mn-lt"/>
-                <a:ea typeface="+mn-ea"/>
-                <a:cs typeface="+mn-cs"/>
-              </a:defRPr>
-            </a:lvl6pPr>
-            <a:lvl7pPr marL="2377440" indent="-228600" algn="l" rtl="0" eaLnBrk="1" latinLnBrk="0" hangingPunct="1">
-              <a:spcBef>
-                <a:spcPct val="20000"/>
-              </a:spcBef>
-              <a:buClr>
-                <a:schemeClr val="accent2"/>
-              </a:buClr>
-              <a:buFont typeface="Wingdings"/>
-              <a:buChar char="§"/>
-              <a:defRPr kumimoji="0" sz="1800" kern="1200" baseline="0">
-                <a:solidFill>
-                  <a:schemeClr val="tx1"/>
-                </a:solidFill>
-                <a:latin typeface="+mn-lt"/>
-                <a:ea typeface="+mn-ea"/>
-                <a:cs typeface="+mn-cs"/>
-              </a:defRPr>
-            </a:lvl7pPr>
-            <a:lvl8pPr marL="2651760" indent="-228600" algn="l" rtl="0" eaLnBrk="1" latinLnBrk="0" hangingPunct="1">
-              <a:spcBef>
-                <a:spcPct val="20000"/>
-              </a:spcBef>
-              <a:buClr>
-                <a:schemeClr val="accent3"/>
-              </a:buClr>
-              <a:buFont typeface="Wingdings"/>
-              <a:buChar char="§"/>
-              <a:defRPr kumimoji="0" sz="1800" kern="1200" baseline="0">
-                <a:solidFill>
-                  <a:schemeClr val="tx1"/>
-                </a:solidFill>
-                <a:latin typeface="+mn-lt"/>
-                <a:ea typeface="+mn-ea"/>
-                <a:cs typeface="+mn-cs"/>
-              </a:defRPr>
-            </a:lvl8pPr>
-            <a:lvl9pPr marL="2926080" indent="-228600" algn="l" rtl="0" eaLnBrk="1" latinLnBrk="0" hangingPunct="1">
-              <a:spcBef>
-                <a:spcPct val="20000"/>
-              </a:spcBef>
-              <a:buClr>
-                <a:schemeClr val="accent4"/>
-              </a:buClr>
-              <a:buFont typeface="Wingdings"/>
-              <a:buChar char="§"/>
-              <a:defRPr kumimoji="0" sz="1800" kern="1200" baseline="0">
-                <a:solidFill>
-                  <a:schemeClr val="tx1"/>
-                </a:solidFill>
-                <a:latin typeface="+mn-lt"/>
-                <a:ea typeface="+mn-ea"/>
-                <a:cs typeface="+mn-cs"/>
-              </a:defRPr>
-            </a:lvl9pPr>
-          </a:lstStyle>
-          <a:p>
-            <a:pPr marL="0" indent="0" algn="ctr" defTabSz="914400">
-              <a:buFont typeface="Arial" charset="0"/>
-              <a:buNone/>
-            </a:pPr>
-            <a:r>
-              <a:rPr lang="en-GB" sz="3000" b="1" dirty="0"/>
-              <a:t>Power Point Presentation</a:t>
-            </a:r>
-            <a:r>
-              <a:rPr lang="en-GB" sz="2800" b="1" dirty="0"/>
-              <a:t> </a:t>
-            </a:r>
-          </a:p>
-          <a:p>
-            <a:pPr marL="0" indent="0" algn="ctr" defTabSz="914400">
-              <a:buFont typeface="Arial" charset="0"/>
-              <a:buNone/>
-            </a:pPr>
-            <a:r>
-              <a:rPr lang="en-GB" sz="2800" dirty="0"/>
-              <a:t>Design and sample slides</a:t>
-            </a:r>
-          </a:p>
-          <a:p>
-            <a:pPr defTabSz="914400"/>
-            <a:endParaRPr lang="en-GB" dirty="0"/>
-          </a:p>
-        </p:txBody>
-      </p:sp>
-    </p:spTree>
-    <p:extLst>
-      <p:ext uri="{BB962C8B-B14F-4D97-AF65-F5344CB8AC3E}">
-        <p14:creationId xmlns:p14="http://schemas.microsoft.com/office/powerpoint/2010/main" val="3675729712"/>
-      </p:ext>
-    </p:extLst>
-  </p:cSld>
-  <p:clrMapOvr>
-    <a:masterClrMapping/>
-  </p:clrMapOvr>
-</p:sld>
-</file>
-
-<file path=ppt/slides/slide12.xml><?xml version="1.0" encoding="utf-8"?>
-<p:sld xmlns:a="http://schemas.openxmlformats.org/drawingml/2006/main" xmlns:r="http://schemas.openxmlformats.org/officeDocument/2006/relationships" xmlns:p="http://schemas.openxmlformats.org/presentationml/2006/main">
-  <p:cSld>
-    <p:spTree>
-      <p:nvGrpSpPr>
-        <p:cNvPr id="1" name=""/>
-        <p:cNvGrpSpPr/>
-        <p:nvPr/>
-      </p:nvGrpSpPr>
-      <p:grpSpPr>
-        <a:xfrm>
-          <a:off x="0" y="0"/>
-          <a:ext cx="0" cy="0"/>
-          <a:chOff x="0" y="0"/>
-          <a:chExt cx="0" cy="0"/>
-        </a:xfrm>
-      </p:grpSpPr>
-      <p:sp>
-        <p:nvSpPr>
-          <p:cNvPr id="2" name="Titel 1"/>
-          <p:cNvSpPr>
-            <a:spLocks noGrp="1"/>
-          </p:cNvSpPr>
-          <p:nvPr>
-            <p:ph type="title"/>
-          </p:nvPr>
-        </p:nvSpPr>
-        <p:spPr/>
-        <p:txBody>
-          <a:bodyPr/>
-          <a:lstStyle/>
-          <a:p>
-            <a:r>
-              <a:rPr lang="en-GB" dirty="0"/>
-              <a:t>Placeholder for a headline</a:t>
-            </a:r>
-          </a:p>
-        </p:txBody>
-      </p:sp>
-      <p:sp>
-        <p:nvSpPr>
-          <p:cNvPr id="3" name="Inhaltsplatzhalter 2"/>
-          <p:cNvSpPr>
-            <a:spLocks noGrp="1"/>
-          </p:cNvSpPr>
-          <p:nvPr>
-            <p:ph sz="quarter" idx="1"/>
-          </p:nvPr>
-        </p:nvSpPr>
-        <p:spPr/>
-        <p:txBody>
-          <a:bodyPr/>
-          <a:lstStyle/>
-          <a:p>
-            <a:pPr marL="0" lvl="0" indent="0">
-              <a:buNone/>
-            </a:pPr>
-            <a:r>
-              <a:rPr lang="en-GB" dirty="0"/>
-              <a:t>Type your copy text here …</a:t>
-            </a:r>
-          </a:p>
-          <a:p>
-            <a:endParaRPr lang="en-GB" dirty="0"/>
-          </a:p>
-          <a:p>
-            <a:pPr marL="0" indent="0">
-              <a:buNone/>
-            </a:pPr>
-            <a:r>
-              <a:rPr lang="en-GB" b="1" dirty="0"/>
-              <a:t>Bullet list:</a:t>
-            </a:r>
-          </a:p>
-          <a:p>
-            <a:r>
-              <a:rPr lang="en-GB" dirty="0"/>
-              <a:t>First item</a:t>
-            </a:r>
-          </a:p>
-          <a:p>
-            <a:r>
-              <a:rPr lang="en-GB" dirty="0"/>
-              <a:t>Second item</a:t>
-            </a:r>
-          </a:p>
-          <a:p>
-            <a:r>
-              <a:rPr lang="en-GB" dirty="0"/>
-              <a:t>Third item</a:t>
-            </a:r>
-          </a:p>
-          <a:p>
-            <a:pPr lvl="1"/>
-            <a:r>
-              <a:rPr lang="en-GB" dirty="0"/>
-              <a:t>First sub item</a:t>
-            </a:r>
-          </a:p>
-          <a:p>
-            <a:pPr lvl="1"/>
-            <a:r>
-              <a:rPr lang="en-GB" dirty="0"/>
-              <a:t>Second sub item</a:t>
-            </a:r>
-          </a:p>
-        </p:txBody>
-      </p:sp>
-      <p:sp>
-        <p:nvSpPr>
-          <p:cNvPr id="4" name="Fußzeilenplatzhalter 3"/>
-          <p:cNvSpPr>
-            <a:spLocks noGrp="1"/>
-          </p:cNvSpPr>
-          <p:nvPr>
-            <p:ph type="ftr" sz="quarter" idx="3"/>
-          </p:nvPr>
-        </p:nvSpPr>
-        <p:spPr/>
-        <p:txBody>
-          <a:bodyPr/>
-          <a:lstStyle/>
-          <a:p>
-            <a:pPr>
-              <a:defRPr/>
-            </a:pPr>
-            <a:r>
-              <a:rPr lang="en-GB" dirty="0"/>
-              <a:t>This project has received funding from the European Union’s Horizon 2020 research and innovation programme under grant agreement No 826078</a:t>
-            </a:r>
-          </a:p>
-        </p:txBody>
-      </p:sp>
-    </p:spTree>
-    <p:extLst>
-      <p:ext uri="{BB962C8B-B14F-4D97-AF65-F5344CB8AC3E}">
-        <p14:creationId xmlns:p14="http://schemas.microsoft.com/office/powerpoint/2010/main" val="80903361"/>
-      </p:ext>
-    </p:extLst>
-  </p:cSld>
-  <p:clrMapOvr>
-    <a:masterClrMapping/>
-  </p:clrMapOvr>
-</p:sld>
-</file>
-
-<file path=ppt/slides/slide13.xml><?xml version="1.0" encoding="utf-8"?>
-<p:sld xmlns:a="http://schemas.openxmlformats.org/drawingml/2006/main" xmlns:r="http://schemas.openxmlformats.org/officeDocument/2006/relationships" xmlns:p="http://schemas.openxmlformats.org/presentationml/2006/main">
-  <p:cSld>
-    <p:spTree>
-      <p:nvGrpSpPr>
-        <p:cNvPr id="1" name=""/>
-        <p:cNvGrpSpPr/>
-        <p:nvPr/>
-      </p:nvGrpSpPr>
-      <p:grpSpPr>
-        <a:xfrm>
-          <a:off x="0" y="0"/>
-          <a:ext cx="0" cy="0"/>
-          <a:chOff x="0" y="0"/>
-          <a:chExt cx="0" cy="0"/>
-        </a:xfrm>
-      </p:grpSpPr>
-      <p:sp>
-        <p:nvSpPr>
-          <p:cNvPr id="2" name="Titel 1"/>
-          <p:cNvSpPr>
-            <a:spLocks noGrp="1"/>
-          </p:cNvSpPr>
-          <p:nvPr>
-            <p:ph type="title"/>
-          </p:nvPr>
-        </p:nvSpPr>
-        <p:spPr/>
-        <p:txBody>
-          <a:bodyPr/>
-          <a:lstStyle/>
-          <a:p>
-            <a:r>
-              <a:rPr lang="en-GB" dirty="0"/>
-              <a:t>FeatureCloud colour </a:t>
-            </a:r>
-            <a:r>
-              <a:rPr lang="en-GB" dirty="0">
-                <a:latin typeface="Arial" charset="0"/>
-                <a:ea typeface="ＭＳ Ｐゴシック" charset="0"/>
-              </a:rPr>
-              <a:t>palette</a:t>
-            </a:r>
-            <a:endParaRPr lang="en-GB" dirty="0"/>
-          </a:p>
-        </p:txBody>
-      </p:sp>
-      <p:sp>
-        <p:nvSpPr>
-          <p:cNvPr id="4" name="Fußzeilenplatzhalter 3"/>
-          <p:cNvSpPr>
-            <a:spLocks noGrp="1"/>
-          </p:cNvSpPr>
-          <p:nvPr>
-            <p:ph type="ftr" sz="quarter" idx="3"/>
-          </p:nvPr>
-        </p:nvSpPr>
-        <p:spPr/>
-        <p:txBody>
-          <a:bodyPr/>
-          <a:lstStyle/>
-          <a:p>
-            <a:pPr>
-              <a:defRPr/>
-            </a:pPr>
-            <a:r>
-              <a:rPr lang="en-GB" dirty="0"/>
-              <a:t>This project has received funding from the European Union’s Horizon 2020 research and innovation programme under grant agreement No 826078</a:t>
-            </a:r>
-          </a:p>
-        </p:txBody>
-      </p:sp>
-      <p:sp>
-        <p:nvSpPr>
-          <p:cNvPr id="6" name="Rechteck 5"/>
-          <p:cNvSpPr/>
-          <p:nvPr/>
-        </p:nvSpPr>
-        <p:spPr>
-          <a:xfrm>
-            <a:off x="481426" y="2010988"/>
-            <a:ext cx="1439863" cy="1439862"/>
-          </a:xfrm>
-          <a:prstGeom prst="rect">
-            <a:avLst/>
-          </a:prstGeom>
-          <a:solidFill>
-            <a:schemeClr val="tx1"/>
-          </a:solidFill>
-          <a:ln>
-            <a:noFill/>
-          </a:ln>
-          <a:effectLst/>
-        </p:spPr>
-        <p:style>
-          <a:lnRef idx="1">
-            <a:schemeClr val="accent1"/>
-          </a:lnRef>
-          <a:fillRef idx="3">
-            <a:schemeClr val="accent1"/>
-          </a:fillRef>
-          <a:effectRef idx="2">
-            <a:schemeClr val="accent1"/>
-          </a:effectRef>
-          <a:fontRef idx="minor">
-            <a:schemeClr val="lt1"/>
-          </a:fontRef>
-        </p:style>
-        <p:txBody>
-          <a:bodyPr tIns="0" rIns="0" bIns="0" anchor="ctr"/>
-          <a:lstStyle/>
-          <a:p>
-            <a:pPr algn="ctr">
-              <a:defRPr/>
-            </a:pPr>
-            <a:endParaRPr lang="en-GB" sz="1800" dirty="0">
-              <a:ln>
-                <a:solidFill>
-                  <a:schemeClr val="accent1">
-                    <a:lumMod val="20000"/>
-                    <a:lumOff val="80000"/>
-                  </a:schemeClr>
-                </a:solidFill>
-              </a:ln>
-              <a:solidFill>
-                <a:schemeClr val="bg1"/>
-              </a:solidFill>
-              <a:latin typeface=""/>
-            </a:endParaRPr>
-          </a:p>
-        </p:txBody>
-      </p:sp>
-      <p:sp>
-        <p:nvSpPr>
-          <p:cNvPr id="7" name="Rechteck 6"/>
-          <p:cNvSpPr/>
-          <p:nvPr/>
-        </p:nvSpPr>
-        <p:spPr>
-          <a:xfrm>
-            <a:off x="2461039" y="2010988"/>
-            <a:ext cx="1439862" cy="1439862"/>
-          </a:xfrm>
-          <a:prstGeom prst="rect">
-            <a:avLst/>
-          </a:prstGeom>
-          <a:solidFill>
-            <a:schemeClr val="tx2"/>
-          </a:solidFill>
-          <a:ln>
-            <a:noFill/>
-          </a:ln>
-          <a:effectLst/>
-        </p:spPr>
-        <p:style>
-          <a:lnRef idx="1">
-            <a:schemeClr val="accent1"/>
-          </a:lnRef>
-          <a:fillRef idx="3">
-            <a:schemeClr val="accent1"/>
-          </a:fillRef>
-          <a:effectRef idx="2">
-            <a:schemeClr val="accent1"/>
-          </a:effectRef>
-          <a:fontRef idx="minor">
-            <a:schemeClr val="lt1"/>
-          </a:fontRef>
-        </p:style>
-        <p:txBody>
-          <a:bodyPr anchor="ctr"/>
-          <a:lstStyle/>
-          <a:p>
-            <a:pPr algn="ctr">
-              <a:defRPr/>
-            </a:pPr>
-            <a:endParaRPr lang="en-GB" sz="1800" dirty="0">
-              <a:solidFill>
-                <a:srgbClr val="1C89CA"/>
-              </a:solidFill>
-            </a:endParaRPr>
-          </a:p>
-        </p:txBody>
-      </p:sp>
-      <p:sp>
-        <p:nvSpPr>
-          <p:cNvPr id="8" name="Rechteck 11"/>
-          <p:cNvSpPr>
-            <a:spLocks noChangeArrowheads="1"/>
-          </p:cNvSpPr>
-          <p:nvPr/>
-        </p:nvSpPr>
-        <p:spPr bwMode="auto">
-          <a:xfrm>
-            <a:off x="487777" y="3652042"/>
-            <a:ext cx="1578626" cy="492443"/>
-          </a:xfrm>
-          <a:prstGeom prst="rect">
-            <a:avLst/>
-          </a:prstGeom>
-          <a:noFill/>
-          <a:ln>
-            <a:noFill/>
-          </a:ln>
-          <a:extLst>
-            <a:ext uri="{909E8E84-426E-40DD-AFC4-6F175D3DCCD1}">
-              <a14:hiddenFill xmlns:a14="http://schemas.microsoft.com/office/drawing/2010/main">
-                <a:solidFill>
-                  <a:srgbClr val="FFFFFF"/>
-                </a:solidFill>
-              </a14:hiddenFill>
-            </a:ext>
-            <a:ext uri="{91240B29-F687-4F45-9708-019B960494DF}">
-              <a14:hiddenLine xmlns:a14="http://schemas.microsoft.com/office/drawing/2010/main" w="9525">
-                <a:solidFill>
-                  <a:srgbClr val="000000"/>
-                </a:solidFill>
-                <a:miter lim="800000"/>
-                <a:headEnd/>
-                <a:tailEnd/>
-              </a14:hiddenLine>
-            </a:ext>
-          </a:extLst>
-        </p:spPr>
-        <p:txBody>
-          <a:bodyPr wrap="square" lIns="0" tIns="0" rIns="0" bIns="0">
-            <a:spAutoFit/>
-          </a:bodyPr>
-          <a:lstStyle/>
-          <a:p>
-            <a:r>
-              <a:rPr lang="en-GB" sz="1800" b="1" dirty="0"/>
-              <a:t>Data blue</a:t>
-            </a:r>
-            <a:br>
-              <a:rPr lang="en-GB" sz="1800" b="1" dirty="0"/>
-            </a:br>
-            <a:r>
-              <a:rPr lang="en-GB" sz="1400" dirty="0"/>
-              <a:t>0 R 70 G 150 B</a:t>
-            </a:r>
-            <a:endParaRPr lang="en-GB" sz="1400" b="1" dirty="0"/>
-          </a:p>
-        </p:txBody>
-      </p:sp>
-      <p:sp>
-        <p:nvSpPr>
-          <p:cNvPr id="9" name="Rechteck 12"/>
-          <p:cNvSpPr>
-            <a:spLocks noChangeArrowheads="1"/>
-          </p:cNvSpPr>
-          <p:nvPr/>
-        </p:nvSpPr>
-        <p:spPr bwMode="auto">
-          <a:xfrm>
-            <a:off x="2461040" y="3652042"/>
-            <a:ext cx="1547474" cy="492443"/>
-          </a:xfrm>
-          <a:prstGeom prst="rect">
-            <a:avLst/>
-          </a:prstGeom>
-          <a:noFill/>
-          <a:ln>
-            <a:noFill/>
-          </a:ln>
-          <a:extLst>
-            <a:ext uri="{909E8E84-426E-40DD-AFC4-6F175D3DCCD1}">
-              <a14:hiddenFill xmlns:a14="http://schemas.microsoft.com/office/drawing/2010/main">
-                <a:solidFill>
-                  <a:srgbClr val="FFFFFF"/>
-                </a:solidFill>
-              </a14:hiddenFill>
-            </a:ext>
-            <a:ext uri="{91240B29-F687-4F45-9708-019B960494DF}">
-              <a14:hiddenLine xmlns:a14="http://schemas.microsoft.com/office/drawing/2010/main" w="9525">
-                <a:solidFill>
-                  <a:srgbClr val="000000"/>
-                </a:solidFill>
-                <a:miter lim="800000"/>
-                <a:headEnd/>
-                <a:tailEnd/>
-              </a14:hiddenLine>
-            </a:ext>
-          </a:extLst>
-        </p:spPr>
-        <p:txBody>
-          <a:bodyPr wrap="square" lIns="0" tIns="0" rIns="0" bIns="0">
-            <a:spAutoFit/>
-          </a:bodyPr>
-          <a:lstStyle/>
-          <a:p>
-            <a:r>
-              <a:rPr lang="en-GB" sz="1800" b="1" dirty="0"/>
-              <a:t>Cloud blue</a:t>
-            </a:r>
-          </a:p>
-          <a:p>
-            <a:r>
-              <a:rPr lang="en-GB" sz="1400" dirty="0"/>
-              <a:t>30 R 190 G 230 B</a:t>
-            </a:r>
-          </a:p>
-        </p:txBody>
-      </p:sp>
-      <p:sp>
-        <p:nvSpPr>
-          <p:cNvPr id="10" name="Rechteck 9"/>
-          <p:cNvSpPr/>
-          <p:nvPr/>
-        </p:nvSpPr>
-        <p:spPr>
-          <a:xfrm>
-            <a:off x="4295538" y="2010988"/>
-            <a:ext cx="1439862" cy="1439862"/>
-          </a:xfrm>
-          <a:prstGeom prst="rect">
-            <a:avLst/>
-          </a:prstGeom>
-          <a:solidFill>
-            <a:schemeClr val="accent2"/>
-          </a:solidFill>
-          <a:ln>
-            <a:noFill/>
-          </a:ln>
-          <a:effectLst/>
-        </p:spPr>
-        <p:style>
-          <a:lnRef idx="1">
-            <a:schemeClr val="accent1"/>
-          </a:lnRef>
-          <a:fillRef idx="3">
-            <a:schemeClr val="accent1"/>
-          </a:fillRef>
-          <a:effectRef idx="2">
-            <a:schemeClr val="accent1"/>
-          </a:effectRef>
-          <a:fontRef idx="minor">
-            <a:schemeClr val="lt1"/>
-          </a:fontRef>
-        </p:style>
-        <p:txBody>
-          <a:bodyPr anchor="ctr"/>
-          <a:lstStyle/>
-          <a:p>
-            <a:pPr algn="ctr">
-              <a:defRPr/>
-            </a:pPr>
-            <a:endParaRPr lang="en-GB" sz="1800" dirty="0">
-              <a:solidFill>
-                <a:srgbClr val="1C89CA"/>
-              </a:solidFill>
-            </a:endParaRPr>
-          </a:p>
-        </p:txBody>
-      </p:sp>
-      <p:sp>
-        <p:nvSpPr>
-          <p:cNvPr id="11" name="Rechteck 12"/>
-          <p:cNvSpPr>
-            <a:spLocks noChangeArrowheads="1"/>
-          </p:cNvSpPr>
-          <p:nvPr/>
-        </p:nvSpPr>
-        <p:spPr bwMode="auto">
-          <a:xfrm>
-            <a:off x="4295538" y="3652042"/>
-            <a:ext cx="1734253" cy="492443"/>
-          </a:xfrm>
-          <a:prstGeom prst="rect">
-            <a:avLst/>
-          </a:prstGeom>
-          <a:noFill/>
-          <a:ln>
-            <a:noFill/>
-          </a:ln>
-          <a:extLst>
-            <a:ext uri="{909E8E84-426E-40DD-AFC4-6F175D3DCCD1}">
-              <a14:hiddenFill xmlns:a14="http://schemas.microsoft.com/office/drawing/2010/main">
-                <a:solidFill>
-                  <a:srgbClr val="FFFFFF"/>
-                </a:solidFill>
-              </a14:hiddenFill>
-            </a:ext>
-            <a:ext uri="{91240B29-F687-4F45-9708-019B960494DF}">
-              <a14:hiddenLine xmlns:a14="http://schemas.microsoft.com/office/drawing/2010/main" w="9525">
-                <a:solidFill>
-                  <a:srgbClr val="000000"/>
-                </a:solidFill>
-                <a:miter lim="800000"/>
-                <a:headEnd/>
-                <a:tailEnd/>
-              </a14:hiddenLine>
-            </a:ext>
-          </a:extLst>
-        </p:spPr>
-        <p:txBody>
-          <a:bodyPr wrap="square" lIns="0" tIns="0" rIns="0" bIns="0">
-            <a:spAutoFit/>
-          </a:bodyPr>
-          <a:lstStyle/>
-          <a:p>
-            <a:r>
-              <a:rPr lang="en-GB" sz="1800" b="1" dirty="0"/>
-              <a:t>Safety green</a:t>
-            </a:r>
-          </a:p>
-          <a:p>
-            <a:r>
-              <a:rPr lang="en-GB" sz="1400" dirty="0"/>
-              <a:t>200 R 210 G 0B</a:t>
-            </a:r>
-          </a:p>
-        </p:txBody>
-      </p:sp>
-    </p:spTree>
-    <p:extLst>
-      <p:ext uri="{BB962C8B-B14F-4D97-AF65-F5344CB8AC3E}">
-        <p14:creationId xmlns:p14="http://schemas.microsoft.com/office/powerpoint/2010/main" val="1206392221"/>
-      </p:ext>
-    </p:extLst>
-  </p:cSld>
-  <p:clrMapOvr>
-    <a:masterClrMapping/>
-  </p:clrMapOvr>
-</p:sld>
-</file>
-
-<file path=ppt/slides/slide14.xml><?xml version="1.0" encoding="utf-8"?>
-<p:sld xmlns:a="http://schemas.openxmlformats.org/drawingml/2006/main" xmlns:r="http://schemas.openxmlformats.org/officeDocument/2006/relationships" xmlns:p="http://schemas.openxmlformats.org/presentationml/2006/main">
-  <p:cSld>
-    <p:spTree>
-      <p:nvGrpSpPr>
-        <p:cNvPr id="1" name=""/>
-        <p:cNvGrpSpPr/>
-        <p:nvPr/>
-      </p:nvGrpSpPr>
-      <p:grpSpPr>
-        <a:xfrm>
-          <a:off x="0" y="0"/>
-          <a:ext cx="0" cy="0"/>
-          <a:chOff x="0" y="0"/>
-          <a:chExt cx="0" cy="0"/>
-        </a:xfrm>
-      </p:grpSpPr>
-      <p:sp>
-        <p:nvSpPr>
-          <p:cNvPr id="2" name="Titel 1"/>
-          <p:cNvSpPr>
-            <a:spLocks noGrp="1"/>
-          </p:cNvSpPr>
-          <p:nvPr>
-            <p:ph type="title"/>
-          </p:nvPr>
-        </p:nvSpPr>
-        <p:spPr/>
-        <p:txBody>
-          <a:bodyPr/>
-          <a:lstStyle/>
-          <a:p>
-            <a:r>
-              <a:rPr lang="en-GB" dirty="0"/>
-              <a:t>FeatureCloud table design</a:t>
-            </a:r>
-          </a:p>
-        </p:txBody>
-      </p:sp>
-      <p:sp>
-        <p:nvSpPr>
-          <p:cNvPr id="4" name="Fußzeilenplatzhalter 3"/>
-          <p:cNvSpPr>
-            <a:spLocks noGrp="1"/>
-          </p:cNvSpPr>
-          <p:nvPr>
-            <p:ph type="ftr" sz="quarter" idx="3"/>
-          </p:nvPr>
-        </p:nvSpPr>
-        <p:spPr/>
-        <p:txBody>
-          <a:bodyPr/>
-          <a:lstStyle/>
-          <a:p>
-            <a:pPr>
-              <a:defRPr/>
-            </a:pPr>
-            <a:r>
-              <a:rPr lang="en-GB" dirty="0"/>
-              <a:t>This project has received funding from the European Union’s Horizon 2020 research and innovation programme under grant agreement No 826078</a:t>
-            </a:r>
-          </a:p>
-        </p:txBody>
-      </p:sp>
-      <p:graphicFrame>
-        <p:nvGraphicFramePr>
-          <p:cNvPr id="12" name="Tabelle 11"/>
-          <p:cNvGraphicFramePr>
-            <a:graphicFrameLocks noGrp="1"/>
-          </p:cNvGraphicFramePr>
-          <p:nvPr>
-            <p:extLst>
-              <p:ext uri="{D42A27DB-BD31-4B8C-83A1-F6EECF244321}">
-                <p14:modId xmlns:p14="http://schemas.microsoft.com/office/powerpoint/2010/main" val="1572962280"/>
-              </p:ext>
-            </p:extLst>
-          </p:nvPr>
-        </p:nvGraphicFramePr>
-        <p:xfrm>
-          <a:off x="481426" y="2361850"/>
-          <a:ext cx="8022495" cy="2225040"/>
-        </p:xfrm>
-        <a:graphic>
-          <a:graphicData uri="http://schemas.openxmlformats.org/drawingml/2006/table">
-            <a:tbl>
-              <a:tblPr firstRow="1" bandRow="1">
-                <a:tableStyleId>{5C22544A-7EE6-4342-B048-85BDC9FD1C3A}</a:tableStyleId>
-              </a:tblPr>
-              <a:tblGrid>
-                <a:gridCol w="2703734">
-                  <a:extLst>
-                    <a:ext uri="{9D8B030D-6E8A-4147-A177-3AD203B41FA5}">
-                      <a16:colId xmlns:a16="http://schemas.microsoft.com/office/drawing/2014/main" val="20000"/>
-                    </a:ext>
-                  </a:extLst>
-                </a:gridCol>
-                <a:gridCol w="2644596">
-                  <a:extLst>
-                    <a:ext uri="{9D8B030D-6E8A-4147-A177-3AD203B41FA5}">
-                      <a16:colId xmlns:a16="http://schemas.microsoft.com/office/drawing/2014/main" val="20001"/>
-                    </a:ext>
-                  </a:extLst>
-                </a:gridCol>
-                <a:gridCol w="2674165">
-                  <a:extLst>
-                    <a:ext uri="{9D8B030D-6E8A-4147-A177-3AD203B41FA5}">
-                      <a16:colId xmlns:a16="http://schemas.microsoft.com/office/drawing/2014/main" val="20002"/>
-                    </a:ext>
-                  </a:extLst>
-                </a:gridCol>
-              </a:tblGrid>
-              <a:tr h="370840">
-                <a:tc>
-                  <a:txBody>
-                    <a:bodyPr/>
-                    <a:lstStyle/>
-                    <a:p>
-                      <a:r>
-                        <a:rPr lang="en-GB" dirty="0">
-                          <a:latin typeface="Arial" panose="020B0604020202020204" pitchFamily="34" charset="0"/>
-                          <a:cs typeface="Arial" panose="020B0604020202020204" pitchFamily="34" charset="0"/>
-                        </a:rPr>
-                        <a:t>Table Header</a:t>
-                      </a:r>
-                    </a:p>
-                  </a:txBody>
-                  <a:tcPr>
-                    <a:solidFill>
-                      <a:srgbClr val="113283"/>
-                    </a:solidFill>
-                  </a:tcPr>
-                </a:tc>
-                <a:tc>
-                  <a:txBody>
-                    <a:bodyPr/>
-                    <a:lstStyle/>
-                    <a:p>
-                      <a:endParaRPr lang="en-GB"/>
-                    </a:p>
-                  </a:txBody>
-                  <a:tcPr>
-                    <a:solidFill>
-                      <a:srgbClr val="113283"/>
-                    </a:solidFill>
-                  </a:tcPr>
-                </a:tc>
-                <a:tc>
-                  <a:txBody>
-                    <a:bodyPr/>
-                    <a:lstStyle/>
-                    <a:p>
-                      <a:endParaRPr lang="en-GB" dirty="0"/>
-                    </a:p>
-                  </a:txBody>
-                  <a:tcPr>
-                    <a:solidFill>
-                      <a:srgbClr val="113283"/>
-                    </a:solidFill>
-                  </a:tcPr>
-                </a:tc>
-                <a:extLst>
-                  <a:ext uri="{0D108BD9-81ED-4DB2-BD59-A6C34878D82A}">
-                    <a16:rowId xmlns:a16="http://schemas.microsoft.com/office/drawing/2014/main" val="10000"/>
-                  </a:ext>
-                </a:extLst>
-              </a:tr>
-              <a:tr h="370840">
-                <a:tc>
-                  <a:txBody>
-                    <a:bodyPr/>
-                    <a:lstStyle/>
-                    <a:p>
-                      <a:r>
-                        <a:rPr lang="en-GB" dirty="0">
-                          <a:latin typeface="Arial" panose="020B0604020202020204" pitchFamily="34" charset="0"/>
-                          <a:cs typeface="Arial" panose="020B0604020202020204" pitchFamily="34" charset="0"/>
-                        </a:rPr>
-                        <a:t>Body content</a:t>
-                      </a:r>
-                    </a:p>
-                  </a:txBody>
-                  <a:tcPr>
-                    <a:solidFill>
-                      <a:schemeClr val="bg2">
-                        <a:lumMod val="75000"/>
-                      </a:schemeClr>
-                    </a:solidFill>
-                  </a:tcPr>
-                </a:tc>
-                <a:tc>
-                  <a:txBody>
-                    <a:bodyPr/>
-                    <a:lstStyle/>
-                    <a:p>
-                      <a:endParaRPr lang="en-GB" dirty="0">
-                        <a:latin typeface="Arial" panose="020B0604020202020204" pitchFamily="34" charset="0"/>
-                        <a:cs typeface="Arial" panose="020B0604020202020204" pitchFamily="34" charset="0"/>
-                      </a:endParaRPr>
-                    </a:p>
-                  </a:txBody>
-                  <a:tcPr>
-                    <a:solidFill>
-                      <a:schemeClr val="bg2">
-                        <a:lumMod val="75000"/>
-                      </a:schemeClr>
-                    </a:solidFill>
-                  </a:tcPr>
-                </a:tc>
-                <a:tc>
-                  <a:txBody>
-                    <a:bodyPr/>
-                    <a:lstStyle/>
-                    <a:p>
-                      <a:endParaRPr lang="en-GB" dirty="0">
-                        <a:latin typeface="Arial" panose="020B0604020202020204" pitchFamily="34" charset="0"/>
-                        <a:cs typeface="Arial" panose="020B0604020202020204" pitchFamily="34" charset="0"/>
-                      </a:endParaRPr>
-                    </a:p>
-                  </a:txBody>
-                  <a:tcPr>
-                    <a:solidFill>
-                      <a:schemeClr val="bg2">
-                        <a:lumMod val="75000"/>
-                      </a:schemeClr>
-                    </a:solidFill>
-                  </a:tcPr>
-                </a:tc>
-                <a:extLst>
-                  <a:ext uri="{0D108BD9-81ED-4DB2-BD59-A6C34878D82A}">
-                    <a16:rowId xmlns:a16="http://schemas.microsoft.com/office/drawing/2014/main" val="10001"/>
-                  </a:ext>
-                </a:extLst>
-              </a:tr>
-              <a:tr h="370840">
-                <a:tc>
-                  <a:txBody>
-                    <a:bodyPr/>
-                    <a:lstStyle/>
-                    <a:p>
-                      <a:endParaRPr lang="en-GB" dirty="0">
-                        <a:latin typeface="Arial" panose="020B0604020202020204" pitchFamily="34" charset="0"/>
-                        <a:cs typeface="Arial" panose="020B0604020202020204" pitchFamily="34" charset="0"/>
-                      </a:endParaRPr>
-                    </a:p>
-                  </a:txBody>
-                  <a:tcPr>
-                    <a:solidFill>
-                      <a:schemeClr val="bg2">
-                        <a:lumMod val="85000"/>
-                      </a:schemeClr>
-                    </a:solidFill>
-                  </a:tcPr>
-                </a:tc>
-                <a:tc>
-                  <a:txBody>
-                    <a:bodyPr/>
-                    <a:lstStyle/>
-                    <a:p>
-                      <a:endParaRPr lang="en-GB" dirty="0">
-                        <a:latin typeface="Arial" panose="020B0604020202020204" pitchFamily="34" charset="0"/>
-                        <a:cs typeface="Arial" panose="020B0604020202020204" pitchFamily="34" charset="0"/>
-                      </a:endParaRPr>
-                    </a:p>
-                  </a:txBody>
-                  <a:tcPr>
-                    <a:solidFill>
-                      <a:schemeClr val="bg2">
-                        <a:lumMod val="85000"/>
-                      </a:schemeClr>
-                    </a:solidFill>
-                  </a:tcPr>
-                </a:tc>
-                <a:tc>
-                  <a:txBody>
-                    <a:bodyPr/>
-                    <a:lstStyle/>
-                    <a:p>
-                      <a:endParaRPr lang="en-GB" dirty="0">
-                        <a:latin typeface="Arial" panose="020B0604020202020204" pitchFamily="34" charset="0"/>
-                        <a:cs typeface="Arial" panose="020B0604020202020204" pitchFamily="34" charset="0"/>
-                      </a:endParaRPr>
-                    </a:p>
-                  </a:txBody>
-                  <a:tcPr>
-                    <a:solidFill>
-                      <a:schemeClr val="bg2">
-                        <a:lumMod val="85000"/>
-                      </a:schemeClr>
-                    </a:solidFill>
-                  </a:tcPr>
-                </a:tc>
-                <a:extLst>
-                  <a:ext uri="{0D108BD9-81ED-4DB2-BD59-A6C34878D82A}">
-                    <a16:rowId xmlns:a16="http://schemas.microsoft.com/office/drawing/2014/main" val="10002"/>
-                  </a:ext>
-                </a:extLst>
-              </a:tr>
-              <a:tr h="370840">
-                <a:tc>
-                  <a:txBody>
-                    <a:bodyPr/>
-                    <a:lstStyle/>
-                    <a:p>
-                      <a:endParaRPr lang="en-GB" dirty="0">
-                        <a:latin typeface="Arial" panose="020B0604020202020204" pitchFamily="34" charset="0"/>
-                        <a:cs typeface="Arial" panose="020B0604020202020204" pitchFamily="34" charset="0"/>
-                      </a:endParaRPr>
-                    </a:p>
-                  </a:txBody>
-                  <a:tcPr>
-                    <a:solidFill>
-                      <a:schemeClr val="bg2">
-                        <a:lumMod val="75000"/>
-                      </a:schemeClr>
-                    </a:solidFill>
-                  </a:tcPr>
-                </a:tc>
-                <a:tc>
-                  <a:txBody>
-                    <a:bodyPr/>
-                    <a:lstStyle/>
-                    <a:p>
-                      <a:endParaRPr lang="en-GB" dirty="0">
-                        <a:latin typeface="Arial" panose="020B0604020202020204" pitchFamily="34" charset="0"/>
-                        <a:cs typeface="Arial" panose="020B0604020202020204" pitchFamily="34" charset="0"/>
-                      </a:endParaRPr>
-                    </a:p>
-                  </a:txBody>
-                  <a:tcPr>
-                    <a:solidFill>
-                      <a:schemeClr val="bg2">
-                        <a:lumMod val="75000"/>
-                      </a:schemeClr>
-                    </a:solidFill>
-                  </a:tcPr>
-                </a:tc>
-                <a:tc>
-                  <a:txBody>
-                    <a:bodyPr/>
-                    <a:lstStyle/>
-                    <a:p>
-                      <a:endParaRPr lang="en-GB" dirty="0">
-                        <a:latin typeface="Arial" panose="020B0604020202020204" pitchFamily="34" charset="0"/>
-                        <a:cs typeface="Arial" panose="020B0604020202020204" pitchFamily="34" charset="0"/>
-                      </a:endParaRPr>
-                    </a:p>
-                  </a:txBody>
-                  <a:tcPr>
-                    <a:solidFill>
-                      <a:schemeClr val="bg2">
-                        <a:lumMod val="75000"/>
-                      </a:schemeClr>
-                    </a:solidFill>
-                  </a:tcPr>
-                </a:tc>
-                <a:extLst>
-                  <a:ext uri="{0D108BD9-81ED-4DB2-BD59-A6C34878D82A}">
-                    <a16:rowId xmlns:a16="http://schemas.microsoft.com/office/drawing/2014/main" val="10003"/>
-                  </a:ext>
-                </a:extLst>
-              </a:tr>
-              <a:tr h="370840">
-                <a:tc>
-                  <a:txBody>
-                    <a:bodyPr/>
-                    <a:lstStyle/>
-                    <a:p>
-                      <a:endParaRPr lang="en-GB" dirty="0">
-                        <a:latin typeface="Arial" panose="020B0604020202020204" pitchFamily="34" charset="0"/>
-                        <a:cs typeface="Arial" panose="020B0604020202020204" pitchFamily="34" charset="0"/>
-                      </a:endParaRPr>
-                    </a:p>
-                  </a:txBody>
-                  <a:tcPr>
-                    <a:solidFill>
-                      <a:schemeClr val="bg2">
-                        <a:lumMod val="85000"/>
-                      </a:schemeClr>
-                    </a:solidFill>
-                  </a:tcPr>
-                </a:tc>
-                <a:tc>
-                  <a:txBody>
-                    <a:bodyPr/>
-                    <a:lstStyle/>
-                    <a:p>
-                      <a:endParaRPr lang="en-GB" dirty="0">
-                        <a:latin typeface="Arial" panose="020B0604020202020204" pitchFamily="34" charset="0"/>
-                        <a:cs typeface="Arial" panose="020B0604020202020204" pitchFamily="34" charset="0"/>
-                      </a:endParaRPr>
-                    </a:p>
-                  </a:txBody>
-                  <a:tcPr>
-                    <a:solidFill>
-                      <a:schemeClr val="bg2">
-                        <a:lumMod val="85000"/>
-                      </a:schemeClr>
-                    </a:solidFill>
-                  </a:tcPr>
-                </a:tc>
-                <a:tc>
-                  <a:txBody>
-                    <a:bodyPr/>
-                    <a:lstStyle/>
-                    <a:p>
-                      <a:endParaRPr lang="en-GB" dirty="0">
-                        <a:latin typeface="Arial" panose="020B0604020202020204" pitchFamily="34" charset="0"/>
-                        <a:cs typeface="Arial" panose="020B0604020202020204" pitchFamily="34" charset="0"/>
-                      </a:endParaRPr>
-                    </a:p>
-                  </a:txBody>
-                  <a:tcPr>
-                    <a:solidFill>
-                      <a:schemeClr val="bg2">
-                        <a:lumMod val="85000"/>
-                      </a:schemeClr>
-                    </a:solidFill>
-                  </a:tcPr>
-                </a:tc>
-                <a:extLst>
-                  <a:ext uri="{0D108BD9-81ED-4DB2-BD59-A6C34878D82A}">
-                    <a16:rowId xmlns:a16="http://schemas.microsoft.com/office/drawing/2014/main" val="10004"/>
-                  </a:ext>
-                </a:extLst>
-              </a:tr>
-              <a:tr h="370840">
-                <a:tc>
-                  <a:txBody>
-                    <a:bodyPr/>
-                    <a:lstStyle/>
-                    <a:p>
-                      <a:endParaRPr lang="en-GB" dirty="0">
-                        <a:latin typeface="Arial" panose="020B0604020202020204" pitchFamily="34" charset="0"/>
-                        <a:cs typeface="Arial" panose="020B0604020202020204" pitchFamily="34" charset="0"/>
-                      </a:endParaRPr>
-                    </a:p>
-                  </a:txBody>
-                  <a:tcPr>
-                    <a:solidFill>
-                      <a:schemeClr val="bg2">
-                        <a:lumMod val="75000"/>
-                      </a:schemeClr>
-                    </a:solidFill>
-                  </a:tcPr>
-                </a:tc>
-                <a:tc>
-                  <a:txBody>
-                    <a:bodyPr/>
-                    <a:lstStyle/>
-                    <a:p>
-                      <a:endParaRPr lang="en-GB" dirty="0">
-                        <a:latin typeface="Arial" panose="020B0604020202020204" pitchFamily="34" charset="0"/>
-                        <a:cs typeface="Arial" panose="020B0604020202020204" pitchFamily="34" charset="0"/>
-                      </a:endParaRPr>
-                    </a:p>
-                  </a:txBody>
-                  <a:tcPr>
-                    <a:solidFill>
-                      <a:schemeClr val="bg2">
-                        <a:lumMod val="75000"/>
-                      </a:schemeClr>
-                    </a:solidFill>
-                  </a:tcPr>
-                </a:tc>
-                <a:tc>
-                  <a:txBody>
-                    <a:bodyPr/>
-                    <a:lstStyle/>
-                    <a:p>
-                      <a:endParaRPr lang="en-GB" dirty="0">
-                        <a:latin typeface="Arial" panose="020B0604020202020204" pitchFamily="34" charset="0"/>
-                        <a:cs typeface="Arial" panose="020B0604020202020204" pitchFamily="34" charset="0"/>
-                      </a:endParaRPr>
-                    </a:p>
-                  </a:txBody>
-                  <a:tcPr>
-                    <a:solidFill>
-                      <a:schemeClr val="bg2">
-                        <a:lumMod val="75000"/>
-                      </a:schemeClr>
-                    </a:solidFill>
-                  </a:tcPr>
-                </a:tc>
-                <a:extLst>
-                  <a:ext uri="{0D108BD9-81ED-4DB2-BD59-A6C34878D82A}">
-                    <a16:rowId xmlns:a16="http://schemas.microsoft.com/office/drawing/2014/main" val="10005"/>
-                  </a:ext>
-                </a:extLst>
-              </a:tr>
-            </a:tbl>
-          </a:graphicData>
-        </a:graphic>
-      </p:graphicFrame>
-    </p:spTree>
-    <p:extLst>
-      <p:ext uri="{BB962C8B-B14F-4D97-AF65-F5344CB8AC3E}">
-        <p14:creationId xmlns:p14="http://schemas.microsoft.com/office/powerpoint/2010/main" val="4212826135"/>
-      </p:ext>
-    </p:extLst>
-  </p:cSld>
-  <p:clrMapOvr>
-    <a:masterClrMapping/>
-  </p:clrMapOvr>
-</p:sld>
-</file>
-
-<file path=ppt/slides/slide15.xml><?xml version="1.0" encoding="utf-8"?>
-<p:sld xmlns:a="http://schemas.openxmlformats.org/drawingml/2006/main" xmlns:r="http://schemas.openxmlformats.org/officeDocument/2006/relationships" xmlns:p="http://schemas.openxmlformats.org/presentationml/2006/main">
-  <p:cSld>
-    <p:spTree>
-      <p:nvGrpSpPr>
-        <p:cNvPr id="1" name=""/>
-        <p:cNvGrpSpPr/>
-        <p:nvPr/>
-      </p:nvGrpSpPr>
-      <p:grpSpPr>
-        <a:xfrm>
-          <a:off x="0" y="0"/>
-          <a:ext cx="0" cy="0"/>
-          <a:chOff x="0" y="0"/>
-          <a:chExt cx="0" cy="0"/>
-        </a:xfrm>
-      </p:grpSpPr>
-      <p:sp>
-        <p:nvSpPr>
-          <p:cNvPr id="2" name="Fußzeilenplatzhalter 1"/>
-          <p:cNvSpPr>
-            <a:spLocks noGrp="1"/>
-          </p:cNvSpPr>
-          <p:nvPr>
-            <p:ph type="ftr" sz="quarter" idx="3"/>
-          </p:nvPr>
-        </p:nvSpPr>
-        <p:spPr/>
-        <p:txBody>
-          <a:bodyPr/>
-          <a:lstStyle/>
-          <a:p>
-            <a:pPr>
-              <a:defRPr/>
-            </a:pPr>
-            <a:r>
-              <a:rPr lang="en-GB" dirty="0"/>
-              <a:t>This project has received funding from the European Union’s Horizon 2020 research and innovation programme under grant agreement No 826078</a:t>
-            </a:r>
-          </a:p>
-        </p:txBody>
-      </p:sp>
-    </p:spTree>
-    <p:extLst>
-      <p:ext uri="{BB962C8B-B14F-4D97-AF65-F5344CB8AC3E}">
-        <p14:creationId xmlns:p14="http://schemas.microsoft.com/office/powerpoint/2010/main" val="173488271"/>
+        <p14:creationId xmlns:p14="http://schemas.microsoft.com/office/powerpoint/2010/main" val="4039423577"/>
       </p:ext>
     </p:extLst>
   </p:cSld>
@@ -6426,56 +5064,186 @@
             <p:ph sz="quarter" idx="1"/>
           </p:nvPr>
         </p:nvSpPr>
-        <p:spPr/>
+        <p:spPr>
+          <a:xfrm>
+            <a:off x="481426" y="1173600"/>
+            <a:ext cx="8101255" cy="4658400"/>
+          </a:xfrm>
+        </p:spPr>
         <p:txBody>
           <a:bodyPr/>
           <a:lstStyle/>
           <a:p>
-            <a:pPr marL="0" lvl="0" indent="0">
-              <a:buNone/>
-            </a:pPr>
-            <a:r>
-              <a:rPr lang="en-GB" b="1" dirty="0"/>
-              <a:t>Please briefly describe your progress on milestones and deliverables of your WP here: </a:t>
-            </a:r>
-          </a:p>
-          <a:p>
-            <a:pPr marL="0" indent="0">
-              <a:buNone/>
-            </a:pPr>
-            <a:endParaRPr lang="en-GB" b="1" dirty="0"/>
-          </a:p>
-          <a:p>
-            <a:r>
-              <a:rPr lang="en-GB" dirty="0"/>
-              <a:t>First item</a:t>
-            </a:r>
-          </a:p>
-          <a:p>
-            <a:r>
-              <a:rPr lang="en-GB" dirty="0"/>
-              <a:t>Second item</a:t>
-            </a:r>
-          </a:p>
-          <a:p>
-            <a:r>
-              <a:rPr lang="en-GB" dirty="0"/>
-              <a:t>Third item</a:t>
+            <a:r>
+              <a:rPr lang="en-GB" dirty="0">
+                <a:solidFill>
+                  <a:schemeClr val="tx1"/>
+                </a:solidFill>
+                <a:latin typeface="Arial" panose="020B0604020202020204" pitchFamily="34" charset="0"/>
+                <a:cs typeface="Arial" panose="020B0604020202020204" pitchFamily="34" charset="0"/>
+              </a:rPr>
+              <a:t>Our </a:t>
+            </a:r>
+            <a:r>
+              <a:rPr lang="en-GB" b="0" dirty="0">
+                <a:solidFill>
+                  <a:schemeClr val="tx1"/>
+                </a:solidFill>
+                <a:effectLst/>
+                <a:latin typeface="Arial" panose="020B0604020202020204" pitchFamily="34" charset="0"/>
+                <a:cs typeface="Arial" panose="020B0604020202020204" pitchFamily="34" charset="0"/>
+              </a:rPr>
+              <a:t>original thought was to tackle graphs in a traditional way</a:t>
             </a:r>
           </a:p>
           <a:p>
             <a:pPr lvl="1"/>
             <a:r>
-              <a:rPr lang="en-GB" dirty="0"/>
-              <a:t> First sub item</a:t>
+              <a:rPr lang="en-GB" sz="1600" b="0" dirty="0">
+                <a:solidFill>
+                  <a:schemeClr val="tx1"/>
+                </a:solidFill>
+                <a:effectLst/>
+                <a:latin typeface="Arial" panose="020B0604020202020204" pitchFamily="34" charset="0"/>
+                <a:cs typeface="Arial" panose="020B0604020202020204" pitchFamily="34" charset="0"/>
+              </a:rPr>
+              <a:t>assume a global (connected) graph</a:t>
             </a:r>
           </a:p>
           <a:p>
             <a:pPr lvl="1"/>
             <a:r>
-              <a:rPr lang="en-GB" dirty="0"/>
-              <a:t> Second sub item</a:t>
-            </a:r>
+              <a:rPr lang="en-GB" sz="1600" b="0" dirty="0">
+                <a:solidFill>
+                  <a:schemeClr val="tx1"/>
+                </a:solidFill>
+                <a:effectLst/>
+                <a:latin typeface="Arial" panose="020B0604020202020204" pitchFamily="34" charset="0"/>
+                <a:cs typeface="Arial" panose="020B0604020202020204" pitchFamily="34" charset="0"/>
+              </a:rPr>
+              <a:t>distribute it optimally or not via partitioning (KL, MCMF, RW, …)</a:t>
+            </a:r>
+          </a:p>
+          <a:p>
+            <a:r>
+              <a:rPr lang="en-GB" dirty="0">
+                <a:solidFill>
+                  <a:schemeClr val="tx1"/>
+                </a:solidFill>
+                <a:latin typeface="Arial" panose="020B0604020202020204" pitchFamily="34" charset="0"/>
+                <a:cs typeface="Arial" panose="020B0604020202020204" pitchFamily="34" charset="0"/>
+              </a:rPr>
+              <a:t>T</a:t>
+            </a:r>
+            <a:r>
+              <a:rPr lang="en-GB" b="0" dirty="0">
+                <a:solidFill>
+                  <a:schemeClr val="tx1"/>
+                </a:solidFill>
+                <a:effectLst/>
+                <a:latin typeface="Arial" panose="020B0604020202020204" pitchFamily="34" charset="0"/>
+                <a:cs typeface="Arial" panose="020B0604020202020204" pitchFamily="34" charset="0"/>
+              </a:rPr>
+              <a:t>his idea came from an experimental mindset, where we assumed having a certain dataset which we could compute globally </a:t>
+            </a:r>
+          </a:p>
+          <a:p>
+            <a:pPr lvl="1"/>
+            <a:r>
+              <a:rPr lang="en-GB" sz="1600" b="0" dirty="0">
+                <a:solidFill>
+                  <a:schemeClr val="tx1"/>
+                </a:solidFill>
+                <a:effectLst/>
+                <a:latin typeface="Arial" panose="020B0604020202020204" pitchFamily="34" charset="0"/>
+                <a:cs typeface="Arial" panose="020B0604020202020204" pitchFamily="34" charset="0"/>
+              </a:rPr>
+              <a:t>then split the data &amp; compare with distributed results</a:t>
+            </a:r>
+            <a:endParaRPr lang="en-GB" sz="800" b="0" dirty="0">
+              <a:solidFill>
+                <a:schemeClr val="tx1"/>
+              </a:solidFill>
+              <a:effectLst/>
+              <a:latin typeface="Arial" panose="020B0604020202020204" pitchFamily="34" charset="0"/>
+              <a:cs typeface="Arial" panose="020B0604020202020204" pitchFamily="34" charset="0"/>
+            </a:endParaRPr>
+          </a:p>
+          <a:p>
+            <a:r>
+              <a:rPr lang="en-GB" dirty="0">
+                <a:solidFill>
+                  <a:schemeClr val="tx1"/>
+                </a:solidFill>
+                <a:latin typeface="Arial" panose="020B0604020202020204" pitchFamily="34" charset="0"/>
+                <a:cs typeface="Arial" panose="020B0604020202020204" pitchFamily="34" charset="0"/>
+              </a:rPr>
+              <a:t>R</a:t>
+            </a:r>
+            <a:r>
+              <a:rPr lang="en-GB" b="0" dirty="0">
+                <a:solidFill>
+                  <a:schemeClr val="tx1"/>
+                </a:solidFill>
+                <a:effectLst/>
+                <a:latin typeface="Arial" panose="020B0604020202020204" pitchFamily="34" charset="0"/>
+                <a:cs typeface="Arial" panose="020B0604020202020204" pitchFamily="34" charset="0"/>
+              </a:rPr>
+              <a:t>eality however will actually determine datasets and their locality (distribution for us. Also, graph types will never be ”text-book pure”</a:t>
+            </a:r>
+          </a:p>
+          <a:p>
+            <a:r>
+              <a:rPr lang="en-GB" b="0" dirty="0">
+                <a:solidFill>
+                  <a:schemeClr val="tx1"/>
+                </a:solidFill>
+                <a:effectLst/>
+                <a:latin typeface="Arial" panose="020B0604020202020204" pitchFamily="34" charset="0"/>
+                <a:cs typeface="Arial" panose="020B0604020202020204" pitchFamily="34" charset="0"/>
+              </a:rPr>
+              <a:t>Also, in modern network representation learning approaches (RW-based  / GCNs) strict graph classes are rarely (never) mentioned</a:t>
+            </a:r>
+          </a:p>
+          <a:p>
+            <a:r>
+              <a:rPr lang="en-GB" dirty="0">
+                <a:solidFill>
+                  <a:schemeClr val="tx1"/>
+                </a:solidFill>
+                <a:latin typeface="Arial" panose="020B0604020202020204" pitchFamily="34" charset="0"/>
+                <a:cs typeface="Arial" panose="020B0604020202020204" pitchFamily="34" charset="0"/>
+              </a:rPr>
+              <a:t>Quick experiments: graph (sim) recommenders / w|d2v|ft embeddings</a:t>
+            </a:r>
+            <a:endParaRPr lang="en-GB" b="0" dirty="0">
+              <a:solidFill>
+                <a:schemeClr val="tx1"/>
+              </a:solidFill>
+              <a:effectLst/>
+              <a:latin typeface="Arial" panose="020B0604020202020204" pitchFamily="34" charset="0"/>
+              <a:cs typeface="Arial" panose="020B0604020202020204" pitchFamily="34" charset="0"/>
+            </a:endParaRPr>
+          </a:p>
+          <a:p>
+            <a:r>
+              <a:rPr lang="en-GB" dirty="0">
+                <a:solidFill>
+                  <a:schemeClr val="tx1"/>
+                </a:solidFill>
+                <a:latin typeface="Arial" panose="020B0604020202020204" pitchFamily="34" charset="0"/>
+                <a:cs typeface="Arial" panose="020B0604020202020204" pitchFamily="34" charset="0"/>
+              </a:rPr>
+              <a:t>Conclusion: The formulation of our original work packages and tasks changed rather significantly towards GRL &amp; node / graph embeddings…</a:t>
+            </a:r>
+            <a:endParaRPr lang="en-GB" b="0" dirty="0">
+              <a:solidFill>
+                <a:schemeClr val="tx1"/>
+              </a:solidFill>
+              <a:effectLst/>
+              <a:latin typeface="Arial" panose="020B0604020202020204" pitchFamily="34" charset="0"/>
+              <a:cs typeface="Arial" panose="020B0604020202020204" pitchFamily="34" charset="0"/>
+            </a:endParaRPr>
           </a:p>
         </p:txBody>
       </p:sp>
@@ -6536,6 +5304,283 @@
       </p:grpSpPr>
       <p:sp>
         <p:nvSpPr>
+          <p:cNvPr id="2" name="Titel 1"/>
+          <p:cNvSpPr>
+            <a:spLocks noGrp="1"/>
+          </p:cNvSpPr>
+          <p:nvPr>
+            <p:ph type="title"/>
+          </p:nvPr>
+        </p:nvSpPr>
+        <p:spPr/>
+        <p:txBody>
+          <a:bodyPr/>
+          <a:lstStyle/>
+          <a:p>
+            <a:r>
+              <a:rPr lang="en-GB" dirty="0"/>
+              <a:t>WP4 – What have we learned? </a:t>
+            </a:r>
+          </a:p>
+        </p:txBody>
+      </p:sp>
+      <p:sp>
+        <p:nvSpPr>
+          <p:cNvPr id="3" name="Inhaltsplatzhalter 2"/>
+          <p:cNvSpPr>
+            <a:spLocks noGrp="1"/>
+          </p:cNvSpPr>
+          <p:nvPr>
+            <p:ph sz="quarter" idx="1"/>
+          </p:nvPr>
+        </p:nvSpPr>
+        <p:spPr>
+          <a:xfrm>
+            <a:off x="417600" y="1137600"/>
+            <a:ext cx="8244974" cy="4802400"/>
+          </a:xfrm>
+        </p:spPr>
+        <p:txBody>
+          <a:bodyPr/>
+          <a:lstStyle/>
+          <a:p>
+            <a:r>
+              <a:rPr lang="en-GB" dirty="0">
+                <a:solidFill>
+                  <a:schemeClr val="tx1"/>
+                </a:solidFill>
+                <a:latin typeface="Arial" panose="020B0604020202020204" pitchFamily="34" charset="0"/>
+                <a:cs typeface="Arial" panose="020B0604020202020204" pitchFamily="34" charset="0"/>
+              </a:rPr>
+              <a:t>C</a:t>
+            </a:r>
+            <a:r>
+              <a:rPr lang="en-GB" b="0" dirty="0">
+                <a:solidFill>
+                  <a:schemeClr val="tx1"/>
+                </a:solidFill>
+                <a:effectLst/>
+                <a:latin typeface="Arial" panose="020B0604020202020204" pitchFamily="34" charset="0"/>
+                <a:cs typeface="Arial" panose="020B0604020202020204" pitchFamily="34" charset="0"/>
+              </a:rPr>
+              <a:t>annot use spectral graph theory (e.g. feeding an Adjacency or Laplace matrix into a CNN)</a:t>
+            </a:r>
+          </a:p>
+          <a:p>
+            <a:pPr lvl="1"/>
+            <a:r>
+              <a:rPr lang="en-GB" sz="1600" b="0" dirty="0">
+                <a:solidFill>
+                  <a:schemeClr val="tx1"/>
+                </a:solidFill>
+                <a:effectLst/>
+                <a:latin typeface="Arial" panose="020B0604020202020204" pitchFamily="34" charset="0"/>
+                <a:cs typeface="Arial" panose="020B0604020202020204" pitchFamily="34" charset="0"/>
+              </a:rPr>
+              <a:t>this would assume we know all nodes in beforehand</a:t>
+            </a:r>
+          </a:p>
+          <a:p>
+            <a:pPr lvl="1"/>
+            <a:r>
+              <a:rPr lang="en-GB" sz="1600" b="0" dirty="0">
+                <a:solidFill>
+                  <a:schemeClr val="tx1"/>
+                </a:solidFill>
+                <a:effectLst/>
+                <a:latin typeface="Arial" panose="020B0604020202020204" pitchFamily="34" charset="0"/>
+                <a:cs typeface="Arial" panose="020B0604020202020204" pitchFamily="34" charset="0"/>
+              </a:rPr>
+              <a:t>every change in the graph would trigger a complete re-computation</a:t>
+            </a:r>
+          </a:p>
+          <a:p>
+            <a:pPr lvl="1"/>
+            <a:r>
+              <a:rPr lang="en-GB" sz="1600" b="0" dirty="0">
+                <a:solidFill>
+                  <a:schemeClr val="tx1"/>
+                </a:solidFill>
+                <a:effectLst/>
+                <a:latin typeface="Arial" panose="020B0604020202020204" pitchFamily="34" charset="0"/>
+                <a:cs typeface="Arial" panose="020B0604020202020204" pitchFamily="34" charset="0"/>
+              </a:rPr>
+              <a:t>also unrealistic on distributed graphs, or if parts of the data are sensitive</a:t>
+            </a:r>
+          </a:p>
+          <a:p>
+            <a:r>
+              <a:rPr lang="en-GB" dirty="0">
+                <a:solidFill>
+                  <a:schemeClr val="tx1"/>
+                </a:solidFill>
+                <a:latin typeface="Arial" panose="020B0604020202020204" pitchFamily="34" charset="0"/>
+                <a:cs typeface="Arial" panose="020B0604020202020204" pitchFamily="34" charset="0"/>
+              </a:rPr>
+              <a:t>C</a:t>
+            </a:r>
+            <a:r>
+              <a:rPr lang="en-GB" b="0" dirty="0">
+                <a:solidFill>
+                  <a:schemeClr val="tx1"/>
+                </a:solidFill>
+                <a:effectLst/>
+                <a:latin typeface="Arial" panose="020B0604020202020204" pitchFamily="34" charset="0"/>
+                <a:cs typeface="Arial" panose="020B0604020202020204" pitchFamily="34" charset="0"/>
+              </a:rPr>
+              <a:t>annot use transductive methods (which propagate labels based on some proximity assumption)</a:t>
+            </a:r>
+          </a:p>
+          <a:p>
+            <a:pPr lvl="1"/>
+            <a:r>
+              <a:rPr lang="en-GB" sz="1600" b="0" dirty="0">
+                <a:solidFill>
+                  <a:schemeClr val="tx1"/>
+                </a:solidFill>
+                <a:effectLst/>
+                <a:latin typeface="Arial" panose="020B0604020202020204" pitchFamily="34" charset="0"/>
+                <a:cs typeface="Arial" panose="020B0604020202020204" pitchFamily="34" charset="0"/>
+              </a:rPr>
+              <a:t>with a random walk (like deepwalk), it depends whether the local graphs are sizeable enough for expressive vectors. </a:t>
+            </a:r>
+          </a:p>
+          <a:p>
+            <a:r>
+              <a:rPr lang="en-GB" dirty="0">
+                <a:solidFill>
+                  <a:schemeClr val="tx1"/>
+                </a:solidFill>
+                <a:latin typeface="Arial" panose="020B0604020202020204" pitchFamily="34" charset="0"/>
+                <a:cs typeface="Arial" panose="020B0604020202020204" pitchFamily="34" charset="0"/>
+              </a:rPr>
+              <a:t>T</a:t>
+            </a:r>
+            <a:r>
+              <a:rPr lang="en-GB" b="0" dirty="0">
+                <a:solidFill>
+                  <a:schemeClr val="tx1"/>
+                </a:solidFill>
+                <a:effectLst/>
+                <a:latin typeface="Arial" panose="020B0604020202020204" pitchFamily="34" charset="0"/>
+                <a:cs typeface="Arial" panose="020B0604020202020204" pitchFamily="34" charset="0"/>
+              </a:rPr>
+              <a:t>herefore, neighbourhood-aggregation is much more promising</a:t>
+            </a:r>
+          </a:p>
+          <a:p>
+            <a:pPr lvl="1"/>
+            <a:r>
+              <a:rPr lang="en-GB" sz="1600" b="0" dirty="0">
+                <a:solidFill>
+                  <a:schemeClr val="tx1"/>
+                </a:solidFill>
+                <a:effectLst/>
+                <a:latin typeface="Arial" panose="020B0604020202020204" pitchFamily="34" charset="0"/>
+                <a:cs typeface="Arial" panose="020B0604020202020204" pitchFamily="34" charset="0"/>
+              </a:rPr>
+              <a:t>can be sampled for each node =&gt; built-in parallelization</a:t>
+            </a:r>
+          </a:p>
+          <a:p>
+            <a:pPr lvl="1"/>
+            <a:r>
+              <a:rPr lang="en-GB" sz="1600" b="0" dirty="0">
+                <a:solidFill>
+                  <a:schemeClr val="tx1"/>
+                </a:solidFill>
+                <a:effectLst/>
+                <a:latin typeface="Arial" panose="020B0604020202020204" pitchFamily="34" charset="0"/>
+                <a:cs typeface="Arial" panose="020B0604020202020204" pitchFamily="34" charset="0"/>
+              </a:rPr>
+              <a:t>don't need to compute the whole graph at once</a:t>
+            </a:r>
+          </a:p>
+          <a:p>
+            <a:pPr lvl="1"/>
+            <a:r>
+              <a:rPr lang="en-GB" sz="1600" b="0" dirty="0">
+                <a:solidFill>
+                  <a:schemeClr val="tx1"/>
+                </a:solidFill>
+                <a:effectLst/>
+                <a:latin typeface="Arial" panose="020B0604020202020204" pitchFamily="34" charset="0"/>
+                <a:cs typeface="Arial" panose="020B0604020202020204" pitchFamily="34" charset="0"/>
+              </a:rPr>
+              <a:t>can learn weight matrices forming an inductive model, so we can classify previously unseen nodes later on</a:t>
+            </a:r>
+          </a:p>
+          <a:p>
+            <a:pPr marL="0" lvl="0" indent="0">
+              <a:buNone/>
+            </a:pPr>
+            <a:endParaRPr lang="en-GB" dirty="0">
+              <a:solidFill>
+                <a:schemeClr val="tx1"/>
+              </a:solidFill>
+              <a:latin typeface="Arial" panose="020B0604020202020204" pitchFamily="34" charset="0"/>
+              <a:cs typeface="Arial" panose="020B0604020202020204" pitchFamily="34" charset="0"/>
+            </a:endParaRPr>
+          </a:p>
+        </p:txBody>
+      </p:sp>
+      <p:sp>
+        <p:nvSpPr>
+          <p:cNvPr id="4" name="Fußzeilenplatzhalter 3"/>
+          <p:cNvSpPr>
+            <a:spLocks noGrp="1"/>
+          </p:cNvSpPr>
+          <p:nvPr>
+            <p:ph type="ftr" sz="quarter" idx="3"/>
+          </p:nvPr>
+        </p:nvSpPr>
+        <p:spPr/>
+        <p:txBody>
+          <a:bodyPr/>
+          <a:lstStyle/>
+          <a:p>
+            <a:pPr>
+              <a:defRPr/>
+            </a:pPr>
+            <a:r>
+              <a:rPr lang="en-GB" dirty="0"/>
+              <a:t>This project has received funding from the European Union’s Horizon 2020 research and innovation programme under grant agreement No 826078</a:t>
+            </a:r>
+          </a:p>
+        </p:txBody>
+      </p:sp>
+    </p:spTree>
+    <p:extLst>
+      <p:ext uri="{BB962C8B-B14F-4D97-AF65-F5344CB8AC3E}">
+        <p14:creationId xmlns:p14="http://schemas.microsoft.com/office/powerpoint/2010/main" val="1755911748"/>
+      </p:ext>
+    </p:extLst>
+  </p:cSld>
+  <p:clrMapOvr>
+    <a:masterClrMapping/>
+  </p:clrMapOvr>
+</p:sld>
+</file>
+
+<file path=ppt/slides/slide5.xml><?xml version="1.0" encoding="utf-8"?>
+<p:sld xmlns:a="http://schemas.openxmlformats.org/drawingml/2006/main" xmlns:r="http://schemas.openxmlformats.org/officeDocument/2006/relationships" xmlns:p="http://schemas.openxmlformats.org/presentationml/2006/main">
+  <p:cSld>
+    <p:spTree>
+      <p:nvGrpSpPr>
+        <p:cNvPr id="1" name=""/>
+        <p:cNvGrpSpPr/>
+        <p:nvPr/>
+      </p:nvGrpSpPr>
+      <p:grpSpPr>
+        <a:xfrm>
+          <a:off x="0" y="0"/>
+          <a:ext cx="0" cy="0"/>
+          <a:chOff x="0" y="0"/>
+          <a:chExt cx="0" cy="0"/>
+        </a:xfrm>
+      </p:grpSpPr>
+      <p:sp>
+        <p:nvSpPr>
           <p:cNvPr id="2" name="Title 1">
             <a:extLst>
               <a:ext uri="{FF2B5EF4-FFF2-40B4-BE49-F238E27FC236}">
@@ -6550,12 +5595,28 @@
             <p:ph type="title"/>
           </p:nvPr>
         </p:nvSpPr>
-        <p:spPr/>
+        <p:spPr>
+          <a:xfrm>
+            <a:off x="409212" y="632154"/>
+            <a:ext cx="6905988" cy="904226"/>
+          </a:xfrm>
+        </p:spPr>
         <p:txBody>
           <a:bodyPr/>
           <a:lstStyle/>
           <a:p>
-            <a:endParaRPr lang="en-US" dirty="0"/>
+            <a:r>
+              <a:rPr lang="en-US" dirty="0"/>
+              <a:t>WP4 – Schematic overview of </a:t>
+            </a:r>
+            <a:r>
+              <a:rPr lang="en-US" dirty="0" err="1"/>
+              <a:t>neighbourhood</a:t>
+            </a:r>
+            <a:r>
+              <a:rPr lang="en-US" dirty="0"/>
+              <a:t> aggregation (GraphSAGE)</a:t>
+            </a:r>
           </a:p>
         </p:txBody>
       </p:sp>
@@ -6617,8 +5678,8 @@
         </p:blipFill>
         <p:spPr>
           <a:xfrm>
-            <a:off x="706207" y="2035847"/>
-            <a:ext cx="4813736" cy="1962150"/>
+            <a:off x="5199495" y="1111609"/>
+            <a:ext cx="3743456" cy="1525888"/>
           </a:xfrm>
           <a:prstGeom prst="rect">
             <a:avLst/>
@@ -6627,26 +5688,300 @@
       </p:pic>
       <p:sp>
         <p:nvSpPr>
-          <p:cNvPr id="9" name="Content Placeholder 8">
+          <p:cNvPr id="7" name="TextBox 6">
             <a:extLst>
               <a:ext uri="{FF2B5EF4-FFF2-40B4-BE49-F238E27FC236}">
-                <a16:creationId xmlns:a16="http://schemas.microsoft.com/office/drawing/2014/main" id="{CA342E1A-5EF8-4145-9E2A-3B32179C1D90}"/>
+                <a16:creationId xmlns:a16="http://schemas.microsoft.com/office/drawing/2014/main" id="{4A5B7192-DAAE-44C2-844E-CAAEE3B64B04}"/>
               </a:ext>
             </a:extLst>
           </p:cNvPr>
-          <p:cNvSpPr>
-            <a:spLocks noGrp="1"/>
-          </p:cNvSpPr>
-          <p:nvPr>
-            <p:ph sz="quarter" idx="1"/>
-          </p:nvPr>
+          <p:cNvSpPr txBox="1"/>
+          <p:nvPr/>
         </p:nvSpPr>
-        <p:spPr/>
+        <p:spPr>
+          <a:xfrm>
+            <a:off x="285341" y="1915268"/>
+            <a:ext cx="4310216" cy="861774"/>
+          </a:xfrm>
+          <a:prstGeom prst="rect">
+            <a:avLst/>
+          </a:prstGeom>
+          <a:noFill/>
+        </p:spPr>
         <p:txBody>
-          <a:bodyPr/>
+          <a:bodyPr wrap="square">
+            <a:spAutoFit/>
+          </a:bodyPr>
           <a:lstStyle/>
           <a:p>
-            <a:endParaRPr lang="en-US" dirty="0"/>
+            <a:pPr marR="0" lvl="0" algn="just">
+              <a:spcBef>
+                <a:spcPts val="0"/>
+              </a:spcBef>
+              <a:spcAft>
+                <a:spcPts val="0"/>
+              </a:spcAft>
+            </a:pPr>
+            <a:r>
+              <a:rPr lang="en-GB" sz="1000" dirty="0">
+                <a:solidFill>
+                  <a:srgbClr val="000000"/>
+                </a:solidFill>
+                <a:effectLst/>
+                <a:latin typeface="Arial" panose="020B0604020202020204" pitchFamily="34" charset="0"/>
+                <a:ea typeface="Arial" panose="020B0604020202020204" pitchFamily="34" charset="0"/>
+              </a:rPr>
+              <a:t>Rex Ying, Ruining He, Kaifeng Chen, Pong </a:t>
+            </a:r>
+            <a:r>
+              <a:rPr lang="en-GB" sz="1000" dirty="0" err="1">
+                <a:solidFill>
+                  <a:srgbClr val="000000"/>
+                </a:solidFill>
+                <a:effectLst/>
+                <a:latin typeface="Arial" panose="020B0604020202020204" pitchFamily="34" charset="0"/>
+                <a:ea typeface="Arial" panose="020B0604020202020204" pitchFamily="34" charset="0"/>
+              </a:rPr>
+              <a:t>Eksombatchai</a:t>
+            </a:r>
+            <a:r>
+              <a:rPr lang="en-GB" sz="1000" dirty="0">
+                <a:solidFill>
+                  <a:srgbClr val="000000"/>
+                </a:solidFill>
+                <a:effectLst/>
+                <a:latin typeface="Arial" panose="020B0604020202020204" pitchFamily="34" charset="0"/>
+                <a:ea typeface="Arial" panose="020B0604020202020204" pitchFamily="34" charset="0"/>
+              </a:rPr>
+              <a:t>, William L. Hamilton, and Jure Leskovec. Graph convolutional neural networks for web-scale recommender systems. Proceedings of the ACM SIGKDD International Conference on Knowledge Discovery and Data Mining, pages 974–983, 2018. </a:t>
+            </a:r>
+            <a:r>
+              <a:rPr lang="en-GB" sz="1000" dirty="0" err="1">
+                <a:solidFill>
+                  <a:srgbClr val="000000"/>
+                </a:solidFill>
+                <a:effectLst/>
+                <a:latin typeface="Arial" panose="020B0604020202020204" pitchFamily="34" charset="0"/>
+                <a:ea typeface="Arial" panose="020B0604020202020204" pitchFamily="34" charset="0"/>
+              </a:rPr>
+              <a:t>doi</a:t>
+            </a:r>
+            <a:r>
+              <a:rPr lang="en-GB" sz="1000" dirty="0">
+                <a:solidFill>
+                  <a:srgbClr val="000000"/>
+                </a:solidFill>
+                <a:effectLst/>
+                <a:latin typeface="Arial" panose="020B0604020202020204" pitchFamily="34" charset="0"/>
+                <a:ea typeface="Arial" panose="020B0604020202020204" pitchFamily="34" charset="0"/>
+              </a:rPr>
+              <a:t>: 10.1145/3219819.3219890.</a:t>
+            </a:r>
+            <a:endParaRPr lang="en-US" sz="1000" dirty="0">
+              <a:effectLst/>
+              <a:latin typeface="Arial" panose="020B0604020202020204" pitchFamily="34" charset="0"/>
+              <a:ea typeface="Arial" panose="020B0604020202020204" pitchFamily="34" charset="0"/>
+            </a:endParaRPr>
+          </a:p>
+        </p:txBody>
+      </p:sp>
+      <p:sp>
+        <p:nvSpPr>
+          <p:cNvPr id="10" name="TextBox 9">
+            <a:extLst>
+              <a:ext uri="{FF2B5EF4-FFF2-40B4-BE49-F238E27FC236}">
+                <a16:creationId xmlns:a16="http://schemas.microsoft.com/office/drawing/2014/main" id="{B1C6D309-F871-4448-85A4-A272AD66C9E9}"/>
+              </a:ext>
+            </a:extLst>
+          </p:cNvPr>
+          <p:cNvSpPr txBox="1"/>
+          <p:nvPr/>
+        </p:nvSpPr>
+        <p:spPr>
+          <a:xfrm>
+            <a:off x="5428800" y="2637497"/>
+            <a:ext cx="3614400" cy="707886"/>
+          </a:xfrm>
+          <a:prstGeom prst="rect">
+            <a:avLst/>
+          </a:prstGeom>
+          <a:noFill/>
+        </p:spPr>
+        <p:txBody>
+          <a:bodyPr wrap="square">
+            <a:spAutoFit/>
+          </a:bodyPr>
+          <a:lstStyle/>
+          <a:p>
+            <a:r>
+              <a:rPr lang="en-GB" sz="1000" dirty="0"/>
+              <a:t>W. L. Hamilton, R. Ying, J. Leskovec, Inductive representation learning on large graphs, Advances in Neural Information Processing Systems 2017- </a:t>
+            </a:r>
+            <a:r>
+              <a:rPr lang="en-GB" sz="1000" dirty="0" err="1"/>
+              <a:t>Decem</a:t>
+            </a:r>
+            <a:r>
+              <a:rPr lang="en-GB" sz="1000" dirty="0"/>
+              <a:t> (Nips) (2017) 1025–1035. arXiv:1706.02216.</a:t>
+            </a:r>
+            <a:endParaRPr lang="en-US" sz="1000" dirty="0"/>
+          </a:p>
+        </p:txBody>
+      </p:sp>
+      <p:pic>
+        <p:nvPicPr>
+          <p:cNvPr id="11" name="Picture 10" descr="A close up of a map&#10;&#10;Description automatically generated">
+            <a:extLst>
+              <a:ext uri="{FF2B5EF4-FFF2-40B4-BE49-F238E27FC236}">
+                <a16:creationId xmlns:a16="http://schemas.microsoft.com/office/drawing/2014/main" id="{759F968F-DB29-43C8-9E0F-2307CECD4052}"/>
+              </a:ext>
+            </a:extLst>
+          </p:cNvPr>
+          <p:cNvPicPr>
+            <a:picLocks noChangeAspect="1"/>
+          </p:cNvPicPr>
+          <p:nvPr/>
+        </p:nvPicPr>
+        <p:blipFill>
+          <a:blip r:embed="rId3"/>
+          <a:stretch>
+            <a:fillRect/>
+          </a:stretch>
+        </p:blipFill>
+        <p:spPr>
+          <a:xfrm>
+            <a:off x="285341" y="2777042"/>
+            <a:ext cx="5077526" cy="3162510"/>
+          </a:xfrm>
+          <a:prstGeom prst="rect">
+            <a:avLst/>
+          </a:prstGeom>
+        </p:spPr>
+      </p:pic>
+      <p:sp>
+        <p:nvSpPr>
+          <p:cNvPr id="12" name="TextBox 11">
+            <a:extLst>
+              <a:ext uri="{FF2B5EF4-FFF2-40B4-BE49-F238E27FC236}">
+                <a16:creationId xmlns:a16="http://schemas.microsoft.com/office/drawing/2014/main" id="{F37C6B84-8399-495E-809F-DFEDACEBD2E9}"/>
+              </a:ext>
+            </a:extLst>
+          </p:cNvPr>
+          <p:cNvSpPr txBox="1"/>
+          <p:nvPr/>
+        </p:nvSpPr>
+        <p:spPr>
+          <a:xfrm>
+            <a:off x="481426" y="1510493"/>
+            <a:ext cx="3680333" cy="338554"/>
+          </a:xfrm>
+          <a:prstGeom prst="rect">
+            <a:avLst/>
+          </a:prstGeom>
+          <a:noFill/>
+        </p:spPr>
+        <p:txBody>
+          <a:bodyPr wrap="square" rtlCol="0">
+            <a:spAutoFit/>
+          </a:bodyPr>
+          <a:lstStyle/>
+          <a:p>
+            <a:pPr marL="457200" indent="-457200">
+              <a:buFont typeface="Arial" panose="020B0604020202020204" pitchFamily="34" charset="0"/>
+              <a:buChar char="•"/>
+            </a:pPr>
+            <a:r>
+              <a:rPr lang="en-US" sz="1600" dirty="0"/>
+              <a:t>Supervised – or – unsupervised</a:t>
+            </a:r>
+          </a:p>
+        </p:txBody>
+      </p:sp>
+      <p:sp>
+        <p:nvSpPr>
+          <p:cNvPr id="14" name="TextBox 13">
+            <a:extLst>
+              <a:ext uri="{FF2B5EF4-FFF2-40B4-BE49-F238E27FC236}">
+                <a16:creationId xmlns:a16="http://schemas.microsoft.com/office/drawing/2014/main" id="{E84B0901-85C0-4301-8637-E9DACCBABF47}"/>
+              </a:ext>
+            </a:extLst>
+          </p:cNvPr>
+          <p:cNvSpPr txBox="1"/>
+          <p:nvPr/>
+        </p:nvSpPr>
+        <p:spPr>
+          <a:xfrm>
+            <a:off x="5362867" y="3377096"/>
+            <a:ext cx="3680333" cy="2677656"/>
+          </a:xfrm>
+          <a:prstGeom prst="rect">
+            <a:avLst/>
+          </a:prstGeom>
+          <a:noFill/>
+        </p:spPr>
+        <p:txBody>
+          <a:bodyPr wrap="square" rtlCol="0">
+            <a:spAutoFit/>
+          </a:bodyPr>
+          <a:lstStyle/>
+          <a:p>
+            <a:pPr marL="457200" indent="-457200">
+              <a:buFont typeface="+mj-lt"/>
+              <a:buAutoNum type="arabicPeriod"/>
+            </a:pPr>
+            <a:r>
+              <a:rPr lang="en-US" sz="1800" dirty="0"/>
+              <a:t>Sample a </a:t>
+            </a:r>
+            <a:r>
+              <a:rPr lang="en-US" sz="1800" dirty="0" err="1"/>
+              <a:t>neighbourhood</a:t>
+            </a:r>
+            <a:r>
+              <a:rPr lang="en-US" sz="1800" dirty="0"/>
+              <a:t> for each node</a:t>
+            </a:r>
+          </a:p>
+          <a:p>
+            <a:pPr marL="914400" lvl="1" indent="-457200">
+              <a:buFont typeface="Arial" panose="020B0604020202020204" pitchFamily="34" charset="0"/>
+              <a:buChar char="•"/>
+            </a:pPr>
+            <a:r>
+              <a:rPr lang="en-US" sz="1600" dirty="0"/>
+              <a:t>The sampling strategy can be flexible</a:t>
+            </a:r>
+          </a:p>
+          <a:p>
+            <a:pPr marL="457200" indent="-457200">
+              <a:buFont typeface="+mj-lt"/>
+              <a:buAutoNum type="arabicPeriod"/>
+            </a:pPr>
+            <a:r>
+              <a:rPr lang="en-US" sz="1800" dirty="0"/>
+              <a:t>Learn aggregation weight matrices</a:t>
+            </a:r>
+          </a:p>
+          <a:p>
+            <a:pPr marL="914400" lvl="1" indent="-457200">
+              <a:buFont typeface="Arial" panose="020B0604020202020204" pitchFamily="34" charset="0"/>
+              <a:buChar char="•"/>
+            </a:pPr>
+            <a:r>
+              <a:rPr lang="en-US" sz="1600" dirty="0"/>
+              <a:t>Aggregators can be simple (mean) or more complex</a:t>
+            </a:r>
+          </a:p>
+          <a:p>
+            <a:pPr marL="914400" lvl="1" indent="-457200">
+              <a:buFont typeface="Arial" panose="020B0604020202020204" pitchFamily="34" charset="0"/>
+              <a:buChar char="•"/>
+            </a:pPr>
+            <a:r>
+              <a:rPr lang="en-US" sz="1600" dirty="0"/>
+              <a:t>LSTMs performed really well, but we don’t know why</a:t>
+            </a:r>
           </a:p>
         </p:txBody>
       </p:sp>
@@ -6663,7 +5998,7 @@
 </p:sld>
 </file>
 
-<file path=ppt/slides/slide5.xml><?xml version="1.0" encoding="utf-8"?>
+<file path=ppt/slides/slide6.xml><?xml version="1.0" encoding="utf-8"?>
 <p:sld xmlns:a="http://schemas.openxmlformats.org/drawingml/2006/main" xmlns:r="http://schemas.openxmlformats.org/officeDocument/2006/relationships" xmlns:p="http://schemas.openxmlformats.org/presentationml/2006/main">
   <p:cSld>
     <p:spTree>
@@ -6697,7 +6032,7 @@
           <a:p>
             <a:r>
               <a:rPr lang="en-GB" dirty="0"/>
-              <a:t>WP4 – What have we learned? </a:t>
+              <a:t>WP4 – Next important steps </a:t>
             </a:r>
           </a:p>
         </p:txBody>
@@ -6712,56 +6047,264 @@
             <p:ph sz="quarter" idx="1"/>
           </p:nvPr>
         </p:nvSpPr>
-        <p:spPr/>
+        <p:spPr>
+          <a:xfrm>
+            <a:off x="481427" y="1108800"/>
+            <a:ext cx="7748173" cy="4824000"/>
+          </a:xfrm>
+        </p:spPr>
         <p:txBody>
           <a:bodyPr/>
           <a:lstStyle/>
           <a:p>
-            <a:pPr marL="0" lvl="0" indent="0">
-              <a:buNone/>
-            </a:pPr>
-            <a:r>
-              <a:rPr lang="en-GB" b="1" dirty="0"/>
-              <a:t>Please list and explain your findings (and add examples) within the last month. </a:t>
-            </a:r>
-          </a:p>
-          <a:p>
-            <a:pPr marL="0" lvl="0" indent="0">
-              <a:buNone/>
-            </a:pPr>
-            <a:endParaRPr lang="en-GB" dirty="0"/>
-          </a:p>
-          <a:p>
-            <a:r>
-              <a:rPr lang="en-GB" dirty="0"/>
-              <a:t>First item</a:t>
-            </a:r>
-          </a:p>
-          <a:p>
-            <a:r>
-              <a:rPr lang="en-GB" dirty="0"/>
-              <a:t>Second item</a:t>
-            </a:r>
-          </a:p>
-          <a:p>
-            <a:r>
-              <a:rPr lang="en-GB" dirty="0"/>
-              <a:t>Third item</a:t>
+            <a:r>
+              <a:rPr lang="en-GB" b="0" dirty="0">
+                <a:solidFill>
+                  <a:schemeClr val="tx1"/>
+                </a:solidFill>
+                <a:effectLst/>
+                <a:latin typeface="Arial" panose="020B0604020202020204" pitchFamily="34" charset="0"/>
+                <a:cs typeface="Arial" panose="020B0604020202020204" pitchFamily="34" charset="0"/>
+              </a:rPr>
+              <a:t>Medical University Graz has a dataset of 1.3 million patients with diagnosis spanning multiple organs</a:t>
             </a:r>
           </a:p>
           <a:p>
             <a:pPr lvl="1"/>
             <a:r>
-              <a:rPr lang="en-GB" dirty="0"/>
-              <a:t> First sub item</a:t>
+              <a:rPr lang="en-GB" sz="1600" b="0" dirty="0">
+                <a:solidFill>
+                  <a:schemeClr val="tx1"/>
+                </a:solidFill>
+                <a:effectLst/>
+                <a:latin typeface="Arial" panose="020B0604020202020204" pitchFamily="34" charset="0"/>
+                <a:cs typeface="Arial" panose="020B0604020202020204" pitchFamily="34" charset="0"/>
+              </a:rPr>
+              <a:t>the data-set is </a:t>
+            </a:r>
+            <a:r>
+              <a:rPr lang="en-GB" sz="1600" b="0" i="1" dirty="0">
+                <a:solidFill>
+                  <a:schemeClr val="tx1"/>
+                </a:solidFill>
+                <a:effectLst/>
+                <a:latin typeface="Arial" panose="020B0604020202020204" pitchFamily="34" charset="0"/>
+                <a:cs typeface="Arial" panose="020B0604020202020204" pitchFamily="34" charset="0"/>
+              </a:rPr>
+              <a:t>human</a:t>
+            </a:r>
+            <a:r>
+              <a:rPr lang="en-GB" sz="1600" b="0" dirty="0">
+                <a:solidFill>
+                  <a:schemeClr val="tx1"/>
+                </a:solidFill>
+                <a:effectLst/>
+                <a:latin typeface="Arial" panose="020B0604020202020204" pitchFamily="34" charset="0"/>
+                <a:cs typeface="Arial" panose="020B0604020202020204" pitchFamily="34" charset="0"/>
+              </a:rPr>
+              <a:t> generated (also </a:t>
+            </a:r>
+            <a:r>
+              <a:rPr lang="en-GB" sz="1600" b="0" i="1" dirty="0">
+                <a:solidFill>
+                  <a:schemeClr val="tx1"/>
+                </a:solidFill>
+                <a:effectLst/>
+                <a:latin typeface="Arial" panose="020B0604020202020204" pitchFamily="34" charset="0"/>
+                <a:cs typeface="Arial" panose="020B0604020202020204" pitchFamily="34" charset="0"/>
+              </a:rPr>
+              <a:t>doctor</a:t>
+            </a:r>
+            <a:r>
+              <a:rPr lang="en-GB" sz="1600" b="0" dirty="0">
+                <a:solidFill>
+                  <a:schemeClr val="tx1"/>
+                </a:solidFill>
+                <a:effectLst/>
+                <a:latin typeface="Arial" panose="020B0604020202020204" pitchFamily="34" charset="0"/>
+                <a:cs typeface="Arial" panose="020B0604020202020204" pitchFamily="34" charset="0"/>
+              </a:rPr>
+              <a:t> generated = wordings…)</a:t>
             </a:r>
           </a:p>
           <a:p>
             <a:pPr lvl="1"/>
             <a:r>
-              <a:rPr lang="en-GB" dirty="0"/>
-              <a:t> Second sub item</a:t>
-            </a:r>
+              <a:rPr lang="en-GB" sz="1600" b="0" dirty="0">
+                <a:solidFill>
+                  <a:schemeClr val="tx1"/>
+                </a:solidFill>
+                <a:effectLst/>
+                <a:latin typeface="Arial" panose="020B0604020202020204" pitchFamily="34" charset="0"/>
+                <a:cs typeface="Arial" panose="020B0604020202020204" pitchFamily="34" charset="0"/>
+              </a:rPr>
+              <a:t>a decision tree has been constructed </a:t>
+            </a:r>
+            <a:r>
+              <a:rPr lang="en-GB" sz="1600" b="1" i="1" dirty="0">
+                <a:solidFill>
+                  <a:schemeClr val="tx1"/>
+                </a:solidFill>
+                <a:effectLst/>
+                <a:latin typeface="Arial" panose="020B0604020202020204" pitchFamily="34" charset="0"/>
+                <a:cs typeface="Arial" panose="020B0604020202020204" pitchFamily="34" charset="0"/>
+              </a:rPr>
+              <a:t>manually </a:t>
+            </a:r>
+            <a:r>
+              <a:rPr lang="en-GB" sz="1600" b="0" dirty="0">
+                <a:solidFill>
+                  <a:schemeClr val="tx1"/>
+                </a:solidFill>
+                <a:effectLst/>
+                <a:latin typeface="Arial" panose="020B0604020202020204" pitchFamily="34" charset="0"/>
+                <a:cs typeface="Arial" panose="020B0604020202020204" pitchFamily="34" charset="0"/>
+              </a:rPr>
+              <a:t>(= ground truth / ~120 rules)</a:t>
+            </a:r>
+          </a:p>
+          <a:p>
+            <a:r>
+              <a:rPr lang="en-GB" dirty="0">
+                <a:solidFill>
+                  <a:schemeClr val="tx1"/>
+                </a:solidFill>
+                <a:latin typeface="Arial" panose="020B0604020202020204" pitchFamily="34" charset="0"/>
+                <a:cs typeface="Arial" panose="020B0604020202020204" pitchFamily="34" charset="0"/>
+              </a:rPr>
+              <a:t>I</a:t>
+            </a:r>
+            <a:r>
+              <a:rPr lang="en-GB" b="0" dirty="0">
+                <a:solidFill>
+                  <a:schemeClr val="tx1"/>
+                </a:solidFill>
+                <a:effectLst/>
+                <a:latin typeface="Arial" panose="020B0604020202020204" pitchFamily="34" charset="0"/>
+                <a:cs typeface="Arial" panose="020B0604020202020204" pitchFamily="34" charset="0"/>
+              </a:rPr>
+              <a:t>nteresting questions include</a:t>
+            </a:r>
+          </a:p>
+          <a:p>
+            <a:pPr lvl="1"/>
+            <a:r>
+              <a:rPr lang="en-GB" sz="1600" dirty="0">
+                <a:solidFill>
+                  <a:schemeClr val="tx1"/>
+                </a:solidFill>
+                <a:latin typeface="Arial" panose="020B0604020202020204" pitchFamily="34" charset="0"/>
+                <a:cs typeface="Arial" panose="020B0604020202020204" pitchFamily="34" charset="0"/>
+              </a:rPr>
+              <a:t>h</a:t>
+            </a:r>
+            <a:r>
+              <a:rPr lang="en-GB" sz="1600" b="0" dirty="0">
+                <a:solidFill>
+                  <a:schemeClr val="tx1"/>
+                </a:solidFill>
+                <a:effectLst/>
+                <a:latin typeface="Arial" panose="020B0604020202020204" pitchFamily="34" charset="0"/>
+                <a:cs typeface="Arial" panose="020B0604020202020204" pitchFamily="34" charset="0"/>
+              </a:rPr>
+              <a:t>ow to learn embeddings / node representations directly on that corpus?</a:t>
+            </a:r>
+          </a:p>
+          <a:p>
+            <a:pPr lvl="1"/>
+            <a:r>
+              <a:rPr lang="en-GB" sz="1600" b="0" dirty="0">
+                <a:solidFill>
+                  <a:schemeClr val="tx1"/>
+                </a:solidFill>
+                <a:effectLst/>
+                <a:latin typeface="Arial" panose="020B0604020202020204" pitchFamily="34" charset="0"/>
+                <a:cs typeface="Arial" panose="020B0604020202020204" pitchFamily="34" charset="0"/>
+              </a:rPr>
+              <a:t>how do the embeddings / reps change if we learn on a graph initialized according to human bias (edges between patients in same age cohorts etc...)</a:t>
+            </a:r>
+          </a:p>
+          <a:p>
+            <a:pPr lvl="1"/>
+            <a:r>
+              <a:rPr lang="en-GB" sz="1600" dirty="0">
+                <a:solidFill>
+                  <a:schemeClr val="tx1"/>
+                </a:solidFill>
+                <a:latin typeface="Arial" panose="020B0604020202020204" pitchFamily="34" charset="0"/>
+                <a:cs typeface="Arial" panose="020B0604020202020204" pitchFamily="34" charset="0"/>
+              </a:rPr>
+              <a:t>m</a:t>
+            </a:r>
+            <a:r>
+              <a:rPr lang="en-GB" sz="1600" b="0" dirty="0">
+                <a:solidFill>
+                  <a:schemeClr val="tx1"/>
+                </a:solidFill>
+                <a:effectLst/>
+                <a:latin typeface="Arial" panose="020B0604020202020204" pitchFamily="34" charset="0"/>
+                <a:cs typeface="Arial" panose="020B0604020202020204" pitchFamily="34" charset="0"/>
+              </a:rPr>
+              <a:t>atching nodes representing same diagnoses that are expressed in different wording? (“Fusion”)</a:t>
+            </a:r>
+          </a:p>
+          <a:p>
+            <a:r>
+              <a:rPr lang="en-GB" dirty="0">
+                <a:solidFill>
+                  <a:schemeClr val="tx1"/>
+                </a:solidFill>
+                <a:latin typeface="Arial" panose="020B0604020202020204" pitchFamily="34" charset="0"/>
+                <a:cs typeface="Arial" panose="020B0604020202020204" pitchFamily="34" charset="0"/>
+              </a:rPr>
+              <a:t>B</a:t>
+            </a:r>
+            <a:r>
+              <a:rPr lang="en-GB" b="0" dirty="0">
+                <a:solidFill>
+                  <a:schemeClr val="tx1"/>
+                </a:solidFill>
+                <a:effectLst/>
+                <a:latin typeface="Arial" panose="020B0604020202020204" pitchFamily="34" charset="0"/>
+                <a:cs typeface="Arial" panose="020B0604020202020204" pitchFamily="34" charset="0"/>
+              </a:rPr>
+              <a:t>uilding a controlled (graph) "vocabulary" for interesting regions in images (cell clusters) and their relations</a:t>
+            </a:r>
+          </a:p>
+          <a:p>
+            <a:pPr lvl="1"/>
+            <a:r>
+              <a:rPr lang="en-GB" sz="1600" b="0" dirty="0">
+                <a:solidFill>
+                  <a:schemeClr val="tx1"/>
+                </a:solidFill>
+                <a:effectLst/>
+                <a:latin typeface="Arial" panose="020B0604020202020204" pitchFamily="34" charset="0"/>
+                <a:cs typeface="Arial" panose="020B0604020202020204" pitchFamily="34" charset="0"/>
+              </a:rPr>
+              <a:t>e.g. shape descriptions of lymph nodes.. (this is going to be a Masters thesis)</a:t>
+            </a:r>
+          </a:p>
+          <a:p>
+            <a:pPr lvl="1"/>
+            <a:r>
+              <a:rPr lang="en-GB" sz="1600" b="0" dirty="0">
+                <a:solidFill>
+                  <a:schemeClr val="tx1"/>
+                </a:solidFill>
+                <a:effectLst/>
+                <a:latin typeface="Arial" panose="020B0604020202020204" pitchFamily="34" charset="0"/>
+                <a:cs typeface="Arial" panose="020B0604020202020204" pitchFamily="34" charset="0"/>
+              </a:rPr>
+              <a:t>we could later use this to extract graphs out of images</a:t>
+            </a:r>
+            <a:endParaRPr lang="en-GB" sz="1600" dirty="0">
+              <a:solidFill>
+                <a:schemeClr val="tx1"/>
+              </a:solidFill>
+              <a:latin typeface="Arial" panose="020B0604020202020204" pitchFamily="34" charset="0"/>
+              <a:cs typeface="Arial" panose="020B0604020202020204" pitchFamily="34" charset="0"/>
+            </a:endParaRPr>
           </a:p>
         </p:txBody>
       </p:sp>
@@ -6793,127 +6336,7 @@
     </p:spTree>
     <p:extLst>
       <p:ext uri="{BB962C8B-B14F-4D97-AF65-F5344CB8AC3E}">
-        <p14:creationId xmlns:p14="http://schemas.microsoft.com/office/powerpoint/2010/main" val="1755911748"/>
-      </p:ext>
-    </p:extLst>
-  </p:cSld>
-  <p:clrMapOvr>
-    <a:masterClrMapping/>
-  </p:clrMapOvr>
-</p:sld>
-</file>
-
-<file path=ppt/slides/slide6.xml><?xml version="1.0" encoding="utf-8"?>
-<p:sld xmlns:a="http://schemas.openxmlformats.org/drawingml/2006/main" xmlns:r="http://schemas.openxmlformats.org/officeDocument/2006/relationships" xmlns:p="http://schemas.openxmlformats.org/presentationml/2006/main">
-  <p:cSld>
-    <p:spTree>
-      <p:nvGrpSpPr>
-        <p:cNvPr id="1" name=""/>
-        <p:cNvGrpSpPr/>
-        <p:nvPr/>
-      </p:nvGrpSpPr>
-      <p:grpSpPr>
-        <a:xfrm>
-          <a:off x="0" y="0"/>
-          <a:ext cx="0" cy="0"/>
-          <a:chOff x="0" y="0"/>
-          <a:chExt cx="0" cy="0"/>
-        </a:xfrm>
-      </p:grpSpPr>
-      <p:sp>
-        <p:nvSpPr>
-          <p:cNvPr id="2" name="Title 1">
-            <a:extLst>
-              <a:ext uri="{FF2B5EF4-FFF2-40B4-BE49-F238E27FC236}">
-                <a16:creationId xmlns:a16="http://schemas.microsoft.com/office/drawing/2014/main" id="{C1FDB87A-3338-40AF-B490-6445F74B78FC}"/>
-              </a:ext>
-            </a:extLst>
-          </p:cNvPr>
-          <p:cNvSpPr>
-            <a:spLocks noGrp="1"/>
-          </p:cNvSpPr>
-          <p:nvPr>
-            <p:ph type="title"/>
-          </p:nvPr>
-        </p:nvSpPr>
-        <p:spPr/>
-        <p:txBody>
-          <a:bodyPr/>
-          <a:lstStyle/>
-          <a:p>
-            <a:endParaRPr lang="en-US"/>
-          </a:p>
-        </p:txBody>
-      </p:sp>
-      <p:sp>
-        <p:nvSpPr>
-          <p:cNvPr id="4" name="Footer Placeholder 3">
-            <a:extLst>
-              <a:ext uri="{FF2B5EF4-FFF2-40B4-BE49-F238E27FC236}">
-                <a16:creationId xmlns:a16="http://schemas.microsoft.com/office/drawing/2014/main" id="{C3694155-B703-491F-B4DE-366560C066CF}"/>
-              </a:ext>
-            </a:extLst>
-          </p:cNvPr>
-          <p:cNvSpPr>
-            <a:spLocks noGrp="1"/>
-          </p:cNvSpPr>
-          <p:nvPr>
-            <p:ph type="ftr" sz="quarter" idx="3"/>
-          </p:nvPr>
-        </p:nvSpPr>
-        <p:spPr/>
-        <p:txBody>
-          <a:bodyPr/>
-          <a:lstStyle/>
-          <a:p>
-            <a:pPr>
-              <a:defRPr/>
-            </a:pPr>
-            <a:r>
-              <a:rPr lang="de-DE"/>
-              <a:t>This project hast received funding from the European Union’s Horizon 2020 research and innovation programme under grant agreement No </a:t>
-            </a:r>
-            <a:r>
-              <a:rPr lang="is-IS"/>
-              <a:t>826078</a:t>
-            </a:r>
-            <a:endParaRPr lang="de-DE" dirty="0"/>
-          </a:p>
-        </p:txBody>
-      </p:sp>
-      <p:pic>
-        <p:nvPicPr>
-          <p:cNvPr id="5" name="Content Placeholder 5" descr="A close up of a map&#10;&#10;Description automatically generated">
-            <a:extLst>
-              <a:ext uri="{FF2B5EF4-FFF2-40B4-BE49-F238E27FC236}">
-                <a16:creationId xmlns:a16="http://schemas.microsoft.com/office/drawing/2014/main" id="{013E739F-9F30-4F05-8BF4-A1B20223C535}"/>
-              </a:ext>
-            </a:extLst>
-          </p:cNvPr>
-          <p:cNvPicPr>
-            <a:picLocks noGrp="1" noChangeAspect="1"/>
-          </p:cNvPicPr>
-          <p:nvPr>
-            <p:ph sz="quarter" idx="1"/>
-          </p:nvPr>
-        </p:nvPicPr>
-        <p:blipFill>
-          <a:blip r:embed="rId2"/>
-          <a:stretch>
-            <a:fillRect/>
-          </a:stretch>
-        </p:blipFill>
-        <p:spPr>
-          <a:xfrm>
-            <a:off x="481426" y="1564406"/>
-            <a:ext cx="3844032" cy="1638725"/>
-          </a:xfrm>
-        </p:spPr>
-      </p:pic>
-    </p:spTree>
-    <p:extLst>
-      <p:ext uri="{BB962C8B-B14F-4D97-AF65-F5344CB8AC3E}">
-        <p14:creationId xmlns:p14="http://schemas.microsoft.com/office/powerpoint/2010/main" val="4039423577"/>
+        <p14:creationId xmlns:p14="http://schemas.microsoft.com/office/powerpoint/2010/main" val="3638036196"/>
       </p:ext>
     </p:extLst>
   </p:cSld>
@@ -6924,146 +6347,6 @@
 </file>
 
 <file path=ppt/slides/slide7.xml><?xml version="1.0" encoding="utf-8"?>
-<p:sld xmlns:a="http://schemas.openxmlformats.org/drawingml/2006/main" xmlns:r="http://schemas.openxmlformats.org/officeDocument/2006/relationships" xmlns:p="http://schemas.openxmlformats.org/presentationml/2006/main">
-  <p:cSld>
-    <p:spTree>
-      <p:nvGrpSpPr>
-        <p:cNvPr id="1" name=""/>
-        <p:cNvGrpSpPr/>
-        <p:nvPr/>
-      </p:nvGrpSpPr>
-      <p:grpSpPr>
-        <a:xfrm>
-          <a:off x="0" y="0"/>
-          <a:ext cx="0" cy="0"/>
-          <a:chOff x="0" y="0"/>
-          <a:chExt cx="0" cy="0"/>
-        </a:xfrm>
-      </p:grpSpPr>
-      <p:sp>
-        <p:nvSpPr>
-          <p:cNvPr id="2" name="Titel 1"/>
-          <p:cNvSpPr>
-            <a:spLocks noGrp="1"/>
-          </p:cNvSpPr>
-          <p:nvPr>
-            <p:ph type="title"/>
-          </p:nvPr>
-        </p:nvSpPr>
-        <p:spPr/>
-        <p:txBody>
-          <a:bodyPr/>
-          <a:lstStyle/>
-          <a:p>
-            <a:r>
-              <a:rPr lang="en-GB" dirty="0"/>
-              <a:t>WP4 – Next important steps </a:t>
-            </a:r>
-          </a:p>
-        </p:txBody>
-      </p:sp>
-      <p:sp>
-        <p:nvSpPr>
-          <p:cNvPr id="3" name="Inhaltsplatzhalter 2"/>
-          <p:cNvSpPr>
-            <a:spLocks noGrp="1"/>
-          </p:cNvSpPr>
-          <p:nvPr>
-            <p:ph sz="quarter" idx="1"/>
-          </p:nvPr>
-        </p:nvSpPr>
-        <p:spPr/>
-        <p:txBody>
-          <a:bodyPr/>
-          <a:lstStyle/>
-          <a:p>
-            <a:pPr marL="0" lvl="0" indent="0">
-              <a:buNone/>
-            </a:pPr>
-            <a:r>
-              <a:rPr lang="en-GB" b="1" dirty="0"/>
-              <a:t>Please briefly provide an outlook of the important steps for the next 6 months. </a:t>
-            </a:r>
-          </a:p>
-          <a:p>
-            <a:pPr marL="0" lvl="0" indent="0">
-              <a:buNone/>
-            </a:pPr>
-            <a:endParaRPr lang="en-GB" dirty="0"/>
-          </a:p>
-          <a:p>
-            <a:r>
-              <a:rPr lang="en-GB" dirty="0"/>
-              <a:t>First item</a:t>
-            </a:r>
-          </a:p>
-          <a:p>
-            <a:r>
-              <a:rPr lang="en-GB" dirty="0"/>
-              <a:t>Second item</a:t>
-            </a:r>
-          </a:p>
-          <a:p>
-            <a:r>
-              <a:rPr lang="en-GB" dirty="0"/>
-              <a:t>Third item</a:t>
-            </a:r>
-          </a:p>
-          <a:p>
-            <a:pPr lvl="1"/>
-            <a:r>
-              <a:rPr lang="en-GB" dirty="0"/>
-              <a:t> First sub item</a:t>
-            </a:r>
-          </a:p>
-          <a:p>
-            <a:pPr lvl="1"/>
-            <a:r>
-              <a:rPr lang="en-GB" dirty="0"/>
-              <a:t> Second sub item</a:t>
-            </a:r>
-          </a:p>
-        </p:txBody>
-      </p:sp>
-      <p:sp>
-        <p:nvSpPr>
-          <p:cNvPr id="4" name="Fußzeilenplatzhalter 3"/>
-          <p:cNvSpPr>
-            <a:spLocks noGrp="1"/>
-          </p:cNvSpPr>
-          <p:nvPr>
-            <p:ph type="ftr" sz="quarter" idx="3"/>
-          </p:nvPr>
-        </p:nvSpPr>
-        <p:spPr/>
-        <p:txBody>
-          <a:bodyPr/>
-          <a:lstStyle/>
-          <a:p>
-            <a:pPr>
-              <a:defRPr/>
-            </a:pPr>
-            <a:r>
-              <a:rPr lang="en-GB" dirty="0"/>
-              <a:t>This project has received funding from the European Union’s Horizon 2020 research and innovation programme under grant agreement No 826078</a:t>
-            </a:r>
-          </a:p>
-        </p:txBody>
-      </p:sp>
-    </p:spTree>
-    <p:extLst>
-      <p:ext uri="{BB962C8B-B14F-4D97-AF65-F5344CB8AC3E}">
-        <p14:creationId xmlns:p14="http://schemas.microsoft.com/office/powerpoint/2010/main" val="3638036196"/>
-      </p:ext>
-    </p:extLst>
-  </p:cSld>
-  <p:clrMapOvr>
-    <a:masterClrMapping/>
-  </p:clrMapOvr>
-</p:sld>
-</file>
-
-<file path=ppt/slides/slide8.xml><?xml version="1.0" encoding="utf-8"?>
 <p:sld xmlns:a="http://schemas.openxmlformats.org/drawingml/2006/main" xmlns:r="http://schemas.openxmlformats.org/officeDocument/2006/relationships" xmlns:p="http://schemas.openxmlformats.org/presentationml/2006/main">
   <p:cSld>
     <p:spTree>
@@ -7103,7 +6386,7 @@
           <a:p>
             <a:r>
               <a:rPr lang="en-US" dirty="0"/>
-              <a:t>WP4 – Grand vision</a:t>
+              <a:t>WP4 – Next important steps – Grand vision</a:t>
             </a:r>
           </a:p>
         </p:txBody>
@@ -7132,8 +6415,8 @@
         </p:blipFill>
         <p:spPr>
           <a:xfrm>
-            <a:off x="481426" y="1499110"/>
-            <a:ext cx="5973221" cy="4140200"/>
+            <a:off x="445426" y="1116000"/>
+            <a:ext cx="7159275" cy="4838399"/>
           </a:xfrm>
         </p:spPr>
       </p:pic>
@@ -7186,7 +6469,7 @@
 </p:sld>
 </file>
 
-<file path=ppt/slides/slide9.xml><?xml version="1.0" encoding="utf-8"?>
+<file path=ppt/slides/slide8.xml><?xml version="1.0" encoding="utf-8"?>
 <p:sld xmlns:a="http://schemas.openxmlformats.org/drawingml/2006/main" xmlns:r="http://schemas.openxmlformats.org/officeDocument/2006/relationships" xmlns:p="http://schemas.openxmlformats.org/presentationml/2006/main">
   <p:cSld>
     <p:spTree>
@@ -7235,7 +6518,12 @@
             <p:ph sz="quarter" idx="1"/>
           </p:nvPr>
         </p:nvSpPr>
-        <p:spPr/>
+        <p:spPr>
+          <a:xfrm>
+            <a:off x="481427" y="1159200"/>
+            <a:ext cx="7697774" cy="4701600"/>
+          </a:xfrm>
+        </p:spPr>
         <p:txBody>
           <a:bodyPr/>
           <a:lstStyle/>
@@ -7257,33 +6545,52 @@
           <a:p>
             <a:r>
               <a:rPr lang="en-GB" dirty="0"/>
-              <a:t>First item</a:t>
-            </a:r>
+              <a:t>Feasibility of multi-modal graph / embeddings construction</a:t>
+            </a:r>
+          </a:p>
+          <a:p>
+            <a:pPr lvl="1"/>
+            <a:r>
+              <a:rPr lang="en-GB" sz="1600" dirty="0"/>
+              <a:t>Graph cell extraction from images already works, but they don’t include other modalities</a:t>
+            </a:r>
+          </a:p>
+          <a:p>
+            <a:pPr lvl="1"/>
+            <a:r>
+              <a:rPr lang="en-GB" sz="1600" dirty="0"/>
+              <a:t>How to align embeddings across different modalities</a:t>
+            </a:r>
+          </a:p>
+          <a:p>
+            <a:pPr lvl="1"/>
+            <a:endParaRPr lang="en-GB" sz="1600" dirty="0"/>
           </a:p>
           <a:p>
             <a:r>
               <a:rPr lang="en-GB" dirty="0"/>
-              <a:t>Second item</a:t>
-            </a:r>
-          </a:p>
-          <a:p>
-            <a:r>
-              <a:rPr lang="en-GB" dirty="0"/>
-              <a:t>Third item</a:t>
+              <a:t>How to sample neighborhoods across the network? -&gt; DON’T ??</a:t>
             </a:r>
           </a:p>
           <a:p>
             <a:pPr lvl="1"/>
             <a:r>
-              <a:rPr lang="en-GB" dirty="0"/>
-              <a:t> First sub item</a:t>
+              <a:rPr lang="en-GB" sz="1600" dirty="0"/>
+              <a:t>can we replace raw data with anonymized feature vectors?</a:t>
             </a:r>
           </a:p>
           <a:p>
             <a:pPr lvl="1"/>
             <a:r>
-              <a:rPr lang="en-GB" dirty="0"/>
-              <a:t> Second sub item</a:t>
+              <a:rPr lang="en-GB" sz="1600" dirty="0"/>
+              <a:t>or just use aggregated vectors from other subgraphs (nodes represent whole subgraphs)</a:t>
+            </a:r>
+          </a:p>
+          <a:p>
+            <a:pPr lvl="1"/>
+            <a:r>
+              <a:rPr lang="en-GB" sz="1600" dirty="0"/>
+              <a:t>How to learn a collaboration graph? (task / objective function similarity measure)</a:t>
             </a:r>
           </a:p>
         </p:txBody>
@@ -7317,6 +6624,110 @@
     <p:extLst>
       <p:ext uri="{BB962C8B-B14F-4D97-AF65-F5344CB8AC3E}">
         <p14:creationId xmlns:p14="http://schemas.microsoft.com/office/powerpoint/2010/main" val="849220050"/>
+      </p:ext>
+    </p:extLst>
+  </p:cSld>
+  <p:clrMapOvr>
+    <a:masterClrMapping/>
+  </p:clrMapOvr>
+</p:sld>
+</file>
+
+<file path=ppt/slides/slide9.xml><?xml version="1.0" encoding="utf-8"?>
+<p:sld xmlns:a="http://schemas.openxmlformats.org/drawingml/2006/main" xmlns:r="http://schemas.openxmlformats.org/officeDocument/2006/relationships" xmlns:p="http://schemas.openxmlformats.org/presentationml/2006/main">
+  <p:cSld>
+    <p:spTree>
+      <p:nvGrpSpPr>
+        <p:cNvPr id="1" name=""/>
+        <p:cNvGrpSpPr/>
+        <p:nvPr/>
+      </p:nvGrpSpPr>
+      <p:grpSpPr>
+        <a:xfrm>
+          <a:off x="0" y="0"/>
+          <a:ext cx="0" cy="0"/>
+          <a:chOff x="0" y="0"/>
+          <a:chExt cx="0" cy="0"/>
+        </a:xfrm>
+      </p:grpSpPr>
+      <p:sp>
+        <p:nvSpPr>
+          <p:cNvPr id="4" name="Fußzeilenplatzhalter 3"/>
+          <p:cNvSpPr>
+            <a:spLocks noGrp="1"/>
+          </p:cNvSpPr>
+          <p:nvPr>
+            <p:ph type="ftr" sz="quarter" idx="3"/>
+          </p:nvPr>
+        </p:nvSpPr>
+        <p:spPr/>
+        <p:txBody>
+          <a:bodyPr/>
+          <a:lstStyle/>
+          <a:p>
+            <a:pPr>
+              <a:defRPr/>
+            </a:pPr>
+            <a:r>
+              <a:rPr lang="en-GB" dirty="0"/>
+              <a:t>This project has received funding from the European Union’s Horizon 2020 research and innovation programme under grant agreement No 826078</a:t>
+            </a:r>
+          </a:p>
+        </p:txBody>
+      </p:sp>
+      <p:sp>
+        <p:nvSpPr>
+          <p:cNvPr id="7" name="Text Box 4"/>
+          <p:cNvSpPr txBox="1">
+            <a:spLocks noChangeArrowheads="1"/>
+          </p:cNvSpPr>
+          <p:nvPr/>
+        </p:nvSpPr>
+        <p:spPr bwMode="auto">
+          <a:xfrm rot="956087">
+            <a:off x="2468148" y="2548992"/>
+            <a:ext cx="4032250" cy="923330"/>
+          </a:xfrm>
+          <a:prstGeom prst="rect">
+            <a:avLst/>
+          </a:prstGeom>
+          <a:solidFill>
+            <a:srgbClr val="C8D200"/>
+          </a:solidFill>
+          <a:ln w="28575">
+            <a:solidFill>
+              <a:srgbClr val="153A8C"/>
+            </a:solidFill>
+            <a:miter lim="800000"/>
+            <a:headEnd/>
+            <a:tailEnd/>
+          </a:ln>
+        </p:spPr>
+        <p:txBody>
+          <a:bodyPr>
+            <a:spAutoFit/>
+          </a:bodyPr>
+          <a:lstStyle/>
+          <a:p>
+            <a:pPr algn="ctr"/>
+            <a:r>
+              <a:rPr lang="en-US" sz="1800" b="1" dirty="0"/>
+              <a:t>Please mind the time for your presentation - see agenda. </a:t>
+            </a:r>
+          </a:p>
+          <a:p>
+            <a:pPr algn="ctr"/>
+            <a:r>
+              <a:rPr lang="en-US" sz="1800" b="1" dirty="0"/>
+              <a:t>Thank you.</a:t>
+            </a:r>
+          </a:p>
+        </p:txBody>
+      </p:sp>
+    </p:spTree>
+    <p:extLst>
+      <p:ext uri="{BB962C8B-B14F-4D97-AF65-F5344CB8AC3E}">
+        <p14:creationId xmlns:p14="http://schemas.microsoft.com/office/powerpoint/2010/main" val="3062425111"/>
       </p:ext>
     </p:extLst>
   </p:cSld>

--- a/2020/FC_sept_Graphs_LS/FeatureCloud_PPT_WP4_update.pptx
+++ b/2020/FC_sept_Graphs_LS/FeatureCloud_PPT_WP4_update.pptx
@@ -5,10 +5,10 @@
     <p:sldMasterId id="2147483712" r:id="rId1"/>
   </p:sldMasterIdLst>
   <p:notesMasterIdLst>
-    <p:notesMasterId r:id="rId12"/>
+    <p:notesMasterId r:id="rId11"/>
   </p:notesMasterIdLst>
   <p:handoutMasterIdLst>
-    <p:handoutMasterId r:id="rId13"/>
+    <p:handoutMasterId r:id="rId12"/>
   </p:handoutMasterIdLst>
   <p:sldIdLst>
     <p:sldId id="283" r:id="rId2"/>
@@ -20,7 +20,6 @@
     <p:sldId id="300" r:id="rId8"/>
     <p:sldId id="293" r:id="rId9"/>
     <p:sldId id="294" r:id="rId10"/>
-    <p:sldId id="299" r:id="rId11"/>
   </p:sldIdLst>
   <p:sldSz cx="9144000" cy="6858000" type="screen4x3"/>
   <p:notesSz cx="6858000" cy="9144000"/>
@@ -2371,7 +2370,7 @@
               </a14:hiddenLine>
             </a:ext>
             <a:ext uri="{FAA26D3D-D897-4be2-8F04-BA451C77F1D7}">
-              <ma14:placeholderFlag xmlns="" xmlns:ma14="http://schemas.microsoft.com/office/mac/drawingml/2011/main" val="1"/>
+              <ma14:placeholderFlag xmlns:ma14="http://schemas.microsoft.com/office/mac/drawingml/2011/main" xmlns="" val="1"/>
             </a:ext>
           </a:extLst>
         </p:spPr>
@@ -2433,7 +2432,7 @@
               </a14:hiddenLine>
             </a:ext>
             <a:ext uri="{FAA26D3D-D897-4be2-8F04-BA451C77F1D7}">
-              <ma14:placeholderFlag xmlns="" xmlns:ma14="http://schemas.microsoft.com/office/mac/drawingml/2011/main" val="1"/>
+              <ma14:placeholderFlag xmlns:ma14="http://schemas.microsoft.com/office/mac/drawingml/2011/main" xmlns="" val="1"/>
             </a:ext>
           </a:extLst>
         </p:spPr>
@@ -3388,7 +3387,7 @@
               </a14:hiddenLine>
             </a:ext>
             <a:ext uri="{FAA26D3D-D897-4be2-8F04-BA451C77F1D7}">
-              <ma14:placeholderFlag xmlns="" xmlns:ma14="http://schemas.microsoft.com/office/mac/drawingml/2011/main" val="1"/>
+              <ma14:placeholderFlag xmlns:ma14="http://schemas.microsoft.com/office/mac/drawingml/2011/main" xmlns="" val="1"/>
             </a:ext>
           </a:extLst>
         </p:spPr>
@@ -3562,189 +3561,6 @@
     <p:extLst>
       <p:ext uri="{BB962C8B-B14F-4D97-AF65-F5344CB8AC3E}">
         <p14:creationId xmlns:p14="http://schemas.microsoft.com/office/powerpoint/2010/main" val="856840151"/>
-      </p:ext>
-    </p:extLst>
-  </p:cSld>
-  <p:clrMapOvr>
-    <a:masterClrMapping/>
-  </p:clrMapOvr>
-</p:sld>
-</file>
-
-<file path=ppt/slides/slide10.xml><?xml version="1.0" encoding="utf-8"?>
-<p:sld xmlns:a="http://schemas.openxmlformats.org/drawingml/2006/main" xmlns:r="http://schemas.openxmlformats.org/officeDocument/2006/relationships" xmlns:p="http://schemas.openxmlformats.org/presentationml/2006/main">
-  <p:cSld>
-    <p:spTree>
-      <p:nvGrpSpPr>
-        <p:cNvPr id="1" name=""/>
-        <p:cNvGrpSpPr/>
-        <p:nvPr/>
-      </p:nvGrpSpPr>
-      <p:grpSpPr>
-        <a:xfrm>
-          <a:off x="0" y="0"/>
-          <a:ext cx="0" cy="0"/>
-          <a:chOff x="0" y="0"/>
-          <a:chExt cx="0" cy="0"/>
-        </a:xfrm>
-      </p:grpSpPr>
-      <p:sp>
-        <p:nvSpPr>
-          <p:cNvPr id="2" name="Title 1">
-            <a:extLst>
-              <a:ext uri="{FF2B5EF4-FFF2-40B4-BE49-F238E27FC236}">
-                <a16:creationId xmlns:a16="http://schemas.microsoft.com/office/drawing/2014/main" id="{C1FDB87A-3338-40AF-B490-6445F74B78FC}"/>
-              </a:ext>
-            </a:extLst>
-          </p:cNvPr>
-          <p:cNvSpPr>
-            <a:spLocks noGrp="1"/>
-          </p:cNvSpPr>
-          <p:nvPr>
-            <p:ph type="title"/>
-          </p:nvPr>
-        </p:nvSpPr>
-        <p:spPr/>
-        <p:txBody>
-          <a:bodyPr/>
-          <a:lstStyle/>
-          <a:p>
-            <a:r>
-              <a:rPr lang="en-US" dirty="0"/>
-              <a:t>Federated learning – overview &amp; issues</a:t>
-            </a:r>
-          </a:p>
-        </p:txBody>
-      </p:sp>
-      <p:sp>
-        <p:nvSpPr>
-          <p:cNvPr id="4" name="Footer Placeholder 3">
-            <a:extLst>
-              <a:ext uri="{FF2B5EF4-FFF2-40B4-BE49-F238E27FC236}">
-                <a16:creationId xmlns:a16="http://schemas.microsoft.com/office/drawing/2014/main" id="{C3694155-B703-491F-B4DE-366560C066CF}"/>
-              </a:ext>
-            </a:extLst>
-          </p:cNvPr>
-          <p:cNvSpPr>
-            <a:spLocks noGrp="1"/>
-          </p:cNvSpPr>
-          <p:nvPr>
-            <p:ph type="ftr" sz="quarter" idx="3"/>
-          </p:nvPr>
-        </p:nvSpPr>
-        <p:spPr/>
-        <p:txBody>
-          <a:bodyPr/>
-          <a:lstStyle/>
-          <a:p>
-            <a:pPr>
-              <a:defRPr/>
-            </a:pPr>
-            <a:r>
-              <a:rPr lang="de-DE"/>
-              <a:t>This project hast received funding from the European Union’s Horizon 2020 research and innovation programme under grant agreement No </a:t>
-            </a:r>
-            <a:r>
-              <a:rPr lang="is-IS"/>
-              <a:t>826078</a:t>
-            </a:r>
-            <a:endParaRPr lang="de-DE" dirty="0"/>
-          </a:p>
-        </p:txBody>
-      </p:sp>
-      <p:pic>
-        <p:nvPicPr>
-          <p:cNvPr id="5" name="Content Placeholder 5" descr="A close up of a map&#10;&#10;Description automatically generated">
-            <a:extLst>
-              <a:ext uri="{FF2B5EF4-FFF2-40B4-BE49-F238E27FC236}">
-                <a16:creationId xmlns:a16="http://schemas.microsoft.com/office/drawing/2014/main" id="{013E739F-9F30-4F05-8BF4-A1B20223C535}"/>
-              </a:ext>
-            </a:extLst>
-          </p:cNvPr>
-          <p:cNvPicPr>
-            <a:picLocks noGrp="1" noChangeAspect="1"/>
-          </p:cNvPicPr>
-          <p:nvPr>
-            <p:ph sz="quarter" idx="1"/>
-          </p:nvPr>
-        </p:nvPicPr>
-        <p:blipFill>
-          <a:blip r:embed="rId2"/>
-          <a:stretch>
-            <a:fillRect/>
-          </a:stretch>
-        </p:blipFill>
-        <p:spPr>
-          <a:xfrm>
-            <a:off x="481426" y="1564406"/>
-            <a:ext cx="3844032" cy="1638725"/>
-          </a:xfrm>
-        </p:spPr>
-      </p:pic>
-      <p:sp>
-        <p:nvSpPr>
-          <p:cNvPr id="6" name="TextBox 5">
-            <a:extLst>
-              <a:ext uri="{FF2B5EF4-FFF2-40B4-BE49-F238E27FC236}">
-                <a16:creationId xmlns:a16="http://schemas.microsoft.com/office/drawing/2014/main" id="{FD300EB5-CFC7-4E4C-8111-085178D5318B}"/>
-              </a:ext>
-            </a:extLst>
-          </p:cNvPr>
-          <p:cNvSpPr txBox="1"/>
-          <p:nvPr/>
-        </p:nvSpPr>
-        <p:spPr>
-          <a:xfrm>
-            <a:off x="416642" y="3187326"/>
-            <a:ext cx="3908816" cy="553998"/>
-          </a:xfrm>
-          <a:prstGeom prst="rect">
-            <a:avLst/>
-          </a:prstGeom>
-          <a:noFill/>
-        </p:spPr>
-        <p:txBody>
-          <a:bodyPr wrap="square">
-            <a:spAutoFit/>
-          </a:bodyPr>
-          <a:lstStyle/>
-          <a:p>
-            <a:r>
-              <a:rPr lang="en-GB" sz="1000" dirty="0"/>
-              <a:t>Tian Li, </a:t>
-            </a:r>
-            <a:r>
-              <a:rPr lang="en-GB" sz="1000" dirty="0" err="1"/>
-              <a:t>Anit</a:t>
-            </a:r>
-            <a:r>
-              <a:rPr lang="en-GB" sz="1000" dirty="0"/>
-              <a:t> Kumar </a:t>
-            </a:r>
-            <a:r>
-              <a:rPr lang="en-GB" sz="1000" dirty="0" err="1"/>
-              <a:t>Sahu</a:t>
-            </a:r>
-            <a:r>
-              <a:rPr lang="en-GB" sz="1000" dirty="0"/>
-              <a:t>, </a:t>
-            </a:r>
-            <a:r>
-              <a:rPr lang="en-GB" sz="1000" dirty="0" err="1"/>
-              <a:t>Ameet</a:t>
-            </a:r>
-            <a:r>
-              <a:rPr lang="en-GB" sz="1000" dirty="0"/>
-              <a:t> Talwalkar, and Virginia Smith. Federated Learning: Challenges, Methods, and Future Directions. pages 1–21, 2019. URL http://arxiv.org/abs/1908.07873. </a:t>
-            </a:r>
-            <a:endParaRPr lang="en-US" sz="1000" dirty="0"/>
-          </a:p>
-        </p:txBody>
-      </p:sp>
-    </p:spTree>
-    <p:extLst>
-      <p:ext uri="{BB962C8B-B14F-4D97-AF65-F5344CB8AC3E}">
-        <p14:creationId xmlns:p14="http://schemas.microsoft.com/office/powerpoint/2010/main" val="4039423577"/>
       </p:ext>
     </p:extLst>
   </p:cSld>
@@ -5700,8 +5516,8 @@
         </p:nvSpPr>
         <p:spPr>
           <a:xfrm>
-            <a:off x="285341" y="1915268"/>
-            <a:ext cx="4310216" cy="861774"/>
+            <a:off x="285341" y="2134335"/>
+            <a:ext cx="4310216" cy="584775"/>
           </a:xfrm>
           <a:prstGeom prst="rect">
             <a:avLst/>
@@ -5723,7 +5539,7 @@
               </a:spcAft>
             </a:pPr>
             <a:r>
-              <a:rPr lang="en-GB" sz="1000" dirty="0">
+              <a:rPr lang="en-GB" sz="800" dirty="0">
                 <a:solidFill>
                   <a:srgbClr val="000000"/>
                 </a:solidFill>
@@ -5734,7 +5550,7 @@
               <a:t>Rex Ying, Ruining He, Kaifeng Chen, Pong </a:t>
             </a:r>
             <a:r>
-              <a:rPr lang="en-GB" sz="1000" dirty="0" err="1">
+              <a:rPr lang="en-GB" sz="800" dirty="0" err="1">
                 <a:solidFill>
                   <a:srgbClr val="000000"/>
                 </a:solidFill>
@@ -5745,7 +5561,7 @@
               <a:t>Eksombatchai</a:t>
             </a:r>
             <a:r>
-              <a:rPr lang="en-GB" sz="1000" dirty="0">
+              <a:rPr lang="en-GB" sz="800" dirty="0">
                 <a:solidFill>
                   <a:srgbClr val="000000"/>
                 </a:solidFill>
@@ -5756,7 +5572,7 @@
               <a:t>, William L. Hamilton, and Jure Leskovec. Graph convolutional neural networks for web-scale recommender systems. Proceedings of the ACM SIGKDD International Conference on Knowledge Discovery and Data Mining, pages 974–983, 2018. </a:t>
             </a:r>
             <a:r>
-              <a:rPr lang="en-GB" sz="1000" dirty="0" err="1">
+              <a:rPr lang="en-GB" sz="800" dirty="0" err="1">
                 <a:solidFill>
                   <a:srgbClr val="000000"/>
                 </a:solidFill>
@@ -5767,7 +5583,7 @@
               <a:t>doi</a:t>
             </a:r>
             <a:r>
-              <a:rPr lang="en-GB" sz="1000" dirty="0">
+              <a:rPr lang="en-GB" sz="800" dirty="0">
                 <a:solidFill>
                   <a:srgbClr val="000000"/>
                 </a:solidFill>
@@ -5777,7 +5593,7 @@
               </a:rPr>
               <a:t>: 10.1145/3219819.3219890.</a:t>
             </a:r>
-            <a:endParaRPr lang="en-US" sz="1000" dirty="0">
+            <a:endParaRPr lang="en-US" sz="800" dirty="0">
               <a:effectLst/>
               <a:latin typeface="Arial" panose="020B0604020202020204" pitchFamily="34" charset="0"/>
               <a:ea typeface="Arial" panose="020B0604020202020204" pitchFamily="34" charset="0"/>
@@ -5800,7 +5616,7 @@
         <p:spPr>
           <a:xfrm>
             <a:off x="5428800" y="2637497"/>
-            <a:ext cx="3614400" cy="707886"/>
+            <a:ext cx="3614400" cy="461665"/>
           </a:xfrm>
           <a:prstGeom prst="rect">
             <a:avLst/>
@@ -5814,18 +5630,18 @@
           <a:lstStyle/>
           <a:p>
             <a:r>
-              <a:rPr lang="en-GB" sz="1000" dirty="0"/>
+              <a:rPr lang="en-GB" sz="800" dirty="0"/>
               <a:t>W. L. Hamilton, R. Ying, J. Leskovec, Inductive representation learning on large graphs, Advances in Neural Information Processing Systems 2017- </a:t>
             </a:r>
             <a:r>
-              <a:rPr lang="en-GB" sz="1000" dirty="0" err="1"/>
+              <a:rPr lang="en-GB" sz="800" dirty="0" err="1"/>
               <a:t>Decem</a:t>
             </a:r>
             <a:r>
-              <a:rPr lang="en-GB" sz="1000" dirty="0"/>
+              <a:rPr lang="en-GB" sz="800" dirty="0"/>
               <a:t> (Nips) (2017) 1025–1035. arXiv:1706.02216.</a:t>
             </a:r>
-            <a:endParaRPr lang="en-US" sz="1000" dirty="0"/>
+            <a:endParaRPr lang="en-US" sz="800" dirty="0"/>
           </a:p>
         </p:txBody>
       </p:sp>
@@ -5851,8 +5667,8 @@
         </p:blipFill>
         <p:spPr>
           <a:xfrm>
-            <a:off x="285341" y="2777042"/>
-            <a:ext cx="5077526" cy="3162510"/>
+            <a:off x="285341" y="2727386"/>
+            <a:ext cx="5077526" cy="3212166"/>
           </a:xfrm>
           <a:prstGeom prst="rect">
             <a:avLst/>
@@ -5873,7 +5689,7 @@
         </p:nvSpPr>
         <p:spPr>
           <a:xfrm>
-            <a:off x="481426" y="1510493"/>
+            <a:off x="481426" y="1558797"/>
             <a:ext cx="3680333" cy="338554"/>
           </a:xfrm>
           <a:prstGeom prst="rect">
@@ -5912,7 +5728,7 @@
         </p:nvSpPr>
         <p:spPr>
           <a:xfrm>
-            <a:off x="5362867" y="3377096"/>
+            <a:off x="5313771" y="3303452"/>
             <a:ext cx="3680333" cy="2677656"/>
           </a:xfrm>
           <a:prstGeom prst="rect">
@@ -6415,8 +6231,8 @@
         </p:blipFill>
         <p:spPr>
           <a:xfrm>
-            <a:off x="445426" y="1116000"/>
-            <a:ext cx="7159275" cy="4838399"/>
+            <a:off x="481426" y="1914717"/>
+            <a:ext cx="5911509" cy="3995131"/>
           </a:xfrm>
         </p:spPr>
       </p:pic>
@@ -6453,6 +6269,148 @@
               <a:t>826078</a:t>
             </a:r>
             <a:endParaRPr lang="de-DE" dirty="0"/>
+          </a:p>
+        </p:txBody>
+      </p:sp>
+      <p:sp>
+        <p:nvSpPr>
+          <p:cNvPr id="7" name="TextBox 6">
+            <a:extLst>
+              <a:ext uri="{FF2B5EF4-FFF2-40B4-BE49-F238E27FC236}">
+                <a16:creationId xmlns:a16="http://schemas.microsoft.com/office/drawing/2014/main" id="{C33D4426-8E69-47D9-9FE8-B047750E369A}"/>
+              </a:ext>
+            </a:extLst>
+          </p:cNvPr>
+          <p:cNvSpPr txBox="1"/>
+          <p:nvPr/>
+        </p:nvSpPr>
+        <p:spPr>
+          <a:xfrm>
+            <a:off x="391228" y="1121060"/>
+            <a:ext cx="8361544" cy="646331"/>
+          </a:xfrm>
+          <a:prstGeom prst="rect">
+            <a:avLst/>
+          </a:prstGeom>
+          <a:noFill/>
+        </p:spPr>
+        <p:txBody>
+          <a:bodyPr wrap="square">
+            <a:spAutoFit/>
+          </a:bodyPr>
+          <a:lstStyle/>
+          <a:p>
+            <a:r>
+              <a:rPr lang="en-GB" sz="1800" b="0" dirty="0">
+                <a:effectLst/>
+                <a:latin typeface="Arial" panose="020B0604020202020204" pitchFamily="34" charset="0"/>
+                <a:cs typeface="Arial" panose="020B0604020202020204" pitchFamily="34" charset="0"/>
+              </a:rPr>
+              <a:t>VISION: it would make sense to bring features from different modalities (images, text, DB, timeseries, *omics..) into one embedding space, so we can…</a:t>
+            </a:r>
+          </a:p>
+        </p:txBody>
+      </p:sp>
+      <p:sp>
+        <p:nvSpPr>
+          <p:cNvPr id="8" name="TextBox 7">
+            <a:extLst>
+              <a:ext uri="{FF2B5EF4-FFF2-40B4-BE49-F238E27FC236}">
+                <a16:creationId xmlns:a16="http://schemas.microsoft.com/office/drawing/2014/main" id="{270E6701-AF8E-4165-B768-A9B25F7F334D}"/>
+              </a:ext>
+            </a:extLst>
+          </p:cNvPr>
+          <p:cNvSpPr txBox="1"/>
+          <p:nvPr/>
+        </p:nvSpPr>
+        <p:spPr>
+          <a:xfrm>
+            <a:off x="6392935" y="1953207"/>
+            <a:ext cx="2445559" cy="3785652"/>
+          </a:xfrm>
+          <a:prstGeom prst="rect">
+            <a:avLst/>
+          </a:prstGeom>
+          <a:noFill/>
+        </p:spPr>
+        <p:txBody>
+          <a:bodyPr wrap="square">
+            <a:spAutoFit/>
+          </a:bodyPr>
+          <a:lstStyle/>
+          <a:p>
+            <a:pPr marL="285750" indent="-285750">
+              <a:buFont typeface="Arial" panose="020B0604020202020204" pitchFamily="34" charset="0"/>
+              <a:buChar char="•"/>
+            </a:pPr>
+            <a:r>
+              <a:rPr lang="en-GB" sz="1600" b="0" dirty="0">
+                <a:effectLst/>
+                <a:latin typeface="Arial" panose="020B0604020202020204" pitchFamily="34" charset="0"/>
+                <a:cs typeface="Arial" panose="020B0604020202020204" pitchFamily="34" charset="0"/>
+              </a:rPr>
+              <a:t>train algorithms to classify/predict on such enriched DBs</a:t>
+            </a:r>
+          </a:p>
+          <a:p>
+            <a:pPr marL="285750" indent="-285750">
+              <a:buFont typeface="Arial" panose="020B0604020202020204" pitchFamily="34" charset="0"/>
+              <a:buChar char="•"/>
+            </a:pPr>
+            <a:endParaRPr lang="en-GB" sz="1600" dirty="0">
+              <a:latin typeface="Arial" panose="020B0604020202020204" pitchFamily="34" charset="0"/>
+              <a:cs typeface="Arial" panose="020B0604020202020204" pitchFamily="34" charset="0"/>
+            </a:endParaRPr>
+          </a:p>
+          <a:p>
+            <a:pPr marL="285750" indent="-285750">
+              <a:buFont typeface="Arial" panose="020B0604020202020204" pitchFamily="34" charset="0"/>
+              <a:buChar char="•"/>
+            </a:pPr>
+            <a:r>
+              <a:rPr lang="en-GB" sz="1600" b="0" dirty="0">
+                <a:effectLst/>
+                <a:latin typeface="Arial" panose="020B0604020202020204" pitchFamily="34" charset="0"/>
+                <a:cs typeface="Arial" panose="020B0604020202020204" pitchFamily="34" charset="0"/>
+              </a:rPr>
+              <a:t>make explanations more contextual for the medical experts</a:t>
+            </a:r>
+          </a:p>
+          <a:p>
+            <a:endParaRPr lang="en-GB" sz="1600" dirty="0">
+              <a:latin typeface="Arial" panose="020B0604020202020204" pitchFamily="34" charset="0"/>
+              <a:cs typeface="Arial" panose="020B0604020202020204" pitchFamily="34" charset="0"/>
+            </a:endParaRPr>
+          </a:p>
+          <a:p>
+            <a:pPr marL="285750" indent="-285750">
+              <a:buFont typeface="Arial" panose="020B0604020202020204" pitchFamily="34" charset="0"/>
+              <a:buChar char="•"/>
+            </a:pPr>
+            <a:r>
+              <a:rPr lang="en-GB" sz="1600" b="0" dirty="0">
+                <a:effectLst/>
+                <a:latin typeface="Arial" panose="020B0604020202020204" pitchFamily="34" charset="0"/>
+                <a:cs typeface="Arial" panose="020B0604020202020204" pitchFamily="34" charset="0"/>
+              </a:rPr>
+              <a:t>produce human-understandable counterfactuals (e.g. </a:t>
+            </a:r>
+            <a:r>
+              <a:rPr lang="en-GB" sz="1600" b="0" i="1" dirty="0">
+                <a:effectLst/>
+                <a:latin typeface="Arial" panose="020B0604020202020204" pitchFamily="34" charset="0"/>
+                <a:cs typeface="Arial" panose="020B0604020202020204" pitchFamily="34" charset="0"/>
+              </a:rPr>
+              <a:t>"if blood pressure was higher, this cell-cluster would mean something different"</a:t>
+            </a:r>
+            <a:r>
+              <a:rPr lang="en-GB" sz="1600" b="0" dirty="0">
+                <a:effectLst/>
+                <a:latin typeface="Arial" panose="020B0604020202020204" pitchFamily="34" charset="0"/>
+                <a:cs typeface="Arial" panose="020B0604020202020204" pitchFamily="34" charset="0"/>
+              </a:rPr>
+              <a:t>)</a:t>
+            </a:r>
           </a:p>
         </p:txBody>
       </p:sp>
@@ -6496,14 +6454,19 @@
             <p:ph type="title"/>
           </p:nvPr>
         </p:nvSpPr>
-        <p:spPr/>
+        <p:spPr>
+          <a:xfrm>
+            <a:off x="481426" y="382975"/>
+            <a:ext cx="6905988" cy="904226"/>
+          </a:xfrm>
+        </p:spPr>
         <p:txBody>
           <a:bodyPr/>
           <a:lstStyle/>
           <a:p>
             <a:r>
               <a:rPr lang="en-GB" dirty="0"/>
-              <a:t>WPX – Critical issues &amp; items for discussion </a:t>
+              <a:t>WP4 – Critical issues &amp; items for discussion </a:t>
             </a:r>
           </a:p>
         </p:txBody>
@@ -6520,8 +6483,8 @@
         </p:nvSpPr>
         <p:spPr>
           <a:xfrm>
-            <a:off x="481427" y="1159200"/>
-            <a:ext cx="7697774" cy="4701600"/>
+            <a:off x="481427" y="1337847"/>
+            <a:ext cx="7697774" cy="4685065"/>
           </a:xfrm>
         </p:spPr>
         <p:txBody>
@@ -6531,28 +6494,28 @@
             <a:pPr marL="0" lvl="0" indent="0">
               <a:buNone/>
             </a:pPr>
-            <a:r>
-              <a:rPr lang="en-GB" b="1" dirty="0"/>
-              <a:t>Please list here critical issues (problems, open questions, etc.) for your WP:</a:t>
-            </a:r>
-          </a:p>
-          <a:p>
-            <a:pPr marL="0" lvl="0" indent="0">
+            <a:endParaRPr lang="en-GB" dirty="0"/>
+          </a:p>
+          <a:p>
+            <a:r>
+              <a:rPr lang="en-GB" dirty="0"/>
+              <a:t>Feasibility of multi-modal graph / </a:t>
+            </a:r>
+          </a:p>
+          <a:p>
+            <a:pPr marL="0" indent="0">
               <a:buNone/>
             </a:pPr>
-            <a:endParaRPr lang="en-GB" dirty="0"/>
-          </a:p>
-          <a:p>
             <a:r>
               <a:rPr lang="en-GB" dirty="0"/>
-              <a:t>Feasibility of multi-modal graph / embeddings construction</a:t>
+              <a:t>	embeddings construction</a:t>
             </a:r>
           </a:p>
           <a:p>
             <a:pPr lvl="1"/>
             <a:r>
               <a:rPr lang="en-GB" sz="1600" dirty="0"/>
-              <a:t>Graph cell extraction from images already works, but they don’t include other modalities</a:t>
+              <a:t>Graph cell extraction from images already works, but as far as we know they don’t include other modalities</a:t>
             </a:r>
           </a:p>
           <a:p>
@@ -6564,7 +6527,7 @@
           </a:p>
           <a:p>
             <a:pPr lvl="1"/>
-            <a:endParaRPr lang="en-GB" sz="1600" dirty="0"/>
+            <a:endParaRPr lang="en-GB" sz="800" dirty="0"/>
           </a:p>
           <a:p>
             <a:r>
@@ -6617,6 +6580,122 @@
               <a:rPr lang="en-GB" dirty="0"/>
               <a:t>This project has received funding from the European Union’s Horizon 2020 research and innovation programme under grant agreement No 826078</a:t>
             </a:r>
+          </a:p>
+        </p:txBody>
+      </p:sp>
+      <p:pic>
+        <p:nvPicPr>
+          <p:cNvPr id="5" name="Content Placeholder 5" descr="A close up of a map&#10;&#10;Description automatically generated">
+            <a:extLst>
+              <a:ext uri="{FF2B5EF4-FFF2-40B4-BE49-F238E27FC236}">
+                <a16:creationId xmlns:a16="http://schemas.microsoft.com/office/drawing/2014/main" id="{21A8CA32-D042-4187-B06D-77CE2A58FE82}"/>
+              </a:ext>
+            </a:extLst>
+          </p:cNvPr>
+          <p:cNvPicPr>
+            <a:picLocks noChangeAspect="1"/>
+          </p:cNvPicPr>
+          <p:nvPr/>
+        </p:nvPicPr>
+        <p:blipFill>
+          <a:blip r:embed="rId2"/>
+          <a:stretch>
+            <a:fillRect/>
+          </a:stretch>
+        </p:blipFill>
+        <p:spPr bwMode="auto">
+          <a:xfrm>
+            <a:off x="4572000" y="901785"/>
+            <a:ext cx="3495938" cy="1493626"/>
+          </a:xfrm>
+          <a:prstGeom prst="rect">
+            <a:avLst/>
+          </a:prstGeom>
+          <a:noFill/>
+          <a:ln>
+            <a:noFill/>
+          </a:ln>
+          <a:extLst>
+            <a:ext uri="{909E8E84-426E-40DD-AFC4-6F175D3DCCD1}">
+              <a14:hiddenFill xmlns:a14="http://schemas.microsoft.com/office/drawing/2010/main">
+                <a:solidFill>
+                  <a:srgbClr val="FFFFFF"/>
+                </a:solidFill>
+              </a14:hiddenFill>
+            </a:ext>
+            <a:ext uri="{91240B29-F687-4F45-9708-019B960494DF}">
+              <a14:hiddenLine xmlns:a14="http://schemas.microsoft.com/office/drawing/2010/main" w="9525">
+                <a:solidFill>
+                  <a:srgbClr val="000000"/>
+                </a:solidFill>
+                <a:miter lim="800000"/>
+                <a:headEnd/>
+                <a:tailEnd/>
+              </a14:hiddenLine>
+            </a:ext>
+            <a:ext uri="{FAA26D3D-D897-4be2-8F04-BA451C77F1D7}">
+              <ma14:placeholderFlag xmlns:ma14="http://schemas.microsoft.com/office/mac/drawingml/2011/main" xmlns="" val="1"/>
+            </a:ext>
+          </a:extLst>
+        </p:spPr>
+      </p:pic>
+      <p:sp>
+        <p:nvSpPr>
+          <p:cNvPr id="6" name="TextBox 5">
+            <a:extLst>
+              <a:ext uri="{FF2B5EF4-FFF2-40B4-BE49-F238E27FC236}">
+                <a16:creationId xmlns:a16="http://schemas.microsoft.com/office/drawing/2014/main" id="{C532F3E2-CBDE-4ECC-9181-12F6700E16A1}"/>
+              </a:ext>
+            </a:extLst>
+          </p:cNvPr>
+          <p:cNvSpPr txBox="1"/>
+          <p:nvPr/>
+        </p:nvSpPr>
+        <p:spPr>
+          <a:xfrm>
+            <a:off x="1828631" y="5759955"/>
+            <a:ext cx="4774688" cy="338554"/>
+          </a:xfrm>
+          <a:prstGeom prst="rect">
+            <a:avLst/>
+          </a:prstGeom>
+          <a:noFill/>
+        </p:spPr>
+        <p:txBody>
+          <a:bodyPr wrap="square">
+            <a:spAutoFit/>
+          </a:bodyPr>
+          <a:lstStyle/>
+          <a:p>
+            <a:r>
+              <a:rPr lang="en-GB" sz="800" dirty="0"/>
+              <a:t>Tian Li, </a:t>
+            </a:r>
+            <a:r>
+              <a:rPr lang="en-GB" sz="800" dirty="0" err="1"/>
+              <a:t>Anit</a:t>
+            </a:r>
+            <a:r>
+              <a:rPr lang="en-GB" sz="800" dirty="0"/>
+              <a:t> Kumar </a:t>
+            </a:r>
+            <a:r>
+              <a:rPr lang="en-GB" sz="800" dirty="0" err="1"/>
+              <a:t>Sahu</a:t>
+            </a:r>
+            <a:r>
+              <a:rPr lang="en-GB" sz="800" dirty="0"/>
+              <a:t>, </a:t>
+            </a:r>
+            <a:r>
+              <a:rPr lang="en-GB" sz="800" dirty="0" err="1"/>
+              <a:t>Ameet</a:t>
+            </a:r>
+            <a:r>
+              <a:rPr lang="en-GB" sz="800" dirty="0"/>
+              <a:t> Talwalkar, and Virginia Smith. Federated Learning: Challenges, Methods, and Future Directions. pages 1–21, 2019. URL http://arxiv.org/abs/1908.07873. </a:t>
+            </a:r>
+            <a:endParaRPr lang="en-US" sz="800" dirty="0"/>
           </a:p>
         </p:txBody>
       </p:sp>

--- a/2020/FC_sept_Graphs_LS/FeatureCloud_PPT_WP4_update.pptx
+++ b/2020/FC_sept_Graphs_LS/FeatureCloud_PPT_WP4_update.pptx
@@ -5,21 +5,26 @@
     <p:sldMasterId id="2147483712" r:id="rId1"/>
   </p:sldMasterIdLst>
   <p:notesMasterIdLst>
-    <p:notesMasterId r:id="rId11"/>
+    <p:notesMasterId r:id="rId16"/>
   </p:notesMasterIdLst>
   <p:handoutMasterIdLst>
-    <p:handoutMasterId r:id="rId12"/>
+    <p:handoutMasterId r:id="rId17"/>
   </p:handoutMasterIdLst>
   <p:sldIdLst>
     <p:sldId id="283" r:id="rId2"/>
-    <p:sldId id="289" r:id="rId3"/>
-    <p:sldId id="297" r:id="rId4"/>
-    <p:sldId id="291" r:id="rId5"/>
-    <p:sldId id="298" r:id="rId6"/>
-    <p:sldId id="292" r:id="rId7"/>
-    <p:sldId id="300" r:id="rId8"/>
-    <p:sldId id="293" r:id="rId9"/>
-    <p:sldId id="294" r:id="rId10"/>
+    <p:sldId id="297" r:id="rId3"/>
+    <p:sldId id="291" r:id="rId4"/>
+    <p:sldId id="299" r:id="rId5"/>
+    <p:sldId id="300" r:id="rId6"/>
+    <p:sldId id="301" r:id="rId7"/>
+    <p:sldId id="302" r:id="rId8"/>
+    <p:sldId id="298" r:id="rId9"/>
+    <p:sldId id="303" r:id="rId10"/>
+    <p:sldId id="304" r:id="rId11"/>
+    <p:sldId id="305" r:id="rId12"/>
+    <p:sldId id="306" r:id="rId13"/>
+    <p:sldId id="307" r:id="rId14"/>
+    <p:sldId id="292" r:id="rId15"/>
   </p:sldIdLst>
   <p:sldSz cx="9144000" cy="6858000" type="screen4x3"/>
   <p:notesSz cx="6858000" cy="9144000"/>
@@ -269,7 +274,7 @@
               <a:pPr>
                 <a:defRPr/>
               </a:pPr>
-              <a:t>01.09.2020</a:t>
+              <a:t>02.11.2020</a:t>
             </a:fld>
             <a:endParaRPr lang="de-DE"/>
           </a:p>
@@ -469,7 +474,7 @@
               <a:pPr>
                 <a:defRPr/>
               </a:pPr>
-              <a:t>01.09.2020</a:t>
+              <a:t>02.11.2020</a:t>
             </a:fld>
             <a:endParaRPr lang="de-DE"/>
           </a:p>
@@ -2370,7 +2375,7 @@
               </a14:hiddenLine>
             </a:ext>
             <a:ext uri="{FAA26D3D-D897-4be2-8F04-BA451C77F1D7}">
-              <ma14:placeholderFlag xmlns:ma14="http://schemas.microsoft.com/office/mac/drawingml/2011/main" xmlns="" val="1"/>
+              <ma14:placeholderFlag xmlns="" xmlns:ma14="http://schemas.microsoft.com/office/mac/drawingml/2011/main" val="1"/>
             </a:ext>
           </a:extLst>
         </p:spPr>
@@ -2432,7 +2437,7 @@
               </a14:hiddenLine>
             </a:ext>
             <a:ext uri="{FAA26D3D-D897-4be2-8F04-BA451C77F1D7}">
-              <ma14:placeholderFlag xmlns:ma14="http://schemas.microsoft.com/office/mac/drawingml/2011/main" xmlns="" val="1"/>
+              <ma14:placeholderFlag xmlns="" xmlns:ma14="http://schemas.microsoft.com/office/mac/drawingml/2011/main" val="1"/>
             </a:ext>
           </a:extLst>
         </p:spPr>
@@ -3247,7 +3252,7 @@
                   <a:srgbClr val="4CBBEB"/>
                 </a:solidFill>
               </a:rPr>
-              <a:t>WP4 ‒ Supervised Federated ML</a:t>
+              <a:t>Talk: Graph embeddings as building blocks for decentralized learning.</a:t>
             </a:r>
           </a:p>
         </p:txBody>
@@ -3295,15 +3300,7 @@
             </a:br>
             <a:r>
               <a:rPr lang="en-US" b="1" dirty="0"/>
-              <a:t>4</a:t>
-            </a:r>
-            <a:r>
-              <a:rPr lang="en-US" b="1" baseline="30000" dirty="0"/>
-              <a:t>th</a:t>
-            </a:r>
-            <a:r>
-              <a:rPr lang="en-US" b="1" dirty="0"/>
-              <a:t> FC Consortium meeting</a:t>
+              <a:t>Monthly FC Seminar</a:t>
             </a:r>
             <a:br>
               <a:rPr lang="en-US" b="1" dirty="0">
@@ -3318,7 +3315,7 @@
                   <a:srgbClr val="113283"/>
                 </a:solidFill>
               </a:rPr>
-              <a:t>09/01/2020</a:t>
+              <a:t>11/02/2020</a:t>
             </a:r>
           </a:p>
         </p:txBody>
@@ -3387,7 +3384,7 @@
               </a14:hiddenLine>
             </a:ext>
             <a:ext uri="{FAA26D3D-D897-4be2-8F04-BA451C77F1D7}">
-              <ma14:placeholderFlag xmlns:ma14="http://schemas.microsoft.com/office/mac/drawingml/2011/main" xmlns="" val="1"/>
+              <ma14:placeholderFlag xmlns="" xmlns:ma14="http://schemas.microsoft.com/office/mac/drawingml/2011/main" val="1"/>
             </a:ext>
           </a:extLst>
         </p:spPr>
@@ -3561,6 +3558,1156 @@
     <p:extLst>
       <p:ext uri="{BB962C8B-B14F-4D97-AF65-F5344CB8AC3E}">
         <p14:creationId xmlns:p14="http://schemas.microsoft.com/office/powerpoint/2010/main" val="856840151"/>
+      </p:ext>
+    </p:extLst>
+  </p:cSld>
+  <p:clrMapOvr>
+    <a:masterClrMapping/>
+  </p:clrMapOvr>
+</p:sld>
+</file>
+
+<file path=ppt/slides/slide10.xml><?xml version="1.0" encoding="utf-8"?>
+<p:sld xmlns:a="http://schemas.openxmlformats.org/drawingml/2006/main" xmlns:r="http://schemas.openxmlformats.org/officeDocument/2006/relationships" xmlns:p="http://schemas.openxmlformats.org/presentationml/2006/main">
+  <p:cSld>
+    <p:spTree>
+      <p:nvGrpSpPr>
+        <p:cNvPr id="1" name=""/>
+        <p:cNvGrpSpPr/>
+        <p:nvPr/>
+      </p:nvGrpSpPr>
+      <p:grpSpPr>
+        <a:xfrm>
+          <a:off x="0" y="0"/>
+          <a:ext cx="0" cy="0"/>
+          <a:chOff x="0" y="0"/>
+          <a:chExt cx="0" cy="0"/>
+        </a:xfrm>
+      </p:grpSpPr>
+      <p:sp>
+        <p:nvSpPr>
+          <p:cNvPr id="2" name="Title 1">
+            <a:extLst>
+              <a:ext uri="{FF2B5EF4-FFF2-40B4-BE49-F238E27FC236}">
+                <a16:creationId xmlns:a16="http://schemas.microsoft.com/office/drawing/2014/main" id="{0BCB851F-92AC-4287-8584-3C2D72E772A1}"/>
+              </a:ext>
+            </a:extLst>
+          </p:cNvPr>
+          <p:cNvSpPr>
+            <a:spLocks noGrp="1"/>
+          </p:cNvSpPr>
+          <p:nvPr>
+            <p:ph type="title"/>
+          </p:nvPr>
+        </p:nvSpPr>
+        <p:spPr/>
+        <p:txBody>
+          <a:bodyPr/>
+          <a:lstStyle/>
+          <a:p>
+            <a:r>
+              <a:rPr lang="en-US" dirty="0"/>
+              <a:t>Approaches / research avenues</a:t>
+            </a:r>
+          </a:p>
+        </p:txBody>
+      </p:sp>
+      <p:sp>
+        <p:nvSpPr>
+          <p:cNvPr id="3" name="Content Placeholder 2">
+            <a:extLst>
+              <a:ext uri="{FF2B5EF4-FFF2-40B4-BE49-F238E27FC236}">
+                <a16:creationId xmlns:a16="http://schemas.microsoft.com/office/drawing/2014/main" id="{FCEF826C-F3EB-4AF4-A2BD-D51828D7981A}"/>
+              </a:ext>
+            </a:extLst>
+          </p:cNvPr>
+          <p:cNvSpPr>
+            <a:spLocks noGrp="1"/>
+          </p:cNvSpPr>
+          <p:nvPr>
+            <p:ph sz="quarter" idx="1"/>
+          </p:nvPr>
+        </p:nvSpPr>
+        <p:spPr/>
+        <p:txBody>
+          <a:bodyPr/>
+          <a:lstStyle/>
+          <a:p>
+            <a:pPr marL="0" indent="0">
+              <a:buNone/>
+            </a:pPr>
+            <a:r>
+              <a:rPr lang="en-GB" dirty="0"/>
+              <a:t>1. Embeddings -&gt; </a:t>
+            </a:r>
+            <a:r>
+              <a:rPr lang="en-GB" dirty="0" err="1"/>
+              <a:t>kNN</a:t>
+            </a:r>
+            <a:r>
+              <a:rPr lang="en-GB" dirty="0"/>
+              <a:t> (similarity) recommender -&gt; rule extraction from user feedback -&gt; graphs -&gt; better embeddings</a:t>
+            </a:r>
+          </a:p>
+          <a:p>
+            <a:pPr lvl="1"/>
+            <a:r>
+              <a:rPr lang="en-GB" sz="1400" dirty="0"/>
+              <a:t>can apply to product recommendations or to regions of a </a:t>
+            </a:r>
+            <a:r>
+              <a:rPr lang="en-GB" sz="1400" dirty="0" err="1"/>
+              <a:t>histo</a:t>
+            </a:r>
+            <a:r>
+              <a:rPr lang="en-GB" sz="1400" dirty="0"/>
+              <a:t>-pathological image (which cells are the same)</a:t>
+            </a:r>
+          </a:p>
+          <a:p>
+            <a:pPr lvl="1"/>
+            <a:r>
+              <a:rPr lang="en-GB" sz="1400" dirty="0"/>
+              <a:t>could elicit counterfactuals (what are similar points that fall into a different class) -&gt; which criteria lead to the class change?</a:t>
+            </a:r>
+          </a:p>
+          <a:p>
+            <a:pPr marL="0" indent="0">
+              <a:buNone/>
+            </a:pPr>
+            <a:r>
+              <a:rPr lang="en-GB" dirty="0"/>
+              <a:t>2. Embeddings -&gt; </a:t>
+            </a:r>
+            <a:r>
+              <a:rPr lang="en-GB" dirty="0" err="1"/>
+              <a:t>kNN</a:t>
+            </a:r>
+            <a:r>
+              <a:rPr lang="en-GB" dirty="0"/>
+              <a:t>-graph -&gt; better embeddings -&gt; better graph -&gt; ...?</a:t>
+            </a:r>
+          </a:p>
+          <a:p>
+            <a:pPr lvl="1"/>
+            <a:r>
+              <a:rPr lang="en-GB" sz="1400" dirty="0"/>
+              <a:t>needs </a:t>
+            </a:r>
+            <a:r>
+              <a:rPr lang="en-GB" sz="1400" dirty="0" err="1"/>
+              <a:t>kNN</a:t>
+            </a:r>
+            <a:r>
+              <a:rPr lang="en-GB" sz="1400" dirty="0"/>
+              <a:t>-graph construction</a:t>
+            </a:r>
+          </a:p>
+          <a:p>
+            <a:pPr lvl="1"/>
+            <a:r>
+              <a:rPr lang="en-GB" sz="1400" dirty="0"/>
+              <a:t>then fed into GraphSAGE</a:t>
+            </a:r>
+          </a:p>
+          <a:p>
+            <a:pPr lvl="1"/>
+            <a:r>
+              <a:rPr lang="en-GB" sz="1400" dirty="0"/>
+              <a:t>graph representation (embedding) used to construct better graph -&gt; Loop…</a:t>
+            </a:r>
+          </a:p>
+          <a:p>
+            <a:pPr marL="0" indent="0">
+              <a:buNone/>
+            </a:pPr>
+            <a:r>
+              <a:rPr lang="en-GB" dirty="0"/>
+              <a:t>3. Embedding spaces representing different metrics (other than similarity) in the input space</a:t>
+            </a:r>
+          </a:p>
+        </p:txBody>
+      </p:sp>
+      <p:sp>
+        <p:nvSpPr>
+          <p:cNvPr id="4" name="Footer Placeholder 3">
+            <a:extLst>
+              <a:ext uri="{FF2B5EF4-FFF2-40B4-BE49-F238E27FC236}">
+                <a16:creationId xmlns:a16="http://schemas.microsoft.com/office/drawing/2014/main" id="{4981847F-7056-4010-8392-160704B54AAF}"/>
+              </a:ext>
+            </a:extLst>
+          </p:cNvPr>
+          <p:cNvSpPr>
+            <a:spLocks noGrp="1"/>
+          </p:cNvSpPr>
+          <p:nvPr>
+            <p:ph type="ftr" sz="quarter" idx="3"/>
+          </p:nvPr>
+        </p:nvSpPr>
+        <p:spPr/>
+        <p:txBody>
+          <a:bodyPr/>
+          <a:lstStyle/>
+          <a:p>
+            <a:pPr>
+              <a:defRPr/>
+            </a:pPr>
+            <a:r>
+              <a:rPr lang="de-DE"/>
+              <a:t>This project hast received funding from the European Union’s Horizon 2020 research and innovation programme under grant agreement No </a:t>
+            </a:r>
+            <a:r>
+              <a:rPr lang="is-IS"/>
+              <a:t>826078</a:t>
+            </a:r>
+            <a:endParaRPr lang="de-DE" dirty="0"/>
+          </a:p>
+        </p:txBody>
+      </p:sp>
+    </p:spTree>
+    <p:extLst>
+      <p:ext uri="{BB962C8B-B14F-4D97-AF65-F5344CB8AC3E}">
+        <p14:creationId xmlns:p14="http://schemas.microsoft.com/office/powerpoint/2010/main" val="2532659063"/>
+      </p:ext>
+    </p:extLst>
+  </p:cSld>
+  <p:clrMapOvr>
+    <a:masterClrMapping/>
+  </p:clrMapOvr>
+</p:sld>
+</file>
+
+<file path=ppt/slides/slide11.xml><?xml version="1.0" encoding="utf-8"?>
+<p:sld xmlns:a="http://schemas.openxmlformats.org/drawingml/2006/main" xmlns:r="http://schemas.openxmlformats.org/officeDocument/2006/relationships" xmlns:p="http://schemas.openxmlformats.org/presentationml/2006/main">
+  <p:cSld>
+    <p:spTree>
+      <p:nvGrpSpPr>
+        <p:cNvPr id="1" name=""/>
+        <p:cNvGrpSpPr/>
+        <p:nvPr/>
+      </p:nvGrpSpPr>
+      <p:grpSpPr>
+        <a:xfrm>
+          <a:off x="0" y="0"/>
+          <a:ext cx="0" cy="0"/>
+          <a:chOff x="0" y="0"/>
+          <a:chExt cx="0" cy="0"/>
+        </a:xfrm>
+      </p:grpSpPr>
+      <p:sp>
+        <p:nvSpPr>
+          <p:cNvPr id="2" name="Title 1">
+            <a:extLst>
+              <a:ext uri="{FF2B5EF4-FFF2-40B4-BE49-F238E27FC236}">
+                <a16:creationId xmlns:a16="http://schemas.microsoft.com/office/drawing/2014/main" id="{A63D4E77-9427-4F82-B3CF-7FD4120FDF6D}"/>
+              </a:ext>
+            </a:extLst>
+          </p:cNvPr>
+          <p:cNvSpPr>
+            <a:spLocks noGrp="1"/>
+          </p:cNvSpPr>
+          <p:nvPr>
+            <p:ph type="title"/>
+          </p:nvPr>
+        </p:nvSpPr>
+        <p:spPr/>
+        <p:txBody>
+          <a:bodyPr/>
+          <a:lstStyle/>
+          <a:p>
+            <a:r>
+              <a:rPr lang="en-US" dirty="0"/>
+              <a:t>Setup</a:t>
+            </a:r>
+          </a:p>
+        </p:txBody>
+      </p:sp>
+      <p:pic>
+        <p:nvPicPr>
+          <p:cNvPr id="6" name="Content Placeholder 5" descr="Graphical user interface, application, website&#10;&#10;Description automatically generated">
+            <a:extLst>
+              <a:ext uri="{FF2B5EF4-FFF2-40B4-BE49-F238E27FC236}">
+                <a16:creationId xmlns:a16="http://schemas.microsoft.com/office/drawing/2014/main" id="{63F36A38-B23D-4D67-9BE0-46741672C490}"/>
+              </a:ext>
+            </a:extLst>
+          </p:cNvPr>
+          <p:cNvPicPr>
+            <a:picLocks noGrp="1" noChangeAspect="1"/>
+          </p:cNvPicPr>
+          <p:nvPr>
+            <p:ph sz="quarter" idx="1"/>
+          </p:nvPr>
+        </p:nvPicPr>
+        <p:blipFill>
+          <a:blip r:embed="rId2"/>
+          <a:stretch>
+            <a:fillRect/>
+          </a:stretch>
+        </p:blipFill>
+        <p:spPr>
+          <a:xfrm>
+            <a:off x="3971146" y="3249038"/>
+            <a:ext cx="4668854" cy="2568778"/>
+          </a:xfrm>
+        </p:spPr>
+      </p:pic>
+      <p:sp>
+        <p:nvSpPr>
+          <p:cNvPr id="4" name="Footer Placeholder 3">
+            <a:extLst>
+              <a:ext uri="{FF2B5EF4-FFF2-40B4-BE49-F238E27FC236}">
+                <a16:creationId xmlns:a16="http://schemas.microsoft.com/office/drawing/2014/main" id="{C5109BC8-98F3-458C-9117-B38368163AAF}"/>
+              </a:ext>
+            </a:extLst>
+          </p:cNvPr>
+          <p:cNvSpPr>
+            <a:spLocks noGrp="1"/>
+          </p:cNvSpPr>
+          <p:nvPr>
+            <p:ph type="ftr" sz="quarter" idx="3"/>
+          </p:nvPr>
+        </p:nvSpPr>
+        <p:spPr/>
+        <p:txBody>
+          <a:bodyPr/>
+          <a:lstStyle/>
+          <a:p>
+            <a:pPr>
+              <a:defRPr/>
+            </a:pPr>
+            <a:r>
+              <a:rPr lang="de-DE"/>
+              <a:t>This project hast received funding from the European Union’s Horizon 2020 research and innovation programme under grant agreement No </a:t>
+            </a:r>
+            <a:r>
+              <a:rPr lang="is-IS"/>
+              <a:t>826078</a:t>
+            </a:r>
+            <a:endParaRPr lang="de-DE" dirty="0"/>
+          </a:p>
+        </p:txBody>
+      </p:sp>
+      <p:pic>
+        <p:nvPicPr>
+          <p:cNvPr id="8" name="Picture 7" descr="Graphical user interface, text, application, email&#10;&#10;Description automatically generated">
+            <a:extLst>
+              <a:ext uri="{FF2B5EF4-FFF2-40B4-BE49-F238E27FC236}">
+                <a16:creationId xmlns:a16="http://schemas.microsoft.com/office/drawing/2014/main" id="{37ECF751-7428-44BB-9A28-FC05413DFE56}"/>
+              </a:ext>
+            </a:extLst>
+          </p:cNvPr>
+          <p:cNvPicPr>
+            <a:picLocks noChangeAspect="1"/>
+          </p:cNvPicPr>
+          <p:nvPr/>
+        </p:nvPicPr>
+        <p:blipFill>
+          <a:blip r:embed="rId3"/>
+          <a:stretch>
+            <a:fillRect/>
+          </a:stretch>
+        </p:blipFill>
+        <p:spPr>
+          <a:xfrm>
+            <a:off x="4572000" y="1156242"/>
+            <a:ext cx="3945985" cy="1770161"/>
+          </a:xfrm>
+          <a:prstGeom prst="rect">
+            <a:avLst/>
+          </a:prstGeom>
+        </p:spPr>
+      </p:pic>
+      <p:pic>
+        <p:nvPicPr>
+          <p:cNvPr id="10" name="Picture 9" descr="A picture containing text&#10;&#10;Description automatically generated">
+            <a:extLst>
+              <a:ext uri="{FF2B5EF4-FFF2-40B4-BE49-F238E27FC236}">
+                <a16:creationId xmlns:a16="http://schemas.microsoft.com/office/drawing/2014/main" id="{86A0CDF3-CFF5-4EF8-BB95-E4C3793E8EF9}"/>
+              </a:ext>
+            </a:extLst>
+          </p:cNvPr>
+          <p:cNvPicPr>
+            <a:picLocks noChangeAspect="1"/>
+          </p:cNvPicPr>
+          <p:nvPr/>
+        </p:nvPicPr>
+        <p:blipFill>
+          <a:blip r:embed="rId4"/>
+          <a:stretch>
+            <a:fillRect/>
+          </a:stretch>
+        </p:blipFill>
+        <p:spPr>
+          <a:xfrm rot="20237883">
+            <a:off x="477978" y="1708146"/>
+            <a:ext cx="3631854" cy="2082263"/>
+          </a:xfrm>
+          <a:prstGeom prst="rect">
+            <a:avLst/>
+          </a:prstGeom>
+        </p:spPr>
+      </p:pic>
+    </p:spTree>
+    <p:extLst>
+      <p:ext uri="{BB962C8B-B14F-4D97-AF65-F5344CB8AC3E}">
+        <p14:creationId xmlns:p14="http://schemas.microsoft.com/office/powerpoint/2010/main" val="385610233"/>
+      </p:ext>
+    </p:extLst>
+  </p:cSld>
+  <p:clrMapOvr>
+    <a:masterClrMapping/>
+  </p:clrMapOvr>
+</p:sld>
+</file>
+
+<file path=ppt/slides/slide12.xml><?xml version="1.0" encoding="utf-8"?>
+<p:sld xmlns:a="http://schemas.openxmlformats.org/drawingml/2006/main" xmlns:r="http://schemas.openxmlformats.org/officeDocument/2006/relationships" xmlns:p="http://schemas.openxmlformats.org/presentationml/2006/main">
+  <p:cSld>
+    <p:spTree>
+      <p:nvGrpSpPr>
+        <p:cNvPr id="1" name=""/>
+        <p:cNvGrpSpPr/>
+        <p:nvPr/>
+      </p:nvGrpSpPr>
+      <p:grpSpPr>
+        <a:xfrm>
+          <a:off x="0" y="0"/>
+          <a:ext cx="0" cy="0"/>
+          <a:chOff x="0" y="0"/>
+          <a:chExt cx="0" cy="0"/>
+        </a:xfrm>
+      </p:grpSpPr>
+      <p:sp>
+        <p:nvSpPr>
+          <p:cNvPr id="2" name="Title 1">
+            <a:extLst>
+              <a:ext uri="{FF2B5EF4-FFF2-40B4-BE49-F238E27FC236}">
+                <a16:creationId xmlns:a16="http://schemas.microsoft.com/office/drawing/2014/main" id="{4C91CB9B-F994-443C-9077-B39C309AE81F}"/>
+              </a:ext>
+            </a:extLst>
+          </p:cNvPr>
+          <p:cNvSpPr>
+            <a:spLocks noGrp="1"/>
+          </p:cNvSpPr>
+          <p:nvPr>
+            <p:ph type="title"/>
+          </p:nvPr>
+        </p:nvSpPr>
+        <p:spPr/>
+        <p:txBody>
+          <a:bodyPr/>
+          <a:lstStyle/>
+          <a:p>
+            <a:r>
+              <a:rPr lang="en-US" dirty="0"/>
+              <a:t>Future challenges (1/3)</a:t>
+            </a:r>
+          </a:p>
+        </p:txBody>
+      </p:sp>
+      <p:sp>
+        <p:nvSpPr>
+          <p:cNvPr id="3" name="Content Placeholder 2">
+            <a:extLst>
+              <a:ext uri="{FF2B5EF4-FFF2-40B4-BE49-F238E27FC236}">
+                <a16:creationId xmlns:a16="http://schemas.microsoft.com/office/drawing/2014/main" id="{D937DED8-19E3-4466-98C1-F2AEB84FC064}"/>
+              </a:ext>
+            </a:extLst>
+          </p:cNvPr>
+          <p:cNvSpPr>
+            <a:spLocks noGrp="1"/>
+          </p:cNvSpPr>
+          <p:nvPr>
+            <p:ph sz="quarter" idx="1"/>
+          </p:nvPr>
+        </p:nvSpPr>
+        <p:spPr>
+          <a:xfrm>
+            <a:off x="481426" y="1499334"/>
+            <a:ext cx="8101255" cy="4260666"/>
+          </a:xfrm>
+        </p:spPr>
+        <p:txBody>
+          <a:bodyPr/>
+          <a:lstStyle/>
+          <a:p>
+            <a:pPr marL="0" indent="0">
+              <a:buNone/>
+            </a:pPr>
+            <a:r>
+              <a:rPr lang="en-GB" dirty="0"/>
+              <a:t>Hierarchical representation of local (sub)graphs -&gt; which works best?</a:t>
+            </a:r>
+          </a:p>
+          <a:p>
+            <a:pPr lvl="1"/>
+            <a:r>
+              <a:rPr lang="en-GB" sz="1600" dirty="0"/>
+              <a:t>aggregation / concatenation (mean/max/etc.)</a:t>
+            </a:r>
+          </a:p>
+          <a:p>
+            <a:pPr lvl="1"/>
+            <a:r>
+              <a:rPr lang="en-GB" sz="1600" dirty="0"/>
+              <a:t>a collection of virtual nodes spanning interesting clusters / walks of nodes</a:t>
+            </a:r>
+          </a:p>
+          <a:p>
+            <a:pPr lvl="1"/>
+            <a:r>
+              <a:rPr lang="en-GB" sz="1600" dirty="0"/>
+              <a:t>sampling strategies such as Random Walks, where the local graph structure itself is translated to fixed-size vectors -&gt; then fed to an embedder</a:t>
+            </a:r>
+          </a:p>
+          <a:p>
+            <a:pPr lvl="1"/>
+            <a:endParaRPr lang="en-US" sz="1600" dirty="0"/>
+          </a:p>
+          <a:p>
+            <a:pPr marL="179387" lvl="1" indent="0">
+              <a:buNone/>
+            </a:pPr>
+            <a:endParaRPr lang="en-GB" sz="1600" dirty="0"/>
+          </a:p>
+        </p:txBody>
+      </p:sp>
+      <p:sp>
+        <p:nvSpPr>
+          <p:cNvPr id="4" name="Footer Placeholder 3">
+            <a:extLst>
+              <a:ext uri="{FF2B5EF4-FFF2-40B4-BE49-F238E27FC236}">
+                <a16:creationId xmlns:a16="http://schemas.microsoft.com/office/drawing/2014/main" id="{E094EBDE-4DB9-487E-B4AC-A1BF2B38ECE8}"/>
+              </a:ext>
+            </a:extLst>
+          </p:cNvPr>
+          <p:cNvSpPr>
+            <a:spLocks noGrp="1"/>
+          </p:cNvSpPr>
+          <p:nvPr>
+            <p:ph type="ftr" sz="quarter" idx="3"/>
+          </p:nvPr>
+        </p:nvSpPr>
+        <p:spPr/>
+        <p:txBody>
+          <a:bodyPr/>
+          <a:lstStyle/>
+          <a:p>
+            <a:pPr>
+              <a:defRPr/>
+            </a:pPr>
+            <a:r>
+              <a:rPr lang="de-DE"/>
+              <a:t>This project hast received funding from the European Union’s Horizon 2020 research and innovation programme under grant agreement No </a:t>
+            </a:r>
+            <a:r>
+              <a:rPr lang="is-IS"/>
+              <a:t>826078</a:t>
+            </a:r>
+            <a:endParaRPr lang="de-DE" dirty="0"/>
+          </a:p>
+        </p:txBody>
+      </p:sp>
+      <p:pic>
+        <p:nvPicPr>
+          <p:cNvPr id="6" name="Picture 5" descr="Diagram&#10;&#10;Description automatically generated">
+            <a:extLst>
+              <a:ext uri="{FF2B5EF4-FFF2-40B4-BE49-F238E27FC236}">
+                <a16:creationId xmlns:a16="http://schemas.microsoft.com/office/drawing/2014/main" id="{A182A1E7-F8B9-4B2D-8A1A-43CD52C9BFDE}"/>
+              </a:ext>
+            </a:extLst>
+          </p:cNvPr>
+          <p:cNvPicPr>
+            <a:picLocks noChangeAspect="1"/>
+          </p:cNvPicPr>
+          <p:nvPr/>
+        </p:nvPicPr>
+        <p:blipFill>
+          <a:blip r:embed="rId2"/>
+          <a:stretch>
+            <a:fillRect/>
+          </a:stretch>
+        </p:blipFill>
+        <p:spPr>
+          <a:xfrm>
+            <a:off x="869004" y="3385458"/>
+            <a:ext cx="6569413" cy="1879634"/>
+          </a:xfrm>
+          <a:prstGeom prst="rect">
+            <a:avLst/>
+          </a:prstGeom>
+        </p:spPr>
+      </p:pic>
+      <p:sp>
+        <p:nvSpPr>
+          <p:cNvPr id="8" name="TextBox 7">
+            <a:extLst>
+              <a:ext uri="{FF2B5EF4-FFF2-40B4-BE49-F238E27FC236}">
+                <a16:creationId xmlns:a16="http://schemas.microsoft.com/office/drawing/2014/main" id="{50A6B853-9183-4D47-A2BC-2012EC7D071B}"/>
+              </a:ext>
+            </a:extLst>
+          </p:cNvPr>
+          <p:cNvSpPr txBox="1"/>
+          <p:nvPr/>
+        </p:nvSpPr>
+        <p:spPr>
+          <a:xfrm>
+            <a:off x="797667" y="5320200"/>
+            <a:ext cx="6640749" cy="707886"/>
+          </a:xfrm>
+          <a:prstGeom prst="rect">
+            <a:avLst/>
+          </a:prstGeom>
+          <a:noFill/>
+        </p:spPr>
+        <p:txBody>
+          <a:bodyPr wrap="square">
+            <a:spAutoFit/>
+          </a:bodyPr>
+          <a:lstStyle/>
+          <a:p>
+            <a:r>
+              <a:rPr lang="en-US" sz="1000" b="0" i="1" dirty="0">
+                <a:solidFill>
+                  <a:srgbClr val="333333"/>
+                </a:solidFill>
+                <a:effectLst/>
+                <a:latin typeface="Courier New" panose="02070309020205020404" pitchFamily="49" charset="0"/>
+              </a:rPr>
+              <a:t>Rex Ying, </a:t>
+            </a:r>
+            <a:r>
+              <a:rPr lang="en-US" sz="1000" b="0" i="1" dirty="0" err="1">
+                <a:solidFill>
+                  <a:srgbClr val="333333"/>
+                </a:solidFill>
+                <a:effectLst/>
+                <a:latin typeface="Courier New" panose="02070309020205020404" pitchFamily="49" charset="0"/>
+              </a:rPr>
+              <a:t>Jiaxuan</a:t>
+            </a:r>
+            <a:r>
+              <a:rPr lang="en-US" sz="1000" b="0" i="1" dirty="0">
+                <a:solidFill>
+                  <a:srgbClr val="333333"/>
+                </a:solidFill>
+                <a:effectLst/>
+                <a:latin typeface="Courier New" panose="02070309020205020404" pitchFamily="49" charset="0"/>
+              </a:rPr>
+              <a:t> You, Christopher Morris, Xiang Ren, William L. Hamilton, and Jure Leskovec. 2018. Hierarchical graph representation learning with differentiable pooling. In Proceedings of the 32nd International Conference on Neural Information Processing Systems (NIPS'18). Curran Associates Inc., Red Hook, NY, USA, 4805–4815.</a:t>
+            </a:r>
+            <a:endParaRPr lang="en-US" sz="1000" dirty="0"/>
+          </a:p>
+        </p:txBody>
+      </p:sp>
+    </p:spTree>
+    <p:extLst>
+      <p:ext uri="{BB962C8B-B14F-4D97-AF65-F5344CB8AC3E}">
+        <p14:creationId xmlns:p14="http://schemas.microsoft.com/office/powerpoint/2010/main" val="2961385997"/>
+      </p:ext>
+    </p:extLst>
+  </p:cSld>
+  <p:clrMapOvr>
+    <a:masterClrMapping/>
+  </p:clrMapOvr>
+</p:sld>
+</file>
+
+<file path=ppt/slides/slide13.xml><?xml version="1.0" encoding="utf-8"?>
+<p:sld xmlns:a="http://schemas.openxmlformats.org/drawingml/2006/main" xmlns:r="http://schemas.openxmlformats.org/officeDocument/2006/relationships" xmlns:p="http://schemas.openxmlformats.org/presentationml/2006/main">
+  <p:cSld>
+    <p:spTree>
+      <p:nvGrpSpPr>
+        <p:cNvPr id="1" name=""/>
+        <p:cNvGrpSpPr/>
+        <p:nvPr/>
+      </p:nvGrpSpPr>
+      <p:grpSpPr>
+        <a:xfrm>
+          <a:off x="0" y="0"/>
+          <a:ext cx="0" cy="0"/>
+          <a:chOff x="0" y="0"/>
+          <a:chExt cx="0" cy="0"/>
+        </a:xfrm>
+      </p:grpSpPr>
+      <p:sp>
+        <p:nvSpPr>
+          <p:cNvPr id="2" name="Title 1">
+            <a:extLst>
+              <a:ext uri="{FF2B5EF4-FFF2-40B4-BE49-F238E27FC236}">
+                <a16:creationId xmlns:a16="http://schemas.microsoft.com/office/drawing/2014/main" id="{B1D867BE-B48B-4FB5-B79E-94D41CE94E0A}"/>
+              </a:ext>
+            </a:extLst>
+          </p:cNvPr>
+          <p:cNvSpPr>
+            <a:spLocks noGrp="1"/>
+          </p:cNvSpPr>
+          <p:nvPr>
+            <p:ph type="title"/>
+          </p:nvPr>
+        </p:nvSpPr>
+        <p:spPr/>
+        <p:txBody>
+          <a:bodyPr/>
+          <a:lstStyle/>
+          <a:p>
+            <a:r>
+              <a:rPr lang="en-US" dirty="0"/>
+              <a:t>Future challenges (2/3)</a:t>
+            </a:r>
+          </a:p>
+        </p:txBody>
+      </p:sp>
+      <p:sp>
+        <p:nvSpPr>
+          <p:cNvPr id="3" name="Content Placeholder 2">
+            <a:extLst>
+              <a:ext uri="{FF2B5EF4-FFF2-40B4-BE49-F238E27FC236}">
+                <a16:creationId xmlns:a16="http://schemas.microsoft.com/office/drawing/2014/main" id="{B63217A0-CA11-434A-A0BD-0B698DC7C9BA}"/>
+              </a:ext>
+            </a:extLst>
+          </p:cNvPr>
+          <p:cNvSpPr>
+            <a:spLocks noGrp="1"/>
+          </p:cNvSpPr>
+          <p:nvPr>
+            <p:ph sz="quarter" idx="1"/>
+          </p:nvPr>
+        </p:nvSpPr>
+        <p:spPr>
+          <a:xfrm>
+            <a:off x="481426" y="1206230"/>
+            <a:ext cx="8101255" cy="4553770"/>
+          </a:xfrm>
+        </p:spPr>
+        <p:txBody>
+          <a:bodyPr/>
+          <a:lstStyle/>
+          <a:p>
+            <a:pPr marL="0" indent="0">
+              <a:buNone/>
+            </a:pPr>
+            <a:r>
+              <a:rPr lang="en-GB" dirty="0"/>
+              <a:t>Semantic alignment</a:t>
+            </a:r>
+          </a:p>
+          <a:p>
+            <a:pPr lvl="1"/>
+            <a:r>
+              <a:rPr lang="en-GB" sz="1400" dirty="0"/>
+              <a:t>under the assumption that when exchanging representation, the recipient can actually *decode* their meaning</a:t>
+            </a:r>
+          </a:p>
+          <a:p>
+            <a:pPr lvl="1"/>
+            <a:r>
+              <a:rPr lang="en-GB" sz="1400" dirty="0"/>
+              <a:t>=&gt; DIFFERENT SEMANTIC CONCEPT SPACES because of </a:t>
+            </a:r>
+            <a:r>
+              <a:rPr lang="en-GB" sz="1400" i="1" dirty="0"/>
+              <a:t>local geometry</a:t>
+            </a:r>
+          </a:p>
+          <a:p>
+            <a:pPr lvl="1"/>
+            <a:r>
+              <a:rPr lang="en-GB" sz="1400" dirty="0"/>
+              <a:t>how to align those local geometries efficiently is an open problem</a:t>
+            </a:r>
+          </a:p>
+          <a:p>
+            <a:pPr lvl="2"/>
+            <a:r>
+              <a:rPr lang="en-GB" sz="1200" dirty="0"/>
+              <a:t>pre-train local embeddings as a whole, then try to align them in a post-processing step (has been done via the </a:t>
+            </a:r>
+            <a:r>
+              <a:rPr lang="en-GB" sz="1200" dirty="0" err="1"/>
+              <a:t>smoo</a:t>
+            </a:r>
+            <a:r>
+              <a:rPr lang="en-GB" sz="1200" dirty="0"/>
+              <a:t> )</a:t>
+            </a:r>
+          </a:p>
+          <a:p>
+            <a:pPr lvl="1"/>
+            <a:r>
+              <a:rPr lang="en-GB" sz="1400" dirty="0"/>
+              <a:t>since we're passing messages along edges, we can treat a local sphere or parts thereof as a subgraph, compute it's representation, then send them along an imaginary edge to a different local sphere</a:t>
+            </a:r>
+          </a:p>
+          <a:p>
+            <a:pPr lvl="1"/>
+            <a:r>
+              <a:rPr lang="en-GB" sz="1400" dirty="0"/>
+              <a:t>QUESTION: do we connect spheres 1:1 with only one possible edge or should multiple regions / sub(sub-)graphs of one local sphere connect to different regions in another (level of granularity)</a:t>
+            </a:r>
+          </a:p>
+          <a:p>
+            <a:pPr marL="0" indent="0">
+              <a:buNone/>
+            </a:pPr>
+            <a:endParaRPr lang="en-GB" dirty="0"/>
+          </a:p>
+          <a:p>
+            <a:pPr marL="0" indent="0">
+              <a:buNone/>
+            </a:pPr>
+            <a:r>
+              <a:rPr lang="en-GB" dirty="0"/>
+              <a:t>Explainability…</a:t>
+            </a:r>
+            <a:endParaRPr lang="en-US" dirty="0"/>
+          </a:p>
+        </p:txBody>
+      </p:sp>
+      <p:sp>
+        <p:nvSpPr>
+          <p:cNvPr id="4" name="Footer Placeholder 3">
+            <a:extLst>
+              <a:ext uri="{FF2B5EF4-FFF2-40B4-BE49-F238E27FC236}">
+                <a16:creationId xmlns:a16="http://schemas.microsoft.com/office/drawing/2014/main" id="{F5533CB5-F477-4535-8BF5-E5ACD74EFD09}"/>
+              </a:ext>
+            </a:extLst>
+          </p:cNvPr>
+          <p:cNvSpPr>
+            <a:spLocks noGrp="1"/>
+          </p:cNvSpPr>
+          <p:nvPr>
+            <p:ph type="ftr" sz="quarter" idx="3"/>
+          </p:nvPr>
+        </p:nvSpPr>
+        <p:spPr/>
+        <p:txBody>
+          <a:bodyPr/>
+          <a:lstStyle/>
+          <a:p>
+            <a:pPr>
+              <a:defRPr/>
+            </a:pPr>
+            <a:r>
+              <a:rPr lang="de-DE"/>
+              <a:t>This project hast received funding from the European Union’s Horizon 2020 research and innovation programme under grant agreement No </a:t>
+            </a:r>
+            <a:r>
+              <a:rPr lang="is-IS"/>
+              <a:t>826078</a:t>
+            </a:r>
+            <a:endParaRPr lang="de-DE" dirty="0"/>
+          </a:p>
+        </p:txBody>
+      </p:sp>
+    </p:spTree>
+    <p:extLst>
+      <p:ext uri="{BB962C8B-B14F-4D97-AF65-F5344CB8AC3E}">
+        <p14:creationId xmlns:p14="http://schemas.microsoft.com/office/powerpoint/2010/main" val="3073823469"/>
+      </p:ext>
+    </p:extLst>
+  </p:cSld>
+  <p:clrMapOvr>
+    <a:masterClrMapping/>
+  </p:clrMapOvr>
+</p:sld>
+</file>
+
+<file path=ppt/slides/slide14.xml><?xml version="1.0" encoding="utf-8"?>
+<p:sld xmlns:a="http://schemas.openxmlformats.org/drawingml/2006/main" xmlns:r="http://schemas.openxmlformats.org/officeDocument/2006/relationships" xmlns:p="http://schemas.openxmlformats.org/presentationml/2006/main">
+  <p:cSld>
+    <p:spTree>
+      <p:nvGrpSpPr>
+        <p:cNvPr id="1" name=""/>
+        <p:cNvGrpSpPr/>
+        <p:nvPr/>
+      </p:nvGrpSpPr>
+      <p:grpSpPr>
+        <a:xfrm>
+          <a:off x="0" y="0"/>
+          <a:ext cx="0" cy="0"/>
+          <a:chOff x="0" y="0"/>
+          <a:chExt cx="0" cy="0"/>
+        </a:xfrm>
+      </p:grpSpPr>
+      <p:sp>
+        <p:nvSpPr>
+          <p:cNvPr id="2" name="Titel 1"/>
+          <p:cNvSpPr>
+            <a:spLocks noGrp="1"/>
+          </p:cNvSpPr>
+          <p:nvPr>
+            <p:ph type="title"/>
+          </p:nvPr>
+        </p:nvSpPr>
+        <p:spPr/>
+        <p:txBody>
+          <a:bodyPr/>
+          <a:lstStyle/>
+          <a:p>
+            <a:r>
+              <a:rPr lang="en-US" dirty="0"/>
+              <a:t>Future challenges (3/3)</a:t>
+            </a:r>
+            <a:endParaRPr lang="en-GB" dirty="0"/>
+          </a:p>
+        </p:txBody>
+      </p:sp>
+      <p:sp>
+        <p:nvSpPr>
+          <p:cNvPr id="3" name="Inhaltsplatzhalter 2"/>
+          <p:cNvSpPr>
+            <a:spLocks noGrp="1"/>
+          </p:cNvSpPr>
+          <p:nvPr>
+            <p:ph sz="quarter" idx="1"/>
+          </p:nvPr>
+        </p:nvSpPr>
+        <p:spPr>
+          <a:xfrm>
+            <a:off x="481427" y="1108800"/>
+            <a:ext cx="7748173" cy="4824000"/>
+          </a:xfrm>
+        </p:spPr>
+        <p:txBody>
+          <a:bodyPr/>
+          <a:lstStyle/>
+          <a:p>
+            <a:pPr marL="0" indent="0">
+              <a:buNone/>
+            </a:pPr>
+            <a:r>
+              <a:rPr lang="en-GB" sz="1600" dirty="0">
+                <a:solidFill>
+                  <a:schemeClr val="tx1"/>
+                </a:solidFill>
+                <a:latin typeface="Arial" panose="020B0604020202020204" pitchFamily="34" charset="0"/>
+                <a:cs typeface="Arial" panose="020B0604020202020204" pitchFamily="34" charset="0"/>
+              </a:rPr>
+              <a:t>Once we have a *"</a:t>
+            </a:r>
+            <a:r>
+              <a:rPr lang="en-GB" sz="1600" dirty="0" err="1">
+                <a:solidFill>
+                  <a:schemeClr val="tx1"/>
+                </a:solidFill>
+                <a:latin typeface="Arial" panose="020B0604020202020204" pitchFamily="34" charset="0"/>
+                <a:cs typeface="Arial" panose="020B0604020202020204" pitchFamily="34" charset="0"/>
+              </a:rPr>
+              <a:t>lego</a:t>
+            </a:r>
+            <a:r>
+              <a:rPr lang="en-GB" sz="1600" dirty="0">
+                <a:solidFill>
+                  <a:schemeClr val="tx1"/>
+                </a:solidFill>
+                <a:latin typeface="Arial" panose="020B0604020202020204" pitchFamily="34" charset="0"/>
+                <a:cs typeface="Arial" panose="020B0604020202020204" pitchFamily="34" charset="0"/>
+              </a:rPr>
+              <a:t> toolkit"* of methods, metrics &amp; a software pipeline, we can aim at more ambitious goals:</a:t>
+            </a:r>
+          </a:p>
+          <a:p>
+            <a:pPr lvl="1"/>
+            <a:r>
+              <a:rPr lang="en-GB" sz="1400" dirty="0">
+                <a:solidFill>
+                  <a:schemeClr val="tx1"/>
+                </a:solidFill>
+                <a:latin typeface="Arial" panose="020B0604020202020204" pitchFamily="34" charset="0"/>
+                <a:cs typeface="Arial" panose="020B0604020202020204" pitchFamily="34" charset="0"/>
+              </a:rPr>
+              <a:t>1. extract graphs from </a:t>
+            </a:r>
+            <a:r>
+              <a:rPr lang="en-GB" sz="1400" dirty="0" err="1">
+                <a:solidFill>
+                  <a:schemeClr val="tx1"/>
+                </a:solidFill>
+                <a:latin typeface="Arial" panose="020B0604020202020204" pitchFamily="34" charset="0"/>
+                <a:cs typeface="Arial" panose="020B0604020202020204" pitchFamily="34" charset="0"/>
+              </a:rPr>
+              <a:t>histopatho</a:t>
+            </a:r>
+            <a:r>
+              <a:rPr lang="en-GB" sz="1400" dirty="0">
+                <a:solidFill>
+                  <a:schemeClr val="tx1"/>
+                </a:solidFill>
+                <a:latin typeface="Arial" panose="020B0604020202020204" pitchFamily="34" charset="0"/>
+                <a:cs typeface="Arial" panose="020B0604020202020204" pitchFamily="34" charset="0"/>
+              </a:rPr>
+              <a:t> images including labels for nodes / edges</a:t>
+            </a:r>
+          </a:p>
+          <a:p>
+            <a:pPr lvl="2"/>
+            <a:r>
+              <a:rPr lang="en-GB" sz="1200" dirty="0">
+                <a:solidFill>
+                  <a:schemeClr val="tx1"/>
+                </a:solidFill>
+                <a:latin typeface="Arial" panose="020B0604020202020204" pitchFamily="34" charset="0"/>
+                <a:cs typeface="Arial" panose="020B0604020202020204" pitchFamily="34" charset="0"/>
+              </a:rPr>
+              <a:t>cell graph extraction methods already exist</a:t>
+            </a:r>
+          </a:p>
+          <a:p>
+            <a:pPr lvl="2"/>
+            <a:r>
+              <a:rPr lang="en-GB" sz="1200" dirty="0">
+                <a:solidFill>
+                  <a:schemeClr val="tx1"/>
+                </a:solidFill>
+                <a:latin typeface="Arial" panose="020B0604020202020204" pitchFamily="34" charset="0"/>
+                <a:cs typeface="Arial" panose="020B0604020202020204" pitchFamily="34" charset="0"/>
+              </a:rPr>
+              <a:t>show our earlier graph extractor (fasttext as inspiration...)</a:t>
+            </a:r>
+          </a:p>
+          <a:p>
+            <a:pPr lvl="1"/>
+            <a:r>
+              <a:rPr lang="en-GB" sz="1400" dirty="0">
+                <a:solidFill>
+                  <a:schemeClr val="tx1"/>
+                </a:solidFill>
+                <a:latin typeface="Arial" panose="020B0604020202020204" pitchFamily="34" charset="0"/>
+                <a:cs typeface="Arial" panose="020B0604020202020204" pitchFamily="34" charset="0"/>
+              </a:rPr>
+              <a:t>2. extract graphs from unstructured text (patient data), medial knowledge bases, *omics etc.</a:t>
+            </a:r>
+          </a:p>
+          <a:p>
+            <a:pPr lvl="1"/>
+            <a:r>
+              <a:rPr lang="en-GB" sz="1400" dirty="0">
+                <a:solidFill>
+                  <a:schemeClr val="tx1"/>
+                </a:solidFill>
+                <a:latin typeface="Arial" panose="020B0604020202020204" pitchFamily="34" charset="0"/>
+                <a:cs typeface="Arial" panose="020B0604020202020204" pitchFamily="34" charset="0"/>
+              </a:rPr>
+              <a:t>3. attempt to fuse them into a multimodal graph living in a shared concept space (same embedding dimensions)</a:t>
+            </a:r>
+          </a:p>
+          <a:p>
+            <a:pPr lvl="1"/>
+            <a:endParaRPr lang="en-GB" sz="1400" dirty="0">
+              <a:solidFill>
+                <a:schemeClr val="tx1"/>
+              </a:solidFill>
+              <a:latin typeface="Arial" panose="020B0604020202020204" pitchFamily="34" charset="0"/>
+              <a:cs typeface="Arial" panose="020B0604020202020204" pitchFamily="34" charset="0"/>
+            </a:endParaRPr>
+          </a:p>
+          <a:p>
+            <a:pPr lvl="1"/>
+            <a:endParaRPr lang="en-GB" sz="1400" dirty="0">
+              <a:solidFill>
+                <a:schemeClr val="tx1"/>
+              </a:solidFill>
+              <a:latin typeface="Arial" panose="020B0604020202020204" pitchFamily="34" charset="0"/>
+              <a:cs typeface="Arial" panose="020B0604020202020204" pitchFamily="34" charset="0"/>
+            </a:endParaRPr>
+          </a:p>
+        </p:txBody>
+      </p:sp>
+      <p:sp>
+        <p:nvSpPr>
+          <p:cNvPr id="4" name="Fußzeilenplatzhalter 3"/>
+          <p:cNvSpPr>
+            <a:spLocks noGrp="1"/>
+          </p:cNvSpPr>
+          <p:nvPr>
+            <p:ph type="ftr" sz="quarter" idx="3"/>
+          </p:nvPr>
+        </p:nvSpPr>
+        <p:spPr/>
+        <p:txBody>
+          <a:bodyPr/>
+          <a:lstStyle/>
+          <a:p>
+            <a:pPr>
+              <a:defRPr/>
+            </a:pPr>
+            <a:r>
+              <a:rPr lang="en-GB" dirty="0"/>
+              <a:t>This project has received funding from the European Union’s Horizon 2020 research and innovation programme under grant agreement No 826078</a:t>
+            </a:r>
+          </a:p>
+        </p:txBody>
+      </p:sp>
+      <p:pic>
+        <p:nvPicPr>
+          <p:cNvPr id="6" name="Picture 5" descr="Map&#10;&#10;Description automatically generated">
+            <a:extLst>
+              <a:ext uri="{FF2B5EF4-FFF2-40B4-BE49-F238E27FC236}">
+                <a16:creationId xmlns:a16="http://schemas.microsoft.com/office/drawing/2014/main" id="{B825FF05-CD28-49AE-A796-042777E2A02A}"/>
+              </a:ext>
+            </a:extLst>
+          </p:cNvPr>
+          <p:cNvPicPr>
+            <a:picLocks noChangeAspect="1"/>
+          </p:cNvPicPr>
+          <p:nvPr/>
+        </p:nvPicPr>
+        <p:blipFill>
+          <a:blip r:embed="rId2"/>
+          <a:stretch>
+            <a:fillRect/>
+          </a:stretch>
+        </p:blipFill>
+        <p:spPr>
+          <a:xfrm>
+            <a:off x="1369235" y="3695169"/>
+            <a:ext cx="6018179" cy="2008635"/>
+          </a:xfrm>
+          <a:prstGeom prst="rect">
+            <a:avLst/>
+          </a:prstGeom>
+        </p:spPr>
+      </p:pic>
+      <p:sp>
+        <p:nvSpPr>
+          <p:cNvPr id="7" name="TextBox 6">
+            <a:extLst>
+              <a:ext uri="{FF2B5EF4-FFF2-40B4-BE49-F238E27FC236}">
+                <a16:creationId xmlns:a16="http://schemas.microsoft.com/office/drawing/2014/main" id="{AAB24092-555C-40BD-B85C-F55ED0BA1A3C}"/>
+              </a:ext>
+            </a:extLst>
+          </p:cNvPr>
+          <p:cNvSpPr txBox="1"/>
+          <p:nvPr/>
+        </p:nvSpPr>
+        <p:spPr>
+          <a:xfrm>
+            <a:off x="1673158" y="5712712"/>
+            <a:ext cx="3735421" cy="246221"/>
+          </a:xfrm>
+          <a:prstGeom prst="rect">
+            <a:avLst/>
+          </a:prstGeom>
+          <a:noFill/>
+        </p:spPr>
+        <p:txBody>
+          <a:bodyPr wrap="square" rtlCol="0">
+            <a:spAutoFit/>
+          </a:bodyPr>
+          <a:lstStyle/>
+          <a:p>
+            <a:r>
+              <a:rPr lang="en-US" sz="1000" dirty="0"/>
+              <a:t>Source: Bernd Malle</a:t>
+            </a:r>
+          </a:p>
+        </p:txBody>
+      </p:sp>
+    </p:spTree>
+    <p:extLst>
+      <p:ext uri="{BB962C8B-B14F-4D97-AF65-F5344CB8AC3E}">
+        <p14:creationId xmlns:p14="http://schemas.microsoft.com/office/powerpoint/2010/main" val="3638036196"/>
       </p:ext>
     </p:extLst>
   </p:cSld>
@@ -3604,7 +4751,7 @@
           <a:p>
             <a:r>
               <a:rPr lang="en-GB" dirty="0"/>
-              <a:t>WP4 – Status: Progress to date</a:t>
+              <a:t>2 basic strategies for Federated Learning</a:t>
             </a:r>
           </a:p>
         </p:txBody>
@@ -3621,20 +4768,189 @@
         </p:nvSpPr>
         <p:spPr>
           <a:xfrm>
-            <a:off x="481426" y="1620000"/>
-            <a:ext cx="8101255" cy="803160"/>
+            <a:off x="481426" y="1173600"/>
+            <a:ext cx="8101255" cy="4658400"/>
           </a:xfrm>
         </p:spPr>
         <p:txBody>
           <a:bodyPr/>
           <a:lstStyle/>
           <a:p>
-            <a:pPr marL="0" lvl="0" indent="0">
+            <a:r>
+              <a:rPr lang="en-GB" dirty="0">
+                <a:solidFill>
+                  <a:schemeClr val="tx1"/>
+                </a:solidFill>
+                <a:latin typeface="Arial" panose="020B0604020202020204" pitchFamily="34" charset="0"/>
+                <a:cs typeface="Arial" panose="020B0604020202020204" pitchFamily="34" charset="0"/>
+              </a:rPr>
+              <a:t>Centralized model updates =&gt; server as the bottleneck</a:t>
+            </a:r>
+          </a:p>
+          <a:p>
+            <a:pPr lvl="1"/>
+            <a:r>
+              <a:rPr lang="en-GB" sz="1600" b="0" dirty="0">
+                <a:solidFill>
+                  <a:schemeClr val="tx1"/>
+                </a:solidFill>
+                <a:effectLst/>
+                <a:latin typeface="Arial" panose="020B0604020202020204" pitchFamily="34" charset="0"/>
+                <a:cs typeface="Arial" panose="020B0604020202020204" pitchFamily="34" charset="0"/>
+              </a:rPr>
+              <a:t>Server has </a:t>
+            </a:r>
+            <a:r>
+              <a:rPr lang="en-GB" sz="1600" dirty="0">
+                <a:solidFill>
+                  <a:schemeClr val="tx1"/>
+                </a:solidFill>
+                <a:latin typeface="Arial" panose="020B0604020202020204" pitchFamily="34" charset="0"/>
+                <a:cs typeface="Arial" panose="020B0604020202020204" pitchFamily="34" charset="0"/>
+              </a:rPr>
+              <a:t>f</a:t>
+            </a:r>
+            <a:r>
+              <a:rPr lang="en-GB" sz="1600" b="0" dirty="0">
+                <a:solidFill>
+                  <a:schemeClr val="tx1"/>
+                </a:solidFill>
+                <a:effectLst/>
+                <a:latin typeface="Arial" panose="020B0604020202020204" pitchFamily="34" charset="0"/>
+                <a:cs typeface="Arial" panose="020B0604020202020204" pitchFamily="34" charset="0"/>
+              </a:rPr>
+              <a:t>ull control</a:t>
+            </a:r>
+          </a:p>
+          <a:p>
+            <a:pPr lvl="1"/>
+            <a:r>
+              <a:rPr lang="en-GB" sz="1600" dirty="0">
+                <a:solidFill>
+                  <a:schemeClr val="tx1"/>
+                </a:solidFill>
+                <a:latin typeface="Arial" panose="020B0604020202020204" pitchFamily="34" charset="0"/>
+                <a:cs typeface="Arial" panose="020B0604020202020204" pitchFamily="34" charset="0"/>
+              </a:rPr>
+              <a:t>S</a:t>
+            </a:r>
+            <a:r>
+              <a:rPr lang="en-GB" sz="1600" b="0" dirty="0">
+                <a:solidFill>
+                  <a:schemeClr val="tx1"/>
+                </a:solidFill>
+                <a:effectLst/>
+                <a:latin typeface="Arial" panose="020B0604020202020204" pitchFamily="34" charset="0"/>
+                <a:cs typeface="Arial" panose="020B0604020202020204" pitchFamily="34" charset="0"/>
+              </a:rPr>
+              <a:t>erver as the bottleneck</a:t>
+            </a:r>
+          </a:p>
+          <a:p>
+            <a:pPr lvl="1"/>
+            <a:r>
+              <a:rPr lang="en-GB" sz="1600" dirty="0">
+                <a:solidFill>
+                  <a:schemeClr val="tx1"/>
+                </a:solidFill>
+                <a:latin typeface="Arial" panose="020B0604020202020204" pitchFamily="34" charset="0"/>
+                <a:cs typeface="Arial" panose="020B0604020202020204" pitchFamily="34" charset="0"/>
+              </a:rPr>
+              <a:t>Server as the vulnerable point (central point of attack)</a:t>
+            </a:r>
+          </a:p>
+          <a:p>
+            <a:pPr marL="0" indent="0">
               <a:buNone/>
             </a:pPr>
-            <a:r>
-              <a:rPr lang="en-GB" b="1" dirty="0"/>
-              <a:t>Please list your progress on milestones and deliverables of your WP here in this overview table:</a:t>
+            <a:endParaRPr lang="en-GB" sz="1600" dirty="0">
+              <a:solidFill>
+                <a:schemeClr val="tx1"/>
+              </a:solidFill>
+              <a:latin typeface="Arial" panose="020B0604020202020204" pitchFamily="34" charset="0"/>
+              <a:cs typeface="Arial" panose="020B0604020202020204" pitchFamily="34" charset="0"/>
+            </a:endParaRPr>
+          </a:p>
+          <a:p>
+            <a:endParaRPr lang="en-GB" sz="1600" dirty="0">
+              <a:solidFill>
+                <a:schemeClr val="tx1"/>
+              </a:solidFill>
+              <a:latin typeface="Arial" panose="020B0604020202020204" pitchFamily="34" charset="0"/>
+              <a:cs typeface="Arial" panose="020B0604020202020204" pitchFamily="34" charset="0"/>
+            </a:endParaRPr>
+          </a:p>
+          <a:p>
+            <a:endParaRPr lang="en-GB" sz="1600" dirty="0">
+              <a:solidFill>
+                <a:schemeClr val="tx1"/>
+              </a:solidFill>
+              <a:latin typeface="Arial" panose="020B0604020202020204" pitchFamily="34" charset="0"/>
+              <a:cs typeface="Arial" panose="020B0604020202020204" pitchFamily="34" charset="0"/>
+            </a:endParaRPr>
+          </a:p>
+          <a:p>
+            <a:r>
+              <a:rPr lang="en-GB" dirty="0">
+                <a:solidFill>
+                  <a:schemeClr val="tx1"/>
+                </a:solidFill>
+                <a:latin typeface="Arial" panose="020B0604020202020204" pitchFamily="34" charset="0"/>
+                <a:cs typeface="Arial" panose="020B0604020202020204" pitchFamily="34" charset="0"/>
+              </a:rPr>
+              <a:t>de-centralized learning </a:t>
+            </a:r>
+          </a:p>
+          <a:p>
+            <a:pPr lvl="1"/>
+            <a:r>
+              <a:rPr lang="en-GB" sz="1600" dirty="0">
+                <a:solidFill>
+                  <a:schemeClr val="tx1"/>
+                </a:solidFill>
+                <a:latin typeface="Arial" panose="020B0604020202020204" pitchFamily="34" charset="0"/>
+                <a:cs typeface="Arial" panose="020B0604020202020204" pitchFamily="34" charset="0"/>
+              </a:rPr>
+              <a:t>"local spheres" exchange information</a:t>
+            </a:r>
+          </a:p>
+          <a:p>
+            <a:pPr lvl="1"/>
+            <a:r>
+              <a:rPr lang="en-GB" sz="1600" dirty="0">
+                <a:solidFill>
+                  <a:schemeClr val="tx1"/>
+                </a:solidFill>
+                <a:latin typeface="Arial" panose="020B0604020202020204" pitchFamily="34" charset="0"/>
+                <a:cs typeface="Arial" panose="020B0604020202020204" pitchFamily="34" charset="0"/>
+              </a:rPr>
+              <a:t>Flexible</a:t>
+            </a:r>
+          </a:p>
+          <a:p>
+            <a:pPr lvl="1"/>
+            <a:r>
+              <a:rPr lang="en-GB" sz="1600" dirty="0">
+                <a:solidFill>
+                  <a:schemeClr val="tx1"/>
+                </a:solidFill>
+                <a:latin typeface="Arial" panose="020B0604020202020204" pitchFamily="34" charset="0"/>
+                <a:cs typeface="Arial" panose="020B0604020202020204" pitchFamily="34" charset="0"/>
+              </a:rPr>
+              <a:t>Less “hackable”</a:t>
+            </a:r>
+          </a:p>
+          <a:p>
+            <a:pPr lvl="1"/>
+            <a:r>
+              <a:rPr lang="en-GB" sz="1600" dirty="0">
+                <a:solidFill>
+                  <a:schemeClr val="tx1"/>
+                </a:solidFill>
+                <a:latin typeface="Arial" panose="020B0604020202020204" pitchFamily="34" charset="0"/>
+                <a:cs typeface="Arial" panose="020B0604020202020204" pitchFamily="34" charset="0"/>
+              </a:rPr>
+              <a:t>Harder to orchestrate / merge into a global model</a:t>
             </a:r>
           </a:p>
         </p:txBody>
@@ -3664,1009 +4980,29 @@
           </a:p>
         </p:txBody>
       </p:sp>
-      <p:graphicFrame>
-        <p:nvGraphicFramePr>
-          <p:cNvPr id="5" name="Tabelle 4"/>
-          <p:cNvGraphicFramePr>
-            <a:graphicFrameLocks noGrp="1"/>
-          </p:cNvGraphicFramePr>
-          <p:nvPr>
-            <p:extLst>
-              <p:ext uri="{D42A27DB-BD31-4B8C-83A1-F6EECF244321}">
-                <p14:modId xmlns:p14="http://schemas.microsoft.com/office/powerpoint/2010/main" val="3338398799"/>
-              </p:ext>
-            </p:extLst>
-          </p:nvPr>
-        </p:nvGraphicFramePr>
-        <p:xfrm>
-          <a:off x="481426" y="2361850"/>
-          <a:ext cx="8022496" cy="2743200"/>
-        </p:xfrm>
-        <a:graphic>
-          <a:graphicData uri="http://schemas.openxmlformats.org/drawingml/2006/table">
-            <a:tbl>
-              <a:tblPr firstRow="1" bandRow="1">
-                <a:tableStyleId>{5C22544A-7EE6-4342-B048-85BDC9FD1C3A}</a:tableStyleId>
-              </a:tblPr>
-              <a:tblGrid>
-                <a:gridCol w="1629448">
-                  <a:extLst>
-                    <a:ext uri="{9D8B030D-6E8A-4147-A177-3AD203B41FA5}">
-                      <a16:colId xmlns:a16="http://schemas.microsoft.com/office/drawing/2014/main" val="20000"/>
-                    </a:ext>
-                  </a:extLst>
-                </a:gridCol>
-                <a:gridCol w="2979286">
-                  <a:extLst>
-                    <a:ext uri="{9D8B030D-6E8A-4147-A177-3AD203B41FA5}">
-                      <a16:colId xmlns:a16="http://schemas.microsoft.com/office/drawing/2014/main" val="20001"/>
-                    </a:ext>
-                  </a:extLst>
-                </a:gridCol>
-                <a:gridCol w="914400">
-                  <a:extLst>
-                    <a:ext uri="{9D8B030D-6E8A-4147-A177-3AD203B41FA5}">
-                      <a16:colId xmlns:a16="http://schemas.microsoft.com/office/drawing/2014/main" val="20002"/>
-                    </a:ext>
-                  </a:extLst>
-                </a:gridCol>
-                <a:gridCol w="1417320">
-                  <a:extLst>
-                    <a:ext uri="{9D8B030D-6E8A-4147-A177-3AD203B41FA5}">
-                      <a16:colId xmlns:a16="http://schemas.microsoft.com/office/drawing/2014/main" val="20003"/>
-                    </a:ext>
-                  </a:extLst>
-                </a:gridCol>
-                <a:gridCol w="1082042">
-                  <a:extLst>
-                    <a:ext uri="{9D8B030D-6E8A-4147-A177-3AD203B41FA5}">
-                      <a16:colId xmlns:a16="http://schemas.microsoft.com/office/drawing/2014/main" val="20004"/>
-                    </a:ext>
-                  </a:extLst>
-                </a:gridCol>
-              </a:tblGrid>
-              <a:tr h="331393">
-                <a:tc>
-                  <a:txBody>
-                    <a:bodyPr/>
-                    <a:lstStyle/>
-                    <a:p>
-                      <a:r>
-                        <a:rPr lang="en-GB" dirty="0">
-                          <a:latin typeface="Arial" panose="020B0604020202020204" pitchFamily="34" charset="0"/>
-                          <a:cs typeface="Arial" panose="020B0604020202020204" pitchFamily="34" charset="0"/>
-                        </a:rPr>
-                        <a:t>No. </a:t>
-                      </a:r>
-                    </a:p>
-                  </a:txBody>
-                  <a:tcPr>
-                    <a:solidFill>
-                      <a:srgbClr val="113283"/>
-                    </a:solidFill>
-                  </a:tcPr>
-                </a:tc>
-                <a:tc>
-                  <a:txBody>
-                    <a:bodyPr/>
-                    <a:lstStyle/>
-                    <a:p>
-                      <a:pPr marL="0" marR="0" lvl="0" indent="0" algn="l" defTabSz="914400" rtl="0" eaLnBrk="1" fontAlgn="auto" latinLnBrk="0" hangingPunct="1">
-                        <a:lnSpc>
-                          <a:spcPct val="100000"/>
-                        </a:lnSpc>
-                        <a:spcBef>
-                          <a:spcPts val="0"/>
-                        </a:spcBef>
-                        <a:spcAft>
-                          <a:spcPts val="0"/>
-                        </a:spcAft>
-                        <a:buClrTx/>
-                        <a:buSzTx/>
-                        <a:buFontTx/>
-                        <a:buNone/>
-                        <a:tabLst/>
-                        <a:defRPr/>
-                      </a:pPr>
-                      <a:r>
-                        <a:rPr lang="en-GB" dirty="0">
-                          <a:latin typeface="Arial" panose="020B0604020202020204" pitchFamily="34" charset="0"/>
-                          <a:cs typeface="Arial" panose="020B0604020202020204" pitchFamily="34" charset="0"/>
-                        </a:rPr>
-                        <a:t>Title </a:t>
-                      </a:r>
-                      <a:endParaRPr lang="en-GB" dirty="0"/>
-                    </a:p>
-                  </a:txBody>
-                  <a:tcPr>
-                    <a:solidFill>
-                      <a:srgbClr val="113283"/>
-                    </a:solidFill>
-                  </a:tcPr>
-                </a:tc>
-                <a:tc>
-                  <a:txBody>
-                    <a:bodyPr/>
-                    <a:lstStyle/>
-                    <a:p>
-                      <a:pPr marL="0" marR="0" lvl="0" indent="0" algn="l" defTabSz="914400" rtl="0" eaLnBrk="1" fontAlgn="auto" latinLnBrk="0" hangingPunct="1">
-                        <a:lnSpc>
-                          <a:spcPct val="100000"/>
-                        </a:lnSpc>
-                        <a:spcBef>
-                          <a:spcPts val="0"/>
-                        </a:spcBef>
-                        <a:spcAft>
-                          <a:spcPts val="0"/>
-                        </a:spcAft>
-                        <a:buClrTx/>
-                        <a:buSzTx/>
-                        <a:buFontTx/>
-                        <a:buNone/>
-                        <a:tabLst/>
-                        <a:defRPr/>
-                      </a:pPr>
-                      <a:r>
-                        <a:rPr lang="en-GB" dirty="0">
-                          <a:latin typeface="Arial" panose="020B0604020202020204" pitchFamily="34" charset="0"/>
-                          <a:cs typeface="Arial" panose="020B0604020202020204" pitchFamily="34" charset="0"/>
-                        </a:rPr>
-                        <a:t>Month</a:t>
-                      </a:r>
-                      <a:endParaRPr lang="en-GB" dirty="0"/>
-                    </a:p>
-                  </a:txBody>
-                  <a:tcPr>
-                    <a:solidFill>
-                      <a:srgbClr val="113283"/>
-                    </a:solidFill>
-                  </a:tcPr>
-                </a:tc>
-                <a:tc>
-                  <a:txBody>
-                    <a:bodyPr/>
-                    <a:lstStyle/>
-                    <a:p>
-                      <a:pPr marL="0" marR="0" lvl="0" indent="0" algn="l" defTabSz="914400" rtl="0" eaLnBrk="1" fontAlgn="auto" latinLnBrk="0" hangingPunct="1">
-                        <a:lnSpc>
-                          <a:spcPct val="100000"/>
-                        </a:lnSpc>
-                        <a:spcBef>
-                          <a:spcPts val="0"/>
-                        </a:spcBef>
-                        <a:spcAft>
-                          <a:spcPts val="0"/>
-                        </a:spcAft>
-                        <a:buClrTx/>
-                        <a:buSzTx/>
-                        <a:buFontTx/>
-                        <a:buNone/>
-                        <a:tabLst/>
-                        <a:defRPr/>
-                      </a:pPr>
-                      <a:r>
-                        <a:rPr lang="en-GB" dirty="0">
-                          <a:latin typeface="Arial" panose="020B0604020202020204" pitchFamily="34" charset="0"/>
-                          <a:cs typeface="Arial" panose="020B0604020202020204" pitchFamily="34" charset="0"/>
-                        </a:rPr>
-                        <a:t>Date</a:t>
-                      </a:r>
-                      <a:endParaRPr lang="en-GB" dirty="0"/>
-                    </a:p>
-                  </a:txBody>
-                  <a:tcPr>
-                    <a:solidFill>
-                      <a:srgbClr val="113283"/>
-                    </a:solidFill>
-                  </a:tcPr>
-                </a:tc>
-                <a:tc>
-                  <a:txBody>
-                    <a:bodyPr/>
-                    <a:lstStyle/>
-                    <a:p>
-                      <a:pPr marL="0" marR="0" lvl="0" indent="0" algn="l" defTabSz="914400" rtl="0" eaLnBrk="1" fontAlgn="auto" latinLnBrk="0" hangingPunct="1">
-                        <a:lnSpc>
-                          <a:spcPct val="100000"/>
-                        </a:lnSpc>
-                        <a:spcBef>
-                          <a:spcPts val="0"/>
-                        </a:spcBef>
-                        <a:spcAft>
-                          <a:spcPts val="0"/>
-                        </a:spcAft>
-                        <a:buClrTx/>
-                        <a:buSzTx/>
-                        <a:buFontTx/>
-                        <a:buNone/>
-                        <a:tabLst/>
-                        <a:defRPr/>
-                      </a:pPr>
-                      <a:r>
-                        <a:rPr lang="en-GB" dirty="0">
-                          <a:latin typeface="Arial" panose="020B0604020202020204" pitchFamily="34" charset="0"/>
-                          <a:cs typeface="Arial" panose="020B0604020202020204" pitchFamily="34" charset="0"/>
-                        </a:rPr>
-                        <a:t>Status</a:t>
-                      </a:r>
-                      <a:endParaRPr lang="en-GB" dirty="0"/>
-                    </a:p>
-                  </a:txBody>
-                  <a:tcPr>
-                    <a:solidFill>
-                      <a:srgbClr val="113283"/>
-                    </a:solidFill>
-                  </a:tcPr>
-                </a:tc>
-                <a:extLst>
-                  <a:ext uri="{0D108BD9-81ED-4DB2-BD59-A6C34878D82A}">
-                    <a16:rowId xmlns:a16="http://schemas.microsoft.com/office/drawing/2014/main" val="10000"/>
-                  </a:ext>
-                </a:extLst>
-              </a:tr>
-              <a:tr h="331393">
-                <a:tc>
-                  <a:txBody>
-                    <a:bodyPr/>
-                    <a:lstStyle/>
-                    <a:p>
-                      <a:r>
-                        <a:rPr lang="en-GB" dirty="0">
-                          <a:latin typeface="Arial" panose="020B0604020202020204" pitchFamily="34" charset="0"/>
-                          <a:cs typeface="Arial" panose="020B0604020202020204" pitchFamily="34" charset="0"/>
-                        </a:rPr>
-                        <a:t>D 4.1</a:t>
-                      </a:r>
-                    </a:p>
-                  </a:txBody>
-                  <a:tcPr>
-                    <a:solidFill>
-                      <a:schemeClr val="bg2">
-                        <a:lumMod val="75000"/>
-                      </a:schemeClr>
-                    </a:solidFill>
-                  </a:tcPr>
-                </a:tc>
-                <a:tc>
-                  <a:txBody>
-                    <a:bodyPr/>
-                    <a:lstStyle/>
-                    <a:p>
-                      <a:pPr marL="0" marR="0" lvl="0" indent="0" algn="l" defTabSz="914400" rtl="0" eaLnBrk="1" fontAlgn="auto" latinLnBrk="0" hangingPunct="1">
-                        <a:lnSpc>
-                          <a:spcPct val="100000"/>
-                        </a:lnSpc>
-                        <a:spcBef>
-                          <a:spcPts val="0"/>
-                        </a:spcBef>
-                        <a:spcAft>
-                          <a:spcPts val="0"/>
-                        </a:spcAft>
-                        <a:buClrTx/>
-                        <a:buSzTx/>
-                        <a:buFontTx/>
-                        <a:buNone/>
-                        <a:tabLst/>
-                        <a:defRPr/>
-                      </a:pPr>
-                      <a:r>
-                        <a:rPr lang="en-GB" dirty="0"/>
-                        <a:t>“</a:t>
-                      </a:r>
-                      <a:r>
-                        <a:rPr kumimoji="0" lang="en-US" sz="1800" b="0" i="0" u="none" strike="noStrike" kern="1200" dirty="0">
-                          <a:solidFill>
-                            <a:schemeClr val="dk1"/>
-                          </a:solidFill>
-                          <a:effectLst/>
-                          <a:latin typeface="+mn-lt"/>
-                          <a:ea typeface="+mn-ea"/>
-                          <a:cs typeface="+mn-cs"/>
-                        </a:rPr>
-                        <a:t>Survey on graph parallelism</a:t>
-                      </a:r>
-                      <a:r>
-                        <a:rPr lang="en-GB" dirty="0"/>
-                        <a:t>”</a:t>
-                      </a:r>
-                      <a:endParaRPr lang="en-GB" dirty="0">
-                        <a:latin typeface="Arial" panose="020B0604020202020204" pitchFamily="34" charset="0"/>
-                        <a:cs typeface="Arial" panose="020B0604020202020204" pitchFamily="34" charset="0"/>
-                      </a:endParaRPr>
-                    </a:p>
-                  </a:txBody>
-                  <a:tcPr>
-                    <a:solidFill>
-                      <a:schemeClr val="bg2">
-                        <a:lumMod val="75000"/>
-                      </a:schemeClr>
-                    </a:solidFill>
-                  </a:tcPr>
-                </a:tc>
-                <a:tc>
-                  <a:txBody>
-                    <a:bodyPr/>
-                    <a:lstStyle/>
-                    <a:p>
-                      <a:r>
-                        <a:rPr lang="en-GB" dirty="0">
-                          <a:latin typeface="Arial" panose="020B0604020202020204" pitchFamily="34" charset="0"/>
-                          <a:cs typeface="Arial" panose="020B0604020202020204" pitchFamily="34" charset="0"/>
-                        </a:rPr>
-                        <a:t>6</a:t>
-                      </a:r>
-                    </a:p>
-                  </a:txBody>
-                  <a:tcPr>
-                    <a:solidFill>
-                      <a:schemeClr val="bg2">
-                        <a:lumMod val="75000"/>
-                      </a:schemeClr>
-                    </a:solidFill>
-                  </a:tcPr>
-                </a:tc>
-                <a:tc>
-                  <a:txBody>
-                    <a:bodyPr/>
-                    <a:lstStyle/>
-                    <a:p>
-                      <a:pPr marL="0" marR="0" lvl="0" indent="0" algn="l" defTabSz="914400" rtl="0" eaLnBrk="1" fontAlgn="auto" latinLnBrk="0" hangingPunct="1">
-                        <a:lnSpc>
-                          <a:spcPct val="100000"/>
-                        </a:lnSpc>
-                        <a:spcBef>
-                          <a:spcPts val="0"/>
-                        </a:spcBef>
-                        <a:spcAft>
-                          <a:spcPts val="0"/>
-                        </a:spcAft>
-                        <a:buClrTx/>
-                        <a:buSzTx/>
-                        <a:buFontTx/>
-                        <a:buNone/>
-                        <a:tabLst/>
-                        <a:defRPr/>
-                      </a:pPr>
-                      <a:r>
-                        <a:rPr lang="en-GB" dirty="0">
-                          <a:latin typeface="Arial" panose="020B0604020202020204" pitchFamily="34" charset="0"/>
-                          <a:cs typeface="Arial" panose="020B0604020202020204" pitchFamily="34" charset="0"/>
-                        </a:rPr>
-                        <a:t>12/31/2019</a:t>
-                      </a:r>
-                    </a:p>
-                  </a:txBody>
-                  <a:tcPr>
-                    <a:solidFill>
-                      <a:schemeClr val="bg2">
-                        <a:lumMod val="75000"/>
-                      </a:schemeClr>
-                    </a:solidFill>
-                  </a:tcPr>
-                </a:tc>
-                <a:tc>
-                  <a:txBody>
-                    <a:bodyPr/>
-                    <a:lstStyle/>
-                    <a:p>
-                      <a:endParaRPr lang="en-GB" dirty="0">
-                        <a:latin typeface="Arial" panose="020B0604020202020204" pitchFamily="34" charset="0"/>
-                        <a:cs typeface="Arial" panose="020B0604020202020204" pitchFamily="34" charset="0"/>
-                      </a:endParaRPr>
-                    </a:p>
-                  </a:txBody>
-                  <a:tcPr>
-                    <a:solidFill>
-                      <a:schemeClr val="bg2">
-                        <a:lumMod val="75000"/>
-                      </a:schemeClr>
-                    </a:solidFill>
-                  </a:tcPr>
-                </a:tc>
-                <a:extLst>
-                  <a:ext uri="{0D108BD9-81ED-4DB2-BD59-A6C34878D82A}">
-                    <a16:rowId xmlns:a16="http://schemas.microsoft.com/office/drawing/2014/main" val="10001"/>
-                  </a:ext>
-                </a:extLst>
-              </a:tr>
-              <a:tr h="331393">
-                <a:tc>
-                  <a:txBody>
-                    <a:bodyPr/>
-                    <a:lstStyle/>
-                    <a:p>
-                      <a:r>
-                        <a:rPr lang="en-GB" dirty="0">
-                          <a:latin typeface="Arial" panose="020B0604020202020204" pitchFamily="34" charset="0"/>
-                          <a:cs typeface="Arial" panose="020B0604020202020204" pitchFamily="34" charset="0"/>
-                        </a:rPr>
-                        <a:t>D 4.2</a:t>
-                      </a:r>
-                    </a:p>
-                  </a:txBody>
-                  <a:tcPr>
-                    <a:solidFill>
-                      <a:schemeClr val="bg2">
-                        <a:lumMod val="85000"/>
-                      </a:schemeClr>
-                    </a:solidFill>
-                  </a:tcPr>
-                </a:tc>
-                <a:tc>
-                  <a:txBody>
-                    <a:bodyPr/>
-                    <a:lstStyle/>
-                    <a:p>
-                      <a:r>
-                        <a:rPr kumimoji="0" lang="en-US" sz="1800" b="0" i="0" u="none" strike="noStrike" kern="1200" dirty="0">
-                          <a:solidFill>
-                            <a:schemeClr val="dk1"/>
-                          </a:solidFill>
-                          <a:effectLst/>
-                          <a:latin typeface="+mn-lt"/>
-                          <a:ea typeface="+mn-ea"/>
-                          <a:cs typeface="+mn-cs"/>
-                        </a:rPr>
-                        <a:t>“Survey on graph types”</a:t>
-                      </a:r>
-                      <a:endParaRPr lang="en-GB" dirty="0">
-                        <a:latin typeface="Arial" panose="020B0604020202020204" pitchFamily="34" charset="0"/>
-                        <a:cs typeface="Arial" panose="020B0604020202020204" pitchFamily="34" charset="0"/>
-                      </a:endParaRPr>
-                    </a:p>
-                  </a:txBody>
-                  <a:tcPr>
-                    <a:solidFill>
-                      <a:schemeClr val="bg2">
-                        <a:lumMod val="85000"/>
-                      </a:schemeClr>
-                    </a:solidFill>
-                  </a:tcPr>
-                </a:tc>
-                <a:tc>
-                  <a:txBody>
-                    <a:bodyPr/>
-                    <a:lstStyle/>
-                    <a:p>
-                      <a:r>
-                        <a:rPr lang="en-GB" dirty="0">
-                          <a:latin typeface="Arial" panose="020B0604020202020204" pitchFamily="34" charset="0"/>
-                          <a:cs typeface="Arial" panose="020B0604020202020204" pitchFamily="34" charset="0"/>
-                        </a:rPr>
-                        <a:t>6</a:t>
-                      </a:r>
-                    </a:p>
-                  </a:txBody>
-                  <a:tcPr>
-                    <a:solidFill>
-                      <a:schemeClr val="bg2">
-                        <a:lumMod val="85000"/>
-                      </a:schemeClr>
-                    </a:solidFill>
-                  </a:tcPr>
-                </a:tc>
-                <a:tc>
-                  <a:txBody>
-                    <a:bodyPr/>
-                    <a:lstStyle/>
-                    <a:p>
-                      <a:pPr marL="0" marR="0" lvl="0" indent="0" algn="l" defTabSz="914400" rtl="0" eaLnBrk="1" fontAlgn="auto" latinLnBrk="0" hangingPunct="1">
-                        <a:lnSpc>
-                          <a:spcPct val="100000"/>
-                        </a:lnSpc>
-                        <a:spcBef>
-                          <a:spcPts val="0"/>
-                        </a:spcBef>
-                        <a:spcAft>
-                          <a:spcPts val="0"/>
-                        </a:spcAft>
-                        <a:buClrTx/>
-                        <a:buSzTx/>
-                        <a:buFontTx/>
-                        <a:buNone/>
-                        <a:tabLst/>
-                        <a:defRPr/>
-                      </a:pPr>
-                      <a:r>
-                        <a:rPr lang="en-GB" dirty="0">
-                          <a:latin typeface="Arial" panose="020B0604020202020204" pitchFamily="34" charset="0"/>
-                          <a:cs typeface="Arial" panose="020B0604020202020204" pitchFamily="34" charset="0"/>
-                        </a:rPr>
-                        <a:t>12/31/2019</a:t>
-                      </a:r>
-                    </a:p>
-                  </a:txBody>
-                  <a:tcPr>
-                    <a:solidFill>
-                      <a:schemeClr val="bg2">
-                        <a:lumMod val="85000"/>
-                      </a:schemeClr>
-                    </a:solidFill>
-                  </a:tcPr>
-                </a:tc>
-                <a:tc>
-                  <a:txBody>
-                    <a:bodyPr/>
-                    <a:lstStyle/>
-                    <a:p>
-                      <a:endParaRPr lang="en-GB" dirty="0">
-                        <a:latin typeface="Arial" panose="020B0604020202020204" pitchFamily="34" charset="0"/>
-                        <a:cs typeface="Arial" panose="020B0604020202020204" pitchFamily="34" charset="0"/>
-                      </a:endParaRPr>
-                    </a:p>
-                  </a:txBody>
-                  <a:tcPr>
-                    <a:solidFill>
-                      <a:schemeClr val="bg2">
-                        <a:lumMod val="85000"/>
-                      </a:schemeClr>
-                    </a:solidFill>
-                  </a:tcPr>
-                </a:tc>
-                <a:extLst>
-                  <a:ext uri="{0D108BD9-81ED-4DB2-BD59-A6C34878D82A}">
-                    <a16:rowId xmlns:a16="http://schemas.microsoft.com/office/drawing/2014/main" val="10002"/>
-                  </a:ext>
-                </a:extLst>
-              </a:tr>
-              <a:tr h="817133">
-                <a:tc>
-                  <a:txBody>
-                    <a:bodyPr/>
-                    <a:lstStyle/>
-                    <a:p>
-                      <a:r>
-                        <a:rPr lang="en-GB" dirty="0">
-                          <a:latin typeface="Arial" panose="020B0604020202020204" pitchFamily="34" charset="0"/>
-                          <a:cs typeface="Arial" panose="020B0604020202020204" pitchFamily="34" charset="0"/>
-                        </a:rPr>
-                        <a:t>D 4.4</a:t>
-                      </a:r>
-                    </a:p>
-                  </a:txBody>
-                  <a:tcPr>
-                    <a:solidFill>
-                      <a:schemeClr val="bg2">
-                        <a:lumMod val="75000"/>
-                      </a:schemeClr>
-                    </a:solidFill>
-                  </a:tcPr>
-                </a:tc>
-                <a:tc>
-                  <a:txBody>
-                    <a:bodyPr/>
-                    <a:lstStyle/>
-                    <a:p>
-                      <a:r>
-                        <a:rPr lang="en-GB" dirty="0"/>
-                        <a:t>“Experimental results for shape and composition of connection surfaces”</a:t>
-                      </a:r>
-                      <a:endParaRPr lang="en-GB" dirty="0">
-                        <a:latin typeface="Arial" panose="020B0604020202020204" pitchFamily="34" charset="0"/>
-                        <a:cs typeface="Arial" panose="020B0604020202020204" pitchFamily="34" charset="0"/>
-                      </a:endParaRPr>
-                    </a:p>
-                  </a:txBody>
-                  <a:tcPr>
-                    <a:solidFill>
-                      <a:schemeClr val="bg2">
-                        <a:lumMod val="75000"/>
-                      </a:schemeClr>
-                    </a:solidFill>
-                  </a:tcPr>
-                </a:tc>
-                <a:tc>
-                  <a:txBody>
-                    <a:bodyPr/>
-                    <a:lstStyle/>
-                    <a:p>
-                      <a:r>
-                        <a:rPr lang="en-GB" dirty="0">
-                          <a:latin typeface="Arial" panose="020B0604020202020204" pitchFamily="34" charset="0"/>
-                          <a:cs typeface="Arial" panose="020B0604020202020204" pitchFamily="34" charset="0"/>
-                        </a:rPr>
-                        <a:t>18</a:t>
-                      </a:r>
-                    </a:p>
-                  </a:txBody>
-                  <a:tcPr>
-                    <a:solidFill>
-                      <a:schemeClr val="bg2">
-                        <a:lumMod val="75000"/>
-                      </a:schemeClr>
-                    </a:solidFill>
-                  </a:tcPr>
-                </a:tc>
-                <a:tc>
-                  <a:txBody>
-                    <a:bodyPr/>
-                    <a:lstStyle/>
-                    <a:p>
-                      <a:pPr marL="0" marR="0" lvl="0" indent="0" algn="l" defTabSz="914400" rtl="0" eaLnBrk="1" fontAlgn="auto" latinLnBrk="0" hangingPunct="1">
-                        <a:lnSpc>
-                          <a:spcPct val="100000"/>
-                        </a:lnSpc>
-                        <a:spcBef>
-                          <a:spcPts val="0"/>
-                        </a:spcBef>
-                        <a:spcAft>
-                          <a:spcPts val="0"/>
-                        </a:spcAft>
-                        <a:buClrTx/>
-                        <a:buSzTx/>
-                        <a:buFontTx/>
-                        <a:buNone/>
-                        <a:tabLst/>
-                        <a:defRPr/>
-                      </a:pPr>
-                      <a:r>
-                        <a:rPr lang="en-GB" dirty="0">
-                          <a:latin typeface="Arial" panose="020B0604020202020204" pitchFamily="34" charset="0"/>
-                          <a:cs typeface="Arial" panose="020B0604020202020204" pitchFamily="34" charset="0"/>
-                        </a:rPr>
-                        <a:t>12/31/2020</a:t>
-                      </a:r>
-                    </a:p>
-                    <a:p>
-                      <a:endParaRPr lang="en-GB" dirty="0">
-                        <a:latin typeface="Arial" panose="020B0604020202020204" pitchFamily="34" charset="0"/>
-                        <a:cs typeface="Arial" panose="020B0604020202020204" pitchFamily="34" charset="0"/>
-                      </a:endParaRPr>
-                    </a:p>
-                  </a:txBody>
-                  <a:tcPr>
-                    <a:solidFill>
-                      <a:schemeClr val="bg2">
-                        <a:lumMod val="75000"/>
-                      </a:schemeClr>
-                    </a:solidFill>
-                  </a:tcPr>
-                </a:tc>
-                <a:tc>
-                  <a:txBody>
-                    <a:bodyPr/>
-                    <a:lstStyle/>
-                    <a:p>
-                      <a:endParaRPr lang="en-GB" dirty="0">
-                        <a:latin typeface="Arial" panose="020B0604020202020204" pitchFamily="34" charset="0"/>
-                        <a:cs typeface="Arial" panose="020B0604020202020204" pitchFamily="34" charset="0"/>
-                      </a:endParaRPr>
-                    </a:p>
-                  </a:txBody>
-                  <a:tcPr>
-                    <a:solidFill>
-                      <a:schemeClr val="bg2">
-                        <a:lumMod val="75000"/>
-                      </a:schemeClr>
-                    </a:solidFill>
-                  </a:tcPr>
-                </a:tc>
-                <a:extLst>
-                  <a:ext uri="{0D108BD9-81ED-4DB2-BD59-A6C34878D82A}">
-                    <a16:rowId xmlns:a16="http://schemas.microsoft.com/office/drawing/2014/main" val="10003"/>
-                  </a:ext>
-                </a:extLst>
-              </a:tr>
-              <a:tr h="331393">
-                <a:tc>
-                  <a:txBody>
-                    <a:bodyPr/>
-                    <a:lstStyle/>
-                    <a:p>
-                      <a:r>
-                        <a:rPr lang="en-GB" dirty="0">
-                          <a:latin typeface="Arial" panose="020B0604020202020204" pitchFamily="34" charset="0"/>
-                          <a:cs typeface="Arial" panose="020B0604020202020204" pitchFamily="34" charset="0"/>
-                        </a:rPr>
-                        <a:t>MS 25</a:t>
-                      </a:r>
-                    </a:p>
-                  </a:txBody>
-                  <a:tcPr>
-                    <a:solidFill>
-                      <a:schemeClr val="bg2">
-                        <a:lumMod val="85000"/>
-                      </a:schemeClr>
-                    </a:solidFill>
-                  </a:tcPr>
-                </a:tc>
-                <a:tc>
-                  <a:txBody>
-                    <a:bodyPr/>
-                    <a:lstStyle/>
-                    <a:p>
-                      <a:r>
-                        <a:rPr lang="en-GB" dirty="0"/>
-                        <a:t>“Insight into graph partitions”</a:t>
-                      </a:r>
-                      <a:endParaRPr lang="en-GB" dirty="0">
-                        <a:latin typeface="Arial" panose="020B0604020202020204" pitchFamily="34" charset="0"/>
-                        <a:cs typeface="Arial" panose="020B0604020202020204" pitchFamily="34" charset="0"/>
-                      </a:endParaRPr>
-                    </a:p>
-                  </a:txBody>
-                  <a:tcPr>
-                    <a:solidFill>
-                      <a:schemeClr val="bg2">
-                        <a:lumMod val="85000"/>
-                      </a:schemeClr>
-                    </a:solidFill>
-                  </a:tcPr>
-                </a:tc>
-                <a:tc>
-                  <a:txBody>
-                    <a:bodyPr/>
-                    <a:lstStyle/>
-                    <a:p>
-                      <a:r>
-                        <a:rPr lang="en-GB" dirty="0">
-                          <a:latin typeface="Arial" panose="020B0604020202020204" pitchFamily="34" charset="0"/>
-                          <a:cs typeface="Arial" panose="020B0604020202020204" pitchFamily="34" charset="0"/>
-                        </a:rPr>
-                        <a:t>18</a:t>
-                      </a:r>
-                    </a:p>
-                  </a:txBody>
-                  <a:tcPr>
-                    <a:solidFill>
-                      <a:schemeClr val="bg2">
-                        <a:lumMod val="85000"/>
-                      </a:schemeClr>
-                    </a:solidFill>
-                  </a:tcPr>
-                </a:tc>
-                <a:tc>
-                  <a:txBody>
-                    <a:bodyPr/>
-                    <a:lstStyle/>
-                    <a:p>
-                      <a:pPr marL="0" marR="0" lvl="0" indent="0" algn="l" defTabSz="914400" rtl="0" eaLnBrk="1" fontAlgn="auto" latinLnBrk="0" hangingPunct="1">
-                        <a:lnSpc>
-                          <a:spcPct val="100000"/>
-                        </a:lnSpc>
-                        <a:spcBef>
-                          <a:spcPts val="0"/>
-                        </a:spcBef>
-                        <a:spcAft>
-                          <a:spcPts val="0"/>
-                        </a:spcAft>
-                        <a:buClrTx/>
-                        <a:buSzTx/>
-                        <a:buFontTx/>
-                        <a:buNone/>
-                        <a:tabLst/>
-                        <a:defRPr/>
-                      </a:pPr>
-                      <a:r>
-                        <a:rPr lang="en-GB" dirty="0">
-                          <a:latin typeface="Arial" panose="020B0604020202020204" pitchFamily="34" charset="0"/>
-                          <a:cs typeface="Arial" panose="020B0604020202020204" pitchFamily="34" charset="0"/>
-                        </a:rPr>
-                        <a:t>12/31/2020</a:t>
-                      </a:r>
-                    </a:p>
-                  </a:txBody>
-                  <a:tcPr>
-                    <a:lnB w="12700" cmpd="sng">
-                      <a:noFill/>
-                    </a:lnB>
-                    <a:solidFill>
-                      <a:schemeClr val="bg2">
-                        <a:lumMod val="85000"/>
-                      </a:schemeClr>
-                    </a:solidFill>
-                  </a:tcPr>
-                </a:tc>
-                <a:tc>
-                  <a:txBody>
-                    <a:bodyPr/>
-                    <a:lstStyle/>
-                    <a:p>
-                      <a:endParaRPr lang="en-GB" dirty="0">
-                        <a:latin typeface="Arial" panose="020B0604020202020204" pitchFamily="34" charset="0"/>
-                        <a:cs typeface="Arial" panose="020B0604020202020204" pitchFamily="34" charset="0"/>
-                      </a:endParaRPr>
-                    </a:p>
-                  </a:txBody>
-                  <a:tcPr>
-                    <a:solidFill>
-                      <a:schemeClr val="bg2">
-                        <a:lumMod val="85000"/>
-                      </a:schemeClr>
-                    </a:solidFill>
-                  </a:tcPr>
-                </a:tc>
-                <a:extLst>
-                  <a:ext uri="{0D108BD9-81ED-4DB2-BD59-A6C34878D82A}">
-                    <a16:rowId xmlns:a16="http://schemas.microsoft.com/office/drawing/2014/main" val="10004"/>
-                  </a:ext>
-                </a:extLst>
-              </a:tr>
-              <a:tr h="331393">
-                <a:tc>
-                  <a:txBody>
-                    <a:bodyPr/>
-                    <a:lstStyle/>
-                    <a:p>
-                      <a:endParaRPr lang="en-GB" dirty="0">
-                        <a:latin typeface="Arial" panose="020B0604020202020204" pitchFamily="34" charset="0"/>
-                        <a:cs typeface="Arial" panose="020B0604020202020204" pitchFamily="34" charset="0"/>
-                      </a:endParaRPr>
-                    </a:p>
-                  </a:txBody>
-                  <a:tcPr>
-                    <a:solidFill>
-                      <a:schemeClr val="bg2">
-                        <a:lumMod val="75000"/>
-                      </a:schemeClr>
-                    </a:solidFill>
-                  </a:tcPr>
-                </a:tc>
-                <a:tc>
-                  <a:txBody>
-                    <a:bodyPr/>
-                    <a:lstStyle/>
-                    <a:p>
-                      <a:endParaRPr lang="en-GB" dirty="0">
-                        <a:latin typeface="Arial" panose="020B0604020202020204" pitchFamily="34" charset="0"/>
-                        <a:cs typeface="Arial" panose="020B0604020202020204" pitchFamily="34" charset="0"/>
-                      </a:endParaRPr>
-                    </a:p>
-                  </a:txBody>
-                  <a:tcPr>
-                    <a:solidFill>
-                      <a:schemeClr val="bg2">
-                        <a:lumMod val="75000"/>
-                      </a:schemeClr>
-                    </a:solidFill>
-                  </a:tcPr>
-                </a:tc>
-                <a:tc>
-                  <a:txBody>
-                    <a:bodyPr/>
-                    <a:lstStyle/>
-                    <a:p>
-                      <a:endParaRPr lang="en-GB" dirty="0">
-                        <a:latin typeface="Arial" panose="020B0604020202020204" pitchFamily="34" charset="0"/>
-                        <a:cs typeface="Arial" panose="020B0604020202020204" pitchFamily="34" charset="0"/>
-                      </a:endParaRPr>
-                    </a:p>
-                  </a:txBody>
-                  <a:tcPr>
-                    <a:lnR w="12700" cmpd="sng">
-                      <a:noFill/>
-                    </a:lnR>
-                    <a:solidFill>
-                      <a:schemeClr val="bg2">
-                        <a:lumMod val="75000"/>
-                      </a:schemeClr>
-                    </a:solidFill>
-                  </a:tcPr>
-                </a:tc>
-                <a:tc>
-                  <a:txBody>
-                    <a:bodyPr/>
-                    <a:lstStyle/>
-                    <a:p>
-                      <a:endParaRPr lang="en-GB" dirty="0">
-                        <a:latin typeface="Arial" panose="020B0604020202020204" pitchFamily="34" charset="0"/>
-                        <a:cs typeface="Arial" panose="020B0604020202020204" pitchFamily="34" charset="0"/>
-                      </a:endParaRPr>
-                    </a:p>
-                  </a:txBody>
-                  <a:tcPr>
-                    <a:lnL w="12700" cmpd="sng">
-                      <a:noFill/>
-                    </a:lnL>
-                    <a:lnR w="12700" cmpd="sng">
-                      <a:noFill/>
-                    </a:lnR>
-                    <a:lnT w="12700" cmpd="sng">
-                      <a:noFill/>
-                    </a:lnT>
-                    <a:lnB w="12700" cmpd="sng">
-                      <a:noFill/>
-                    </a:lnB>
-                    <a:lnTlToBr w="12700" cmpd="sng">
-                      <a:noFill/>
-                      <a:prstDash val="solid"/>
-                    </a:lnTlToBr>
-                    <a:lnBlToTr w="12700" cmpd="sng">
-                      <a:noFill/>
-                      <a:prstDash val="solid"/>
-                    </a:lnBlToTr>
-                    <a:solidFill>
-                      <a:schemeClr val="bg2">
-                        <a:lumMod val="75000"/>
-                      </a:schemeClr>
-                    </a:solidFill>
-                  </a:tcPr>
-                </a:tc>
-                <a:tc>
-                  <a:txBody>
-                    <a:bodyPr/>
-                    <a:lstStyle/>
-                    <a:p>
-                      <a:endParaRPr lang="en-GB" dirty="0">
-                        <a:latin typeface="Arial" panose="020B0604020202020204" pitchFamily="34" charset="0"/>
-                        <a:cs typeface="Arial" panose="020B0604020202020204" pitchFamily="34" charset="0"/>
-                      </a:endParaRPr>
-                    </a:p>
-                  </a:txBody>
-                  <a:tcPr>
-                    <a:lnL w="12700" cmpd="sng">
-                      <a:noFill/>
-                    </a:lnL>
-                    <a:solidFill>
-                      <a:schemeClr val="bg2">
-                        <a:lumMod val="75000"/>
-                      </a:schemeClr>
-                    </a:solidFill>
-                  </a:tcPr>
-                </a:tc>
-                <a:extLst>
-                  <a:ext uri="{0D108BD9-81ED-4DB2-BD59-A6C34878D82A}">
-                    <a16:rowId xmlns:a16="http://schemas.microsoft.com/office/drawing/2014/main" val="10005"/>
-                  </a:ext>
-                </a:extLst>
-              </a:tr>
-            </a:tbl>
-          </a:graphicData>
-        </a:graphic>
-      </p:graphicFrame>
       <p:pic>
         <p:nvPicPr>
-          <p:cNvPr id="6" name="Grafik 5" descr="Bildergebnis für ampel"/>
-          <p:cNvPicPr/>
-          <p:nvPr/>
-        </p:nvPicPr>
-        <p:blipFill rotWithShape="1">
-          <a:blip r:embed="rId2" cstate="print">
+          <p:cNvPr id="7" name="image12.png">
             <a:extLst>
-              <a:ext uri="{28A0092B-C50C-407E-A947-70E740481C1C}">
-                <a14:useLocalDpi xmlns:a14="http://schemas.microsoft.com/office/drawing/2010/main" val="0"/>
+              <a:ext uri="{FF2B5EF4-FFF2-40B4-BE49-F238E27FC236}">
+                <a16:creationId xmlns:a16="http://schemas.microsoft.com/office/drawing/2014/main" id="{6E746F2D-AFA5-4FDE-8115-03A33541A2AA}"/>
               </a:ext>
             </a:extLst>
-          </a:blip>
-          <a:srcRect t="15075" r="68010" b="22613"/>
-          <a:stretch/>
-        </p:blipFill>
-        <p:spPr bwMode="auto">
-          <a:xfrm>
-            <a:off x="7594982" y="5432191"/>
-            <a:ext cx="240030" cy="234315"/>
-          </a:xfrm>
-          <a:prstGeom prst="rect">
-            <a:avLst/>
-          </a:prstGeom>
-          <a:noFill/>
-          <a:ln>
-            <a:noFill/>
-          </a:ln>
-          <a:extLst>
-            <a:ext uri="{53640926-AAD7-44D8-BBD7-CCE9431645EC}">
-              <a14:shadowObscured xmlns:a14="http://schemas.microsoft.com/office/drawing/2010/main"/>
-            </a:ext>
-          </a:extLst>
-        </p:spPr>
-      </p:pic>
-      <p:pic>
-        <p:nvPicPr>
-          <p:cNvPr id="7" name="image2.jpg" descr="Bildergebnis für ampel"/>
+          </p:cNvPr>
           <p:cNvPicPr/>
           <p:nvPr/>
         </p:nvPicPr>
         <p:blipFill>
-          <a:blip r:embed="rId3"/>
-          <a:srcRect l="68262" t="14572" b="20604"/>
+          <a:blip r:embed="rId2"/>
+          <a:srcRect/>
           <a:stretch>
             <a:fillRect/>
           </a:stretch>
         </p:blipFill>
         <p:spPr>
           <a:xfrm>
-            <a:off x="8231949" y="5423672"/>
-            <a:ext cx="227330" cy="242834"/>
+            <a:off x="3459021" y="2808922"/>
+            <a:ext cx="5351780" cy="1240155"/>
           </a:xfrm>
           <a:prstGeom prst="rect">
             <a:avLst/>
@@ -4674,154 +5010,131 @@
           <a:ln/>
         </p:spPr>
       </p:pic>
-      <p:pic>
-        <p:nvPicPr>
-          <p:cNvPr id="8" name="image3.jpg" descr="Bildergebnis für ampel"/>
-          <p:cNvPicPr/>
+      <p:sp>
+        <p:nvSpPr>
+          <p:cNvPr id="9" name="TextBox 8">
+            <a:extLst>
+              <a:ext uri="{FF2B5EF4-FFF2-40B4-BE49-F238E27FC236}">
+                <a16:creationId xmlns:a16="http://schemas.microsoft.com/office/drawing/2014/main" id="{8A71B25C-2953-43F6-B831-240EF244599D}"/>
+              </a:ext>
+            </a:extLst>
+          </p:cNvPr>
+          <p:cNvSpPr txBox="1"/>
           <p:nvPr/>
-        </p:nvPicPr>
-        <p:blipFill>
-          <a:blip r:embed="rId4"/>
-          <a:srcRect l="33501" t="15075" r="34257" b="19095"/>
-          <a:stretch>
-            <a:fillRect/>
-          </a:stretch>
-        </p:blipFill>
+        </p:nvSpPr>
         <p:spPr>
           <a:xfrm>
-            <a:off x="7911243" y="5431752"/>
-            <a:ext cx="244475" cy="234754"/>
+            <a:off x="4863830" y="4049077"/>
+            <a:ext cx="3973544" cy="553998"/>
           </a:xfrm>
           <a:prstGeom prst="rect">
             <a:avLst/>
           </a:prstGeom>
-          <a:ln/>
+          <a:noFill/>
         </p:spPr>
-      </p:pic>
-      <p:pic>
-        <p:nvPicPr>
-          <p:cNvPr id="10" name="image2.jpg" descr="Bildergebnis für ampel">
-            <a:extLst>
-              <a:ext uri="{FF2B5EF4-FFF2-40B4-BE49-F238E27FC236}">
-                <a16:creationId xmlns:a16="http://schemas.microsoft.com/office/drawing/2014/main" id="{861DF4AF-B600-44DB-8E52-FFC98499E8D6}"/>
-              </a:ext>
-            </a:extLst>
-          </p:cNvPr>
-          <p:cNvPicPr/>
-          <p:nvPr/>
-        </p:nvPicPr>
-        <p:blipFill>
-          <a:blip r:embed="rId3"/>
-          <a:srcRect l="68262" t="14572" b="20604"/>
-          <a:stretch>
-            <a:fillRect/>
-          </a:stretch>
-        </p:blipFill>
-        <p:spPr>
-          <a:xfrm>
-            <a:off x="7806151" y="2776571"/>
-            <a:ext cx="227330" cy="242834"/>
-          </a:xfrm>
-          <a:prstGeom prst="rect">
-            <a:avLst/>
-          </a:prstGeom>
-          <a:ln/>
-        </p:spPr>
-      </p:pic>
-      <p:pic>
-        <p:nvPicPr>
-          <p:cNvPr id="12" name="image2.jpg" descr="Bildergebnis für ampel">
-            <a:extLst>
-              <a:ext uri="{FF2B5EF4-FFF2-40B4-BE49-F238E27FC236}">
-                <a16:creationId xmlns:a16="http://schemas.microsoft.com/office/drawing/2014/main" id="{A0BCC961-7BCB-44DD-B869-6F84DE498DF3}"/>
-              </a:ext>
-            </a:extLst>
-          </p:cNvPr>
-          <p:cNvPicPr/>
-          <p:nvPr/>
-        </p:nvPicPr>
-        <p:blipFill>
-          <a:blip r:embed="rId3"/>
-          <a:srcRect l="68262" t="14572" b="20604"/>
-          <a:stretch>
-            <a:fillRect/>
-          </a:stretch>
-        </p:blipFill>
-        <p:spPr>
-          <a:xfrm>
-            <a:off x="7806151" y="3168548"/>
-            <a:ext cx="227330" cy="242834"/>
-          </a:xfrm>
-          <a:prstGeom prst="rect">
-            <a:avLst/>
-          </a:prstGeom>
-          <a:ln/>
-        </p:spPr>
-      </p:pic>
-      <p:pic>
-        <p:nvPicPr>
-          <p:cNvPr id="14" name="image3.jpg" descr="Bildergebnis für ampel">
-            <a:extLst>
-              <a:ext uri="{FF2B5EF4-FFF2-40B4-BE49-F238E27FC236}">
-                <a16:creationId xmlns:a16="http://schemas.microsoft.com/office/drawing/2014/main" id="{315683A5-5B36-4E72-A188-2461F0FD331C}"/>
-              </a:ext>
-            </a:extLst>
-          </p:cNvPr>
-          <p:cNvPicPr/>
-          <p:nvPr/>
-        </p:nvPicPr>
-        <p:blipFill>
-          <a:blip r:embed="rId4"/>
-          <a:srcRect l="33501" t="15075" r="34257" b="19095"/>
-          <a:stretch>
-            <a:fillRect/>
-          </a:stretch>
-        </p:blipFill>
-        <p:spPr>
-          <a:xfrm>
-            <a:off x="7806151" y="3788347"/>
-            <a:ext cx="244475" cy="234754"/>
-          </a:xfrm>
-          <a:prstGeom prst="rect">
-            <a:avLst/>
-          </a:prstGeom>
-          <a:ln/>
-        </p:spPr>
-      </p:pic>
-      <p:pic>
-        <p:nvPicPr>
-          <p:cNvPr id="16" name="image3.jpg" descr="Bildergebnis für ampel">
-            <a:extLst>
-              <a:ext uri="{FF2B5EF4-FFF2-40B4-BE49-F238E27FC236}">
-                <a16:creationId xmlns:a16="http://schemas.microsoft.com/office/drawing/2014/main" id="{E96BC56E-1A2B-4764-A45E-25D113055247}"/>
-              </a:ext>
-            </a:extLst>
-          </p:cNvPr>
-          <p:cNvPicPr/>
-          <p:nvPr/>
-        </p:nvPicPr>
-        <p:blipFill>
-          <a:blip r:embed="rId4"/>
-          <a:srcRect l="33501" t="15075" r="34257" b="19095"/>
-          <a:stretch>
-            <a:fillRect/>
-          </a:stretch>
-        </p:blipFill>
-        <p:spPr>
-          <a:xfrm>
-            <a:off x="7806151" y="4441780"/>
-            <a:ext cx="244475" cy="234754"/>
-          </a:xfrm>
-          <a:prstGeom prst="rect">
-            <a:avLst/>
-          </a:prstGeom>
-          <a:ln/>
-        </p:spPr>
-      </p:pic>
+        <p:txBody>
+          <a:bodyPr wrap="square">
+            <a:spAutoFit/>
+          </a:bodyPr>
+          <a:lstStyle/>
+          <a:p>
+            <a:pPr marR="0" lvl="0" algn="just">
+              <a:spcBef>
+                <a:spcPts val="0"/>
+              </a:spcBef>
+              <a:spcAft>
+                <a:spcPts val="0"/>
+              </a:spcAft>
+            </a:pPr>
+            <a:r>
+              <a:rPr lang="en-GB" sz="1000" dirty="0">
+                <a:solidFill>
+                  <a:srgbClr val="000000"/>
+                </a:solidFill>
+                <a:effectLst/>
+                <a:latin typeface="Arial" panose="020B0604020202020204" pitchFamily="34" charset="0"/>
+                <a:ea typeface="Arial" panose="020B0604020202020204" pitchFamily="34" charset="0"/>
+              </a:rPr>
+              <a:t>Tian Li, </a:t>
+            </a:r>
+            <a:r>
+              <a:rPr lang="en-GB" sz="1000" dirty="0" err="1">
+                <a:solidFill>
+                  <a:srgbClr val="000000"/>
+                </a:solidFill>
+                <a:effectLst/>
+                <a:latin typeface="Arial" panose="020B0604020202020204" pitchFamily="34" charset="0"/>
+                <a:ea typeface="Arial" panose="020B0604020202020204" pitchFamily="34" charset="0"/>
+              </a:rPr>
+              <a:t>Anit</a:t>
+            </a:r>
+            <a:r>
+              <a:rPr lang="en-GB" sz="1000" dirty="0">
+                <a:solidFill>
+                  <a:srgbClr val="000000"/>
+                </a:solidFill>
+                <a:effectLst/>
+                <a:latin typeface="Arial" panose="020B0604020202020204" pitchFamily="34" charset="0"/>
+                <a:ea typeface="Arial" panose="020B0604020202020204" pitchFamily="34" charset="0"/>
+              </a:rPr>
+              <a:t> Kumar </a:t>
+            </a:r>
+            <a:r>
+              <a:rPr lang="en-GB" sz="1000" dirty="0" err="1">
+                <a:solidFill>
+                  <a:srgbClr val="000000"/>
+                </a:solidFill>
+                <a:effectLst/>
+                <a:latin typeface="Arial" panose="020B0604020202020204" pitchFamily="34" charset="0"/>
+                <a:ea typeface="Arial" panose="020B0604020202020204" pitchFamily="34" charset="0"/>
+              </a:rPr>
+              <a:t>Sahu</a:t>
+            </a:r>
+            <a:r>
+              <a:rPr lang="en-GB" sz="1000" dirty="0">
+                <a:solidFill>
+                  <a:srgbClr val="000000"/>
+                </a:solidFill>
+                <a:effectLst/>
+                <a:latin typeface="Arial" panose="020B0604020202020204" pitchFamily="34" charset="0"/>
+                <a:ea typeface="Arial" panose="020B0604020202020204" pitchFamily="34" charset="0"/>
+              </a:rPr>
+              <a:t>, </a:t>
+            </a:r>
+            <a:r>
+              <a:rPr lang="en-GB" sz="1000" dirty="0" err="1">
+                <a:solidFill>
+                  <a:srgbClr val="000000"/>
+                </a:solidFill>
+                <a:effectLst/>
+                <a:latin typeface="Arial" panose="020B0604020202020204" pitchFamily="34" charset="0"/>
+                <a:ea typeface="Arial" panose="020B0604020202020204" pitchFamily="34" charset="0"/>
+              </a:rPr>
+              <a:t>Ameet</a:t>
+            </a:r>
+            <a:r>
+              <a:rPr lang="en-GB" sz="1000" dirty="0">
+                <a:solidFill>
+                  <a:srgbClr val="000000"/>
+                </a:solidFill>
+                <a:effectLst/>
+                <a:latin typeface="Arial" panose="020B0604020202020204" pitchFamily="34" charset="0"/>
+                <a:ea typeface="Arial" panose="020B0604020202020204" pitchFamily="34" charset="0"/>
+              </a:rPr>
+              <a:t> Talwalkar, and Virginia Smith. Federated Learning: Challenges, Methods, and Future Directions. pages 1–21, 2019. URL http://arxiv.org/abs/1908.07873.</a:t>
+            </a:r>
+            <a:endParaRPr lang="en-US" sz="1000" dirty="0">
+              <a:effectLst/>
+              <a:latin typeface="Arial" panose="020B0604020202020204" pitchFamily="34" charset="0"/>
+              <a:ea typeface="Arial" panose="020B0604020202020204" pitchFamily="34" charset="0"/>
+            </a:endParaRPr>
+          </a:p>
+        </p:txBody>
+      </p:sp>
     </p:spTree>
     <p:extLst>
       <p:ext uri="{BB962C8B-B14F-4D97-AF65-F5344CB8AC3E}">
-        <p14:creationId xmlns:p14="http://schemas.microsoft.com/office/powerpoint/2010/main" val="724399952"/>
+        <p14:creationId xmlns:p14="http://schemas.microsoft.com/office/powerpoint/2010/main" val="1816371758"/>
       </p:ext>
     </p:extLst>
   </p:cSld>
@@ -4865,7 +5178,7 @@
           <a:p>
             <a:r>
               <a:rPr lang="en-GB" dirty="0"/>
-              <a:t>WP4 – Status: Progress to date</a:t>
+              <a:t>Challenges for decentralized learning (1/2)</a:t>
             </a:r>
           </a:p>
         </p:txBody>
@@ -4882,14 +5195,29 @@
         </p:nvSpPr>
         <p:spPr>
           <a:xfrm>
-            <a:off x="481426" y="1173600"/>
-            <a:ext cx="8101255" cy="4658400"/>
+            <a:off x="417600" y="1137600"/>
+            <a:ext cx="8244974" cy="4802400"/>
           </a:xfrm>
         </p:spPr>
         <p:txBody>
           <a:bodyPr/>
           <a:lstStyle/>
           <a:p>
+            <a:pPr marL="0" lvl="0" indent="0">
+              <a:buNone/>
+            </a:pPr>
+            <a:endParaRPr lang="en-GB" dirty="0">
+              <a:solidFill>
+                <a:schemeClr val="tx1"/>
+              </a:solidFill>
+              <a:latin typeface="Arial" panose="020B0604020202020204" pitchFamily="34" charset="0"/>
+              <a:cs typeface="Arial" panose="020B0604020202020204" pitchFamily="34" charset="0"/>
+            </a:endParaRPr>
+          </a:p>
+          <a:p>
+            <a:pPr marL="0" lvl="0" indent="0">
+              <a:buNone/>
+            </a:pPr>
             <a:r>
               <a:rPr lang="en-GB" dirty="0">
                 <a:solidFill>
@@ -4898,49 +5226,52 @@
                 <a:latin typeface="Arial" panose="020B0604020202020204" pitchFamily="34" charset="0"/>
                 <a:cs typeface="Arial" panose="020B0604020202020204" pitchFamily="34" charset="0"/>
               </a:rPr>
-              <a:t>Our </a:t>
-            </a:r>
-            <a:r>
-              <a:rPr lang="en-GB" b="0" dirty="0">
+              <a:t>Vantage point: we need some representations, either in raw or model space, which are suitable for federated / de-centralized learning.</a:t>
+            </a:r>
+          </a:p>
+          <a:p>
+            <a:pPr lvl="1"/>
+            <a:r>
+              <a:rPr lang="en-GB" sz="1400" dirty="0">
                 <a:solidFill>
                   <a:schemeClr val="tx1"/>
                 </a:solidFill>
-                <a:effectLst/>
                 <a:latin typeface="Arial" panose="020B0604020202020204" pitchFamily="34" charset="0"/>
                 <a:cs typeface="Arial" panose="020B0604020202020204" pitchFamily="34" charset="0"/>
               </a:rPr>
-              <a:t>original thought was to tackle graphs in a traditional way</a:t>
+              <a:t>ensemble methods like Random Forest (Marburg ;-) are "naturally" distributable -&gt; just compute small bags of trees locally and then merge them together globally</a:t>
             </a:r>
           </a:p>
           <a:p>
             <a:pPr lvl="1"/>
             <a:r>
-              <a:rPr lang="en-GB" sz="1600" b="0" dirty="0">
+              <a:rPr lang="en-GB" sz="1400" dirty="0">
                 <a:solidFill>
                   <a:schemeClr val="tx1"/>
                 </a:solidFill>
-                <a:effectLst/>
                 <a:latin typeface="Arial" panose="020B0604020202020204" pitchFamily="34" charset="0"/>
                 <a:cs typeface="Arial" panose="020B0604020202020204" pitchFamily="34" charset="0"/>
               </a:rPr>
-              <a:t>assume a global (connected) graph</a:t>
+              <a:t>graphs as well can be seen as naturally distributable via their subgraphs / components / clusters</a:t>
             </a:r>
           </a:p>
           <a:p>
             <a:pPr lvl="1"/>
             <a:r>
-              <a:rPr lang="en-GB" sz="1600" b="0" dirty="0">
+              <a:rPr lang="en-GB" sz="1400" dirty="0">
                 <a:solidFill>
                   <a:schemeClr val="tx1"/>
                 </a:solidFill>
-                <a:effectLst/>
                 <a:latin typeface="Arial" panose="020B0604020202020204" pitchFamily="34" charset="0"/>
                 <a:cs typeface="Arial" panose="020B0604020202020204" pitchFamily="34" charset="0"/>
               </a:rPr>
-              <a:t>distribute it optimally or not via partitioning (KL, MCMF, RW, …)</a:t>
-            </a:r>
-          </a:p>
-          <a:p>
+              <a:t>IF the subgraphs are clearly defined (problem in traditional graph clustering)</a:t>
+            </a:r>
+          </a:p>
+          <a:p>
+            <a:pPr marL="0" lvl="0" indent="0">
+              <a:buNone/>
+            </a:pPr>
             <a:r>
               <a:rPr lang="en-GB" dirty="0">
                 <a:solidFill>
@@ -4949,43 +5280,39 @@
                 <a:latin typeface="Arial" panose="020B0604020202020204" pitchFamily="34" charset="0"/>
                 <a:cs typeface="Arial" panose="020B0604020202020204" pitchFamily="34" charset="0"/>
               </a:rPr>
-              <a:t>T</a:t>
-            </a:r>
-            <a:r>
-              <a:rPr lang="en-GB" b="0" dirty="0">
+              <a:t>We cannot send raw data over the wire</a:t>
+            </a:r>
+          </a:p>
+          <a:p>
+            <a:pPr lvl="1"/>
+            <a:r>
+              <a:rPr lang="en-GB" sz="1400" dirty="0">
                 <a:solidFill>
                   <a:schemeClr val="tx1"/>
                 </a:solidFill>
-                <a:effectLst/>
                 <a:latin typeface="Arial" panose="020B0604020202020204" pitchFamily="34" charset="0"/>
                 <a:cs typeface="Arial" panose="020B0604020202020204" pitchFamily="34" charset="0"/>
               </a:rPr>
-              <a:t>his idea came from an experimental mindset, where we assumed having a certain dataset which we could compute globally </a:t>
+              <a:t>so we need to pre-compute local representations &amp; exchange those</a:t>
             </a:r>
           </a:p>
           <a:p>
             <a:pPr lvl="1"/>
             <a:r>
-              <a:rPr lang="en-GB" sz="1600" b="0" dirty="0">
+              <a:rPr lang="en-GB" sz="1400" dirty="0">
                 <a:solidFill>
                   <a:schemeClr val="tx1"/>
                 </a:solidFill>
-                <a:effectLst/>
                 <a:latin typeface="Arial" panose="020B0604020202020204" pitchFamily="34" charset="0"/>
                 <a:cs typeface="Arial" panose="020B0604020202020204" pitchFamily="34" charset="0"/>
               </a:rPr>
-              <a:t>then split the data &amp; compare with distributed results</a:t>
-            </a:r>
-            <a:endParaRPr lang="en-GB" sz="800" b="0" dirty="0">
-              <a:solidFill>
-                <a:schemeClr val="tx1"/>
-              </a:solidFill>
-              <a:effectLst/>
-              <a:latin typeface="Arial" panose="020B0604020202020204" pitchFamily="34" charset="0"/>
-              <a:cs typeface="Arial" panose="020B0604020202020204" pitchFamily="34" charset="0"/>
-            </a:endParaRPr>
-          </a:p>
-          <a:p>
+              <a:t>but at which level? node - cluster - component - subgraph ?</a:t>
+            </a:r>
+          </a:p>
+          <a:p>
+            <a:pPr marL="0" lvl="0" indent="0">
+              <a:buNone/>
+            </a:pPr>
             <a:r>
               <a:rPr lang="en-GB" dirty="0">
                 <a:solidFill>
@@ -4994,72 +5321,34 @@
                 <a:latin typeface="Arial" panose="020B0604020202020204" pitchFamily="34" charset="0"/>
                 <a:cs typeface="Arial" panose="020B0604020202020204" pitchFamily="34" charset="0"/>
               </a:rPr>
-              <a:t>R</a:t>
-            </a:r>
-            <a:r>
-              <a:rPr lang="en-GB" b="0" dirty="0">
+              <a:t>We have to consider limited bandwidth</a:t>
+            </a:r>
+          </a:p>
+          <a:p>
+            <a:pPr lvl="1"/>
+            <a:r>
+              <a:rPr lang="en-GB" sz="1400" dirty="0">
                 <a:solidFill>
                   <a:schemeClr val="tx1"/>
                 </a:solidFill>
-                <a:effectLst/>
                 <a:latin typeface="Arial" panose="020B0604020202020204" pitchFamily="34" charset="0"/>
                 <a:cs typeface="Arial" panose="020B0604020202020204" pitchFamily="34" charset="0"/>
               </a:rPr>
-              <a:t>eality however will actually determine datasets and their locality (distribution for us. Also, graph types will never be ”text-book pure”</a:t>
-            </a:r>
-          </a:p>
-          <a:p>
-            <a:r>
-              <a:rPr lang="en-GB" b="0" dirty="0">
+              <a:t>representations should be dense &amp; compressed</a:t>
+            </a:r>
+          </a:p>
+          <a:p>
+            <a:pPr lvl="1"/>
+            <a:r>
+              <a:rPr lang="en-GB" sz="1400" dirty="0">
                 <a:solidFill>
                   <a:schemeClr val="tx1"/>
                 </a:solidFill>
-                <a:effectLst/>
                 <a:latin typeface="Arial" panose="020B0604020202020204" pitchFamily="34" charset="0"/>
                 <a:cs typeface="Arial" panose="020B0604020202020204" pitchFamily="34" charset="0"/>
               </a:rPr>
-              <a:t>Also, in modern network representation learning approaches (RW-based  / GCNs) strict graph classes are rarely (never) mentioned</a:t>
-            </a:r>
-          </a:p>
-          <a:p>
-            <a:r>
-              <a:rPr lang="en-GB" dirty="0">
-                <a:solidFill>
-                  <a:schemeClr val="tx1"/>
-                </a:solidFill>
-                <a:latin typeface="Arial" panose="020B0604020202020204" pitchFamily="34" charset="0"/>
-                <a:cs typeface="Arial" panose="020B0604020202020204" pitchFamily="34" charset="0"/>
-              </a:rPr>
-              <a:t>Quick experiments: graph (sim) recommenders / w|d2v|ft embeddings</a:t>
-            </a:r>
-            <a:endParaRPr lang="en-GB" b="0" dirty="0">
-              <a:solidFill>
-                <a:schemeClr val="tx1"/>
-              </a:solidFill>
-              <a:effectLst/>
-              <a:latin typeface="Arial" panose="020B0604020202020204" pitchFamily="34" charset="0"/>
-              <a:cs typeface="Arial" panose="020B0604020202020204" pitchFamily="34" charset="0"/>
-            </a:endParaRPr>
-          </a:p>
-          <a:p>
-            <a:r>
-              <a:rPr lang="en-GB" dirty="0">
-                <a:solidFill>
-                  <a:schemeClr val="tx1"/>
-                </a:solidFill>
-                <a:latin typeface="Arial" panose="020B0604020202020204" pitchFamily="34" charset="0"/>
-                <a:cs typeface="Arial" panose="020B0604020202020204" pitchFamily="34" charset="0"/>
-              </a:rPr>
-              <a:t>Conclusion: The formulation of our original work packages and tasks changed rather significantly towards GRL &amp; node / graph embeddings…</a:t>
-            </a:r>
-            <a:endParaRPr lang="en-GB" b="0" dirty="0">
-              <a:solidFill>
-                <a:schemeClr val="tx1"/>
-              </a:solidFill>
-              <a:effectLst/>
-              <a:latin typeface="Arial" panose="020B0604020202020204" pitchFamily="34" charset="0"/>
-              <a:cs typeface="Arial" panose="020B0604020202020204" pitchFamily="34" charset="0"/>
-            </a:endParaRPr>
+              <a:t>low-dimensional embeddings</a:t>
+            </a:r>
           </a:p>
         </p:txBody>
       </p:sp>
@@ -5091,7 +5380,7 @@
     </p:spTree>
     <p:extLst>
       <p:ext uri="{BB962C8B-B14F-4D97-AF65-F5344CB8AC3E}">
-        <p14:creationId xmlns:p14="http://schemas.microsoft.com/office/powerpoint/2010/main" val="1816371758"/>
+        <p14:creationId xmlns:p14="http://schemas.microsoft.com/office/powerpoint/2010/main" val="1755911748"/>
       </p:ext>
     </p:extLst>
   </p:cSld>
@@ -5120,7 +5409,13 @@
       </p:grpSpPr>
       <p:sp>
         <p:nvSpPr>
-          <p:cNvPr id="2" name="Titel 1"/>
+          <p:cNvPr id="2" name="Title 1">
+            <a:extLst>
+              <a:ext uri="{FF2B5EF4-FFF2-40B4-BE49-F238E27FC236}">
+                <a16:creationId xmlns:a16="http://schemas.microsoft.com/office/drawing/2014/main" id="{4BC1D924-D1BC-4380-8999-ED11C99BA645}"/>
+              </a:ext>
+            </a:extLst>
+          </p:cNvPr>
           <p:cNvSpPr>
             <a:spLocks noGrp="1"/>
           </p:cNvSpPr>
@@ -5135,14 +5430,21 @@
           <a:p>
             <a:r>
               <a:rPr lang="en-GB" dirty="0"/>
-              <a:t>WP4 – What have we learned? </a:t>
-            </a:r>
+              <a:t>Challenges for decentralized learning (2/2)</a:t>
+            </a:r>
+            <a:endParaRPr lang="en-US" dirty="0"/>
           </a:p>
         </p:txBody>
       </p:sp>
       <p:sp>
         <p:nvSpPr>
-          <p:cNvPr id="3" name="Inhaltsplatzhalter 2"/>
+          <p:cNvPr id="3" name="Content Placeholder 2">
+            <a:extLst>
+              <a:ext uri="{FF2B5EF4-FFF2-40B4-BE49-F238E27FC236}">
+                <a16:creationId xmlns:a16="http://schemas.microsoft.com/office/drawing/2014/main" id="{E4610ADE-F045-42BB-A9D0-238233E40EE5}"/>
+              </a:ext>
+            </a:extLst>
+          </p:cNvPr>
           <p:cNvSpPr>
             <a:spLocks noGrp="1"/>
           </p:cNvSpPr>
@@ -5152,14 +5454,17 @@
         </p:nvSpPr>
         <p:spPr>
           <a:xfrm>
-            <a:off x="417600" y="1137600"/>
-            <a:ext cx="8244974" cy="4802400"/>
+            <a:off x="481426" y="1620000"/>
+            <a:ext cx="8101255" cy="3905311"/>
           </a:xfrm>
         </p:spPr>
         <p:txBody>
           <a:bodyPr/>
           <a:lstStyle/>
           <a:p>
+            <a:pPr marL="0" lvl="0" indent="0">
+              <a:buNone/>
+            </a:pPr>
             <a:r>
               <a:rPr lang="en-GB" dirty="0">
                 <a:solidFill>
@@ -5168,168 +5473,57 @@
                 <a:latin typeface="Arial" panose="020B0604020202020204" pitchFamily="34" charset="0"/>
                 <a:cs typeface="Arial" panose="020B0604020202020204" pitchFamily="34" charset="0"/>
               </a:rPr>
-              <a:t>C</a:t>
-            </a:r>
-            <a:r>
-              <a:rPr lang="en-GB" b="0" dirty="0">
+              <a:t>We want to avoid the `gossip` problem</a:t>
+            </a:r>
+          </a:p>
+          <a:p>
+            <a:pPr lvl="1"/>
+            <a:r>
+              <a:rPr lang="en-GB" dirty="0">
                 <a:solidFill>
                   <a:schemeClr val="tx1"/>
                 </a:solidFill>
-                <a:effectLst/>
                 <a:latin typeface="Arial" panose="020B0604020202020204" pitchFamily="34" charset="0"/>
                 <a:cs typeface="Arial" panose="020B0604020202020204" pitchFamily="34" charset="0"/>
               </a:rPr>
-              <a:t>annot use spectral graph theory (e.g. feeding an Adjacency or Laplace matrix into a CNN)</a:t>
-            </a:r>
-          </a:p>
-          <a:p>
-            <a:pPr lvl="1"/>
-            <a:r>
-              <a:rPr lang="en-GB" sz="1600" b="0" dirty="0">
+              <a:t>only </a:t>
+            </a:r>
+            <a:r>
+              <a:rPr lang="en-GB" i="1" dirty="0">
                 <a:solidFill>
                   <a:schemeClr val="tx1"/>
                 </a:solidFill>
-                <a:effectLst/>
                 <a:latin typeface="Arial" panose="020B0604020202020204" pitchFamily="34" charset="0"/>
                 <a:cs typeface="Arial" panose="020B0604020202020204" pitchFamily="34" charset="0"/>
               </a:rPr>
-              <a:t>this would assume we know all nodes in beforehand</a:t>
-            </a:r>
-          </a:p>
-          <a:p>
-            <a:pPr lvl="1"/>
-            <a:r>
-              <a:rPr lang="en-GB" sz="1600" b="0" dirty="0">
+              <a:t>some</a:t>
+            </a:r>
+            <a:r>
+              <a:rPr lang="en-GB" dirty="0">
                 <a:solidFill>
                   <a:schemeClr val="tx1"/>
                 </a:solidFill>
-                <a:effectLst/>
                 <a:latin typeface="Arial" panose="020B0604020202020204" pitchFamily="34" charset="0"/>
                 <a:cs typeface="Arial" panose="020B0604020202020204" pitchFamily="34" charset="0"/>
               </a:rPr>
-              <a:t>every change in the graph would trigger a complete re-computation</a:t>
+              <a:t> local models should talk to one another</a:t>
             </a:r>
           </a:p>
           <a:p>
             <a:pPr lvl="1"/>
             <a:r>
-              <a:rPr lang="en-GB" sz="1600" b="0" dirty="0">
+              <a:rPr lang="en-GB" dirty="0">
                 <a:solidFill>
                   <a:schemeClr val="tx1"/>
                 </a:solidFill>
-                <a:effectLst/>
                 <a:latin typeface="Arial" panose="020B0604020202020204" pitchFamily="34" charset="0"/>
                 <a:cs typeface="Arial" panose="020B0604020202020204" pitchFamily="34" charset="0"/>
               </a:rPr>
-              <a:t>also unrealistic on distributed graphs, or if parts of the data are sensitive</a:t>
-            </a:r>
-          </a:p>
-          <a:p>
-            <a:r>
-              <a:rPr lang="en-GB" dirty="0">
-                <a:solidFill>
-                  <a:schemeClr val="tx1"/>
-                </a:solidFill>
-                <a:latin typeface="Arial" panose="020B0604020202020204" pitchFamily="34" charset="0"/>
-                <a:cs typeface="Arial" panose="020B0604020202020204" pitchFamily="34" charset="0"/>
-              </a:rPr>
-              <a:t>C</a:t>
-            </a:r>
-            <a:r>
-              <a:rPr lang="en-GB" b="0" dirty="0">
-                <a:solidFill>
-                  <a:schemeClr val="tx1"/>
-                </a:solidFill>
-                <a:effectLst/>
-                <a:latin typeface="Arial" panose="020B0604020202020204" pitchFamily="34" charset="0"/>
-                <a:cs typeface="Arial" panose="020B0604020202020204" pitchFamily="34" charset="0"/>
-              </a:rPr>
-              <a:t>annot use transductive methods (which propagate labels based on some proximity assumption)</a:t>
+              <a:t>which ones should communicate, and can we learn that automatically?</a:t>
             </a:r>
           </a:p>
           <a:p>
             <a:pPr lvl="1"/>
-            <a:r>
-              <a:rPr lang="en-GB" sz="1600" b="0" dirty="0">
-                <a:solidFill>
-                  <a:schemeClr val="tx1"/>
-                </a:solidFill>
-                <a:effectLst/>
-                <a:latin typeface="Arial" panose="020B0604020202020204" pitchFamily="34" charset="0"/>
-                <a:cs typeface="Arial" panose="020B0604020202020204" pitchFamily="34" charset="0"/>
-              </a:rPr>
-              <a:t>with a random walk (like deepwalk), it depends whether the local graphs are sizeable enough for expressive vectors. </a:t>
-            </a:r>
-          </a:p>
-          <a:p>
-            <a:r>
-              <a:rPr lang="en-GB" dirty="0">
-                <a:solidFill>
-                  <a:schemeClr val="tx1"/>
-                </a:solidFill>
-                <a:latin typeface="Arial" panose="020B0604020202020204" pitchFamily="34" charset="0"/>
-                <a:cs typeface="Arial" panose="020B0604020202020204" pitchFamily="34" charset="0"/>
-              </a:rPr>
-              <a:t>T</a:t>
-            </a:r>
-            <a:r>
-              <a:rPr lang="en-GB" b="0" dirty="0">
-                <a:solidFill>
-                  <a:schemeClr val="tx1"/>
-                </a:solidFill>
-                <a:effectLst/>
-                <a:latin typeface="Arial" panose="020B0604020202020204" pitchFamily="34" charset="0"/>
-                <a:cs typeface="Arial" panose="020B0604020202020204" pitchFamily="34" charset="0"/>
-              </a:rPr>
-              <a:t>herefore, neighbourhood-aggregation is much more promising</a:t>
-            </a:r>
-          </a:p>
-          <a:p>
-            <a:pPr lvl="1"/>
-            <a:r>
-              <a:rPr lang="en-GB" sz="1600" b="0" dirty="0">
-                <a:solidFill>
-                  <a:schemeClr val="tx1"/>
-                </a:solidFill>
-                <a:effectLst/>
-                <a:latin typeface="Arial" panose="020B0604020202020204" pitchFamily="34" charset="0"/>
-                <a:cs typeface="Arial" panose="020B0604020202020204" pitchFamily="34" charset="0"/>
-              </a:rPr>
-              <a:t>can be sampled for each node =&gt; built-in parallelization</a:t>
-            </a:r>
-          </a:p>
-          <a:p>
-            <a:pPr lvl="1"/>
-            <a:r>
-              <a:rPr lang="en-GB" sz="1600" b="0" dirty="0">
-                <a:solidFill>
-                  <a:schemeClr val="tx1"/>
-                </a:solidFill>
-                <a:effectLst/>
-                <a:latin typeface="Arial" panose="020B0604020202020204" pitchFamily="34" charset="0"/>
-                <a:cs typeface="Arial" panose="020B0604020202020204" pitchFamily="34" charset="0"/>
-              </a:rPr>
-              <a:t>don't need to compute the whole graph at once</a:t>
-            </a:r>
-          </a:p>
-          <a:p>
-            <a:pPr lvl="1"/>
-            <a:r>
-              <a:rPr lang="en-GB" sz="1600" b="0" dirty="0">
-                <a:solidFill>
-                  <a:schemeClr val="tx1"/>
-                </a:solidFill>
-                <a:effectLst/>
-                <a:latin typeface="Arial" panose="020B0604020202020204" pitchFamily="34" charset="0"/>
-                <a:cs typeface="Arial" panose="020B0604020202020204" pitchFamily="34" charset="0"/>
-              </a:rPr>
-              <a:t>can learn weight matrices forming an inductive model, so we can classify previously unseen nodes later on</a:t>
-            </a:r>
-          </a:p>
-          <a:p>
-            <a:pPr marL="0" lvl="0" indent="0">
-              <a:buNone/>
-            </a:pPr>
             <a:endParaRPr lang="en-GB" dirty="0">
               <a:solidFill>
                 <a:schemeClr val="tx1"/>
@@ -5338,11 +5532,73 @@
               <a:cs typeface="Arial" panose="020B0604020202020204" pitchFamily="34" charset="0"/>
             </a:endParaRPr>
           </a:p>
+          <a:p>
+            <a:pPr marL="0" lvl="0" indent="0">
+              <a:buNone/>
+            </a:pPr>
+            <a:r>
+              <a:rPr lang="en-GB" dirty="0">
+                <a:solidFill>
+                  <a:schemeClr val="tx1"/>
+                </a:solidFill>
+                <a:latin typeface="Arial" panose="020B0604020202020204" pitchFamily="34" charset="0"/>
+                <a:cs typeface="Arial" panose="020B0604020202020204" pitchFamily="34" charset="0"/>
+              </a:rPr>
+              <a:t>We want to utilize the learned representations in many different tasks</a:t>
+            </a:r>
+          </a:p>
+          <a:p>
+            <a:pPr lvl="1"/>
+            <a:r>
+              <a:rPr lang="en-GB" sz="1400" dirty="0">
+                <a:solidFill>
+                  <a:schemeClr val="tx1"/>
+                </a:solidFill>
+                <a:latin typeface="Arial" panose="020B0604020202020204" pitchFamily="34" charset="0"/>
+                <a:cs typeface="Arial" panose="020B0604020202020204" pitchFamily="34" charset="0"/>
+              </a:rPr>
+              <a:t>no supervised end-2-end learning, as this would result in many different embeddings, which have to be re-computed for each task</a:t>
+            </a:r>
+          </a:p>
+          <a:p>
+            <a:pPr lvl="1"/>
+            <a:endParaRPr lang="en-GB" sz="1400" b="1" dirty="0">
+              <a:solidFill>
+                <a:schemeClr val="tx1"/>
+              </a:solidFill>
+              <a:latin typeface="Arial" panose="020B0604020202020204" pitchFamily="34" charset="0"/>
+              <a:cs typeface="Arial" panose="020B0604020202020204" pitchFamily="34" charset="0"/>
+            </a:endParaRPr>
+          </a:p>
+          <a:p>
+            <a:pPr marL="0" lvl="0" indent="0">
+              <a:buNone/>
+            </a:pPr>
+            <a:r>
+              <a:rPr lang="en-GB" dirty="0">
+                <a:solidFill>
+                  <a:schemeClr val="tx1"/>
+                </a:solidFill>
+                <a:latin typeface="Arial" panose="020B0604020202020204" pitchFamily="34" charset="0"/>
+                <a:cs typeface="Arial" panose="020B0604020202020204" pitchFamily="34" charset="0"/>
+              </a:rPr>
+              <a:t>But first things first -&gt; we need good local graph representations !!</a:t>
+            </a:r>
+          </a:p>
+          <a:p>
+            <a:endParaRPr lang="en-US" dirty="0"/>
+          </a:p>
         </p:txBody>
       </p:sp>
       <p:sp>
         <p:nvSpPr>
-          <p:cNvPr id="4" name="Fußzeilenplatzhalter 3"/>
+          <p:cNvPr id="4" name="Footer Placeholder 3">
+            <a:extLst>
+              <a:ext uri="{FF2B5EF4-FFF2-40B4-BE49-F238E27FC236}">
+                <a16:creationId xmlns:a16="http://schemas.microsoft.com/office/drawing/2014/main" id="{6D2903EB-2D90-4DC8-9E58-C4245D97E9E9}"/>
+              </a:ext>
+            </a:extLst>
+          </p:cNvPr>
           <p:cNvSpPr>
             <a:spLocks noGrp="1"/>
           </p:cNvSpPr>
@@ -5359,16 +5615,21 @@
               <a:defRPr/>
             </a:pPr>
             <a:r>
-              <a:rPr lang="en-GB" dirty="0"/>
-              <a:t>This project has received funding from the European Union’s Horizon 2020 research and innovation programme under grant agreement No 826078</a:t>
-            </a:r>
+              <a:rPr lang="de-DE"/>
+              <a:t>This project hast received funding from the European Union’s Horizon 2020 research and innovation programme under grant agreement No </a:t>
+            </a:r>
+            <a:r>
+              <a:rPr lang="is-IS"/>
+              <a:t>826078</a:t>
+            </a:r>
+            <a:endParaRPr lang="de-DE" dirty="0"/>
           </a:p>
         </p:txBody>
       </p:sp>
     </p:spTree>
     <p:extLst>
       <p:ext uri="{BB962C8B-B14F-4D97-AF65-F5344CB8AC3E}">
-        <p14:creationId xmlns:p14="http://schemas.microsoft.com/office/powerpoint/2010/main" val="1755911748"/>
+        <p14:creationId xmlns:p14="http://schemas.microsoft.com/office/powerpoint/2010/main" val="3986087832"/>
       </p:ext>
     </p:extLst>
   </p:cSld>
@@ -5379,6 +5640,1720 @@
 </file>
 
 <file path=ppt/slides/slide5.xml><?xml version="1.0" encoding="utf-8"?>
+<p:sld xmlns:a="http://schemas.openxmlformats.org/drawingml/2006/main" xmlns:r="http://schemas.openxmlformats.org/officeDocument/2006/relationships" xmlns:p="http://schemas.openxmlformats.org/presentationml/2006/main">
+  <p:cSld>
+    <p:spTree>
+      <p:nvGrpSpPr>
+        <p:cNvPr id="1" name=""/>
+        <p:cNvGrpSpPr/>
+        <p:nvPr/>
+      </p:nvGrpSpPr>
+      <p:grpSpPr>
+        <a:xfrm>
+          <a:off x="0" y="0"/>
+          <a:ext cx="0" cy="0"/>
+          <a:chOff x="0" y="0"/>
+          <a:chExt cx="0" cy="0"/>
+        </a:xfrm>
+      </p:grpSpPr>
+      <p:sp>
+        <p:nvSpPr>
+          <p:cNvPr id="2" name="Title 1">
+            <a:extLst>
+              <a:ext uri="{FF2B5EF4-FFF2-40B4-BE49-F238E27FC236}">
+                <a16:creationId xmlns:a16="http://schemas.microsoft.com/office/drawing/2014/main" id="{A50A5061-B26E-4EC2-B33C-A45C752BC8DE}"/>
+              </a:ext>
+            </a:extLst>
+          </p:cNvPr>
+          <p:cNvSpPr>
+            <a:spLocks noGrp="1"/>
+          </p:cNvSpPr>
+          <p:nvPr>
+            <p:ph type="title"/>
+          </p:nvPr>
+        </p:nvSpPr>
+        <p:spPr/>
+        <p:txBody>
+          <a:bodyPr/>
+          <a:lstStyle/>
+          <a:p>
+            <a:r>
+              <a:rPr lang="en-US" dirty="0"/>
+              <a:t>Embeddings</a:t>
+            </a:r>
+          </a:p>
+        </p:txBody>
+      </p:sp>
+      <p:sp>
+        <p:nvSpPr>
+          <p:cNvPr id="3" name="Content Placeholder 2">
+            <a:extLst>
+              <a:ext uri="{FF2B5EF4-FFF2-40B4-BE49-F238E27FC236}">
+                <a16:creationId xmlns:a16="http://schemas.microsoft.com/office/drawing/2014/main" id="{76CB82EC-9C01-42BE-A1B5-31943994CC35}"/>
+              </a:ext>
+            </a:extLst>
+          </p:cNvPr>
+          <p:cNvSpPr>
+            <a:spLocks noGrp="1"/>
+          </p:cNvSpPr>
+          <p:nvPr>
+            <p:ph sz="quarter" idx="1"/>
+          </p:nvPr>
+        </p:nvSpPr>
+        <p:spPr/>
+        <p:txBody>
+          <a:bodyPr/>
+          <a:lstStyle/>
+          <a:p>
+            <a:pPr marL="0" indent="0">
+              <a:buNone/>
+            </a:pPr>
+            <a:r>
+              <a:rPr lang="en-GB" dirty="0"/>
+              <a:t>Embeddings are dense, low-dimensional representations of a higher-dimensional input space which carry conceptual meaning (in the case of words: semantic meaning)</a:t>
+            </a:r>
+          </a:p>
+          <a:p>
+            <a:pPr lvl="1"/>
+            <a:r>
+              <a:rPr lang="en-GB" sz="1400" dirty="0"/>
+              <a:t>force the embedder to align a similarity metric (usually cosine) inside the embedding space with a similarity metric in the original space</a:t>
+            </a:r>
+          </a:p>
+          <a:p>
+            <a:pPr lvl="1"/>
+            <a:r>
+              <a:rPr lang="en-GB" sz="1400" dirty="0"/>
+              <a:t>e.g. 'word co-occurrence =&gt; cosine similarity'</a:t>
+            </a:r>
+          </a:p>
+          <a:p>
+            <a:pPr lvl="1"/>
+            <a:r>
+              <a:rPr lang="en-GB" sz="1400" dirty="0"/>
+              <a:t>BUT, it could generally be any (pairwise) metric in the original space</a:t>
+            </a:r>
+          </a:p>
+          <a:p>
+            <a:pPr lvl="1"/>
+            <a:endParaRPr lang="en-GB" sz="1400" dirty="0"/>
+          </a:p>
+          <a:p>
+            <a:pPr marL="0" indent="0">
+              <a:buNone/>
+            </a:pPr>
+            <a:r>
+              <a:rPr lang="en-GB" dirty="0"/>
+              <a:t>ML on graphs is different than on images or sequence data</a:t>
+            </a:r>
+          </a:p>
+          <a:p>
+            <a:pPr lvl="1"/>
+            <a:r>
+              <a:rPr lang="en-GB" sz="1400" dirty="0"/>
+              <a:t>graphs are generally not regular (5 vs. 5000 friends)</a:t>
+            </a:r>
+          </a:p>
+          <a:p>
+            <a:pPr lvl="1"/>
+            <a:r>
+              <a:rPr lang="en-GB" sz="1400" dirty="0"/>
+              <a:t>graphs don't exhibit spatial locality -&gt; we can permute rows and columns of an adj. matrix, and it's still the same graph (not with images)</a:t>
+            </a:r>
+            <a:endParaRPr lang="en-US" sz="1400" dirty="0"/>
+          </a:p>
+        </p:txBody>
+      </p:sp>
+      <p:sp>
+        <p:nvSpPr>
+          <p:cNvPr id="4" name="Footer Placeholder 3">
+            <a:extLst>
+              <a:ext uri="{FF2B5EF4-FFF2-40B4-BE49-F238E27FC236}">
+                <a16:creationId xmlns:a16="http://schemas.microsoft.com/office/drawing/2014/main" id="{45B588D3-EF23-498A-BD4F-329CF23A7B95}"/>
+              </a:ext>
+            </a:extLst>
+          </p:cNvPr>
+          <p:cNvSpPr>
+            <a:spLocks noGrp="1"/>
+          </p:cNvSpPr>
+          <p:nvPr>
+            <p:ph type="ftr" sz="quarter" idx="3"/>
+          </p:nvPr>
+        </p:nvSpPr>
+        <p:spPr/>
+        <p:txBody>
+          <a:bodyPr/>
+          <a:lstStyle/>
+          <a:p>
+            <a:pPr>
+              <a:defRPr/>
+            </a:pPr>
+            <a:r>
+              <a:rPr lang="de-DE"/>
+              <a:t>This project hast received funding from the European Union’s Horizon 2020 research and innovation programme under grant agreement No </a:t>
+            </a:r>
+            <a:r>
+              <a:rPr lang="is-IS"/>
+              <a:t>826078</a:t>
+            </a:r>
+            <a:endParaRPr lang="de-DE" dirty="0"/>
+          </a:p>
+        </p:txBody>
+      </p:sp>
+      <p:grpSp>
+        <p:nvGrpSpPr>
+          <p:cNvPr id="5" name="Group 263">
+            <a:extLst>
+              <a:ext uri="{FF2B5EF4-FFF2-40B4-BE49-F238E27FC236}">
+                <a16:creationId xmlns:a16="http://schemas.microsoft.com/office/drawing/2014/main" id="{43ED1C6B-77E4-40F5-B377-A031497AB1ED}"/>
+              </a:ext>
+            </a:extLst>
+          </p:cNvPr>
+          <p:cNvGrpSpPr/>
+          <p:nvPr/>
+        </p:nvGrpSpPr>
+        <p:grpSpPr>
+          <a:xfrm>
+            <a:off x="4173450" y="387728"/>
+            <a:ext cx="797099" cy="962974"/>
+            <a:chOff x="2285998" y="3746160"/>
+            <a:chExt cx="739082" cy="868681"/>
+          </a:xfrm>
+        </p:grpSpPr>
+        <p:grpSp>
+          <p:nvGrpSpPr>
+            <p:cNvPr id="6" name="Group 264">
+              <a:extLst>
+                <a:ext uri="{FF2B5EF4-FFF2-40B4-BE49-F238E27FC236}">
+                  <a16:creationId xmlns:a16="http://schemas.microsoft.com/office/drawing/2014/main" id="{33815F50-B9B2-4463-B578-8E3EE6AE0904}"/>
+                </a:ext>
+              </a:extLst>
+            </p:cNvPr>
+            <p:cNvGrpSpPr/>
+            <p:nvPr/>
+          </p:nvGrpSpPr>
+          <p:grpSpPr>
+            <a:xfrm>
+              <a:off x="2285998" y="3746160"/>
+              <a:ext cx="208080" cy="865080"/>
+              <a:chOff x="2286000" y="3746160"/>
+              <a:chExt cx="208080" cy="865080"/>
+            </a:xfrm>
+          </p:grpSpPr>
+          <p:sp>
+            <p:nvSpPr>
+              <p:cNvPr id="23" name="CustomShape 265">
+                <a:extLst>
+                  <a:ext uri="{FF2B5EF4-FFF2-40B4-BE49-F238E27FC236}">
+                    <a16:creationId xmlns:a16="http://schemas.microsoft.com/office/drawing/2014/main" id="{D18CEA4E-B3EA-41EC-A7F6-B1821E1A5C3B}"/>
+                  </a:ext>
+                </a:extLst>
+              </p:cNvPr>
+              <p:cNvSpPr/>
+              <p:nvPr/>
+            </p:nvSpPr>
+            <p:spPr>
+              <a:xfrm>
+                <a:off x="2286000" y="3746160"/>
+                <a:ext cx="208080" cy="865080"/>
+              </a:xfrm>
+              <a:prstGeom prst="bracketPair">
+                <a:avLst>
+                  <a:gd name="adj" fmla="val 16667"/>
+                </a:avLst>
+              </a:prstGeom>
+              <a:noFill/>
+              <a:ln w="25560"/>
+            </p:spPr>
+            <p:style>
+              <a:lnRef idx="1">
+                <a:schemeClr val="accent1"/>
+              </a:lnRef>
+              <a:fillRef idx="0">
+                <a:schemeClr val="accent1"/>
+              </a:fillRef>
+              <a:effectRef idx="0">
+                <a:schemeClr val="accent1"/>
+              </a:effectRef>
+              <a:fontRef idx="minor"/>
+            </p:style>
+          </p:sp>
+          <p:sp>
+            <p:nvSpPr>
+              <p:cNvPr id="24" name="CustomShape 266">
+                <a:extLst>
+                  <a:ext uri="{FF2B5EF4-FFF2-40B4-BE49-F238E27FC236}">
+                    <a16:creationId xmlns:a16="http://schemas.microsoft.com/office/drawing/2014/main" id="{EB982E4F-B938-4C81-9979-8703D3D49C08}"/>
+                  </a:ext>
+                </a:extLst>
+              </p:cNvPr>
+              <p:cNvSpPr/>
+              <p:nvPr/>
+            </p:nvSpPr>
+            <p:spPr>
+              <a:xfrm>
+                <a:off x="2338200" y="3779640"/>
+                <a:ext cx="110160" cy="96120"/>
+              </a:xfrm>
+              <a:prstGeom prst="ellipse">
+                <a:avLst/>
+              </a:prstGeom>
+              <a:solidFill>
+                <a:srgbClr val="C39BE1"/>
+              </a:solidFill>
+              <a:ln>
+                <a:noFill/>
+              </a:ln>
+            </p:spPr>
+            <p:style>
+              <a:lnRef idx="2">
+                <a:schemeClr val="accent1">
+                  <a:shade val="50000"/>
+                </a:schemeClr>
+              </a:lnRef>
+              <a:fillRef idx="1">
+                <a:schemeClr val="accent1"/>
+              </a:fillRef>
+              <a:effectRef idx="0">
+                <a:schemeClr val="accent1"/>
+              </a:effectRef>
+              <a:fontRef idx="minor"/>
+            </p:style>
+          </p:sp>
+          <p:sp>
+            <p:nvSpPr>
+              <p:cNvPr id="25" name="CustomShape 267">
+                <a:extLst>
+                  <a:ext uri="{FF2B5EF4-FFF2-40B4-BE49-F238E27FC236}">
+                    <a16:creationId xmlns:a16="http://schemas.microsoft.com/office/drawing/2014/main" id="{F5E2D9F2-7686-4833-867D-6DF32EA867BA}"/>
+                  </a:ext>
+                </a:extLst>
+              </p:cNvPr>
+              <p:cNvSpPr/>
+              <p:nvPr/>
+            </p:nvSpPr>
+            <p:spPr>
+              <a:xfrm>
+                <a:off x="2338200" y="3914640"/>
+                <a:ext cx="110160" cy="96120"/>
+              </a:xfrm>
+              <a:prstGeom prst="ellipse">
+                <a:avLst/>
+              </a:prstGeom>
+              <a:solidFill>
+                <a:schemeClr val="accent6">
+                  <a:lumMod val="40000"/>
+                  <a:lumOff val="60000"/>
+                </a:schemeClr>
+              </a:solidFill>
+              <a:ln>
+                <a:noFill/>
+              </a:ln>
+            </p:spPr>
+            <p:style>
+              <a:lnRef idx="2">
+                <a:schemeClr val="accent1">
+                  <a:shade val="50000"/>
+                </a:schemeClr>
+              </a:lnRef>
+              <a:fillRef idx="1">
+                <a:schemeClr val="accent1"/>
+              </a:fillRef>
+              <a:effectRef idx="0">
+                <a:schemeClr val="accent1"/>
+              </a:effectRef>
+              <a:fontRef idx="minor"/>
+            </p:style>
+          </p:sp>
+          <p:sp>
+            <p:nvSpPr>
+              <p:cNvPr id="26" name="CustomShape 268">
+                <a:extLst>
+                  <a:ext uri="{FF2B5EF4-FFF2-40B4-BE49-F238E27FC236}">
+                    <a16:creationId xmlns:a16="http://schemas.microsoft.com/office/drawing/2014/main" id="{6820439C-D4A6-4015-935F-6E7DC341698E}"/>
+                  </a:ext>
+                </a:extLst>
+              </p:cNvPr>
+              <p:cNvSpPr/>
+              <p:nvPr/>
+            </p:nvSpPr>
+            <p:spPr>
+              <a:xfrm>
+                <a:off x="2338200" y="4050000"/>
+                <a:ext cx="110160" cy="96120"/>
+              </a:xfrm>
+              <a:prstGeom prst="ellipse">
+                <a:avLst/>
+              </a:prstGeom>
+              <a:solidFill>
+                <a:schemeClr val="accent1">
+                  <a:lumMod val="40000"/>
+                  <a:lumOff val="60000"/>
+                </a:schemeClr>
+              </a:solidFill>
+              <a:ln>
+                <a:noFill/>
+              </a:ln>
+            </p:spPr>
+            <p:style>
+              <a:lnRef idx="2">
+                <a:schemeClr val="accent1">
+                  <a:shade val="50000"/>
+                </a:schemeClr>
+              </a:lnRef>
+              <a:fillRef idx="1">
+                <a:schemeClr val="accent1"/>
+              </a:fillRef>
+              <a:effectRef idx="0">
+                <a:schemeClr val="accent1"/>
+              </a:effectRef>
+              <a:fontRef idx="minor"/>
+            </p:style>
+          </p:sp>
+          <p:sp>
+            <p:nvSpPr>
+              <p:cNvPr id="27" name="CustomShape 269">
+                <a:extLst>
+                  <a:ext uri="{FF2B5EF4-FFF2-40B4-BE49-F238E27FC236}">
+                    <a16:creationId xmlns:a16="http://schemas.microsoft.com/office/drawing/2014/main" id="{6A005FE4-01A9-4A75-A32D-C56DEF1F2599}"/>
+                  </a:ext>
+                </a:extLst>
+              </p:cNvPr>
+              <p:cNvSpPr/>
+              <p:nvPr/>
+            </p:nvSpPr>
+            <p:spPr>
+              <a:xfrm>
+                <a:off x="2333520" y="4187880"/>
+                <a:ext cx="110160" cy="96120"/>
+              </a:xfrm>
+              <a:prstGeom prst="ellipse">
+                <a:avLst/>
+              </a:prstGeom>
+              <a:solidFill>
+                <a:schemeClr val="accent6">
+                  <a:lumMod val="40000"/>
+                  <a:lumOff val="60000"/>
+                </a:schemeClr>
+              </a:solidFill>
+              <a:ln>
+                <a:noFill/>
+              </a:ln>
+            </p:spPr>
+            <p:style>
+              <a:lnRef idx="2">
+                <a:schemeClr val="accent1">
+                  <a:shade val="50000"/>
+                </a:schemeClr>
+              </a:lnRef>
+              <a:fillRef idx="1">
+                <a:schemeClr val="accent1"/>
+              </a:fillRef>
+              <a:effectRef idx="0">
+                <a:schemeClr val="accent1"/>
+              </a:effectRef>
+              <a:fontRef idx="minor"/>
+            </p:style>
+          </p:sp>
+          <p:sp>
+            <p:nvSpPr>
+              <p:cNvPr id="28" name="CustomShape 270">
+                <a:extLst>
+                  <a:ext uri="{FF2B5EF4-FFF2-40B4-BE49-F238E27FC236}">
+                    <a16:creationId xmlns:a16="http://schemas.microsoft.com/office/drawing/2014/main" id="{0FB4A986-353E-4B48-8190-62C815ED78FA}"/>
+                  </a:ext>
+                </a:extLst>
+              </p:cNvPr>
+              <p:cNvSpPr/>
+              <p:nvPr/>
+            </p:nvSpPr>
+            <p:spPr>
+              <a:xfrm>
+                <a:off x="2338200" y="4322880"/>
+                <a:ext cx="110160" cy="96120"/>
+              </a:xfrm>
+              <a:prstGeom prst="ellipse">
+                <a:avLst/>
+              </a:prstGeom>
+              <a:solidFill>
+                <a:srgbClr val="C39BE1"/>
+              </a:solidFill>
+              <a:ln>
+                <a:noFill/>
+              </a:ln>
+            </p:spPr>
+            <p:style>
+              <a:lnRef idx="2">
+                <a:schemeClr val="accent1">
+                  <a:shade val="50000"/>
+                </a:schemeClr>
+              </a:lnRef>
+              <a:fillRef idx="1">
+                <a:schemeClr val="accent1"/>
+              </a:fillRef>
+              <a:effectRef idx="0">
+                <a:schemeClr val="accent1"/>
+              </a:effectRef>
+              <a:fontRef idx="minor"/>
+            </p:style>
+          </p:sp>
+          <p:sp>
+            <p:nvSpPr>
+              <p:cNvPr id="29" name="CustomShape 271">
+                <a:extLst>
+                  <a:ext uri="{FF2B5EF4-FFF2-40B4-BE49-F238E27FC236}">
+                    <a16:creationId xmlns:a16="http://schemas.microsoft.com/office/drawing/2014/main" id="{3F7070BC-F557-428A-8A23-7584250389EC}"/>
+                  </a:ext>
+                </a:extLst>
+              </p:cNvPr>
+              <p:cNvSpPr/>
+              <p:nvPr/>
+            </p:nvSpPr>
+            <p:spPr>
+              <a:xfrm>
+                <a:off x="2336040" y="4459680"/>
+                <a:ext cx="110160" cy="96120"/>
+              </a:xfrm>
+              <a:prstGeom prst="ellipse">
+                <a:avLst/>
+              </a:prstGeom>
+              <a:solidFill>
+                <a:schemeClr val="accent1">
+                  <a:lumMod val="40000"/>
+                  <a:lumOff val="60000"/>
+                </a:schemeClr>
+              </a:solidFill>
+              <a:ln>
+                <a:noFill/>
+              </a:ln>
+            </p:spPr>
+            <p:style>
+              <a:lnRef idx="2">
+                <a:schemeClr val="accent1">
+                  <a:shade val="50000"/>
+                </a:schemeClr>
+              </a:lnRef>
+              <a:fillRef idx="1">
+                <a:schemeClr val="accent1"/>
+              </a:fillRef>
+              <a:effectRef idx="0">
+                <a:schemeClr val="accent1"/>
+              </a:effectRef>
+              <a:fontRef idx="minor"/>
+            </p:style>
+          </p:sp>
+        </p:grpSp>
+        <p:grpSp>
+          <p:nvGrpSpPr>
+            <p:cNvPr id="7" name="Group 6">
+              <a:extLst>
+                <a:ext uri="{FF2B5EF4-FFF2-40B4-BE49-F238E27FC236}">
+                  <a16:creationId xmlns:a16="http://schemas.microsoft.com/office/drawing/2014/main" id="{8340B8FD-7675-4B66-A067-779E67562804}"/>
+                </a:ext>
+              </a:extLst>
+            </p:cNvPr>
+            <p:cNvGrpSpPr/>
+            <p:nvPr/>
+          </p:nvGrpSpPr>
+          <p:grpSpPr>
+            <a:xfrm>
+              <a:off x="2546638" y="3749761"/>
+              <a:ext cx="208080" cy="865080"/>
+              <a:chOff x="2546640" y="3749760"/>
+              <a:chExt cx="208080" cy="865080"/>
+            </a:xfrm>
+          </p:grpSpPr>
+          <p:sp>
+            <p:nvSpPr>
+              <p:cNvPr id="16" name="CustomShape 273">
+                <a:extLst>
+                  <a:ext uri="{FF2B5EF4-FFF2-40B4-BE49-F238E27FC236}">
+                    <a16:creationId xmlns:a16="http://schemas.microsoft.com/office/drawing/2014/main" id="{104AF0E4-8D0A-4901-B57A-9856A81F1FA5}"/>
+                  </a:ext>
+                </a:extLst>
+              </p:cNvPr>
+              <p:cNvSpPr/>
+              <p:nvPr/>
+            </p:nvSpPr>
+            <p:spPr>
+              <a:xfrm>
+                <a:off x="2546640" y="3749760"/>
+                <a:ext cx="208080" cy="865080"/>
+              </a:xfrm>
+              <a:prstGeom prst="bracketPair">
+                <a:avLst>
+                  <a:gd name="adj" fmla="val 16667"/>
+                </a:avLst>
+              </a:prstGeom>
+              <a:noFill/>
+              <a:ln w="25560"/>
+            </p:spPr>
+            <p:style>
+              <a:lnRef idx="1">
+                <a:schemeClr val="accent1"/>
+              </a:lnRef>
+              <a:fillRef idx="0">
+                <a:schemeClr val="accent1"/>
+              </a:fillRef>
+              <a:effectRef idx="0">
+                <a:schemeClr val="accent1"/>
+              </a:effectRef>
+              <a:fontRef idx="minor"/>
+            </p:style>
+          </p:sp>
+          <p:sp>
+            <p:nvSpPr>
+              <p:cNvPr id="17" name="CustomShape 274">
+                <a:extLst>
+                  <a:ext uri="{FF2B5EF4-FFF2-40B4-BE49-F238E27FC236}">
+                    <a16:creationId xmlns:a16="http://schemas.microsoft.com/office/drawing/2014/main" id="{79D1D020-1390-492A-8809-FC2D3F366073}"/>
+                  </a:ext>
+                </a:extLst>
+              </p:cNvPr>
+              <p:cNvSpPr/>
+              <p:nvPr/>
+            </p:nvSpPr>
+            <p:spPr>
+              <a:xfrm>
+                <a:off x="2598840" y="3783600"/>
+                <a:ext cx="110160" cy="96120"/>
+              </a:xfrm>
+              <a:prstGeom prst="ellipse">
+                <a:avLst/>
+              </a:prstGeom>
+              <a:solidFill>
+                <a:srgbClr val="C39BE1"/>
+              </a:solidFill>
+              <a:ln>
+                <a:noFill/>
+              </a:ln>
+            </p:spPr>
+            <p:style>
+              <a:lnRef idx="2">
+                <a:schemeClr val="accent1">
+                  <a:shade val="50000"/>
+                </a:schemeClr>
+              </a:lnRef>
+              <a:fillRef idx="1">
+                <a:schemeClr val="accent1"/>
+              </a:fillRef>
+              <a:effectRef idx="0">
+                <a:schemeClr val="accent1"/>
+              </a:effectRef>
+              <a:fontRef idx="minor"/>
+            </p:style>
+          </p:sp>
+          <p:sp>
+            <p:nvSpPr>
+              <p:cNvPr id="18" name="CustomShape 275">
+                <a:extLst>
+                  <a:ext uri="{FF2B5EF4-FFF2-40B4-BE49-F238E27FC236}">
+                    <a16:creationId xmlns:a16="http://schemas.microsoft.com/office/drawing/2014/main" id="{EF483FAB-5279-449F-B52E-93279F2550E2}"/>
+                  </a:ext>
+                </a:extLst>
+              </p:cNvPr>
+              <p:cNvSpPr/>
+              <p:nvPr/>
+            </p:nvSpPr>
+            <p:spPr>
+              <a:xfrm>
+                <a:off x="2598840" y="3918600"/>
+                <a:ext cx="110160" cy="96120"/>
+              </a:xfrm>
+              <a:prstGeom prst="ellipse">
+                <a:avLst/>
+              </a:prstGeom>
+              <a:solidFill>
+                <a:schemeClr val="accent6">
+                  <a:lumMod val="40000"/>
+                  <a:lumOff val="60000"/>
+                </a:schemeClr>
+              </a:solidFill>
+              <a:ln>
+                <a:noFill/>
+              </a:ln>
+            </p:spPr>
+            <p:style>
+              <a:lnRef idx="2">
+                <a:schemeClr val="accent1">
+                  <a:shade val="50000"/>
+                </a:schemeClr>
+              </a:lnRef>
+              <a:fillRef idx="1">
+                <a:schemeClr val="accent1"/>
+              </a:fillRef>
+              <a:effectRef idx="0">
+                <a:schemeClr val="accent1"/>
+              </a:effectRef>
+              <a:fontRef idx="minor"/>
+            </p:style>
+          </p:sp>
+          <p:sp>
+            <p:nvSpPr>
+              <p:cNvPr id="19" name="CustomShape 276">
+                <a:extLst>
+                  <a:ext uri="{FF2B5EF4-FFF2-40B4-BE49-F238E27FC236}">
+                    <a16:creationId xmlns:a16="http://schemas.microsoft.com/office/drawing/2014/main" id="{03841CA9-1C14-4075-A0B6-9340A730728E}"/>
+                  </a:ext>
+                </a:extLst>
+              </p:cNvPr>
+              <p:cNvSpPr/>
+              <p:nvPr/>
+            </p:nvSpPr>
+            <p:spPr>
+              <a:xfrm>
+                <a:off x="2598840" y="4053600"/>
+                <a:ext cx="110160" cy="96120"/>
+              </a:xfrm>
+              <a:prstGeom prst="ellipse">
+                <a:avLst/>
+              </a:prstGeom>
+              <a:solidFill>
+                <a:schemeClr val="accent1">
+                  <a:lumMod val="40000"/>
+                  <a:lumOff val="60000"/>
+                </a:schemeClr>
+              </a:solidFill>
+              <a:ln>
+                <a:noFill/>
+              </a:ln>
+            </p:spPr>
+            <p:style>
+              <a:lnRef idx="2">
+                <a:schemeClr val="accent1">
+                  <a:shade val="50000"/>
+                </a:schemeClr>
+              </a:lnRef>
+              <a:fillRef idx="1">
+                <a:schemeClr val="accent1"/>
+              </a:fillRef>
+              <a:effectRef idx="0">
+                <a:schemeClr val="accent1"/>
+              </a:effectRef>
+              <a:fontRef idx="minor"/>
+            </p:style>
+          </p:sp>
+          <p:sp>
+            <p:nvSpPr>
+              <p:cNvPr id="20" name="CustomShape 277">
+                <a:extLst>
+                  <a:ext uri="{FF2B5EF4-FFF2-40B4-BE49-F238E27FC236}">
+                    <a16:creationId xmlns:a16="http://schemas.microsoft.com/office/drawing/2014/main" id="{76CFAC33-A60F-478A-AAE4-C066301992BB}"/>
+                  </a:ext>
+                </a:extLst>
+              </p:cNvPr>
+              <p:cNvSpPr/>
+              <p:nvPr/>
+            </p:nvSpPr>
+            <p:spPr>
+              <a:xfrm>
+                <a:off x="2594160" y="4191480"/>
+                <a:ext cx="110160" cy="96120"/>
+              </a:xfrm>
+              <a:prstGeom prst="ellipse">
+                <a:avLst/>
+              </a:prstGeom>
+              <a:solidFill>
+                <a:schemeClr val="accent6">
+                  <a:lumMod val="40000"/>
+                  <a:lumOff val="60000"/>
+                </a:schemeClr>
+              </a:solidFill>
+              <a:ln>
+                <a:noFill/>
+              </a:ln>
+            </p:spPr>
+            <p:style>
+              <a:lnRef idx="2">
+                <a:schemeClr val="accent1">
+                  <a:shade val="50000"/>
+                </a:schemeClr>
+              </a:lnRef>
+              <a:fillRef idx="1">
+                <a:schemeClr val="accent1"/>
+              </a:fillRef>
+              <a:effectRef idx="0">
+                <a:schemeClr val="accent1"/>
+              </a:effectRef>
+              <a:fontRef idx="minor"/>
+            </p:style>
+          </p:sp>
+          <p:sp>
+            <p:nvSpPr>
+              <p:cNvPr id="21" name="CustomShape 278">
+                <a:extLst>
+                  <a:ext uri="{FF2B5EF4-FFF2-40B4-BE49-F238E27FC236}">
+                    <a16:creationId xmlns:a16="http://schemas.microsoft.com/office/drawing/2014/main" id="{2A059F17-743A-4994-ADAE-3E50DB839025}"/>
+                  </a:ext>
+                </a:extLst>
+              </p:cNvPr>
+              <p:cNvSpPr/>
+              <p:nvPr/>
+            </p:nvSpPr>
+            <p:spPr>
+              <a:xfrm>
+                <a:off x="2598840" y="4326840"/>
+                <a:ext cx="110160" cy="96120"/>
+              </a:xfrm>
+              <a:prstGeom prst="ellipse">
+                <a:avLst/>
+              </a:prstGeom>
+              <a:solidFill>
+                <a:srgbClr val="C39BE1"/>
+              </a:solidFill>
+              <a:ln>
+                <a:noFill/>
+              </a:ln>
+            </p:spPr>
+            <p:style>
+              <a:lnRef idx="2">
+                <a:schemeClr val="accent1">
+                  <a:shade val="50000"/>
+                </a:schemeClr>
+              </a:lnRef>
+              <a:fillRef idx="1">
+                <a:schemeClr val="accent1"/>
+              </a:fillRef>
+              <a:effectRef idx="0">
+                <a:schemeClr val="accent1"/>
+              </a:effectRef>
+              <a:fontRef idx="minor"/>
+            </p:style>
+          </p:sp>
+          <p:sp>
+            <p:nvSpPr>
+              <p:cNvPr id="22" name="CustomShape 279">
+                <a:extLst>
+                  <a:ext uri="{FF2B5EF4-FFF2-40B4-BE49-F238E27FC236}">
+                    <a16:creationId xmlns:a16="http://schemas.microsoft.com/office/drawing/2014/main" id="{7A6A58FE-803F-45F4-BC33-B77B677D4E38}"/>
+                  </a:ext>
+                </a:extLst>
+              </p:cNvPr>
+              <p:cNvSpPr/>
+              <p:nvPr/>
+            </p:nvSpPr>
+            <p:spPr>
+              <a:xfrm>
+                <a:off x="2596680" y="4463640"/>
+                <a:ext cx="110160" cy="96120"/>
+              </a:xfrm>
+              <a:prstGeom prst="ellipse">
+                <a:avLst/>
+              </a:prstGeom>
+              <a:solidFill>
+                <a:schemeClr val="accent1">
+                  <a:lumMod val="40000"/>
+                  <a:lumOff val="60000"/>
+                </a:schemeClr>
+              </a:solidFill>
+              <a:ln>
+                <a:noFill/>
+              </a:ln>
+            </p:spPr>
+            <p:style>
+              <a:lnRef idx="2">
+                <a:schemeClr val="accent1">
+                  <a:shade val="50000"/>
+                </a:schemeClr>
+              </a:lnRef>
+              <a:fillRef idx="1">
+                <a:schemeClr val="accent1"/>
+              </a:fillRef>
+              <a:effectRef idx="0">
+                <a:schemeClr val="accent1"/>
+              </a:effectRef>
+              <a:fontRef idx="minor"/>
+            </p:style>
+          </p:sp>
+        </p:grpSp>
+        <p:grpSp>
+          <p:nvGrpSpPr>
+            <p:cNvPr id="8" name="Group 280">
+              <a:extLst>
+                <a:ext uri="{FF2B5EF4-FFF2-40B4-BE49-F238E27FC236}">
+                  <a16:creationId xmlns:a16="http://schemas.microsoft.com/office/drawing/2014/main" id="{338B8EE5-B952-4788-8FFC-EB0C9E70FADC}"/>
+                </a:ext>
+              </a:extLst>
+            </p:cNvPr>
+            <p:cNvGrpSpPr/>
+            <p:nvPr/>
+          </p:nvGrpSpPr>
+          <p:grpSpPr>
+            <a:xfrm>
+              <a:off x="2817000" y="3746160"/>
+              <a:ext cx="208080" cy="865080"/>
+              <a:chOff x="2817000" y="3746160"/>
+              <a:chExt cx="208080" cy="865080"/>
+            </a:xfrm>
+          </p:grpSpPr>
+          <p:sp>
+            <p:nvSpPr>
+              <p:cNvPr id="9" name="CustomShape 281">
+                <a:extLst>
+                  <a:ext uri="{FF2B5EF4-FFF2-40B4-BE49-F238E27FC236}">
+                    <a16:creationId xmlns:a16="http://schemas.microsoft.com/office/drawing/2014/main" id="{04186088-F430-42E9-9B56-2506C77DA6C0}"/>
+                  </a:ext>
+                </a:extLst>
+              </p:cNvPr>
+              <p:cNvSpPr/>
+              <p:nvPr/>
+            </p:nvSpPr>
+            <p:spPr>
+              <a:xfrm>
+                <a:off x="2817000" y="3746160"/>
+                <a:ext cx="208080" cy="865080"/>
+              </a:xfrm>
+              <a:prstGeom prst="bracketPair">
+                <a:avLst>
+                  <a:gd name="adj" fmla="val 16667"/>
+                </a:avLst>
+              </a:prstGeom>
+              <a:noFill/>
+              <a:ln w="25560"/>
+            </p:spPr>
+            <p:style>
+              <a:lnRef idx="1">
+                <a:schemeClr val="accent1"/>
+              </a:lnRef>
+              <a:fillRef idx="0">
+                <a:schemeClr val="accent1"/>
+              </a:fillRef>
+              <a:effectRef idx="0">
+                <a:schemeClr val="accent1"/>
+              </a:effectRef>
+              <a:fontRef idx="minor"/>
+            </p:style>
+          </p:sp>
+          <p:sp>
+            <p:nvSpPr>
+              <p:cNvPr id="10" name="CustomShape 282">
+                <a:extLst>
+                  <a:ext uri="{FF2B5EF4-FFF2-40B4-BE49-F238E27FC236}">
+                    <a16:creationId xmlns:a16="http://schemas.microsoft.com/office/drawing/2014/main" id="{BFADF6A0-AB8F-4D2E-A55E-ED4BCC84B7E2}"/>
+                  </a:ext>
+                </a:extLst>
+              </p:cNvPr>
+              <p:cNvSpPr/>
+              <p:nvPr/>
+            </p:nvSpPr>
+            <p:spPr>
+              <a:xfrm>
+                <a:off x="2869200" y="3779640"/>
+                <a:ext cx="110160" cy="96120"/>
+              </a:xfrm>
+              <a:prstGeom prst="ellipse">
+                <a:avLst/>
+              </a:prstGeom>
+              <a:solidFill>
+                <a:srgbClr val="C39BE1"/>
+              </a:solidFill>
+              <a:ln>
+                <a:noFill/>
+              </a:ln>
+            </p:spPr>
+            <p:style>
+              <a:lnRef idx="2">
+                <a:schemeClr val="accent1">
+                  <a:shade val="50000"/>
+                </a:schemeClr>
+              </a:lnRef>
+              <a:fillRef idx="1">
+                <a:schemeClr val="accent1"/>
+              </a:fillRef>
+              <a:effectRef idx="0">
+                <a:schemeClr val="accent1"/>
+              </a:effectRef>
+              <a:fontRef idx="minor"/>
+            </p:style>
+          </p:sp>
+          <p:sp>
+            <p:nvSpPr>
+              <p:cNvPr id="11" name="CustomShape 283">
+                <a:extLst>
+                  <a:ext uri="{FF2B5EF4-FFF2-40B4-BE49-F238E27FC236}">
+                    <a16:creationId xmlns:a16="http://schemas.microsoft.com/office/drawing/2014/main" id="{3EDD4AD1-39AB-48A9-926E-FFFC8A91B2AB}"/>
+                  </a:ext>
+                </a:extLst>
+              </p:cNvPr>
+              <p:cNvSpPr/>
+              <p:nvPr/>
+            </p:nvSpPr>
+            <p:spPr>
+              <a:xfrm>
+                <a:off x="2869200" y="3914640"/>
+                <a:ext cx="110160" cy="96120"/>
+              </a:xfrm>
+              <a:prstGeom prst="ellipse">
+                <a:avLst/>
+              </a:prstGeom>
+              <a:solidFill>
+                <a:schemeClr val="accent6">
+                  <a:lumMod val="40000"/>
+                  <a:lumOff val="60000"/>
+                </a:schemeClr>
+              </a:solidFill>
+              <a:ln>
+                <a:noFill/>
+              </a:ln>
+            </p:spPr>
+            <p:style>
+              <a:lnRef idx="2">
+                <a:schemeClr val="accent1">
+                  <a:shade val="50000"/>
+                </a:schemeClr>
+              </a:lnRef>
+              <a:fillRef idx="1">
+                <a:schemeClr val="accent1"/>
+              </a:fillRef>
+              <a:effectRef idx="0">
+                <a:schemeClr val="accent1"/>
+              </a:effectRef>
+              <a:fontRef idx="minor"/>
+            </p:style>
+          </p:sp>
+          <p:sp>
+            <p:nvSpPr>
+              <p:cNvPr id="12" name="CustomShape 284">
+                <a:extLst>
+                  <a:ext uri="{FF2B5EF4-FFF2-40B4-BE49-F238E27FC236}">
+                    <a16:creationId xmlns:a16="http://schemas.microsoft.com/office/drawing/2014/main" id="{5CCB7C2E-25EC-4FFF-8AA1-E075EA23E988}"/>
+                  </a:ext>
+                </a:extLst>
+              </p:cNvPr>
+              <p:cNvSpPr/>
+              <p:nvPr/>
+            </p:nvSpPr>
+            <p:spPr>
+              <a:xfrm>
+                <a:off x="2869200" y="4050000"/>
+                <a:ext cx="110160" cy="96120"/>
+              </a:xfrm>
+              <a:prstGeom prst="ellipse">
+                <a:avLst/>
+              </a:prstGeom>
+              <a:solidFill>
+                <a:schemeClr val="accent1">
+                  <a:lumMod val="40000"/>
+                  <a:lumOff val="60000"/>
+                </a:schemeClr>
+              </a:solidFill>
+              <a:ln>
+                <a:noFill/>
+              </a:ln>
+            </p:spPr>
+            <p:style>
+              <a:lnRef idx="2">
+                <a:schemeClr val="accent1">
+                  <a:shade val="50000"/>
+                </a:schemeClr>
+              </a:lnRef>
+              <a:fillRef idx="1">
+                <a:schemeClr val="accent1"/>
+              </a:fillRef>
+              <a:effectRef idx="0">
+                <a:schemeClr val="accent1"/>
+              </a:effectRef>
+              <a:fontRef idx="minor"/>
+            </p:style>
+          </p:sp>
+          <p:sp>
+            <p:nvSpPr>
+              <p:cNvPr id="13" name="CustomShape 285">
+                <a:extLst>
+                  <a:ext uri="{FF2B5EF4-FFF2-40B4-BE49-F238E27FC236}">
+                    <a16:creationId xmlns:a16="http://schemas.microsoft.com/office/drawing/2014/main" id="{1368FE9A-FF0E-4DD2-826D-2DD6A9A2DF7E}"/>
+                  </a:ext>
+                </a:extLst>
+              </p:cNvPr>
+              <p:cNvSpPr/>
+              <p:nvPr/>
+            </p:nvSpPr>
+            <p:spPr>
+              <a:xfrm>
+                <a:off x="2864520" y="4187880"/>
+                <a:ext cx="110160" cy="96120"/>
+              </a:xfrm>
+              <a:prstGeom prst="ellipse">
+                <a:avLst/>
+              </a:prstGeom>
+              <a:solidFill>
+                <a:schemeClr val="accent6">
+                  <a:lumMod val="40000"/>
+                  <a:lumOff val="60000"/>
+                </a:schemeClr>
+              </a:solidFill>
+              <a:ln>
+                <a:noFill/>
+              </a:ln>
+            </p:spPr>
+            <p:style>
+              <a:lnRef idx="2">
+                <a:schemeClr val="accent1">
+                  <a:shade val="50000"/>
+                </a:schemeClr>
+              </a:lnRef>
+              <a:fillRef idx="1">
+                <a:schemeClr val="accent1"/>
+              </a:fillRef>
+              <a:effectRef idx="0">
+                <a:schemeClr val="accent1"/>
+              </a:effectRef>
+              <a:fontRef idx="minor"/>
+            </p:style>
+          </p:sp>
+          <p:sp>
+            <p:nvSpPr>
+              <p:cNvPr id="14" name="CustomShape 286">
+                <a:extLst>
+                  <a:ext uri="{FF2B5EF4-FFF2-40B4-BE49-F238E27FC236}">
+                    <a16:creationId xmlns:a16="http://schemas.microsoft.com/office/drawing/2014/main" id="{B9D96FF6-576C-4D83-B03E-DE1D6772988B}"/>
+                  </a:ext>
+                </a:extLst>
+              </p:cNvPr>
+              <p:cNvSpPr/>
+              <p:nvPr/>
+            </p:nvSpPr>
+            <p:spPr>
+              <a:xfrm>
+                <a:off x="2869200" y="4322880"/>
+                <a:ext cx="110160" cy="96120"/>
+              </a:xfrm>
+              <a:prstGeom prst="ellipse">
+                <a:avLst/>
+              </a:prstGeom>
+              <a:solidFill>
+                <a:srgbClr val="C39BE1"/>
+              </a:solidFill>
+              <a:ln>
+                <a:noFill/>
+              </a:ln>
+            </p:spPr>
+            <p:style>
+              <a:lnRef idx="2">
+                <a:schemeClr val="accent1">
+                  <a:shade val="50000"/>
+                </a:schemeClr>
+              </a:lnRef>
+              <a:fillRef idx="1">
+                <a:schemeClr val="accent1"/>
+              </a:fillRef>
+              <a:effectRef idx="0">
+                <a:schemeClr val="accent1"/>
+              </a:effectRef>
+              <a:fontRef idx="minor"/>
+            </p:style>
+          </p:sp>
+          <p:sp>
+            <p:nvSpPr>
+              <p:cNvPr id="15" name="CustomShape 287">
+                <a:extLst>
+                  <a:ext uri="{FF2B5EF4-FFF2-40B4-BE49-F238E27FC236}">
+                    <a16:creationId xmlns:a16="http://schemas.microsoft.com/office/drawing/2014/main" id="{0A43C5FA-7A88-44A0-AB77-1D3C3288E287}"/>
+                  </a:ext>
+                </a:extLst>
+              </p:cNvPr>
+              <p:cNvSpPr/>
+              <p:nvPr/>
+            </p:nvSpPr>
+            <p:spPr>
+              <a:xfrm>
+                <a:off x="2867040" y="4459680"/>
+                <a:ext cx="110160" cy="96120"/>
+              </a:xfrm>
+              <a:prstGeom prst="ellipse">
+                <a:avLst/>
+              </a:prstGeom>
+              <a:solidFill>
+                <a:schemeClr val="accent1">
+                  <a:lumMod val="40000"/>
+                  <a:lumOff val="60000"/>
+                </a:schemeClr>
+              </a:solidFill>
+              <a:ln>
+                <a:noFill/>
+              </a:ln>
+            </p:spPr>
+            <p:style>
+              <a:lnRef idx="2">
+                <a:schemeClr val="accent1">
+                  <a:shade val="50000"/>
+                </a:schemeClr>
+              </a:lnRef>
+              <a:fillRef idx="1">
+                <a:schemeClr val="accent1"/>
+              </a:fillRef>
+              <a:effectRef idx="0">
+                <a:schemeClr val="accent1"/>
+              </a:effectRef>
+              <a:fontRef idx="minor"/>
+            </p:style>
+          </p:sp>
+        </p:grpSp>
+      </p:grpSp>
+    </p:spTree>
+    <p:extLst>
+      <p:ext uri="{BB962C8B-B14F-4D97-AF65-F5344CB8AC3E}">
+        <p14:creationId xmlns:p14="http://schemas.microsoft.com/office/powerpoint/2010/main" val="3655093450"/>
+      </p:ext>
+    </p:extLst>
+  </p:cSld>
+  <p:clrMapOvr>
+    <a:masterClrMapping/>
+  </p:clrMapOvr>
+</p:sld>
+</file>
+
+<file path=ppt/slides/slide6.xml><?xml version="1.0" encoding="utf-8"?>
+<p:sld xmlns:a="http://schemas.openxmlformats.org/drawingml/2006/main" xmlns:r="http://schemas.openxmlformats.org/officeDocument/2006/relationships" xmlns:p="http://schemas.openxmlformats.org/presentationml/2006/main">
+  <p:cSld>
+    <p:spTree>
+      <p:nvGrpSpPr>
+        <p:cNvPr id="1" name=""/>
+        <p:cNvGrpSpPr/>
+        <p:nvPr/>
+      </p:nvGrpSpPr>
+      <p:grpSpPr>
+        <a:xfrm>
+          <a:off x="0" y="0"/>
+          <a:ext cx="0" cy="0"/>
+          <a:chOff x="0" y="0"/>
+          <a:chExt cx="0" cy="0"/>
+        </a:xfrm>
+      </p:grpSpPr>
+      <p:sp>
+        <p:nvSpPr>
+          <p:cNvPr id="2" name="Title 1">
+            <a:extLst>
+              <a:ext uri="{FF2B5EF4-FFF2-40B4-BE49-F238E27FC236}">
+                <a16:creationId xmlns:a16="http://schemas.microsoft.com/office/drawing/2014/main" id="{5166918F-5D45-4864-A8CB-49E4E33B4C04}"/>
+              </a:ext>
+            </a:extLst>
+          </p:cNvPr>
+          <p:cNvSpPr>
+            <a:spLocks noGrp="1"/>
+          </p:cNvSpPr>
+          <p:nvPr>
+            <p:ph type="title"/>
+          </p:nvPr>
+        </p:nvSpPr>
+        <p:spPr/>
+        <p:txBody>
+          <a:bodyPr/>
+          <a:lstStyle/>
+          <a:p>
+            <a:r>
+              <a:rPr lang="en-US" dirty="0"/>
+              <a:t>Graphs from embeddings (because often, we do not have natural graphs)</a:t>
+            </a:r>
+          </a:p>
+        </p:txBody>
+      </p:sp>
+      <p:sp>
+        <p:nvSpPr>
+          <p:cNvPr id="3" name="Content Placeholder 2">
+            <a:extLst>
+              <a:ext uri="{FF2B5EF4-FFF2-40B4-BE49-F238E27FC236}">
+                <a16:creationId xmlns:a16="http://schemas.microsoft.com/office/drawing/2014/main" id="{53BF8361-23CF-4563-A7D6-308D24DB5988}"/>
+              </a:ext>
+            </a:extLst>
+          </p:cNvPr>
+          <p:cNvSpPr>
+            <a:spLocks noGrp="1"/>
+          </p:cNvSpPr>
+          <p:nvPr>
+            <p:ph sz="quarter" idx="1"/>
+          </p:nvPr>
+        </p:nvSpPr>
+        <p:spPr/>
+        <p:txBody>
+          <a:bodyPr/>
+          <a:lstStyle/>
+          <a:p>
+            <a:pPr marL="0" indent="0">
+              <a:buNone/>
+            </a:pPr>
+            <a:r>
+              <a:rPr lang="en-GB" dirty="0"/>
+              <a:t>We want to construct graphs from embeddings</a:t>
+            </a:r>
+          </a:p>
+          <a:p>
+            <a:pPr lvl="1"/>
+            <a:r>
+              <a:rPr lang="en-GB" sz="1400" dirty="0"/>
+              <a:t>naive approach: (cosine) similarity-based =&gt; </a:t>
+            </a:r>
+            <a:r>
+              <a:rPr lang="en-GB" sz="1400" dirty="0" err="1"/>
+              <a:t>kNN</a:t>
+            </a:r>
+            <a:r>
+              <a:rPr lang="en-GB" sz="1400" dirty="0"/>
+              <a:t>-graphs  </a:t>
+            </a:r>
+          </a:p>
+          <a:p>
+            <a:pPr lvl="1"/>
+            <a:r>
+              <a:rPr lang="en-GB" sz="1400" dirty="0"/>
+              <a:t>construction of </a:t>
+            </a:r>
+            <a:r>
+              <a:rPr lang="en-GB" sz="1400" dirty="0" err="1"/>
+              <a:t>kNN</a:t>
+            </a:r>
+            <a:r>
+              <a:rPr lang="en-GB" sz="1400" dirty="0"/>
+              <a:t>-graphs is a whole area in itself, with approaches like `spatial Partitioning`, `random projections` etc.</a:t>
+            </a:r>
+          </a:p>
+          <a:p>
+            <a:pPr lvl="1"/>
+            <a:endParaRPr lang="en-GB" sz="1400" dirty="0"/>
+          </a:p>
+          <a:p>
+            <a:pPr marL="0" indent="0">
+              <a:buNone/>
+            </a:pPr>
+            <a:r>
+              <a:rPr lang="en-GB" dirty="0"/>
+              <a:t>Can we also construct similarity graphs from a graph?? -&gt; In principle yes:</a:t>
+            </a:r>
+          </a:p>
+          <a:p>
+            <a:pPr lvl="1"/>
+            <a:r>
+              <a:rPr lang="en-GB" sz="1400" dirty="0"/>
+              <a:t>overlapping neighborhoods? - OR - </a:t>
+            </a:r>
+          </a:p>
+          <a:p>
+            <a:pPr lvl="1"/>
+            <a:r>
+              <a:rPr lang="en-GB" sz="1400" dirty="0"/>
+              <a:t>1. conduct random walks of length $k$ from each node</a:t>
+            </a:r>
+          </a:p>
+          <a:p>
+            <a:pPr lvl="1"/>
+            <a:r>
+              <a:rPr lang="en-GB" sz="1400" dirty="0"/>
+              <a:t>2. group the walks by node label</a:t>
+            </a:r>
+          </a:p>
+          <a:p>
+            <a:pPr lvl="1"/>
+            <a:r>
+              <a:rPr lang="en-GB" sz="1400" dirty="0"/>
+              <a:t>3. measure the pairwise Jaccard distance of nodes w.r.t. the nodes on their random walks</a:t>
+            </a:r>
+          </a:p>
+          <a:p>
+            <a:pPr lvl="1"/>
+            <a:r>
+              <a:rPr lang="en-GB" sz="1400" dirty="0"/>
+              <a:t>4. of course, this only works if the graph is well-connected (unreachable similar nodes will never be discovered).</a:t>
+            </a:r>
+            <a:endParaRPr lang="en-US" sz="1400" dirty="0"/>
+          </a:p>
+        </p:txBody>
+      </p:sp>
+      <p:sp>
+        <p:nvSpPr>
+          <p:cNvPr id="4" name="Footer Placeholder 3">
+            <a:extLst>
+              <a:ext uri="{FF2B5EF4-FFF2-40B4-BE49-F238E27FC236}">
+                <a16:creationId xmlns:a16="http://schemas.microsoft.com/office/drawing/2014/main" id="{1678D231-13E1-4E1A-A3D9-BB5034F7B45B}"/>
+              </a:ext>
+            </a:extLst>
+          </p:cNvPr>
+          <p:cNvSpPr>
+            <a:spLocks noGrp="1"/>
+          </p:cNvSpPr>
+          <p:nvPr>
+            <p:ph type="ftr" sz="quarter" idx="3"/>
+          </p:nvPr>
+        </p:nvSpPr>
+        <p:spPr/>
+        <p:txBody>
+          <a:bodyPr/>
+          <a:lstStyle/>
+          <a:p>
+            <a:pPr>
+              <a:defRPr/>
+            </a:pPr>
+            <a:r>
+              <a:rPr lang="de-DE"/>
+              <a:t>This project hast received funding from the European Union’s Horizon 2020 research and innovation programme under grant agreement No </a:t>
+            </a:r>
+            <a:r>
+              <a:rPr lang="is-IS"/>
+              <a:t>826078</a:t>
+            </a:r>
+            <a:endParaRPr lang="de-DE" dirty="0"/>
+          </a:p>
+        </p:txBody>
+      </p:sp>
+    </p:spTree>
+    <p:extLst>
+      <p:ext uri="{BB962C8B-B14F-4D97-AF65-F5344CB8AC3E}">
+        <p14:creationId xmlns:p14="http://schemas.microsoft.com/office/powerpoint/2010/main" val="511595523"/>
+      </p:ext>
+    </p:extLst>
+  </p:cSld>
+  <p:clrMapOvr>
+    <a:masterClrMapping/>
+  </p:clrMapOvr>
+</p:sld>
+</file>
+
+<file path=ppt/slides/slide7.xml><?xml version="1.0" encoding="utf-8"?>
+<p:sld xmlns:a="http://schemas.openxmlformats.org/drawingml/2006/main" xmlns:r="http://schemas.openxmlformats.org/officeDocument/2006/relationships" xmlns:p="http://schemas.openxmlformats.org/presentationml/2006/main">
+  <p:cSld>
+    <p:spTree>
+      <p:nvGrpSpPr>
+        <p:cNvPr id="1" name=""/>
+        <p:cNvGrpSpPr/>
+        <p:nvPr/>
+      </p:nvGrpSpPr>
+      <p:grpSpPr>
+        <a:xfrm>
+          <a:off x="0" y="0"/>
+          <a:ext cx="0" cy="0"/>
+          <a:chOff x="0" y="0"/>
+          <a:chExt cx="0" cy="0"/>
+        </a:xfrm>
+      </p:grpSpPr>
+      <p:sp>
+        <p:nvSpPr>
+          <p:cNvPr id="2" name="Title 1">
+            <a:extLst>
+              <a:ext uri="{FF2B5EF4-FFF2-40B4-BE49-F238E27FC236}">
+                <a16:creationId xmlns:a16="http://schemas.microsoft.com/office/drawing/2014/main" id="{78AC556E-D479-4C1B-8EBC-8C8B12DD930A}"/>
+              </a:ext>
+            </a:extLst>
+          </p:cNvPr>
+          <p:cNvSpPr>
+            <a:spLocks noGrp="1"/>
+          </p:cNvSpPr>
+          <p:nvPr>
+            <p:ph type="title"/>
+          </p:nvPr>
+        </p:nvSpPr>
+        <p:spPr/>
+        <p:txBody>
+          <a:bodyPr/>
+          <a:lstStyle/>
+          <a:p>
+            <a:r>
+              <a:rPr lang="en-US" dirty="0"/>
+              <a:t>Embeddings from graphs (Content + Structure)</a:t>
+            </a:r>
+          </a:p>
+        </p:txBody>
+      </p:sp>
+      <p:sp>
+        <p:nvSpPr>
+          <p:cNvPr id="3" name="Content Placeholder 2">
+            <a:extLst>
+              <a:ext uri="{FF2B5EF4-FFF2-40B4-BE49-F238E27FC236}">
+                <a16:creationId xmlns:a16="http://schemas.microsoft.com/office/drawing/2014/main" id="{40DC8C31-9C15-45C8-B17F-1EC1D3604A5A}"/>
+              </a:ext>
+            </a:extLst>
+          </p:cNvPr>
+          <p:cNvSpPr>
+            <a:spLocks noGrp="1"/>
+          </p:cNvSpPr>
+          <p:nvPr>
+            <p:ph sz="quarter" idx="1"/>
+          </p:nvPr>
+        </p:nvSpPr>
+        <p:spPr>
+          <a:xfrm>
+            <a:off x="481426" y="1282774"/>
+            <a:ext cx="8101255" cy="4140000"/>
+          </a:xfrm>
+        </p:spPr>
+        <p:txBody>
+          <a:bodyPr/>
+          <a:lstStyle/>
+          <a:p>
+            <a:pPr marL="0" indent="0">
+              <a:buNone/>
+            </a:pPr>
+            <a:r>
+              <a:rPr lang="en-GB" dirty="0"/>
+              <a:t>We want to generate embeddings from graphs</a:t>
+            </a:r>
+          </a:p>
+          <a:p>
+            <a:pPr lvl="1"/>
+            <a:r>
+              <a:rPr lang="en-GB" sz="1400" dirty="0"/>
+              <a:t>we do not "only" want to use content (feature vectors of nodes) to yield our embeddings</a:t>
+            </a:r>
+          </a:p>
+          <a:p>
+            <a:pPr lvl="1"/>
+            <a:r>
+              <a:rPr lang="en-GB" sz="1400" dirty="0"/>
+              <a:t>but also the `network structure` should flow into the representation</a:t>
+            </a:r>
+          </a:p>
+          <a:p>
+            <a:pPr lvl="1"/>
+            <a:r>
+              <a:rPr lang="en-GB" sz="1400" dirty="0"/>
+              <a:t>explain GraphSAGE (or better: </a:t>
+            </a:r>
+            <a:r>
+              <a:rPr lang="en-GB" sz="1400" dirty="0" err="1"/>
+              <a:t>neighborhood</a:t>
+            </a:r>
+            <a:r>
+              <a:rPr lang="en-GB" sz="1400" dirty="0"/>
+              <a:t> aggregation methods)</a:t>
+            </a:r>
+          </a:p>
+          <a:p>
+            <a:pPr lvl="1"/>
+            <a:r>
+              <a:rPr lang="en-GB" sz="1400" dirty="0"/>
+              <a:t>the idea goes back to </a:t>
+            </a:r>
+            <a:r>
+              <a:rPr lang="en-GB" sz="1400" dirty="0" err="1"/>
+              <a:t>Weisfeiler</a:t>
+            </a:r>
+            <a:r>
+              <a:rPr lang="en-GB" sz="1400" dirty="0"/>
+              <a:t>-Lehman Kernels, which assign each node a compressed label based on the initial label of it's neighbours - and it repeats this for all nodes until two labels of $G$ and $G'$ diverge, then it stops - if it never stops, two graphs *might* be isomorphic (but it's not guaranteed)</a:t>
+            </a:r>
+            <a:endParaRPr lang="en-US" dirty="0"/>
+          </a:p>
+        </p:txBody>
+      </p:sp>
+      <p:sp>
+        <p:nvSpPr>
+          <p:cNvPr id="4" name="Footer Placeholder 3">
+            <a:extLst>
+              <a:ext uri="{FF2B5EF4-FFF2-40B4-BE49-F238E27FC236}">
+                <a16:creationId xmlns:a16="http://schemas.microsoft.com/office/drawing/2014/main" id="{3B42C2CE-D23E-4923-A8FF-6A2C634399F8}"/>
+              </a:ext>
+            </a:extLst>
+          </p:cNvPr>
+          <p:cNvSpPr>
+            <a:spLocks noGrp="1"/>
+          </p:cNvSpPr>
+          <p:nvPr>
+            <p:ph type="ftr" sz="quarter" idx="3"/>
+          </p:nvPr>
+        </p:nvSpPr>
+        <p:spPr/>
+        <p:txBody>
+          <a:bodyPr/>
+          <a:lstStyle/>
+          <a:p>
+            <a:pPr>
+              <a:defRPr/>
+            </a:pPr>
+            <a:r>
+              <a:rPr lang="de-DE"/>
+              <a:t>This project hast received funding from the European Union’s Horizon 2020 research and innovation programme under grant agreement No </a:t>
+            </a:r>
+            <a:r>
+              <a:rPr lang="is-IS"/>
+              <a:t>826078</a:t>
+            </a:r>
+            <a:endParaRPr lang="de-DE" dirty="0"/>
+          </a:p>
+        </p:txBody>
+      </p:sp>
+      <p:pic>
+        <p:nvPicPr>
+          <p:cNvPr id="6" name="Picture 5" descr="Graphical user interface, diagram&#10;&#10;Description automatically generated">
+            <a:extLst>
+              <a:ext uri="{FF2B5EF4-FFF2-40B4-BE49-F238E27FC236}">
+                <a16:creationId xmlns:a16="http://schemas.microsoft.com/office/drawing/2014/main" id="{6C301CBB-CD6A-4E1D-A5D4-72B20A8249E1}"/>
+              </a:ext>
+            </a:extLst>
+          </p:cNvPr>
+          <p:cNvPicPr>
+            <a:picLocks noChangeAspect="1"/>
+          </p:cNvPicPr>
+          <p:nvPr/>
+        </p:nvPicPr>
+        <p:blipFill>
+          <a:blip r:embed="rId2"/>
+          <a:stretch>
+            <a:fillRect/>
+          </a:stretch>
+        </p:blipFill>
+        <p:spPr>
+          <a:xfrm>
+            <a:off x="1789889" y="3661461"/>
+            <a:ext cx="6832836" cy="1698388"/>
+          </a:xfrm>
+          <a:prstGeom prst="rect">
+            <a:avLst/>
+          </a:prstGeom>
+        </p:spPr>
+      </p:pic>
+      <p:sp>
+        <p:nvSpPr>
+          <p:cNvPr id="8" name="TextBox 7">
+            <a:extLst>
+              <a:ext uri="{FF2B5EF4-FFF2-40B4-BE49-F238E27FC236}">
+                <a16:creationId xmlns:a16="http://schemas.microsoft.com/office/drawing/2014/main" id="{3603066A-7B4A-4570-B8A7-6A5642A8FC8E}"/>
+              </a:ext>
+            </a:extLst>
+          </p:cNvPr>
+          <p:cNvSpPr txBox="1"/>
+          <p:nvPr/>
+        </p:nvSpPr>
+        <p:spPr>
+          <a:xfrm>
+            <a:off x="1686128" y="5359849"/>
+            <a:ext cx="6976445" cy="553998"/>
+          </a:xfrm>
+          <a:prstGeom prst="rect">
+            <a:avLst/>
+          </a:prstGeom>
+          <a:noFill/>
+        </p:spPr>
+        <p:txBody>
+          <a:bodyPr wrap="square">
+            <a:spAutoFit/>
+          </a:bodyPr>
+          <a:lstStyle/>
+          <a:p>
+            <a:r>
+              <a:rPr lang="en-US" sz="1000" b="0" dirty="0">
+                <a:solidFill>
+                  <a:srgbClr val="000000"/>
+                </a:solidFill>
+                <a:effectLst/>
+                <a:latin typeface=" Fira Code"/>
+              </a:rPr>
+              <a:t>Nino </a:t>
+            </a:r>
+            <a:r>
+              <a:rPr lang="en-US" sz="1000" b="0" dirty="0" err="1">
+                <a:solidFill>
+                  <a:srgbClr val="000000"/>
+                </a:solidFill>
+                <a:effectLst/>
+                <a:latin typeface=" Fira Code"/>
+              </a:rPr>
+              <a:t>Shervashidze</a:t>
+            </a:r>
+            <a:r>
+              <a:rPr lang="en-US" sz="1000" b="0" dirty="0">
+                <a:solidFill>
+                  <a:srgbClr val="000000"/>
+                </a:solidFill>
+                <a:effectLst/>
+                <a:latin typeface=" Fira Code"/>
+              </a:rPr>
+              <a:t>, Pascal Schweitzer, Erik Jan van Leeuwen, Kurt </a:t>
+            </a:r>
+            <a:r>
+              <a:rPr lang="en-US" sz="1000" b="0" dirty="0" err="1">
+                <a:solidFill>
+                  <a:srgbClr val="000000"/>
+                </a:solidFill>
+                <a:effectLst/>
+                <a:latin typeface=" Fira Code"/>
+              </a:rPr>
+              <a:t>Mehlhorn</a:t>
+            </a:r>
+            <a:r>
+              <a:rPr lang="en-US" sz="1000" b="0" dirty="0">
+                <a:solidFill>
+                  <a:srgbClr val="000000"/>
+                </a:solidFill>
+                <a:effectLst/>
+                <a:latin typeface=" Fira Code"/>
+              </a:rPr>
+              <a:t>, and </a:t>
+            </a:r>
+            <a:r>
+              <a:rPr lang="en-US" sz="1000" b="0" dirty="0" err="1">
+                <a:solidFill>
+                  <a:srgbClr val="000000"/>
+                </a:solidFill>
+                <a:effectLst/>
+                <a:latin typeface=" Fira Code"/>
+              </a:rPr>
+              <a:t>Karsten</a:t>
+            </a:r>
+            <a:r>
+              <a:rPr lang="en-US" sz="1000" b="0" dirty="0">
+                <a:solidFill>
+                  <a:srgbClr val="000000"/>
+                </a:solidFill>
+                <a:effectLst/>
+                <a:latin typeface=" Fira Code"/>
+              </a:rPr>
+              <a:t> M. </a:t>
+            </a:r>
+            <a:r>
+              <a:rPr lang="en-US" sz="1000" b="0" dirty="0" err="1">
+                <a:solidFill>
+                  <a:srgbClr val="000000"/>
+                </a:solidFill>
+                <a:effectLst/>
+                <a:latin typeface=" Fira Code"/>
+              </a:rPr>
+              <a:t>Borgwardt</a:t>
+            </a:r>
+            <a:r>
+              <a:rPr lang="en-US" sz="1000" b="0" dirty="0">
+                <a:solidFill>
+                  <a:srgbClr val="000000"/>
+                </a:solidFill>
+                <a:effectLst/>
+                <a:latin typeface=" Fira Code"/>
+              </a:rPr>
+              <a:t>. 2011. </a:t>
+            </a:r>
+            <a:r>
+              <a:rPr lang="en-US" sz="1000" b="0" dirty="0" err="1">
+                <a:solidFill>
+                  <a:srgbClr val="000000"/>
+                </a:solidFill>
+                <a:effectLst/>
+                <a:latin typeface=" Fira Code"/>
+              </a:rPr>
+              <a:t>Weisfeiler</a:t>
+            </a:r>
+            <a:r>
+              <a:rPr lang="en-US" sz="1000" b="0" dirty="0">
+                <a:solidFill>
+                  <a:srgbClr val="000000"/>
+                </a:solidFill>
+                <a:effectLst/>
+                <a:latin typeface=" Fira Code"/>
+              </a:rPr>
+              <a:t>-Lehman Graph Kernels. J. Mach. Learn. Res. 12, null (2/1/2011), 2539–2561.</a:t>
+            </a:r>
+          </a:p>
+        </p:txBody>
+      </p:sp>
+    </p:spTree>
+    <p:extLst>
+      <p:ext uri="{BB962C8B-B14F-4D97-AF65-F5344CB8AC3E}">
+        <p14:creationId xmlns:p14="http://schemas.microsoft.com/office/powerpoint/2010/main" val="3486334271"/>
+      </p:ext>
+    </p:extLst>
+  </p:cSld>
+  <p:clrMapOvr>
+    <a:masterClrMapping/>
+  </p:clrMapOvr>
+</p:sld>
+</file>
+
+<file path=ppt/slides/slide8.xml><?xml version="1.0" encoding="utf-8"?>
 <p:sld xmlns:a="http://schemas.openxmlformats.org/drawingml/2006/main" xmlns:r="http://schemas.openxmlformats.org/officeDocument/2006/relationships" xmlns:p="http://schemas.openxmlformats.org/presentationml/2006/main">
   <p:cSld>
     <p:spTree>
@@ -5728,8 +7703,8 @@
         </p:nvSpPr>
         <p:spPr>
           <a:xfrm>
-            <a:off x="5313771" y="3303452"/>
-            <a:ext cx="3680333" cy="2677656"/>
+            <a:off x="5313771" y="3189051"/>
+            <a:ext cx="3680333" cy="3139321"/>
           </a:xfrm>
           <a:prstGeom prst="rect">
             <a:avLst/>
@@ -5765,7 +7740,7 @@
               <a:buChar char="•"/>
             </a:pPr>
             <a:r>
-              <a:rPr lang="en-US" sz="1600" dirty="0"/>
+              <a:rPr lang="en-US" sz="1400" dirty="0"/>
               <a:t>The sampling strategy can be flexible</a:t>
             </a:r>
           </a:p>
@@ -5785,9 +7760,10 @@
               <a:buChar char="•"/>
             </a:pPr>
             <a:r>
-              <a:rPr lang="en-US" sz="1600" dirty="0"/>
-              <a:t>Aggregators can be simple (mean) or more complex</a:t>
-            </a:r>
+              <a:rPr lang="en-GB" sz="1400" dirty="0"/>
+              <a:t>this is actually a miracle… ;-)</a:t>
+            </a:r>
+            <a:endParaRPr lang="en-US" sz="1400" dirty="0"/>
           </a:p>
           <a:p>
             <a:pPr marL="914400" lvl="1" indent="-457200">
@@ -5795,9 +7771,36 @@
               <a:buChar char="•"/>
             </a:pPr>
             <a:r>
-              <a:rPr lang="en-US" sz="1600" dirty="0"/>
+              <a:rPr lang="en-US" sz="1400" dirty="0"/>
+              <a:t>Aggregators can be simple (mean) or more complex</a:t>
+            </a:r>
+          </a:p>
+          <a:p>
+            <a:pPr marL="914400" lvl="1" indent="-457200">
+              <a:buFont typeface="Arial" panose="020B0604020202020204" pitchFamily="34" charset="0"/>
+              <a:buChar char="•"/>
+            </a:pPr>
+            <a:r>
+              <a:rPr lang="en-US" sz="1400" dirty="0"/>
               <a:t>LSTMs performed really well, but we don’t know why</a:t>
             </a:r>
+          </a:p>
+          <a:p>
+            <a:pPr marL="914400" lvl="1" indent="-457200">
+              <a:buFont typeface="Arial" panose="020B0604020202020204" pitchFamily="34" charset="0"/>
+              <a:buChar char="•"/>
+            </a:pPr>
+            <a:r>
+              <a:rPr lang="en-US" sz="1400" dirty="0"/>
+              <a:t>Distance-influenced metric…</a:t>
+            </a:r>
+          </a:p>
+          <a:p>
+            <a:pPr marL="914400" lvl="1" indent="-457200">
+              <a:buFont typeface="Arial" panose="020B0604020202020204" pitchFamily="34" charset="0"/>
+              <a:buChar char="•"/>
+            </a:pPr>
+            <a:endParaRPr lang="en-US" sz="1400" dirty="0"/>
           </a:p>
         </p:txBody>
       </p:sp>
@@ -5805,904 +7808,6 @@
     <p:extLst>
       <p:ext uri="{BB962C8B-B14F-4D97-AF65-F5344CB8AC3E}">
         <p14:creationId xmlns:p14="http://schemas.microsoft.com/office/powerpoint/2010/main" val="2717394734"/>
-      </p:ext>
-    </p:extLst>
-  </p:cSld>
-  <p:clrMapOvr>
-    <a:masterClrMapping/>
-  </p:clrMapOvr>
-</p:sld>
-</file>
-
-<file path=ppt/slides/slide6.xml><?xml version="1.0" encoding="utf-8"?>
-<p:sld xmlns:a="http://schemas.openxmlformats.org/drawingml/2006/main" xmlns:r="http://schemas.openxmlformats.org/officeDocument/2006/relationships" xmlns:p="http://schemas.openxmlformats.org/presentationml/2006/main">
-  <p:cSld>
-    <p:spTree>
-      <p:nvGrpSpPr>
-        <p:cNvPr id="1" name=""/>
-        <p:cNvGrpSpPr/>
-        <p:nvPr/>
-      </p:nvGrpSpPr>
-      <p:grpSpPr>
-        <a:xfrm>
-          <a:off x="0" y="0"/>
-          <a:ext cx="0" cy="0"/>
-          <a:chOff x="0" y="0"/>
-          <a:chExt cx="0" cy="0"/>
-        </a:xfrm>
-      </p:grpSpPr>
-      <p:sp>
-        <p:nvSpPr>
-          <p:cNvPr id="2" name="Titel 1"/>
-          <p:cNvSpPr>
-            <a:spLocks noGrp="1"/>
-          </p:cNvSpPr>
-          <p:nvPr>
-            <p:ph type="title"/>
-          </p:nvPr>
-        </p:nvSpPr>
-        <p:spPr/>
-        <p:txBody>
-          <a:bodyPr/>
-          <a:lstStyle/>
-          <a:p>
-            <a:r>
-              <a:rPr lang="en-GB" dirty="0"/>
-              <a:t>WP4 – Next important steps </a:t>
-            </a:r>
-          </a:p>
-        </p:txBody>
-      </p:sp>
-      <p:sp>
-        <p:nvSpPr>
-          <p:cNvPr id="3" name="Inhaltsplatzhalter 2"/>
-          <p:cNvSpPr>
-            <a:spLocks noGrp="1"/>
-          </p:cNvSpPr>
-          <p:nvPr>
-            <p:ph sz="quarter" idx="1"/>
-          </p:nvPr>
-        </p:nvSpPr>
-        <p:spPr>
-          <a:xfrm>
-            <a:off x="481427" y="1108800"/>
-            <a:ext cx="7748173" cy="4824000"/>
-          </a:xfrm>
-        </p:spPr>
-        <p:txBody>
-          <a:bodyPr/>
-          <a:lstStyle/>
-          <a:p>
-            <a:r>
-              <a:rPr lang="en-GB" b="0" dirty="0">
-                <a:solidFill>
-                  <a:schemeClr val="tx1"/>
-                </a:solidFill>
-                <a:effectLst/>
-                <a:latin typeface="Arial" panose="020B0604020202020204" pitchFamily="34" charset="0"/>
-                <a:cs typeface="Arial" panose="020B0604020202020204" pitchFamily="34" charset="0"/>
-              </a:rPr>
-              <a:t>Medical University Graz has a dataset of 1.3 million patients with diagnosis spanning multiple organs</a:t>
-            </a:r>
-          </a:p>
-          <a:p>
-            <a:pPr lvl="1"/>
-            <a:r>
-              <a:rPr lang="en-GB" sz="1600" b="0" dirty="0">
-                <a:solidFill>
-                  <a:schemeClr val="tx1"/>
-                </a:solidFill>
-                <a:effectLst/>
-                <a:latin typeface="Arial" panose="020B0604020202020204" pitchFamily="34" charset="0"/>
-                <a:cs typeface="Arial" panose="020B0604020202020204" pitchFamily="34" charset="0"/>
-              </a:rPr>
-              <a:t>the data-set is </a:t>
-            </a:r>
-            <a:r>
-              <a:rPr lang="en-GB" sz="1600" b="0" i="1" dirty="0">
-                <a:solidFill>
-                  <a:schemeClr val="tx1"/>
-                </a:solidFill>
-                <a:effectLst/>
-                <a:latin typeface="Arial" panose="020B0604020202020204" pitchFamily="34" charset="0"/>
-                <a:cs typeface="Arial" panose="020B0604020202020204" pitchFamily="34" charset="0"/>
-              </a:rPr>
-              <a:t>human</a:t>
-            </a:r>
-            <a:r>
-              <a:rPr lang="en-GB" sz="1600" b="0" dirty="0">
-                <a:solidFill>
-                  <a:schemeClr val="tx1"/>
-                </a:solidFill>
-                <a:effectLst/>
-                <a:latin typeface="Arial" panose="020B0604020202020204" pitchFamily="34" charset="0"/>
-                <a:cs typeface="Arial" panose="020B0604020202020204" pitchFamily="34" charset="0"/>
-              </a:rPr>
-              <a:t> generated (also </a:t>
-            </a:r>
-            <a:r>
-              <a:rPr lang="en-GB" sz="1600" b="0" i="1" dirty="0">
-                <a:solidFill>
-                  <a:schemeClr val="tx1"/>
-                </a:solidFill>
-                <a:effectLst/>
-                <a:latin typeface="Arial" panose="020B0604020202020204" pitchFamily="34" charset="0"/>
-                <a:cs typeface="Arial" panose="020B0604020202020204" pitchFamily="34" charset="0"/>
-              </a:rPr>
-              <a:t>doctor</a:t>
-            </a:r>
-            <a:r>
-              <a:rPr lang="en-GB" sz="1600" b="0" dirty="0">
-                <a:solidFill>
-                  <a:schemeClr val="tx1"/>
-                </a:solidFill>
-                <a:effectLst/>
-                <a:latin typeface="Arial" panose="020B0604020202020204" pitchFamily="34" charset="0"/>
-                <a:cs typeface="Arial" panose="020B0604020202020204" pitchFamily="34" charset="0"/>
-              </a:rPr>
-              <a:t> generated = wordings…)</a:t>
-            </a:r>
-          </a:p>
-          <a:p>
-            <a:pPr lvl="1"/>
-            <a:r>
-              <a:rPr lang="en-GB" sz="1600" b="0" dirty="0">
-                <a:solidFill>
-                  <a:schemeClr val="tx1"/>
-                </a:solidFill>
-                <a:effectLst/>
-                <a:latin typeface="Arial" panose="020B0604020202020204" pitchFamily="34" charset="0"/>
-                <a:cs typeface="Arial" panose="020B0604020202020204" pitchFamily="34" charset="0"/>
-              </a:rPr>
-              <a:t>a decision tree has been constructed </a:t>
-            </a:r>
-            <a:r>
-              <a:rPr lang="en-GB" sz="1600" b="1" i="1" dirty="0">
-                <a:solidFill>
-                  <a:schemeClr val="tx1"/>
-                </a:solidFill>
-                <a:effectLst/>
-                <a:latin typeface="Arial" panose="020B0604020202020204" pitchFamily="34" charset="0"/>
-                <a:cs typeface="Arial" panose="020B0604020202020204" pitchFamily="34" charset="0"/>
-              </a:rPr>
-              <a:t>manually </a:t>
-            </a:r>
-            <a:r>
-              <a:rPr lang="en-GB" sz="1600" b="0" dirty="0">
-                <a:solidFill>
-                  <a:schemeClr val="tx1"/>
-                </a:solidFill>
-                <a:effectLst/>
-                <a:latin typeface="Arial" panose="020B0604020202020204" pitchFamily="34" charset="0"/>
-                <a:cs typeface="Arial" panose="020B0604020202020204" pitchFamily="34" charset="0"/>
-              </a:rPr>
-              <a:t>(= ground truth / ~120 rules)</a:t>
-            </a:r>
-          </a:p>
-          <a:p>
-            <a:r>
-              <a:rPr lang="en-GB" dirty="0">
-                <a:solidFill>
-                  <a:schemeClr val="tx1"/>
-                </a:solidFill>
-                <a:latin typeface="Arial" panose="020B0604020202020204" pitchFamily="34" charset="0"/>
-                <a:cs typeface="Arial" panose="020B0604020202020204" pitchFamily="34" charset="0"/>
-              </a:rPr>
-              <a:t>I</a:t>
-            </a:r>
-            <a:r>
-              <a:rPr lang="en-GB" b="0" dirty="0">
-                <a:solidFill>
-                  <a:schemeClr val="tx1"/>
-                </a:solidFill>
-                <a:effectLst/>
-                <a:latin typeface="Arial" panose="020B0604020202020204" pitchFamily="34" charset="0"/>
-                <a:cs typeface="Arial" panose="020B0604020202020204" pitchFamily="34" charset="0"/>
-              </a:rPr>
-              <a:t>nteresting questions include</a:t>
-            </a:r>
-          </a:p>
-          <a:p>
-            <a:pPr lvl="1"/>
-            <a:r>
-              <a:rPr lang="en-GB" sz="1600" dirty="0">
-                <a:solidFill>
-                  <a:schemeClr val="tx1"/>
-                </a:solidFill>
-                <a:latin typeface="Arial" panose="020B0604020202020204" pitchFamily="34" charset="0"/>
-                <a:cs typeface="Arial" panose="020B0604020202020204" pitchFamily="34" charset="0"/>
-              </a:rPr>
-              <a:t>h</a:t>
-            </a:r>
-            <a:r>
-              <a:rPr lang="en-GB" sz="1600" b="0" dirty="0">
-                <a:solidFill>
-                  <a:schemeClr val="tx1"/>
-                </a:solidFill>
-                <a:effectLst/>
-                <a:latin typeface="Arial" panose="020B0604020202020204" pitchFamily="34" charset="0"/>
-                <a:cs typeface="Arial" panose="020B0604020202020204" pitchFamily="34" charset="0"/>
-              </a:rPr>
-              <a:t>ow to learn embeddings / node representations directly on that corpus?</a:t>
-            </a:r>
-          </a:p>
-          <a:p>
-            <a:pPr lvl="1"/>
-            <a:r>
-              <a:rPr lang="en-GB" sz="1600" b="0" dirty="0">
-                <a:solidFill>
-                  <a:schemeClr val="tx1"/>
-                </a:solidFill>
-                <a:effectLst/>
-                <a:latin typeface="Arial" panose="020B0604020202020204" pitchFamily="34" charset="0"/>
-                <a:cs typeface="Arial" panose="020B0604020202020204" pitchFamily="34" charset="0"/>
-              </a:rPr>
-              <a:t>how do the embeddings / reps change if we learn on a graph initialized according to human bias (edges between patients in same age cohorts etc...)</a:t>
-            </a:r>
-          </a:p>
-          <a:p>
-            <a:pPr lvl="1"/>
-            <a:r>
-              <a:rPr lang="en-GB" sz="1600" dirty="0">
-                <a:solidFill>
-                  <a:schemeClr val="tx1"/>
-                </a:solidFill>
-                <a:latin typeface="Arial" panose="020B0604020202020204" pitchFamily="34" charset="0"/>
-                <a:cs typeface="Arial" panose="020B0604020202020204" pitchFamily="34" charset="0"/>
-              </a:rPr>
-              <a:t>m</a:t>
-            </a:r>
-            <a:r>
-              <a:rPr lang="en-GB" sz="1600" b="0" dirty="0">
-                <a:solidFill>
-                  <a:schemeClr val="tx1"/>
-                </a:solidFill>
-                <a:effectLst/>
-                <a:latin typeface="Arial" panose="020B0604020202020204" pitchFamily="34" charset="0"/>
-                <a:cs typeface="Arial" panose="020B0604020202020204" pitchFamily="34" charset="0"/>
-              </a:rPr>
-              <a:t>atching nodes representing same diagnoses that are expressed in different wording? (“Fusion”)</a:t>
-            </a:r>
-          </a:p>
-          <a:p>
-            <a:r>
-              <a:rPr lang="en-GB" dirty="0">
-                <a:solidFill>
-                  <a:schemeClr val="tx1"/>
-                </a:solidFill>
-                <a:latin typeface="Arial" panose="020B0604020202020204" pitchFamily="34" charset="0"/>
-                <a:cs typeface="Arial" panose="020B0604020202020204" pitchFamily="34" charset="0"/>
-              </a:rPr>
-              <a:t>B</a:t>
-            </a:r>
-            <a:r>
-              <a:rPr lang="en-GB" b="0" dirty="0">
-                <a:solidFill>
-                  <a:schemeClr val="tx1"/>
-                </a:solidFill>
-                <a:effectLst/>
-                <a:latin typeface="Arial" panose="020B0604020202020204" pitchFamily="34" charset="0"/>
-                <a:cs typeface="Arial" panose="020B0604020202020204" pitchFamily="34" charset="0"/>
-              </a:rPr>
-              <a:t>uilding a controlled (graph) "vocabulary" for interesting regions in images (cell clusters) and their relations</a:t>
-            </a:r>
-          </a:p>
-          <a:p>
-            <a:pPr lvl="1"/>
-            <a:r>
-              <a:rPr lang="en-GB" sz="1600" b="0" dirty="0">
-                <a:solidFill>
-                  <a:schemeClr val="tx1"/>
-                </a:solidFill>
-                <a:effectLst/>
-                <a:latin typeface="Arial" panose="020B0604020202020204" pitchFamily="34" charset="0"/>
-                <a:cs typeface="Arial" panose="020B0604020202020204" pitchFamily="34" charset="0"/>
-              </a:rPr>
-              <a:t>e.g. shape descriptions of lymph nodes.. (this is going to be a Masters thesis)</a:t>
-            </a:r>
-          </a:p>
-          <a:p>
-            <a:pPr lvl="1"/>
-            <a:r>
-              <a:rPr lang="en-GB" sz="1600" b="0" dirty="0">
-                <a:solidFill>
-                  <a:schemeClr val="tx1"/>
-                </a:solidFill>
-                <a:effectLst/>
-                <a:latin typeface="Arial" panose="020B0604020202020204" pitchFamily="34" charset="0"/>
-                <a:cs typeface="Arial" panose="020B0604020202020204" pitchFamily="34" charset="0"/>
-              </a:rPr>
-              <a:t>we could later use this to extract graphs out of images</a:t>
-            </a:r>
-            <a:endParaRPr lang="en-GB" sz="1600" dirty="0">
-              <a:solidFill>
-                <a:schemeClr val="tx1"/>
-              </a:solidFill>
-              <a:latin typeface="Arial" panose="020B0604020202020204" pitchFamily="34" charset="0"/>
-              <a:cs typeface="Arial" panose="020B0604020202020204" pitchFamily="34" charset="0"/>
-            </a:endParaRPr>
-          </a:p>
-        </p:txBody>
-      </p:sp>
-      <p:sp>
-        <p:nvSpPr>
-          <p:cNvPr id="4" name="Fußzeilenplatzhalter 3"/>
-          <p:cNvSpPr>
-            <a:spLocks noGrp="1"/>
-          </p:cNvSpPr>
-          <p:nvPr>
-            <p:ph type="ftr" sz="quarter" idx="3"/>
-          </p:nvPr>
-        </p:nvSpPr>
-        <p:spPr/>
-        <p:txBody>
-          <a:bodyPr/>
-          <a:lstStyle/>
-          <a:p>
-            <a:pPr>
-              <a:defRPr/>
-            </a:pPr>
-            <a:r>
-              <a:rPr lang="en-GB" dirty="0"/>
-              <a:t>This project has received funding from the European Union’s Horizon 2020 research and innovation programme under grant agreement No 826078</a:t>
-            </a:r>
-          </a:p>
-        </p:txBody>
-      </p:sp>
-    </p:spTree>
-    <p:extLst>
-      <p:ext uri="{BB962C8B-B14F-4D97-AF65-F5344CB8AC3E}">
-        <p14:creationId xmlns:p14="http://schemas.microsoft.com/office/powerpoint/2010/main" val="3638036196"/>
-      </p:ext>
-    </p:extLst>
-  </p:cSld>
-  <p:clrMapOvr>
-    <a:masterClrMapping/>
-  </p:clrMapOvr>
-</p:sld>
-</file>
-
-<file path=ppt/slides/slide7.xml><?xml version="1.0" encoding="utf-8"?>
-<p:sld xmlns:a="http://schemas.openxmlformats.org/drawingml/2006/main" xmlns:r="http://schemas.openxmlformats.org/officeDocument/2006/relationships" xmlns:p="http://schemas.openxmlformats.org/presentationml/2006/main">
-  <p:cSld>
-    <p:spTree>
-      <p:nvGrpSpPr>
-        <p:cNvPr id="1" name=""/>
-        <p:cNvGrpSpPr/>
-        <p:nvPr/>
-      </p:nvGrpSpPr>
-      <p:grpSpPr>
-        <a:xfrm>
-          <a:off x="0" y="0"/>
-          <a:ext cx="0" cy="0"/>
-          <a:chOff x="0" y="0"/>
-          <a:chExt cx="0" cy="0"/>
-        </a:xfrm>
-      </p:grpSpPr>
-      <p:sp>
-        <p:nvSpPr>
-          <p:cNvPr id="2" name="Title 1">
-            <a:extLst>
-              <a:ext uri="{FF2B5EF4-FFF2-40B4-BE49-F238E27FC236}">
-                <a16:creationId xmlns:a16="http://schemas.microsoft.com/office/drawing/2014/main" id="{1F4B188A-85DA-4491-BE8A-FA318A5414E3}"/>
-              </a:ext>
-            </a:extLst>
-          </p:cNvPr>
-          <p:cNvSpPr>
-            <a:spLocks noGrp="1"/>
-          </p:cNvSpPr>
-          <p:nvPr>
-            <p:ph type="title"/>
-          </p:nvPr>
-        </p:nvSpPr>
-        <p:spPr/>
-        <p:txBody>
-          <a:bodyPr/>
-          <a:lstStyle/>
-          <a:p>
-            <a:r>
-              <a:rPr lang="en-US" dirty="0"/>
-              <a:t>WP4 – Next important steps – Grand vision</a:t>
-            </a:r>
-          </a:p>
-        </p:txBody>
-      </p:sp>
-      <p:pic>
-        <p:nvPicPr>
-          <p:cNvPr id="6" name="Content Placeholder 5" descr="A close up of a map&#10;&#10;Description automatically generated">
-            <a:extLst>
-              <a:ext uri="{FF2B5EF4-FFF2-40B4-BE49-F238E27FC236}">
-                <a16:creationId xmlns:a16="http://schemas.microsoft.com/office/drawing/2014/main" id="{2B3FD9C9-6328-46F0-8E69-CF0E6FC11843}"/>
-              </a:ext>
-            </a:extLst>
-          </p:cNvPr>
-          <p:cNvPicPr>
-            <a:picLocks noGrp="1" noChangeAspect="1"/>
-          </p:cNvPicPr>
-          <p:nvPr>
-            <p:ph sz="quarter" idx="1"/>
-          </p:nvPr>
-        </p:nvPicPr>
-        <p:blipFill>
-          <a:blip r:embed="rId2"/>
-          <a:stretch>
-            <a:fillRect/>
-          </a:stretch>
-        </p:blipFill>
-        <p:spPr>
-          <a:xfrm>
-            <a:off x="481426" y="1914717"/>
-            <a:ext cx="5911509" cy="3995131"/>
-          </a:xfrm>
-        </p:spPr>
-      </p:pic>
-      <p:sp>
-        <p:nvSpPr>
-          <p:cNvPr id="4" name="Footer Placeholder 3">
-            <a:extLst>
-              <a:ext uri="{FF2B5EF4-FFF2-40B4-BE49-F238E27FC236}">
-                <a16:creationId xmlns:a16="http://schemas.microsoft.com/office/drawing/2014/main" id="{4CAAEEFD-BD30-46A4-82CE-030BC9784D17}"/>
-              </a:ext>
-            </a:extLst>
-          </p:cNvPr>
-          <p:cNvSpPr>
-            <a:spLocks noGrp="1"/>
-          </p:cNvSpPr>
-          <p:nvPr>
-            <p:ph type="ftr" sz="quarter" idx="3"/>
-          </p:nvPr>
-        </p:nvSpPr>
-        <p:spPr/>
-        <p:txBody>
-          <a:bodyPr/>
-          <a:lstStyle/>
-          <a:p>
-            <a:pPr>
-              <a:defRPr/>
-            </a:pPr>
-            <a:r>
-              <a:rPr lang="de-DE"/>
-              <a:t>This project hast received funding from the European Union’s Horizon 2020 research and innovation programme under grant agreement No </a:t>
-            </a:r>
-            <a:r>
-              <a:rPr lang="is-IS"/>
-              <a:t>826078</a:t>
-            </a:r>
-            <a:endParaRPr lang="de-DE" dirty="0"/>
-          </a:p>
-        </p:txBody>
-      </p:sp>
-      <p:sp>
-        <p:nvSpPr>
-          <p:cNvPr id="7" name="TextBox 6">
-            <a:extLst>
-              <a:ext uri="{FF2B5EF4-FFF2-40B4-BE49-F238E27FC236}">
-                <a16:creationId xmlns:a16="http://schemas.microsoft.com/office/drawing/2014/main" id="{C33D4426-8E69-47D9-9FE8-B047750E369A}"/>
-              </a:ext>
-            </a:extLst>
-          </p:cNvPr>
-          <p:cNvSpPr txBox="1"/>
-          <p:nvPr/>
-        </p:nvSpPr>
-        <p:spPr>
-          <a:xfrm>
-            <a:off x="391228" y="1121060"/>
-            <a:ext cx="8361544" cy="646331"/>
-          </a:xfrm>
-          <a:prstGeom prst="rect">
-            <a:avLst/>
-          </a:prstGeom>
-          <a:noFill/>
-        </p:spPr>
-        <p:txBody>
-          <a:bodyPr wrap="square">
-            <a:spAutoFit/>
-          </a:bodyPr>
-          <a:lstStyle/>
-          <a:p>
-            <a:r>
-              <a:rPr lang="en-GB" sz="1800" b="0" dirty="0">
-                <a:effectLst/>
-                <a:latin typeface="Arial" panose="020B0604020202020204" pitchFamily="34" charset="0"/>
-                <a:cs typeface="Arial" panose="020B0604020202020204" pitchFamily="34" charset="0"/>
-              </a:rPr>
-              <a:t>VISION: it would make sense to bring features from different modalities (images, text, DB, timeseries, *omics..) into one embedding space, so we can…</a:t>
-            </a:r>
-          </a:p>
-        </p:txBody>
-      </p:sp>
-      <p:sp>
-        <p:nvSpPr>
-          <p:cNvPr id="8" name="TextBox 7">
-            <a:extLst>
-              <a:ext uri="{FF2B5EF4-FFF2-40B4-BE49-F238E27FC236}">
-                <a16:creationId xmlns:a16="http://schemas.microsoft.com/office/drawing/2014/main" id="{270E6701-AF8E-4165-B768-A9B25F7F334D}"/>
-              </a:ext>
-            </a:extLst>
-          </p:cNvPr>
-          <p:cNvSpPr txBox="1"/>
-          <p:nvPr/>
-        </p:nvSpPr>
-        <p:spPr>
-          <a:xfrm>
-            <a:off x="6392935" y="1953207"/>
-            <a:ext cx="2445559" cy="3785652"/>
-          </a:xfrm>
-          <a:prstGeom prst="rect">
-            <a:avLst/>
-          </a:prstGeom>
-          <a:noFill/>
-        </p:spPr>
-        <p:txBody>
-          <a:bodyPr wrap="square">
-            <a:spAutoFit/>
-          </a:bodyPr>
-          <a:lstStyle/>
-          <a:p>
-            <a:pPr marL="285750" indent="-285750">
-              <a:buFont typeface="Arial" panose="020B0604020202020204" pitchFamily="34" charset="0"/>
-              <a:buChar char="•"/>
-            </a:pPr>
-            <a:r>
-              <a:rPr lang="en-GB" sz="1600" b="0" dirty="0">
-                <a:effectLst/>
-                <a:latin typeface="Arial" panose="020B0604020202020204" pitchFamily="34" charset="0"/>
-                <a:cs typeface="Arial" panose="020B0604020202020204" pitchFamily="34" charset="0"/>
-              </a:rPr>
-              <a:t>train algorithms to classify/predict on such enriched DBs</a:t>
-            </a:r>
-          </a:p>
-          <a:p>
-            <a:pPr marL="285750" indent="-285750">
-              <a:buFont typeface="Arial" panose="020B0604020202020204" pitchFamily="34" charset="0"/>
-              <a:buChar char="•"/>
-            </a:pPr>
-            <a:endParaRPr lang="en-GB" sz="1600" dirty="0">
-              <a:latin typeface="Arial" panose="020B0604020202020204" pitchFamily="34" charset="0"/>
-              <a:cs typeface="Arial" panose="020B0604020202020204" pitchFamily="34" charset="0"/>
-            </a:endParaRPr>
-          </a:p>
-          <a:p>
-            <a:pPr marL="285750" indent="-285750">
-              <a:buFont typeface="Arial" panose="020B0604020202020204" pitchFamily="34" charset="0"/>
-              <a:buChar char="•"/>
-            </a:pPr>
-            <a:r>
-              <a:rPr lang="en-GB" sz="1600" b="0" dirty="0">
-                <a:effectLst/>
-                <a:latin typeface="Arial" panose="020B0604020202020204" pitchFamily="34" charset="0"/>
-                <a:cs typeface="Arial" panose="020B0604020202020204" pitchFamily="34" charset="0"/>
-              </a:rPr>
-              <a:t>make explanations more contextual for the medical experts</a:t>
-            </a:r>
-          </a:p>
-          <a:p>
-            <a:endParaRPr lang="en-GB" sz="1600" dirty="0">
-              <a:latin typeface="Arial" panose="020B0604020202020204" pitchFamily="34" charset="0"/>
-              <a:cs typeface="Arial" panose="020B0604020202020204" pitchFamily="34" charset="0"/>
-            </a:endParaRPr>
-          </a:p>
-          <a:p>
-            <a:pPr marL="285750" indent="-285750">
-              <a:buFont typeface="Arial" panose="020B0604020202020204" pitchFamily="34" charset="0"/>
-              <a:buChar char="•"/>
-            </a:pPr>
-            <a:r>
-              <a:rPr lang="en-GB" sz="1600" b="0" dirty="0">
-                <a:effectLst/>
-                <a:latin typeface="Arial" panose="020B0604020202020204" pitchFamily="34" charset="0"/>
-                <a:cs typeface="Arial" panose="020B0604020202020204" pitchFamily="34" charset="0"/>
-              </a:rPr>
-              <a:t>produce human-understandable counterfactuals (e.g. </a:t>
-            </a:r>
-            <a:r>
-              <a:rPr lang="en-GB" sz="1600" b="0" i="1" dirty="0">
-                <a:effectLst/>
-                <a:latin typeface="Arial" panose="020B0604020202020204" pitchFamily="34" charset="0"/>
-                <a:cs typeface="Arial" panose="020B0604020202020204" pitchFamily="34" charset="0"/>
-              </a:rPr>
-              <a:t>"if blood pressure was higher, this cell-cluster would mean something different"</a:t>
-            </a:r>
-            <a:r>
-              <a:rPr lang="en-GB" sz="1600" b="0" dirty="0">
-                <a:effectLst/>
-                <a:latin typeface="Arial" panose="020B0604020202020204" pitchFamily="34" charset="0"/>
-                <a:cs typeface="Arial" panose="020B0604020202020204" pitchFamily="34" charset="0"/>
-              </a:rPr>
-              <a:t>)</a:t>
-            </a:r>
-          </a:p>
-        </p:txBody>
-      </p:sp>
-    </p:spTree>
-    <p:extLst>
-      <p:ext uri="{BB962C8B-B14F-4D97-AF65-F5344CB8AC3E}">
-        <p14:creationId xmlns:p14="http://schemas.microsoft.com/office/powerpoint/2010/main" val="2742813521"/>
-      </p:ext>
-    </p:extLst>
-  </p:cSld>
-  <p:clrMapOvr>
-    <a:masterClrMapping/>
-  </p:clrMapOvr>
-</p:sld>
-</file>
-
-<file path=ppt/slides/slide8.xml><?xml version="1.0" encoding="utf-8"?>
-<p:sld xmlns:a="http://schemas.openxmlformats.org/drawingml/2006/main" xmlns:r="http://schemas.openxmlformats.org/officeDocument/2006/relationships" xmlns:p="http://schemas.openxmlformats.org/presentationml/2006/main">
-  <p:cSld>
-    <p:spTree>
-      <p:nvGrpSpPr>
-        <p:cNvPr id="1" name=""/>
-        <p:cNvGrpSpPr/>
-        <p:nvPr/>
-      </p:nvGrpSpPr>
-      <p:grpSpPr>
-        <a:xfrm>
-          <a:off x="0" y="0"/>
-          <a:ext cx="0" cy="0"/>
-          <a:chOff x="0" y="0"/>
-          <a:chExt cx="0" cy="0"/>
-        </a:xfrm>
-      </p:grpSpPr>
-      <p:sp>
-        <p:nvSpPr>
-          <p:cNvPr id="2" name="Titel 1"/>
-          <p:cNvSpPr>
-            <a:spLocks noGrp="1"/>
-          </p:cNvSpPr>
-          <p:nvPr>
-            <p:ph type="title"/>
-          </p:nvPr>
-        </p:nvSpPr>
-        <p:spPr>
-          <a:xfrm>
-            <a:off x="481426" y="382975"/>
-            <a:ext cx="6905988" cy="904226"/>
-          </a:xfrm>
-        </p:spPr>
-        <p:txBody>
-          <a:bodyPr/>
-          <a:lstStyle/>
-          <a:p>
-            <a:r>
-              <a:rPr lang="en-GB" dirty="0"/>
-              <a:t>WP4 – Critical issues &amp; items for discussion </a:t>
-            </a:r>
-          </a:p>
-        </p:txBody>
-      </p:sp>
-      <p:sp>
-        <p:nvSpPr>
-          <p:cNvPr id="3" name="Inhaltsplatzhalter 2"/>
-          <p:cNvSpPr>
-            <a:spLocks noGrp="1"/>
-          </p:cNvSpPr>
-          <p:nvPr>
-            <p:ph sz="quarter" idx="1"/>
-          </p:nvPr>
-        </p:nvSpPr>
-        <p:spPr>
-          <a:xfrm>
-            <a:off x="481427" y="1337847"/>
-            <a:ext cx="7697774" cy="4685065"/>
-          </a:xfrm>
-        </p:spPr>
-        <p:txBody>
-          <a:bodyPr/>
-          <a:lstStyle/>
-          <a:p>
-            <a:pPr marL="0" lvl="0" indent="0">
-              <a:buNone/>
-            </a:pPr>
-            <a:endParaRPr lang="en-GB" dirty="0"/>
-          </a:p>
-          <a:p>
-            <a:r>
-              <a:rPr lang="en-GB" dirty="0"/>
-              <a:t>Feasibility of multi-modal graph / </a:t>
-            </a:r>
-          </a:p>
-          <a:p>
-            <a:pPr marL="0" indent="0">
-              <a:buNone/>
-            </a:pPr>
-            <a:r>
-              <a:rPr lang="en-GB" dirty="0"/>
-              <a:t>	embeddings construction</a:t>
-            </a:r>
-          </a:p>
-          <a:p>
-            <a:pPr lvl="1"/>
-            <a:r>
-              <a:rPr lang="en-GB" sz="1600" dirty="0"/>
-              <a:t>Graph cell extraction from images already works, but as far as we know they don’t include other modalities</a:t>
-            </a:r>
-          </a:p>
-          <a:p>
-            <a:pPr lvl="1"/>
-            <a:r>
-              <a:rPr lang="en-GB" sz="1600" dirty="0"/>
-              <a:t>How to align embeddings across different modalities</a:t>
-            </a:r>
-          </a:p>
-          <a:p>
-            <a:pPr lvl="1"/>
-            <a:endParaRPr lang="en-GB" sz="800" dirty="0"/>
-          </a:p>
-          <a:p>
-            <a:r>
-              <a:rPr lang="en-GB" dirty="0"/>
-              <a:t>How to sample neighborhoods across the network? -&gt; DON’T ??</a:t>
-            </a:r>
-          </a:p>
-          <a:p>
-            <a:pPr lvl="1"/>
-            <a:r>
-              <a:rPr lang="en-GB" sz="1600" dirty="0"/>
-              <a:t>can we replace raw data with anonymized feature vectors?</a:t>
-            </a:r>
-          </a:p>
-          <a:p>
-            <a:pPr lvl="1"/>
-            <a:r>
-              <a:rPr lang="en-GB" sz="1600" dirty="0"/>
-              <a:t>or just use aggregated vectors from other subgraphs (nodes represent whole subgraphs)</a:t>
-            </a:r>
-          </a:p>
-          <a:p>
-            <a:pPr lvl="1"/>
-            <a:r>
-              <a:rPr lang="en-GB" sz="1600" dirty="0"/>
-              <a:t>How to learn a collaboration graph? (task / objective function similarity measure)</a:t>
-            </a:r>
-          </a:p>
-        </p:txBody>
-      </p:sp>
-      <p:sp>
-        <p:nvSpPr>
-          <p:cNvPr id="4" name="Fußzeilenplatzhalter 3"/>
-          <p:cNvSpPr>
-            <a:spLocks noGrp="1"/>
-          </p:cNvSpPr>
-          <p:nvPr>
-            <p:ph type="ftr" sz="quarter" idx="3"/>
-          </p:nvPr>
-        </p:nvSpPr>
-        <p:spPr/>
-        <p:txBody>
-          <a:bodyPr/>
-          <a:lstStyle/>
-          <a:p>
-            <a:pPr>
-              <a:defRPr/>
-            </a:pPr>
-            <a:r>
-              <a:rPr lang="en-GB" dirty="0"/>
-              <a:t>This project has received funding from the European Union’s Horizon 2020 research and innovation programme under grant agreement No 826078</a:t>
-            </a:r>
-          </a:p>
-        </p:txBody>
-      </p:sp>
-      <p:pic>
-        <p:nvPicPr>
-          <p:cNvPr id="5" name="Content Placeholder 5" descr="A close up of a map&#10;&#10;Description automatically generated">
-            <a:extLst>
-              <a:ext uri="{FF2B5EF4-FFF2-40B4-BE49-F238E27FC236}">
-                <a16:creationId xmlns:a16="http://schemas.microsoft.com/office/drawing/2014/main" id="{21A8CA32-D042-4187-B06D-77CE2A58FE82}"/>
-              </a:ext>
-            </a:extLst>
-          </p:cNvPr>
-          <p:cNvPicPr>
-            <a:picLocks noChangeAspect="1"/>
-          </p:cNvPicPr>
-          <p:nvPr/>
-        </p:nvPicPr>
-        <p:blipFill>
-          <a:blip r:embed="rId2"/>
-          <a:stretch>
-            <a:fillRect/>
-          </a:stretch>
-        </p:blipFill>
-        <p:spPr bwMode="auto">
-          <a:xfrm>
-            <a:off x="4572000" y="901785"/>
-            <a:ext cx="3495938" cy="1493626"/>
-          </a:xfrm>
-          <a:prstGeom prst="rect">
-            <a:avLst/>
-          </a:prstGeom>
-          <a:noFill/>
-          <a:ln>
-            <a:noFill/>
-          </a:ln>
-          <a:extLst>
-            <a:ext uri="{909E8E84-426E-40DD-AFC4-6F175D3DCCD1}">
-              <a14:hiddenFill xmlns:a14="http://schemas.microsoft.com/office/drawing/2010/main">
-                <a:solidFill>
-                  <a:srgbClr val="FFFFFF"/>
-                </a:solidFill>
-              </a14:hiddenFill>
-            </a:ext>
-            <a:ext uri="{91240B29-F687-4F45-9708-019B960494DF}">
-              <a14:hiddenLine xmlns:a14="http://schemas.microsoft.com/office/drawing/2010/main" w="9525">
-                <a:solidFill>
-                  <a:srgbClr val="000000"/>
-                </a:solidFill>
-                <a:miter lim="800000"/>
-                <a:headEnd/>
-                <a:tailEnd/>
-              </a14:hiddenLine>
-            </a:ext>
-            <a:ext uri="{FAA26D3D-D897-4be2-8F04-BA451C77F1D7}">
-              <ma14:placeholderFlag xmlns:ma14="http://schemas.microsoft.com/office/mac/drawingml/2011/main" xmlns="" val="1"/>
-            </a:ext>
-          </a:extLst>
-        </p:spPr>
-      </p:pic>
-      <p:sp>
-        <p:nvSpPr>
-          <p:cNvPr id="6" name="TextBox 5">
-            <a:extLst>
-              <a:ext uri="{FF2B5EF4-FFF2-40B4-BE49-F238E27FC236}">
-                <a16:creationId xmlns:a16="http://schemas.microsoft.com/office/drawing/2014/main" id="{C532F3E2-CBDE-4ECC-9181-12F6700E16A1}"/>
-              </a:ext>
-            </a:extLst>
-          </p:cNvPr>
-          <p:cNvSpPr txBox="1"/>
-          <p:nvPr/>
-        </p:nvSpPr>
-        <p:spPr>
-          <a:xfrm>
-            <a:off x="1828631" y="5759955"/>
-            <a:ext cx="4774688" cy="338554"/>
-          </a:xfrm>
-          <a:prstGeom prst="rect">
-            <a:avLst/>
-          </a:prstGeom>
-          <a:noFill/>
-        </p:spPr>
-        <p:txBody>
-          <a:bodyPr wrap="square">
-            <a:spAutoFit/>
-          </a:bodyPr>
-          <a:lstStyle/>
-          <a:p>
-            <a:r>
-              <a:rPr lang="en-GB" sz="800" dirty="0"/>
-              <a:t>Tian Li, </a:t>
-            </a:r>
-            <a:r>
-              <a:rPr lang="en-GB" sz="800" dirty="0" err="1"/>
-              <a:t>Anit</a:t>
-            </a:r>
-            <a:r>
-              <a:rPr lang="en-GB" sz="800" dirty="0"/>
-              <a:t> Kumar </a:t>
-            </a:r>
-            <a:r>
-              <a:rPr lang="en-GB" sz="800" dirty="0" err="1"/>
-              <a:t>Sahu</a:t>
-            </a:r>
-            <a:r>
-              <a:rPr lang="en-GB" sz="800" dirty="0"/>
-              <a:t>, </a:t>
-            </a:r>
-            <a:r>
-              <a:rPr lang="en-GB" sz="800" dirty="0" err="1"/>
-              <a:t>Ameet</a:t>
-            </a:r>
-            <a:r>
-              <a:rPr lang="en-GB" sz="800" dirty="0"/>
-              <a:t> Talwalkar, and Virginia Smith. Federated Learning: Challenges, Methods, and Future Directions. pages 1–21, 2019. URL http://arxiv.org/abs/1908.07873. </a:t>
-            </a:r>
-            <a:endParaRPr lang="en-US" sz="800" dirty="0"/>
-          </a:p>
-        </p:txBody>
-      </p:sp>
-    </p:spTree>
-    <p:extLst>
-      <p:ext uri="{BB962C8B-B14F-4D97-AF65-F5344CB8AC3E}">
-        <p14:creationId xmlns:p14="http://schemas.microsoft.com/office/powerpoint/2010/main" val="849220050"/>
       </p:ext>
     </p:extLst>
   </p:cSld>
@@ -6731,7 +7836,103 @@
       </p:grpSpPr>
       <p:sp>
         <p:nvSpPr>
-          <p:cNvPr id="4" name="Fußzeilenplatzhalter 3"/>
+          <p:cNvPr id="2" name="Title 1">
+            <a:extLst>
+              <a:ext uri="{FF2B5EF4-FFF2-40B4-BE49-F238E27FC236}">
+                <a16:creationId xmlns:a16="http://schemas.microsoft.com/office/drawing/2014/main" id="{520D1CD8-5EB2-4352-8F16-6467991C3870}"/>
+              </a:ext>
+            </a:extLst>
+          </p:cNvPr>
+          <p:cNvSpPr>
+            <a:spLocks noGrp="1"/>
+          </p:cNvSpPr>
+          <p:nvPr>
+            <p:ph type="title"/>
+          </p:nvPr>
+        </p:nvSpPr>
+        <p:spPr/>
+        <p:txBody>
+          <a:bodyPr/>
+          <a:lstStyle/>
+          <a:p>
+            <a:r>
+              <a:rPr lang="en-US" dirty="0"/>
+              <a:t>Tandem?</a:t>
+            </a:r>
+          </a:p>
+        </p:txBody>
+      </p:sp>
+      <p:sp>
+        <p:nvSpPr>
+          <p:cNvPr id="3" name="Content Placeholder 2">
+            <a:extLst>
+              <a:ext uri="{FF2B5EF4-FFF2-40B4-BE49-F238E27FC236}">
+                <a16:creationId xmlns:a16="http://schemas.microsoft.com/office/drawing/2014/main" id="{DFC81FB1-A873-4FC3-ABD3-C5FB9CAF5A4A}"/>
+              </a:ext>
+            </a:extLst>
+          </p:cNvPr>
+          <p:cNvSpPr>
+            <a:spLocks noGrp="1"/>
+          </p:cNvSpPr>
+          <p:nvPr>
+            <p:ph sz="quarter" idx="1"/>
+          </p:nvPr>
+        </p:nvSpPr>
+        <p:spPr/>
+        <p:txBody>
+          <a:bodyPr/>
+          <a:lstStyle/>
+          <a:p>
+            <a:pPr marL="0" indent="0">
+              <a:buNone/>
+            </a:pPr>
+            <a:r>
+              <a:rPr lang="en-GB" dirty="0"/>
+              <a:t>Can those two approaches work in tandem &amp; improve upon each other?</a:t>
+            </a:r>
+          </a:p>
+          <a:p>
+            <a:pPr lvl="1"/>
+            <a:r>
+              <a:rPr lang="en-GB" sz="1600" dirty="0"/>
+              <a:t>embeddings can capture similarity between nodes that are not reachable from one another</a:t>
+            </a:r>
+          </a:p>
+          <a:p>
+            <a:pPr lvl="1"/>
+            <a:r>
+              <a:rPr lang="en-GB" sz="1600" dirty="0"/>
+              <a:t>embeddings can capture similarity between nodes that are far from one another in a (general) input graph (like co-authorship or co-purchase)</a:t>
+            </a:r>
+          </a:p>
+          <a:p>
+            <a:pPr lvl="1"/>
+            <a:r>
+              <a:rPr lang="en-GB" sz="1600" dirty="0"/>
+              <a:t>what does the farther-distance structure in a similarity graph represent? Are there transitive effects in "similarity space" and how will they influence embeddings</a:t>
+            </a:r>
+          </a:p>
+          <a:p>
+            <a:pPr lvl="1"/>
+            <a:endParaRPr lang="en-GB" sz="1600" dirty="0"/>
+          </a:p>
+          <a:p>
+            <a:pPr marL="179387" lvl="1" indent="0">
+              <a:buNone/>
+            </a:pPr>
+            <a:endParaRPr lang="en-US" sz="1600" dirty="0"/>
+          </a:p>
+        </p:txBody>
+      </p:sp>
+      <p:sp>
+        <p:nvSpPr>
+          <p:cNvPr id="4" name="Footer Placeholder 3">
+            <a:extLst>
+              <a:ext uri="{FF2B5EF4-FFF2-40B4-BE49-F238E27FC236}">
+                <a16:creationId xmlns:a16="http://schemas.microsoft.com/office/drawing/2014/main" id="{9905B024-A9B9-48A9-8EAB-52F8AA9108F0}"/>
+              </a:ext>
+            </a:extLst>
+          </p:cNvPr>
           <p:cNvSpPr>
             <a:spLocks noGrp="1"/>
           </p:cNvSpPr>
@@ -6748,65 +7949,21 @@
               <a:defRPr/>
             </a:pPr>
             <a:r>
-              <a:rPr lang="en-GB" dirty="0"/>
-              <a:t>This project has received funding from the European Union’s Horizon 2020 research and innovation programme under grant agreement No 826078</a:t>
-            </a:r>
-          </a:p>
-        </p:txBody>
-      </p:sp>
-      <p:sp>
-        <p:nvSpPr>
-          <p:cNvPr id="7" name="Text Box 4"/>
-          <p:cNvSpPr txBox="1">
-            <a:spLocks noChangeArrowheads="1"/>
-          </p:cNvSpPr>
-          <p:nvPr/>
-        </p:nvSpPr>
-        <p:spPr bwMode="auto">
-          <a:xfrm rot="956087">
-            <a:off x="2468148" y="2548992"/>
-            <a:ext cx="4032250" cy="923330"/>
-          </a:xfrm>
-          <a:prstGeom prst="rect">
-            <a:avLst/>
-          </a:prstGeom>
-          <a:solidFill>
-            <a:srgbClr val="C8D200"/>
-          </a:solidFill>
-          <a:ln w="28575">
-            <a:solidFill>
-              <a:srgbClr val="153A8C"/>
-            </a:solidFill>
-            <a:miter lim="800000"/>
-            <a:headEnd/>
-            <a:tailEnd/>
-          </a:ln>
-        </p:spPr>
-        <p:txBody>
-          <a:bodyPr>
-            <a:spAutoFit/>
-          </a:bodyPr>
-          <a:lstStyle/>
-          <a:p>
-            <a:pPr algn="ctr"/>
-            <a:r>
-              <a:rPr lang="en-US" sz="1800" b="1" dirty="0"/>
-              <a:t>Please mind the time for your presentation - see agenda. </a:t>
-            </a:r>
-          </a:p>
-          <a:p>
-            <a:pPr algn="ctr"/>
-            <a:r>
-              <a:rPr lang="en-US" sz="1800" b="1" dirty="0"/>
-              <a:t>Thank you.</a:t>
-            </a:r>
+              <a:rPr lang="de-DE"/>
+              <a:t>This project hast received funding from the European Union’s Horizon 2020 research and innovation programme under grant agreement No </a:t>
+            </a:r>
+            <a:r>
+              <a:rPr lang="is-IS"/>
+              <a:t>826078</a:t>
+            </a:r>
+            <a:endParaRPr lang="de-DE" dirty="0"/>
           </a:p>
         </p:txBody>
       </p:sp>
     </p:spTree>
     <p:extLst>
       <p:ext uri="{BB962C8B-B14F-4D97-AF65-F5344CB8AC3E}">
-        <p14:creationId xmlns:p14="http://schemas.microsoft.com/office/powerpoint/2010/main" val="3062425111"/>
+        <p14:creationId xmlns:p14="http://schemas.microsoft.com/office/powerpoint/2010/main" val="1143459164"/>
       </p:ext>
     </p:extLst>
   </p:cSld>
